--- a/01 Classes/Aula 11 RAD Python - Classes - Orientação a Objetos.pptx
+++ b/01 Classes/Aula 11 RAD Python - Classes - Orientação a Objetos.pptx
@@ -15,8 +15,8 @@
     <p:sldId id="352" r:id="rId6"/>
     <p:sldId id="353" r:id="rId7"/>
     <p:sldId id="354" r:id="rId8"/>
-    <p:sldId id="355" r:id="rId9"/>
-    <p:sldId id="356" r:id="rId10"/>
+    <p:sldId id="356" r:id="rId9"/>
+    <p:sldId id="355" r:id="rId10"/>
     <p:sldId id="357" r:id="rId11"/>
     <p:sldId id="358" r:id="rId12"/>
     <p:sldId id="359" r:id="rId13"/>
@@ -2105,7 +2105,7 @@
     </p:spTree>
     <p:extLst>
       <p:ext uri="{BB962C8B-B14F-4D97-AF65-F5344CB8AC3E}">
-        <p14:creationId xmlns:p14="http://schemas.microsoft.com/office/powerpoint/2010/main" val="983952286"/>
+        <p14:creationId xmlns:p14="http://schemas.microsoft.com/office/powerpoint/2010/main" val="1407899389"/>
       </p:ext>
     </p:extLst>
   </p:cSld>
@@ -2171,7 +2171,7 @@
     </p:spTree>
     <p:extLst>
       <p:ext uri="{BB962C8B-B14F-4D97-AF65-F5344CB8AC3E}">
-        <p14:creationId xmlns:p14="http://schemas.microsoft.com/office/powerpoint/2010/main" val="1407899389"/>
+        <p14:creationId xmlns:p14="http://schemas.microsoft.com/office/powerpoint/2010/main" val="983952286"/>
       </p:ext>
     </p:extLst>
   </p:cSld>
@@ -2452,7 +2452,7 @@
           <a:p>
             <a:fld id="{48A87A34-81AB-432B-8DAE-1953F412C126}" type="datetimeFigureOut">
               <a:rPr lang="en-US" smtClean="0"/>
-              <a:t>8/26/2022</a:t>
+              <a:t>9/12/2023</a:t>
             </a:fld>
             <a:endParaRPr lang="en-US" dirty="0"/>
           </a:p>
@@ -2663,7 +2663,7 @@
           <a:p>
             <a:fld id="{48A87A34-81AB-432B-8DAE-1953F412C126}" type="datetimeFigureOut">
               <a:rPr lang="en-US" smtClean="0"/>
-              <a:t>8/26/2022</a:t>
+              <a:t>9/12/2023</a:t>
             </a:fld>
             <a:endParaRPr lang="en-US" dirty="0"/>
           </a:p>
@@ -2878,7 +2878,7 @@
           <a:p>
             <a:fld id="{48A87A34-81AB-432B-8DAE-1953F412C126}" type="datetimeFigureOut">
               <a:rPr lang="en-US" smtClean="0"/>
-              <a:t>8/26/2022</a:t>
+              <a:t>9/12/2023</a:t>
             </a:fld>
             <a:endParaRPr lang="en-US" dirty="0"/>
           </a:p>
@@ -3246,7 +3246,7 @@
           <a:p>
             <a:fld id="{48A87A34-81AB-432B-8DAE-1953F412C126}" type="datetimeFigureOut">
               <a:rPr lang="en-US" smtClean="0"/>
-              <a:t>8/26/2022</a:t>
+              <a:t>9/12/2023</a:t>
             </a:fld>
             <a:endParaRPr lang="en-US" dirty="0"/>
           </a:p>
@@ -3525,7 +3525,7 @@
           <a:p>
             <a:fld id="{48A87A34-81AB-432B-8DAE-1953F412C126}" type="datetimeFigureOut">
               <a:rPr lang="en-US" smtClean="0"/>
-              <a:t>8/26/2022</a:t>
+              <a:t>9/12/2023</a:t>
             </a:fld>
             <a:endParaRPr lang="en-US" dirty="0"/>
           </a:p>
@@ -3793,7 +3793,7 @@
           <a:p>
             <a:fld id="{48A87A34-81AB-432B-8DAE-1953F412C126}" type="datetimeFigureOut">
               <a:rPr lang="en-US" smtClean="0"/>
-              <a:t>8/26/2022</a:t>
+              <a:t>9/12/2023</a:t>
             </a:fld>
             <a:endParaRPr lang="en-US" dirty="0"/>
           </a:p>
@@ -4209,7 +4209,7 @@
           <a:p>
             <a:fld id="{48A87A34-81AB-432B-8DAE-1953F412C126}" type="datetimeFigureOut">
               <a:rPr lang="en-US" smtClean="0"/>
-              <a:t>8/26/2022</a:t>
+              <a:t>9/12/2023</a:t>
             </a:fld>
             <a:endParaRPr lang="en-US" dirty="0"/>
           </a:p>
@@ -4358,7 +4358,7 @@
           <a:p>
             <a:fld id="{48A87A34-81AB-432B-8DAE-1953F412C126}" type="datetimeFigureOut">
               <a:rPr lang="en-US" smtClean="0"/>
-              <a:t>8/26/2022</a:t>
+              <a:t>9/12/2023</a:t>
             </a:fld>
             <a:endParaRPr lang="en-US" dirty="0"/>
           </a:p>
@@ -4484,7 +4484,7 @@
           <a:p>
             <a:fld id="{48A87A34-81AB-432B-8DAE-1953F412C126}" type="datetimeFigureOut">
               <a:rPr lang="en-US" smtClean="0"/>
-              <a:t>8/26/2022</a:t>
+              <a:t>9/12/2023</a:t>
             </a:fld>
             <a:endParaRPr lang="en-US" dirty="0"/>
           </a:p>
@@ -4735,7 +4735,7 @@
           <a:p>
             <a:fld id="{48A87A34-81AB-432B-8DAE-1953F412C126}" type="datetimeFigureOut">
               <a:rPr lang="en-US" smtClean="0"/>
-              <a:t>8/26/2022</a:t>
+              <a:t>9/12/2023</a:t>
             </a:fld>
             <a:endParaRPr lang="en-US" dirty="0"/>
           </a:p>
@@ -5181,7 +5181,7 @@
             <a:fld id="{48A87A34-81AB-432B-8DAE-1953F412C126}" type="datetimeFigureOut">
               <a:rPr lang="en-US" smtClean="0"/>
               <a:pPr/>
-              <a:t>8/26/2022</a:t>
+              <a:t>9/12/2023</a:t>
             </a:fld>
             <a:endParaRPr lang="en-US" dirty="0"/>
           </a:p>
@@ -5509,7 +5509,7 @@
             <a:fld id="{48A87A34-81AB-432B-8DAE-1953F412C126}" type="datetimeFigureOut">
               <a:rPr lang="en-US" smtClean="0"/>
               <a:pPr/>
-              <a:t>8/26/2022</a:t>
+              <a:t>9/12/2023</a:t>
             </a:fld>
             <a:endParaRPr lang="en-US" dirty="0"/>
           </a:p>
@@ -6946,7 +6946,7 @@
                 <a:latin typeface="Times New Roman" panose="02020603050405020304" pitchFamily="18" charset="0"/>
                 <a:cs typeface="Times New Roman" panose="02020603050405020304" pitchFamily="18" charset="0"/>
               </a:rPr>
-              <a:t>(“Julia", 17)</a:t>
+              <a:t>("Julia", 17)</a:t>
             </a:r>
           </a:p>
           <a:p>
@@ -10533,6 +10533,9 @@
             </a:r>
             <a:r>
               <a:rPr lang="pt-BR" sz="2000" b="1" dirty="0">
+                <a:solidFill>
+                  <a:srgbClr val="0070C0"/>
+                </a:solidFill>
                 <a:latin typeface="Times New Roman" panose="02020603050405020304" pitchFamily="18" charset="0"/>
                 <a:cs typeface="Times New Roman" panose="02020603050405020304" pitchFamily="18" charset="0"/>
               </a:rPr>
@@ -10811,6 +10814,9 @@
             </a:r>
             <a:r>
               <a:rPr lang="pt-BR" sz="2000" b="1" dirty="0">
+                <a:solidFill>
+                  <a:srgbClr val="0070C0"/>
+                </a:solidFill>
                 <a:latin typeface="Times New Roman" panose="02020603050405020304" pitchFamily="18" charset="0"/>
                 <a:cs typeface="Times New Roman" panose="02020603050405020304" pitchFamily="18" charset="0"/>
               </a:rPr>
@@ -11778,7 +11784,75 @@
                 <a:latin typeface="Times New Roman" panose="02020603050405020304" pitchFamily="18" charset="0"/>
                 <a:cs typeface="Times New Roman" panose="02020603050405020304" pitchFamily="18" charset="0"/>
               </a:rPr>
-              <a:t>(Julia’, ‘Digital Influencer’, </a:t>
+              <a:t>(</a:t>
+            </a:r>
+            <a:r>
+              <a:rPr lang="pt-BR" sz="2000" dirty="0">
+                <a:latin typeface="Times New Roman" panose="02020603050405020304" pitchFamily="18" charset="0"/>
+                <a:cs typeface="Times New Roman" panose="02020603050405020304" pitchFamily="18" charset="0"/>
+              </a:rPr>
+              <a:t>"</a:t>
+            </a:r>
+            <a:r>
+              <a:rPr lang="pt-BR" sz="2000" dirty="0">
+                <a:solidFill>
+                  <a:schemeClr val="tx1"/>
+                </a:solidFill>
+                <a:latin typeface="Times New Roman" panose="02020603050405020304" pitchFamily="18" charset="0"/>
+                <a:cs typeface="Times New Roman" panose="02020603050405020304" pitchFamily="18" charset="0"/>
+              </a:rPr>
+              <a:t>Julia</a:t>
+            </a:r>
+            <a:r>
+              <a:rPr lang="pt-BR" sz="2000" dirty="0">
+                <a:latin typeface="Times New Roman" panose="02020603050405020304" pitchFamily="18" charset="0"/>
+                <a:cs typeface="Times New Roman" panose="02020603050405020304" pitchFamily="18" charset="0"/>
+              </a:rPr>
+              <a:t>"</a:t>
+            </a:r>
+            <a:r>
+              <a:rPr lang="pt-BR" sz="2000" dirty="0">
+                <a:solidFill>
+                  <a:schemeClr val="tx1"/>
+                </a:solidFill>
+                <a:latin typeface="Times New Roman" panose="02020603050405020304" pitchFamily="18" charset="0"/>
+                <a:cs typeface="Times New Roman" panose="02020603050405020304" pitchFamily="18" charset="0"/>
+              </a:rPr>
+              <a:t>, </a:t>
+            </a:r>
+            <a:r>
+              <a:rPr lang="pt-BR" sz="2000" dirty="0">
+                <a:latin typeface="Times New Roman" panose="02020603050405020304" pitchFamily="18" charset="0"/>
+                <a:cs typeface="Times New Roman" panose="02020603050405020304" pitchFamily="18" charset="0"/>
+              </a:rPr>
+              <a:t>"</a:t>
+            </a:r>
+            <a:r>
+              <a:rPr lang="pt-BR" sz="2000">
+                <a:solidFill>
+                  <a:schemeClr val="tx1"/>
+                </a:solidFill>
+                <a:latin typeface="Times New Roman" panose="02020603050405020304" pitchFamily="18" charset="0"/>
+                <a:cs typeface="Times New Roman" panose="02020603050405020304" pitchFamily="18" charset="0"/>
+              </a:rPr>
+              <a:t>Digital Influencer</a:t>
+            </a:r>
+            <a:r>
+              <a:rPr lang="pt-BR" sz="2000">
+                <a:latin typeface="Times New Roman" panose="02020603050405020304" pitchFamily="18" charset="0"/>
+                <a:cs typeface="Times New Roman" panose="02020603050405020304" pitchFamily="18" charset="0"/>
+              </a:rPr>
+              <a:t>"</a:t>
+            </a:r>
+            <a:r>
+              <a:rPr lang="pt-BR" sz="2000">
+                <a:solidFill>
+                  <a:schemeClr val="tx1"/>
+                </a:solidFill>
+                <a:latin typeface="Times New Roman" panose="02020603050405020304" pitchFamily="18" charset="0"/>
+                <a:cs typeface="Times New Roman" panose="02020603050405020304" pitchFamily="18" charset="0"/>
+              </a:rPr>
+              <a:t>, </a:t>
             </a:r>
             <a:r>
               <a:rPr lang="pt-BR" sz="2000" b="1" dirty="0">
@@ -12665,7 +12739,55 @@
                 <a:latin typeface="Times New Roman" panose="02020603050405020304" pitchFamily="18" charset="0"/>
                 <a:cs typeface="Times New Roman" panose="02020603050405020304" pitchFamily="18" charset="0"/>
               </a:rPr>
-              <a:t>, em Python, é a capacidade que uma subclasse tem de ter métodos com o mesmo nome de sua superclasse, e o programa saber qual método deve ser invocado, especificamente (da super ou sub).</a:t>
+              <a:t>, em Python, é a capacidade que uma </a:t>
+            </a:r>
+            <a:r>
+              <a:rPr lang="pt-BR" sz="2000" b="1" dirty="0">
+                <a:latin typeface="Times New Roman" panose="02020603050405020304" pitchFamily="18" charset="0"/>
+                <a:cs typeface="Times New Roman" panose="02020603050405020304" pitchFamily="18" charset="0"/>
+              </a:rPr>
+              <a:t>subclasse</a:t>
+            </a:r>
+            <a:r>
+              <a:rPr lang="pt-BR" sz="2000" dirty="0">
+                <a:latin typeface="Times New Roman" panose="02020603050405020304" pitchFamily="18" charset="0"/>
+                <a:cs typeface="Times New Roman" panose="02020603050405020304" pitchFamily="18" charset="0"/>
+              </a:rPr>
+              <a:t> tem de ter </a:t>
+            </a:r>
+            <a:r>
+              <a:rPr lang="pt-BR" sz="2000" b="1" dirty="0">
+                <a:solidFill>
+                  <a:srgbClr val="0070C0"/>
+                </a:solidFill>
+                <a:latin typeface="Times New Roman" panose="02020603050405020304" pitchFamily="18" charset="0"/>
+                <a:cs typeface="Times New Roman" panose="02020603050405020304" pitchFamily="18" charset="0"/>
+              </a:rPr>
+              <a:t>métodos com o mesmo nome </a:t>
+            </a:r>
+            <a:r>
+              <a:rPr lang="pt-BR" sz="2000" dirty="0">
+                <a:latin typeface="Times New Roman" panose="02020603050405020304" pitchFamily="18" charset="0"/>
+                <a:cs typeface="Times New Roman" panose="02020603050405020304" pitchFamily="18" charset="0"/>
+              </a:rPr>
+              <a:t>de sua </a:t>
+            </a:r>
+            <a:r>
+              <a:rPr lang="pt-BR" sz="2000" b="1" dirty="0">
+                <a:solidFill>
+                  <a:srgbClr val="FF0000"/>
+                </a:solidFill>
+                <a:latin typeface="Times New Roman" panose="02020603050405020304" pitchFamily="18" charset="0"/>
+                <a:cs typeface="Times New Roman" panose="02020603050405020304" pitchFamily="18" charset="0"/>
+              </a:rPr>
+              <a:t>superclasse</a:t>
+            </a:r>
+            <a:r>
+              <a:rPr lang="pt-BR" sz="2000" dirty="0">
+                <a:latin typeface="Times New Roman" panose="02020603050405020304" pitchFamily="18" charset="0"/>
+                <a:cs typeface="Times New Roman" panose="02020603050405020304" pitchFamily="18" charset="0"/>
+              </a:rPr>
+              <a:t>, e o programa saber qual método deve ser invocado, especificamente (da super ou sub).</a:t>
             </a:r>
           </a:p>
           <a:p>
@@ -12686,7 +12808,52 @@
                 <a:latin typeface="Times New Roman" panose="02020603050405020304" pitchFamily="18" charset="0"/>
                 <a:cs typeface="Times New Roman" panose="02020603050405020304" pitchFamily="18" charset="0"/>
               </a:rPr>
-              <a:t>Ou seja, o objeto tem a capacidade de assumir diferentes formas (</a:t>
+              <a:t>Ou seja, o </a:t>
+            </a:r>
+            <a:r>
+              <a:rPr lang="pt-BR" sz="2000" b="1" dirty="0">
+                <a:latin typeface="Times New Roman" panose="02020603050405020304" pitchFamily="18" charset="0"/>
+                <a:cs typeface="Times New Roman" panose="02020603050405020304" pitchFamily="18" charset="0"/>
+              </a:rPr>
+              <a:t>objeto</a:t>
+            </a:r>
+            <a:r>
+              <a:rPr lang="pt-BR" sz="2000" dirty="0">
+                <a:latin typeface="Times New Roman" panose="02020603050405020304" pitchFamily="18" charset="0"/>
+                <a:cs typeface="Times New Roman" panose="02020603050405020304" pitchFamily="18" charset="0"/>
+              </a:rPr>
+              <a:t> tem a </a:t>
+            </a:r>
+            <a:r>
+              <a:rPr lang="pt-BR" sz="2000" b="1" dirty="0">
+                <a:latin typeface="Times New Roman" panose="02020603050405020304" pitchFamily="18" charset="0"/>
+                <a:cs typeface="Times New Roman" panose="02020603050405020304" pitchFamily="18" charset="0"/>
+              </a:rPr>
+              <a:t>capacidade</a:t>
+            </a:r>
+            <a:r>
+              <a:rPr lang="pt-BR" sz="2000" dirty="0">
+                <a:latin typeface="Times New Roman" panose="02020603050405020304" pitchFamily="18" charset="0"/>
+                <a:cs typeface="Times New Roman" panose="02020603050405020304" pitchFamily="18" charset="0"/>
+              </a:rPr>
+              <a:t> de </a:t>
+            </a:r>
+            <a:r>
+              <a:rPr lang="pt-BR" sz="2000" b="1" dirty="0">
+                <a:solidFill>
+                  <a:srgbClr val="0070C0"/>
+                </a:solidFill>
+                <a:latin typeface="Times New Roman" panose="02020603050405020304" pitchFamily="18" charset="0"/>
+                <a:cs typeface="Times New Roman" panose="02020603050405020304" pitchFamily="18" charset="0"/>
+              </a:rPr>
+              <a:t>assumir diferentes formas </a:t>
+            </a:r>
+            <a:r>
+              <a:rPr lang="pt-BR" sz="2000" dirty="0">
+                <a:latin typeface="Times New Roman" panose="02020603050405020304" pitchFamily="18" charset="0"/>
+                <a:cs typeface="Times New Roman" panose="02020603050405020304" pitchFamily="18" charset="0"/>
+              </a:rPr>
+              <a:t>(</a:t>
             </a:r>
             <a:r>
               <a:rPr lang="pt-BR" sz="2000" b="1" dirty="0">
@@ -13124,14 +13291,14 @@
               <a:t>print</a:t>
             </a:r>
             <a:r>
-              <a:rPr lang="pt-BR" sz="2000">
+              <a:rPr lang="pt-BR" sz="2000" dirty="0">
                 <a:latin typeface="Times New Roman" panose="02020603050405020304" pitchFamily="18" charset="0"/>
                 <a:cs typeface="Times New Roman" panose="02020603050405020304" pitchFamily="18" charset="0"/>
               </a:rPr>
               <a:t>(</a:t>
             </a:r>
             <a:r>
-              <a:rPr lang="pt-BR" sz="2000" b="1">
+              <a:rPr lang="pt-BR" sz="2000" b="1" dirty="0">
                 <a:solidFill>
                   <a:srgbClr val="FF0000"/>
                 </a:solidFill>
@@ -13141,7 +13308,7 @@
               <a:t>Sub</a:t>
             </a:r>
             <a:r>
-              <a:rPr lang="pt-BR" sz="2000">
+              <a:rPr lang="pt-BR" sz="2000" dirty="0">
                 <a:latin typeface="Times New Roman" panose="02020603050405020304" pitchFamily="18" charset="0"/>
                 <a:cs typeface="Times New Roman" panose="02020603050405020304" pitchFamily="18" charset="0"/>
               </a:rPr>
@@ -13162,19 +13329,8 @@
                 <a:latin typeface="Times New Roman" panose="02020603050405020304" pitchFamily="18" charset="0"/>
                 <a:cs typeface="Times New Roman" panose="02020603050405020304" pitchFamily="18" charset="0"/>
               </a:rPr>
-              <a:t>(2</a:t>
-            </a:r>
-            <a:r>
-              <a:rPr lang="pt-BR" sz="2000">
-                <a:latin typeface="Times New Roman" panose="02020603050405020304" pitchFamily="18" charset="0"/>
-                <a:cs typeface="Times New Roman" panose="02020603050405020304" pitchFamily="18" charset="0"/>
-              </a:rPr>
-              <a:t>, 3, 7)) </a:t>
-            </a:r>
-            <a:endParaRPr lang="pt-BR" sz="2000" dirty="0">
-              <a:latin typeface="Times New Roman" panose="02020603050405020304" pitchFamily="18" charset="0"/>
-              <a:cs typeface="Times New Roman" panose="02020603050405020304" pitchFamily="18" charset="0"/>
-            </a:endParaRPr>
+              <a:t>(2, 3, 7)) </a:t>
+            </a:r>
           </a:p>
         </p:txBody>
       </p:sp>
@@ -14300,12 +14456,15 @@
                 <a:cs typeface="Times New Roman" panose="02020603050405020304" pitchFamily="18" charset="0"/>
                 <a:hlinkClick r:id="rId3"/>
               </a:rPr>
-              <a:t>https://www.w3schools.com/python/python_variables.asp</a:t>
-            </a:r>
-            <a:endParaRPr lang="pt-BR" sz="2400" dirty="0">
-              <a:latin typeface="Times New Roman" panose="02020603050405020304" pitchFamily="18" charset="0"/>
-              <a:cs typeface="Times New Roman" panose="02020603050405020304" pitchFamily="18" charset="0"/>
-            </a:endParaRPr>
+              <a:t>https://www.w3schools.com/python/python_classes.asp</a:t>
+            </a:r>
+            <a:r>
+              <a:rPr lang="pt-BR" sz="2400" dirty="0">
+                <a:latin typeface="Times New Roman" panose="02020603050405020304" pitchFamily="18" charset="0"/>
+                <a:cs typeface="Times New Roman" panose="02020603050405020304" pitchFamily="18" charset="0"/>
+              </a:rPr>
+              <a:t> </a:t>
+            </a:r>
           </a:p>
           <a:p>
             <a:pPr marL="0" indent="0" algn="just">
@@ -16912,13 +17071,16 @@
                   <a:srgbClr val="0070C0"/>
                 </a:solidFill>
               </a:rPr>
-              <a:t>metódos</a:t>
-            </a:r>
-            <a:endParaRPr lang="en-US" b="1" dirty="0">
-              <a:solidFill>
-                <a:srgbClr val="0070C0"/>
-              </a:solidFill>
-            </a:endParaRPr>
+              <a:t>Parâmetro</a:t>
+            </a:r>
+            <a:r>
+              <a:rPr lang="en-US" b="1" dirty="0">
+                <a:solidFill>
+                  <a:srgbClr val="0070C0"/>
+                </a:solidFill>
+              </a:rPr>
+              <a:t> SELF</a:t>
+            </a:r>
           </a:p>
         </p:txBody>
       </p:sp>
@@ -16948,73 +17110,66 @@
               <a:buNone/>
             </a:pPr>
             <a:r>
+              <a:rPr lang="pt-BR" sz="2400" dirty="0">
+                <a:latin typeface="Times New Roman" panose="02020603050405020304" pitchFamily="18" charset="0"/>
+                <a:cs typeface="Times New Roman" panose="02020603050405020304" pitchFamily="18" charset="0"/>
+              </a:rPr>
+              <a:t>O </a:t>
+            </a:r>
+            <a:r>
               <a:rPr lang="pt-BR" sz="2400" b="1" dirty="0">
-                <a:latin typeface="Times New Roman" panose="02020603050405020304" pitchFamily="18" charset="0"/>
-                <a:cs typeface="Times New Roman" panose="02020603050405020304" pitchFamily="18" charset="0"/>
-              </a:rPr>
-              <a:t>Objetos</a:t>
+                <a:solidFill>
+                  <a:srgbClr val="FF0000"/>
+                </a:solidFill>
+                <a:latin typeface="Times New Roman" panose="02020603050405020304" pitchFamily="18" charset="0"/>
+                <a:cs typeface="Times New Roman" panose="02020603050405020304" pitchFamily="18" charset="0"/>
+              </a:rPr>
+              <a:t>parâmetro self </a:t>
             </a:r>
             <a:r>
               <a:rPr lang="pt-BR" sz="2400" dirty="0">
                 <a:latin typeface="Times New Roman" panose="02020603050405020304" pitchFamily="18" charset="0"/>
                 <a:cs typeface="Times New Roman" panose="02020603050405020304" pitchFamily="18" charset="0"/>
               </a:rPr>
-              <a:t> também podem conter </a:t>
+              <a:t>é uma </a:t>
             </a:r>
             <a:r>
               <a:rPr lang="pt-BR" sz="2400" b="1" dirty="0">
-                <a:latin typeface="Times New Roman" panose="02020603050405020304" pitchFamily="18" charset="0"/>
-                <a:cs typeface="Times New Roman" panose="02020603050405020304" pitchFamily="18" charset="0"/>
-              </a:rPr>
-              <a:t>métodos</a:t>
+                <a:solidFill>
+                  <a:srgbClr val="FF0000"/>
+                </a:solidFill>
+                <a:latin typeface="Times New Roman" panose="02020603050405020304" pitchFamily="18" charset="0"/>
+                <a:cs typeface="Times New Roman" panose="02020603050405020304" pitchFamily="18" charset="0"/>
+              </a:rPr>
+              <a:t>referência à instância atual da classe</a:t>
             </a:r>
             <a:r>
               <a:rPr lang="pt-BR" sz="2400" dirty="0">
                 <a:latin typeface="Times New Roman" panose="02020603050405020304" pitchFamily="18" charset="0"/>
                 <a:cs typeface="Times New Roman" panose="02020603050405020304" pitchFamily="18" charset="0"/>
               </a:rPr>
-              <a:t>. </a:t>
+              <a:t> e é usado para acessar </a:t>
             </a:r>
             <a:r>
               <a:rPr lang="pt-BR" sz="2400" b="1" dirty="0">
-                <a:solidFill>
-                  <a:srgbClr val="FF0000"/>
-                </a:solidFill>
-                <a:latin typeface="Times New Roman" panose="02020603050405020304" pitchFamily="18" charset="0"/>
-                <a:cs typeface="Times New Roman" panose="02020603050405020304" pitchFamily="18" charset="0"/>
-              </a:rPr>
-              <a:t>Métodos</a:t>
+                <a:latin typeface="Times New Roman" panose="02020603050405020304" pitchFamily="18" charset="0"/>
+                <a:cs typeface="Times New Roman" panose="02020603050405020304" pitchFamily="18" charset="0"/>
+              </a:rPr>
+              <a:t>variáveis</a:t>
             </a:r>
             <a:r>
               <a:rPr lang="pt-BR" sz="2400" dirty="0">
                 <a:latin typeface="Times New Roman" panose="02020603050405020304" pitchFamily="18" charset="0"/>
                 <a:cs typeface="Times New Roman" panose="02020603050405020304" pitchFamily="18" charset="0"/>
               </a:rPr>
-              <a:t> em objetos </a:t>
+              <a:t> ​​que pertencem à </a:t>
             </a:r>
             <a:r>
               <a:rPr lang="pt-BR" sz="2400" b="1" dirty="0">
                 <a:latin typeface="Times New Roman" panose="02020603050405020304" pitchFamily="18" charset="0"/>
                 <a:cs typeface="Times New Roman" panose="02020603050405020304" pitchFamily="18" charset="0"/>
               </a:rPr>
-              <a:t>são funções</a:t>
-            </a:r>
-            <a:r>
-              <a:rPr lang="pt-BR" sz="2400" dirty="0">
-                <a:latin typeface="Times New Roman" panose="02020603050405020304" pitchFamily="18" charset="0"/>
-                <a:cs typeface="Times New Roman" panose="02020603050405020304" pitchFamily="18" charset="0"/>
-              </a:rPr>
-              <a:t> que pertencem ao </a:t>
-            </a:r>
-            <a:r>
-              <a:rPr lang="pt-BR" sz="2400" b="1" dirty="0">
-                <a:solidFill>
-                  <a:srgbClr val="FF0000"/>
-                </a:solidFill>
-                <a:latin typeface="Times New Roman" panose="02020603050405020304" pitchFamily="18" charset="0"/>
-                <a:cs typeface="Times New Roman" panose="02020603050405020304" pitchFamily="18" charset="0"/>
-              </a:rPr>
-              <a:t>objeto</a:t>
+              <a:t>classe</a:t>
             </a:r>
             <a:r>
               <a:rPr lang="pt-BR" sz="2400" dirty="0">
@@ -17038,164 +17193,67 @@
               <a:buNone/>
             </a:pPr>
             <a:r>
-              <a:rPr lang="en-US" sz="2400" dirty="0">
-                <a:latin typeface="Times New Roman" panose="02020603050405020304" pitchFamily="18" charset="0"/>
-                <a:cs typeface="Times New Roman" panose="02020603050405020304" pitchFamily="18" charset="0"/>
-              </a:rPr>
-              <a:t> </a:t>
-            </a:r>
-            <a:r>
-              <a:rPr lang="en-US" sz="2400" b="1" dirty="0">
-                <a:latin typeface="Times New Roman" panose="02020603050405020304" pitchFamily="18" charset="0"/>
-                <a:cs typeface="Times New Roman" panose="02020603050405020304" pitchFamily="18" charset="0"/>
-              </a:rPr>
-              <a:t>def</a:t>
-            </a:r>
-            <a:r>
-              <a:rPr lang="en-US" sz="2400" dirty="0">
-                <a:latin typeface="Times New Roman" panose="02020603050405020304" pitchFamily="18" charset="0"/>
-                <a:cs typeface="Times New Roman" panose="02020603050405020304" pitchFamily="18" charset="0"/>
-              </a:rPr>
-              <a:t> </a:t>
-            </a:r>
-            <a:r>
-              <a:rPr lang="en-US" sz="2400" b="1" dirty="0" err="1">
-                <a:solidFill>
-                  <a:srgbClr val="FF0000"/>
-                </a:solidFill>
-                <a:latin typeface="Times New Roman" panose="02020603050405020304" pitchFamily="18" charset="0"/>
-                <a:cs typeface="Times New Roman" panose="02020603050405020304" pitchFamily="18" charset="0"/>
-              </a:rPr>
-              <a:t>imprime_nome</a:t>
-            </a:r>
-            <a:r>
-              <a:rPr lang="en-US" sz="2400" dirty="0">
-                <a:latin typeface="Times New Roman" panose="02020603050405020304" pitchFamily="18" charset="0"/>
-                <a:cs typeface="Times New Roman" panose="02020603050405020304" pitchFamily="18" charset="0"/>
-              </a:rPr>
-              <a:t>(</a:t>
-            </a:r>
-            <a:r>
-              <a:rPr lang="en-US" sz="2400" b="1" dirty="0">
-                <a:latin typeface="Times New Roman" panose="02020603050405020304" pitchFamily="18" charset="0"/>
-                <a:cs typeface="Times New Roman" panose="02020603050405020304" pitchFamily="18" charset="0"/>
-              </a:rPr>
-              <a:t>self</a:t>
-            </a:r>
-            <a:r>
-              <a:rPr lang="en-US" sz="2400" dirty="0">
-                <a:latin typeface="Times New Roman" panose="02020603050405020304" pitchFamily="18" charset="0"/>
-                <a:cs typeface="Times New Roman" panose="02020603050405020304" pitchFamily="18" charset="0"/>
-              </a:rPr>
-              <a:t>):</a:t>
-            </a:r>
+              <a:rPr lang="pt-BR" sz="2400" dirty="0">
+                <a:latin typeface="Times New Roman" panose="02020603050405020304" pitchFamily="18" charset="0"/>
+                <a:cs typeface="Times New Roman" panose="02020603050405020304" pitchFamily="18" charset="0"/>
+              </a:rPr>
+              <a:t>Ele não precisa ser </a:t>
+            </a:r>
+            <a:r>
+              <a:rPr lang="pt-BR" sz="2400" b="1" dirty="0">
+                <a:latin typeface="Times New Roman" panose="02020603050405020304" pitchFamily="18" charset="0"/>
+                <a:cs typeface="Times New Roman" panose="02020603050405020304" pitchFamily="18" charset="0"/>
+              </a:rPr>
+              <a:t>nomeado self</a:t>
+            </a:r>
+            <a:r>
+              <a:rPr lang="pt-BR" sz="2400" dirty="0">
+                <a:latin typeface="Times New Roman" panose="02020603050405020304" pitchFamily="18" charset="0"/>
+                <a:cs typeface="Times New Roman" panose="02020603050405020304" pitchFamily="18" charset="0"/>
+              </a:rPr>
+              <a:t>, você pode chamá-lo como quiser, mas deve ser o </a:t>
+            </a:r>
+            <a:r>
+              <a:rPr lang="pt-BR" sz="2400" b="1" dirty="0">
+                <a:latin typeface="Times New Roman" panose="02020603050405020304" pitchFamily="18" charset="0"/>
+                <a:cs typeface="Times New Roman" panose="02020603050405020304" pitchFamily="18" charset="0"/>
+              </a:rPr>
+              <a:t>primeiro parâmetro</a:t>
+            </a:r>
+            <a:r>
+              <a:rPr lang="pt-BR" sz="2400" dirty="0">
+                <a:latin typeface="Times New Roman" panose="02020603050405020304" pitchFamily="18" charset="0"/>
+                <a:cs typeface="Times New Roman" panose="02020603050405020304" pitchFamily="18" charset="0"/>
+              </a:rPr>
+              <a:t> de qualquer </a:t>
+            </a:r>
+            <a:r>
+              <a:rPr lang="pt-BR" sz="2400" b="1" dirty="0">
+                <a:latin typeface="Times New Roman" panose="02020603050405020304" pitchFamily="18" charset="0"/>
+                <a:cs typeface="Times New Roman" panose="02020603050405020304" pitchFamily="18" charset="0"/>
+              </a:rPr>
+              <a:t>função na classe.</a:t>
+            </a:r>
+            <a:endParaRPr lang="pt-BR" sz="2400" dirty="0">
+              <a:latin typeface="Times New Roman" panose="02020603050405020304" pitchFamily="18" charset="0"/>
+              <a:cs typeface="Times New Roman" panose="02020603050405020304" pitchFamily="18" charset="0"/>
+            </a:endParaRPr>
           </a:p>
           <a:p>
             <a:pPr marL="0" indent="0" algn="just">
               <a:buNone/>
             </a:pPr>
-            <a:r>
-              <a:rPr lang="en-US" sz="2400" dirty="0">
-                <a:latin typeface="Times New Roman" panose="02020603050405020304" pitchFamily="18" charset="0"/>
-                <a:cs typeface="Times New Roman" panose="02020603050405020304" pitchFamily="18" charset="0"/>
-              </a:rPr>
-              <a:t>    </a:t>
-            </a:r>
-            <a:r>
-              <a:rPr lang="en-US" sz="2400" b="1" dirty="0">
-                <a:latin typeface="Times New Roman" panose="02020603050405020304" pitchFamily="18" charset="0"/>
-                <a:cs typeface="Times New Roman" panose="02020603050405020304" pitchFamily="18" charset="0"/>
-              </a:rPr>
-              <a:t>print</a:t>
-            </a:r>
-            <a:r>
-              <a:rPr lang="en-US" sz="2400" dirty="0">
-                <a:latin typeface="Times New Roman" panose="02020603050405020304" pitchFamily="18" charset="0"/>
-                <a:cs typeface="Times New Roman" panose="02020603050405020304" pitchFamily="18" charset="0"/>
-              </a:rPr>
-              <a:t>(“Meu </a:t>
-            </a:r>
-            <a:r>
-              <a:rPr lang="en-US" sz="2400" dirty="0" err="1">
-                <a:latin typeface="Times New Roman" panose="02020603050405020304" pitchFamily="18" charset="0"/>
-                <a:cs typeface="Times New Roman" panose="02020603050405020304" pitchFamily="18" charset="0"/>
-              </a:rPr>
-              <a:t>nome</a:t>
-            </a:r>
-            <a:r>
-              <a:rPr lang="en-US" sz="2400" dirty="0">
-                <a:latin typeface="Times New Roman" panose="02020603050405020304" pitchFamily="18" charset="0"/>
-                <a:cs typeface="Times New Roman" panose="02020603050405020304" pitchFamily="18" charset="0"/>
-              </a:rPr>
-              <a:t> é: " + </a:t>
-            </a:r>
-            <a:r>
-              <a:rPr lang="en-US" sz="2400" b="1" dirty="0" err="1">
-                <a:latin typeface="Times New Roman" panose="02020603050405020304" pitchFamily="18" charset="0"/>
-                <a:cs typeface="Times New Roman" panose="02020603050405020304" pitchFamily="18" charset="0"/>
-              </a:rPr>
-              <a:t>self</a:t>
-            </a:r>
-            <a:r>
-              <a:rPr lang="en-US" sz="2400" dirty="0" err="1">
-                <a:latin typeface="Times New Roman" panose="02020603050405020304" pitchFamily="18" charset="0"/>
-                <a:cs typeface="Times New Roman" panose="02020603050405020304" pitchFamily="18" charset="0"/>
-              </a:rPr>
-              <a:t>.nome</a:t>
-            </a:r>
-            <a:r>
-              <a:rPr lang="en-US" sz="2400" dirty="0">
-                <a:latin typeface="Times New Roman" panose="02020603050405020304" pitchFamily="18" charset="0"/>
-                <a:cs typeface="Times New Roman" panose="02020603050405020304" pitchFamily="18" charset="0"/>
-              </a:rPr>
-              <a:t>)</a:t>
-            </a:r>
-          </a:p>
-          <a:p>
-            <a:pPr marL="0" indent="0" algn="just">
-              <a:buNone/>
-            </a:pPr>
-            <a:r>
-              <a:rPr lang="pt-BR" sz="2400" dirty="0">
-                <a:latin typeface="Times New Roman" panose="02020603050405020304" pitchFamily="18" charset="0"/>
-                <a:cs typeface="Times New Roman" panose="02020603050405020304" pitchFamily="18" charset="0"/>
-              </a:rPr>
-              <a:t>p1.</a:t>
-            </a:r>
-            <a:r>
-              <a:rPr lang="en-US" sz="2400" b="1" dirty="0">
-                <a:solidFill>
-                  <a:srgbClr val="FF0000"/>
-                </a:solidFill>
-                <a:latin typeface="Times New Roman" panose="02020603050405020304" pitchFamily="18" charset="0"/>
-                <a:cs typeface="Times New Roman" panose="02020603050405020304" pitchFamily="18" charset="0"/>
-              </a:rPr>
-              <a:t> </a:t>
-            </a:r>
-            <a:r>
-              <a:rPr lang="en-US" sz="2400" b="1" dirty="0" err="1">
-                <a:solidFill>
-                  <a:srgbClr val="FF0000"/>
-                </a:solidFill>
-                <a:latin typeface="Times New Roman" panose="02020603050405020304" pitchFamily="18" charset="0"/>
-                <a:cs typeface="Times New Roman" panose="02020603050405020304" pitchFamily="18" charset="0"/>
-              </a:rPr>
-              <a:t>imprime_nome</a:t>
-            </a:r>
-            <a:r>
-              <a:rPr lang="pt-BR" sz="2400" dirty="0">
-                <a:latin typeface="Times New Roman" panose="02020603050405020304" pitchFamily="18" charset="0"/>
-                <a:cs typeface="Times New Roman" panose="02020603050405020304" pitchFamily="18" charset="0"/>
-              </a:rPr>
-              <a:t>()</a:t>
-            </a:r>
+            <a:endParaRPr lang="pt-BR" sz="2400" dirty="0">
+              <a:latin typeface="Times New Roman" panose="02020603050405020304" pitchFamily="18" charset="0"/>
+              <a:cs typeface="Times New Roman" panose="02020603050405020304" pitchFamily="18" charset="0"/>
+            </a:endParaRPr>
           </a:p>
         </p:txBody>
       </p:sp>
     </p:spTree>
     <p:extLst>
       <p:ext uri="{BB962C8B-B14F-4D97-AF65-F5344CB8AC3E}">
-        <p14:creationId xmlns:p14="http://schemas.microsoft.com/office/powerpoint/2010/main" val="4052486642"/>
+        <p14:creationId xmlns:p14="http://schemas.microsoft.com/office/powerpoint/2010/main" val="1196706685"/>
       </p:ext>
     </p:extLst>
   </p:cSld>
@@ -17260,16 +17318,13 @@
                   <a:srgbClr val="0070C0"/>
                 </a:solidFill>
               </a:rPr>
-              <a:t>Parâmetro</a:t>
-            </a:r>
-            <a:r>
-              <a:rPr lang="en-US" b="1" dirty="0">
-                <a:solidFill>
-                  <a:srgbClr val="0070C0"/>
-                </a:solidFill>
-              </a:rPr>
-              <a:t> SELF</a:t>
-            </a:r>
+              <a:t>metódos</a:t>
+            </a:r>
+            <a:endParaRPr lang="en-US" b="1" dirty="0">
+              <a:solidFill>
+                <a:srgbClr val="0070C0"/>
+              </a:solidFill>
+            </a:endParaRPr>
           </a:p>
         </p:txBody>
       </p:sp>
@@ -17299,80 +17354,42 @@
               <a:buNone/>
             </a:pPr>
             <a:r>
-              <a:rPr lang="pt-BR" sz="2000" dirty="0">
-                <a:latin typeface="Times New Roman" panose="02020603050405020304" pitchFamily="18" charset="0"/>
-                <a:cs typeface="Times New Roman" panose="02020603050405020304" pitchFamily="18" charset="0"/>
-              </a:rPr>
-              <a:t>O </a:t>
-            </a:r>
-            <a:r>
-              <a:rPr lang="pt-BR" sz="2000" b="1" dirty="0">
-                <a:solidFill>
-                  <a:srgbClr val="FF0000"/>
-                </a:solidFill>
-                <a:latin typeface="Times New Roman" panose="02020603050405020304" pitchFamily="18" charset="0"/>
-                <a:cs typeface="Times New Roman" panose="02020603050405020304" pitchFamily="18" charset="0"/>
-              </a:rPr>
-              <a:t>parâmetro self </a:t>
-            </a:r>
-            <a:r>
-              <a:rPr lang="pt-BR" sz="2000" dirty="0">
-                <a:latin typeface="Times New Roman" panose="02020603050405020304" pitchFamily="18" charset="0"/>
-                <a:cs typeface="Times New Roman" panose="02020603050405020304" pitchFamily="18" charset="0"/>
-              </a:rPr>
-              <a:t>é uma </a:t>
-            </a:r>
-            <a:r>
-              <a:rPr lang="pt-BR" sz="2000" b="1" dirty="0">
-                <a:solidFill>
-                  <a:srgbClr val="FF0000"/>
-                </a:solidFill>
-                <a:latin typeface="Times New Roman" panose="02020603050405020304" pitchFamily="18" charset="0"/>
-                <a:cs typeface="Times New Roman" panose="02020603050405020304" pitchFamily="18" charset="0"/>
-              </a:rPr>
-              <a:t>referência à instância atual da classe</a:t>
-            </a:r>
-            <a:r>
-              <a:rPr lang="pt-BR" sz="2000" dirty="0">
-                <a:latin typeface="Times New Roman" panose="02020603050405020304" pitchFamily="18" charset="0"/>
-                <a:cs typeface="Times New Roman" panose="02020603050405020304" pitchFamily="18" charset="0"/>
-              </a:rPr>
-              <a:t> e é usado para acessar </a:t>
-            </a:r>
-            <a:r>
-              <a:rPr lang="pt-BR" sz="2000" b="1" dirty="0">
-                <a:latin typeface="Times New Roman" panose="02020603050405020304" pitchFamily="18" charset="0"/>
-                <a:cs typeface="Times New Roman" panose="02020603050405020304" pitchFamily="18" charset="0"/>
-              </a:rPr>
-              <a:t>variáveis</a:t>
-            </a:r>
-            <a:r>
-              <a:rPr lang="pt-BR" sz="2000" dirty="0">
-                <a:latin typeface="Times New Roman" panose="02020603050405020304" pitchFamily="18" charset="0"/>
-                <a:cs typeface="Times New Roman" panose="02020603050405020304" pitchFamily="18" charset="0"/>
-              </a:rPr>
-              <a:t> ​​que pertencem à </a:t>
-            </a:r>
-            <a:r>
-              <a:rPr lang="pt-BR" sz="2000" b="1" dirty="0">
-                <a:latin typeface="Times New Roman" panose="02020603050405020304" pitchFamily="18" charset="0"/>
-                <a:cs typeface="Times New Roman" panose="02020603050405020304" pitchFamily="18" charset="0"/>
-              </a:rPr>
-              <a:t>classe</a:t>
-            </a:r>
-            <a:r>
-              <a:rPr lang="pt-BR" sz="2000" dirty="0">
-                <a:latin typeface="Times New Roman" panose="02020603050405020304" pitchFamily="18" charset="0"/>
-                <a:cs typeface="Times New Roman" panose="02020603050405020304" pitchFamily="18" charset="0"/>
-              </a:rPr>
-              <a:t>.</a:t>
+              <a:rPr lang="pt-BR" sz="2400" b="1" dirty="0">
+                <a:latin typeface="Times New Roman" panose="02020603050405020304" pitchFamily="18" charset="0"/>
+                <a:cs typeface="Times New Roman" panose="02020603050405020304" pitchFamily="18" charset="0"/>
+              </a:rPr>
+              <a:t>Objetos</a:t>
+            </a:r>
+            <a:r>
+              <a:rPr lang="pt-BR" sz="2400" dirty="0">
+                <a:latin typeface="Times New Roman" panose="02020603050405020304" pitchFamily="18" charset="0"/>
+                <a:cs typeface="Times New Roman" panose="02020603050405020304" pitchFamily="18" charset="0"/>
+              </a:rPr>
+              <a:t> também podem conter </a:t>
+            </a:r>
+            <a:r>
+              <a:rPr lang="pt-BR" sz="2400" b="1" dirty="0">
+                <a:latin typeface="Times New Roman" panose="02020603050405020304" pitchFamily="18" charset="0"/>
+                <a:cs typeface="Times New Roman" panose="02020603050405020304" pitchFamily="18" charset="0"/>
+              </a:rPr>
+              <a:t>métodos</a:t>
+            </a:r>
+            <a:r>
+              <a:rPr lang="pt-BR" sz="2400" dirty="0">
+                <a:latin typeface="Times New Roman" panose="02020603050405020304" pitchFamily="18" charset="0"/>
+                <a:cs typeface="Times New Roman" panose="02020603050405020304" pitchFamily="18" charset="0"/>
+              </a:rPr>
+              <a:t>. </a:t>
             </a:r>
           </a:p>
           <a:p>
             <a:pPr marL="0" indent="0" algn="just">
               <a:buNone/>
             </a:pPr>
-            <a:endParaRPr lang="pt-BR" sz="2000" dirty="0">
+            <a:endParaRPr lang="pt-BR" sz="2400" b="1" dirty="0">
+              <a:solidFill>
+                <a:srgbClr val="FF0000"/>
+              </a:solidFill>
               <a:latin typeface="Times New Roman" panose="02020603050405020304" pitchFamily="18" charset="0"/>
               <a:cs typeface="Times New Roman" panose="02020603050405020304" pitchFamily="18" charset="0"/>
             </a:endParaRPr>
@@ -17382,67 +17399,229 @@
               <a:buNone/>
             </a:pPr>
             <a:r>
-              <a:rPr lang="pt-BR" sz="2000" dirty="0">
-                <a:latin typeface="Times New Roman" panose="02020603050405020304" pitchFamily="18" charset="0"/>
-                <a:cs typeface="Times New Roman" panose="02020603050405020304" pitchFamily="18" charset="0"/>
-              </a:rPr>
-              <a:t>Ele não precisa ser </a:t>
-            </a:r>
-            <a:r>
-              <a:rPr lang="pt-BR" sz="2000" b="1" dirty="0">
-                <a:latin typeface="Times New Roman" panose="02020603050405020304" pitchFamily="18" charset="0"/>
-                <a:cs typeface="Times New Roman" panose="02020603050405020304" pitchFamily="18" charset="0"/>
-              </a:rPr>
-              <a:t>nomeado self</a:t>
-            </a:r>
-            <a:r>
-              <a:rPr lang="pt-BR" sz="2000" dirty="0">
-                <a:latin typeface="Times New Roman" panose="02020603050405020304" pitchFamily="18" charset="0"/>
-                <a:cs typeface="Times New Roman" panose="02020603050405020304" pitchFamily="18" charset="0"/>
-              </a:rPr>
-              <a:t>, você pode chamá-lo como quiser, mas deve ser o </a:t>
-            </a:r>
-            <a:r>
-              <a:rPr lang="pt-BR" sz="2000" b="1" dirty="0">
-                <a:latin typeface="Times New Roman" panose="02020603050405020304" pitchFamily="18" charset="0"/>
-                <a:cs typeface="Times New Roman" panose="02020603050405020304" pitchFamily="18" charset="0"/>
-              </a:rPr>
-              <a:t>primeiro parâmetro</a:t>
-            </a:r>
-            <a:r>
-              <a:rPr lang="pt-BR" sz="2000" dirty="0">
-                <a:latin typeface="Times New Roman" panose="02020603050405020304" pitchFamily="18" charset="0"/>
-                <a:cs typeface="Times New Roman" panose="02020603050405020304" pitchFamily="18" charset="0"/>
-              </a:rPr>
-              <a:t> de qualquer </a:t>
-            </a:r>
-            <a:r>
-              <a:rPr lang="pt-BR" sz="2000" b="1" dirty="0">
-                <a:latin typeface="Times New Roman" panose="02020603050405020304" pitchFamily="18" charset="0"/>
-                <a:cs typeface="Times New Roman" panose="02020603050405020304" pitchFamily="18" charset="0"/>
-              </a:rPr>
-              <a:t>função na classe.</a:t>
-            </a:r>
-            <a:endParaRPr lang="pt-BR" sz="2000" dirty="0">
-              <a:latin typeface="Times New Roman" panose="02020603050405020304" pitchFamily="18" charset="0"/>
-              <a:cs typeface="Times New Roman" panose="02020603050405020304" pitchFamily="18" charset="0"/>
-            </a:endParaRPr>
+              <a:rPr lang="pt-BR" sz="2400" b="1" dirty="0">
+                <a:solidFill>
+                  <a:srgbClr val="FF0000"/>
+                </a:solidFill>
+                <a:latin typeface="Times New Roman" panose="02020603050405020304" pitchFamily="18" charset="0"/>
+                <a:cs typeface="Times New Roman" panose="02020603050405020304" pitchFamily="18" charset="0"/>
+              </a:rPr>
+              <a:t>Métodos</a:t>
+            </a:r>
+            <a:r>
+              <a:rPr lang="pt-BR" sz="2400" dirty="0">
+                <a:latin typeface="Times New Roman" panose="02020603050405020304" pitchFamily="18" charset="0"/>
+                <a:cs typeface="Times New Roman" panose="02020603050405020304" pitchFamily="18" charset="0"/>
+              </a:rPr>
+              <a:t> em objetos </a:t>
+            </a:r>
+            <a:r>
+              <a:rPr lang="pt-BR" sz="2400" b="1" dirty="0">
+                <a:latin typeface="Times New Roman" panose="02020603050405020304" pitchFamily="18" charset="0"/>
+                <a:cs typeface="Times New Roman" panose="02020603050405020304" pitchFamily="18" charset="0"/>
+              </a:rPr>
+              <a:t>são funções</a:t>
+            </a:r>
+            <a:r>
+              <a:rPr lang="pt-BR" sz="2400" dirty="0">
+                <a:latin typeface="Times New Roman" panose="02020603050405020304" pitchFamily="18" charset="0"/>
+                <a:cs typeface="Times New Roman" panose="02020603050405020304" pitchFamily="18" charset="0"/>
+              </a:rPr>
+              <a:t> que pertencem ao </a:t>
+            </a:r>
+            <a:r>
+              <a:rPr lang="pt-BR" sz="2400" b="1" dirty="0">
+                <a:solidFill>
+                  <a:srgbClr val="FF0000"/>
+                </a:solidFill>
+                <a:latin typeface="Times New Roman" panose="02020603050405020304" pitchFamily="18" charset="0"/>
+                <a:cs typeface="Times New Roman" panose="02020603050405020304" pitchFamily="18" charset="0"/>
+              </a:rPr>
+              <a:t>objeto</a:t>
+            </a:r>
+            <a:r>
+              <a:rPr lang="pt-BR" sz="2400" dirty="0">
+                <a:latin typeface="Times New Roman" panose="02020603050405020304" pitchFamily="18" charset="0"/>
+                <a:cs typeface="Times New Roman" panose="02020603050405020304" pitchFamily="18" charset="0"/>
+              </a:rPr>
+              <a:t>.</a:t>
+            </a:r>
           </a:p>
           <a:p>
             <a:pPr marL="0" indent="0" algn="just">
               <a:buNone/>
             </a:pPr>
-            <a:endParaRPr lang="pt-BR" sz="2000" dirty="0">
-              <a:latin typeface="Times New Roman" panose="02020603050405020304" pitchFamily="18" charset="0"/>
-              <a:cs typeface="Times New Roman" panose="02020603050405020304" pitchFamily="18" charset="0"/>
-            </a:endParaRPr>
+            <a:r>
+              <a:rPr lang="pt-BR" sz="2400" dirty="0">
+                <a:latin typeface="Times New Roman" panose="02020603050405020304" pitchFamily="18" charset="0"/>
+                <a:cs typeface="Times New Roman" panose="02020603050405020304" pitchFamily="18" charset="0"/>
+              </a:rPr>
+              <a:t>  Ex.: ...</a:t>
+            </a:r>
+          </a:p>
+          <a:p>
+            <a:pPr marL="0" indent="0" algn="just">
+              <a:buNone/>
+            </a:pPr>
+            <a:r>
+              <a:rPr lang="en-US" sz="2400" dirty="0">
+                <a:latin typeface="Times New Roman" panose="02020603050405020304" pitchFamily="18" charset="0"/>
+                <a:cs typeface="Times New Roman" panose="02020603050405020304" pitchFamily="18" charset="0"/>
+              </a:rPr>
+              <a:t> </a:t>
+            </a:r>
+            <a:r>
+              <a:rPr lang="en-US" sz="2400" b="1" dirty="0">
+                <a:latin typeface="Times New Roman" panose="02020603050405020304" pitchFamily="18" charset="0"/>
+                <a:cs typeface="Times New Roman" panose="02020603050405020304" pitchFamily="18" charset="0"/>
+              </a:rPr>
+              <a:t>def</a:t>
+            </a:r>
+            <a:r>
+              <a:rPr lang="en-US" sz="2400" dirty="0">
+                <a:latin typeface="Times New Roman" panose="02020603050405020304" pitchFamily="18" charset="0"/>
+                <a:cs typeface="Times New Roman" panose="02020603050405020304" pitchFamily="18" charset="0"/>
+              </a:rPr>
+              <a:t> </a:t>
+            </a:r>
+            <a:r>
+              <a:rPr lang="en-US" sz="2400" b="1" dirty="0" err="1">
+                <a:solidFill>
+                  <a:srgbClr val="FF0000"/>
+                </a:solidFill>
+                <a:latin typeface="Times New Roman" panose="02020603050405020304" pitchFamily="18" charset="0"/>
+                <a:cs typeface="Times New Roman" panose="02020603050405020304" pitchFamily="18" charset="0"/>
+              </a:rPr>
+              <a:t>imprime_nome</a:t>
+            </a:r>
+            <a:r>
+              <a:rPr lang="en-US" sz="2400" dirty="0">
+                <a:latin typeface="Times New Roman" panose="02020603050405020304" pitchFamily="18" charset="0"/>
+                <a:cs typeface="Times New Roman" panose="02020603050405020304" pitchFamily="18" charset="0"/>
+              </a:rPr>
+              <a:t>(</a:t>
+            </a:r>
+            <a:r>
+              <a:rPr lang="en-US" sz="2400" b="1" dirty="0">
+                <a:latin typeface="Times New Roman" panose="02020603050405020304" pitchFamily="18" charset="0"/>
+                <a:cs typeface="Times New Roman" panose="02020603050405020304" pitchFamily="18" charset="0"/>
+              </a:rPr>
+              <a:t>self</a:t>
+            </a:r>
+            <a:r>
+              <a:rPr lang="en-US" sz="2400" dirty="0">
+                <a:latin typeface="Times New Roman" panose="02020603050405020304" pitchFamily="18" charset="0"/>
+                <a:cs typeface="Times New Roman" panose="02020603050405020304" pitchFamily="18" charset="0"/>
+              </a:rPr>
+              <a:t>):</a:t>
+            </a:r>
+          </a:p>
+          <a:p>
+            <a:pPr marL="0" indent="0" algn="just">
+              <a:buNone/>
+            </a:pPr>
+            <a:r>
+              <a:rPr lang="en-US" sz="2400" dirty="0">
+                <a:latin typeface="Times New Roman" panose="02020603050405020304" pitchFamily="18" charset="0"/>
+                <a:cs typeface="Times New Roman" panose="02020603050405020304" pitchFamily="18" charset="0"/>
+              </a:rPr>
+              <a:t>    </a:t>
+            </a:r>
+            <a:r>
+              <a:rPr lang="en-US" sz="2400" b="1" dirty="0">
+                <a:latin typeface="Times New Roman" panose="02020603050405020304" pitchFamily="18" charset="0"/>
+                <a:cs typeface="Times New Roman" panose="02020603050405020304" pitchFamily="18" charset="0"/>
+              </a:rPr>
+              <a:t>print</a:t>
+            </a:r>
+            <a:r>
+              <a:rPr lang="en-US" sz="2400" dirty="0">
+                <a:latin typeface="Times New Roman" panose="02020603050405020304" pitchFamily="18" charset="0"/>
+                <a:cs typeface="Times New Roman" panose="02020603050405020304" pitchFamily="18" charset="0"/>
+              </a:rPr>
+              <a:t>(“Meu </a:t>
+            </a:r>
+            <a:r>
+              <a:rPr lang="en-US" sz="2400" dirty="0" err="1">
+                <a:latin typeface="Times New Roman" panose="02020603050405020304" pitchFamily="18" charset="0"/>
+                <a:cs typeface="Times New Roman" panose="02020603050405020304" pitchFamily="18" charset="0"/>
+              </a:rPr>
+              <a:t>nome</a:t>
+            </a:r>
+            <a:r>
+              <a:rPr lang="en-US" sz="2400" dirty="0">
+                <a:latin typeface="Times New Roman" panose="02020603050405020304" pitchFamily="18" charset="0"/>
+                <a:cs typeface="Times New Roman" panose="02020603050405020304" pitchFamily="18" charset="0"/>
+              </a:rPr>
+              <a:t> é: " + </a:t>
+            </a:r>
+            <a:r>
+              <a:rPr lang="en-US" sz="2400" b="1" dirty="0" err="1">
+                <a:latin typeface="Times New Roman" panose="02020603050405020304" pitchFamily="18" charset="0"/>
+                <a:cs typeface="Times New Roman" panose="02020603050405020304" pitchFamily="18" charset="0"/>
+              </a:rPr>
+              <a:t>self</a:t>
+            </a:r>
+            <a:r>
+              <a:rPr lang="en-US" sz="2400" dirty="0" err="1">
+                <a:latin typeface="Times New Roman" panose="02020603050405020304" pitchFamily="18" charset="0"/>
+                <a:cs typeface="Times New Roman" panose="02020603050405020304" pitchFamily="18" charset="0"/>
+              </a:rPr>
+              <a:t>.nome</a:t>
+            </a:r>
+            <a:r>
+              <a:rPr lang="en-US" sz="2400" dirty="0">
+                <a:latin typeface="Times New Roman" panose="02020603050405020304" pitchFamily="18" charset="0"/>
+                <a:cs typeface="Times New Roman" panose="02020603050405020304" pitchFamily="18" charset="0"/>
+              </a:rPr>
+              <a:t>)</a:t>
+            </a:r>
+          </a:p>
+          <a:p>
+            <a:pPr marL="0" indent="0" algn="just">
+              <a:buNone/>
+            </a:pPr>
+            <a:r>
+              <a:rPr lang="pt-BR" sz="2400" dirty="0">
+                <a:latin typeface="Times New Roman" panose="02020603050405020304" pitchFamily="18" charset="0"/>
+                <a:cs typeface="Times New Roman" panose="02020603050405020304" pitchFamily="18" charset="0"/>
+              </a:rPr>
+              <a:t>p1.</a:t>
+            </a:r>
+            <a:r>
+              <a:rPr lang="en-US" sz="2400" b="1" dirty="0">
+                <a:solidFill>
+                  <a:srgbClr val="FF0000"/>
+                </a:solidFill>
+                <a:latin typeface="Times New Roman" panose="02020603050405020304" pitchFamily="18" charset="0"/>
+                <a:cs typeface="Times New Roman" panose="02020603050405020304" pitchFamily="18" charset="0"/>
+              </a:rPr>
+              <a:t> </a:t>
+            </a:r>
+            <a:r>
+              <a:rPr lang="en-US" sz="2400" b="1" dirty="0" err="1">
+                <a:solidFill>
+                  <a:srgbClr val="FF0000"/>
+                </a:solidFill>
+                <a:latin typeface="Times New Roman" panose="02020603050405020304" pitchFamily="18" charset="0"/>
+                <a:cs typeface="Times New Roman" panose="02020603050405020304" pitchFamily="18" charset="0"/>
+              </a:rPr>
+              <a:t>imprime_nome</a:t>
+            </a:r>
+            <a:r>
+              <a:rPr lang="pt-BR" sz="2400" dirty="0">
+                <a:latin typeface="Times New Roman" panose="02020603050405020304" pitchFamily="18" charset="0"/>
+                <a:cs typeface="Times New Roman" panose="02020603050405020304" pitchFamily="18" charset="0"/>
+              </a:rPr>
+              <a:t>()</a:t>
+            </a:r>
           </a:p>
         </p:txBody>
       </p:sp>
     </p:spTree>
     <p:extLst>
       <p:ext uri="{BB962C8B-B14F-4D97-AF65-F5344CB8AC3E}">
-        <p14:creationId xmlns:p14="http://schemas.microsoft.com/office/powerpoint/2010/main" val="1196706685"/>
+        <p14:creationId xmlns:p14="http://schemas.microsoft.com/office/powerpoint/2010/main" val="4052486642"/>
       </p:ext>
     </p:extLst>
   </p:cSld>

--- a/01 Classes/Aula 11 RAD Python - Classes - Orientação a Objetos.pptx
+++ b/01 Classes/Aula 11 RAD Python - Classes - Orientação a Objetos.pptx
@@ -5,7 +5,7 @@
     <p:sldMasterId id="2147483671" r:id="rId1"/>
   </p:sldMasterIdLst>
   <p:notesMasterIdLst>
-    <p:notesMasterId r:id="rId35"/>
+    <p:notesMasterId r:id="rId36"/>
   </p:notesMasterIdLst>
   <p:sldIdLst>
     <p:sldId id="291" r:id="rId2"/>
@@ -33,14 +33,15 @@
     <p:sldId id="348" r:id="rId24"/>
     <p:sldId id="349" r:id="rId25"/>
     <p:sldId id="362" r:id="rId26"/>
-    <p:sldId id="363" r:id="rId27"/>
-    <p:sldId id="364" r:id="rId28"/>
-    <p:sldId id="365" r:id="rId29"/>
-    <p:sldId id="323" r:id="rId30"/>
-    <p:sldId id="333" r:id="rId31"/>
-    <p:sldId id="334" r:id="rId32"/>
-    <p:sldId id="337" r:id="rId33"/>
-    <p:sldId id="309" r:id="rId34"/>
+    <p:sldId id="367" r:id="rId27"/>
+    <p:sldId id="363" r:id="rId28"/>
+    <p:sldId id="364" r:id="rId29"/>
+    <p:sldId id="365" r:id="rId30"/>
+    <p:sldId id="323" r:id="rId31"/>
+    <p:sldId id="333" r:id="rId32"/>
+    <p:sldId id="334" r:id="rId33"/>
+    <p:sldId id="337" r:id="rId34"/>
+    <p:sldId id="309" r:id="rId35"/>
   </p:sldIdLst>
   <p:sldSz cx="9144000" cy="5143500" type="screen16x9"/>
   <p:notesSz cx="6858000" cy="9144000"/>
@@ -1445,7 +1446,7 @@
     </p:spTree>
     <p:extLst>
       <p:ext uri="{BB962C8B-B14F-4D97-AF65-F5344CB8AC3E}">
-        <p14:creationId xmlns:p14="http://schemas.microsoft.com/office/powerpoint/2010/main" val="125070561"/>
+        <p14:creationId xmlns:p14="http://schemas.microsoft.com/office/powerpoint/2010/main" val="145779530"/>
       </p:ext>
     </p:extLst>
   </p:cSld>
@@ -1511,7 +1512,7 @@
     </p:spTree>
     <p:extLst>
       <p:ext uri="{BB962C8B-B14F-4D97-AF65-F5344CB8AC3E}">
-        <p14:creationId xmlns:p14="http://schemas.microsoft.com/office/powerpoint/2010/main" val="11912598"/>
+        <p14:creationId xmlns:p14="http://schemas.microsoft.com/office/powerpoint/2010/main" val="125070561"/>
       </p:ext>
     </p:extLst>
   </p:cSld>
@@ -1577,7 +1578,7 @@
     </p:spTree>
     <p:extLst>
       <p:ext uri="{BB962C8B-B14F-4D97-AF65-F5344CB8AC3E}">
-        <p14:creationId xmlns:p14="http://schemas.microsoft.com/office/powerpoint/2010/main" val="818947722"/>
+        <p14:creationId xmlns:p14="http://schemas.microsoft.com/office/powerpoint/2010/main" val="11912598"/>
       </p:ext>
     </p:extLst>
   </p:cSld>
@@ -1643,7 +1644,7 @@
     </p:spTree>
     <p:extLst>
       <p:ext uri="{BB962C8B-B14F-4D97-AF65-F5344CB8AC3E}">
-        <p14:creationId xmlns:p14="http://schemas.microsoft.com/office/powerpoint/2010/main" val="2709569597"/>
+        <p14:creationId xmlns:p14="http://schemas.microsoft.com/office/powerpoint/2010/main" val="818947722"/>
       </p:ext>
     </p:extLst>
   </p:cSld>
@@ -1709,7 +1710,7 @@
     </p:spTree>
     <p:extLst>
       <p:ext uri="{BB962C8B-B14F-4D97-AF65-F5344CB8AC3E}">
-        <p14:creationId xmlns:p14="http://schemas.microsoft.com/office/powerpoint/2010/main" val="585304384"/>
+        <p14:creationId xmlns:p14="http://schemas.microsoft.com/office/powerpoint/2010/main" val="2709569597"/>
       </p:ext>
     </p:extLst>
   </p:cSld>
@@ -1775,7 +1776,7 @@
     </p:spTree>
     <p:extLst>
       <p:ext uri="{BB962C8B-B14F-4D97-AF65-F5344CB8AC3E}">
-        <p14:creationId xmlns:p14="http://schemas.microsoft.com/office/powerpoint/2010/main" val="2296249050"/>
+        <p14:creationId xmlns:p14="http://schemas.microsoft.com/office/powerpoint/2010/main" val="585304384"/>
       </p:ext>
     </p:extLst>
   </p:cSld>
@@ -1852,6 +1853,72 @@
 </file>
 
 <file path=ppt/notesSlides/notesSlide30.xml><?xml version="1.0" encoding="utf-8"?>
+<p:notes xmlns:a="http://schemas.openxmlformats.org/drawingml/2006/main" xmlns:r="http://schemas.openxmlformats.org/officeDocument/2006/relationships" xmlns:p="http://schemas.openxmlformats.org/presentationml/2006/main">
+  <p:cSld>
+    <p:spTree>
+      <p:nvGrpSpPr>
+        <p:cNvPr id="1" name=""/>
+        <p:cNvGrpSpPr/>
+        <p:nvPr/>
+      </p:nvGrpSpPr>
+      <p:grpSpPr>
+        <a:xfrm>
+          <a:off x="0" y="0"/>
+          <a:ext cx="0" cy="0"/>
+          <a:chOff x="0" y="0"/>
+          <a:chExt cx="0" cy="0"/>
+        </a:xfrm>
+      </p:grpSpPr>
+      <p:sp>
+        <p:nvSpPr>
+          <p:cNvPr id="2" name="Espaço Reservado para Imagem de Slide 1"/>
+          <p:cNvSpPr>
+            <a:spLocks noGrp="1" noRot="1" noChangeAspect="1"/>
+          </p:cNvSpPr>
+          <p:nvPr>
+            <p:ph type="sldImg"/>
+          </p:nvPr>
+        </p:nvSpPr>
+        <p:spPr>
+          <a:xfrm>
+            <a:off x="381000" y="685800"/>
+            <a:ext cx="6096000" cy="3429000"/>
+          </a:xfrm>
+        </p:spPr>
+      </p:sp>
+      <p:sp>
+        <p:nvSpPr>
+          <p:cNvPr id="3" name="Espaço Reservado para Anotações 2"/>
+          <p:cNvSpPr>
+            <a:spLocks noGrp="1"/>
+          </p:cNvSpPr>
+          <p:nvPr>
+            <p:ph type="body" idx="1"/>
+          </p:nvPr>
+        </p:nvSpPr>
+        <p:spPr/>
+        <p:txBody>
+          <a:bodyPr/>
+          <a:lstStyle/>
+          <a:p>
+            <a:endParaRPr lang="pt-BR" dirty="0"/>
+          </a:p>
+        </p:txBody>
+      </p:sp>
+    </p:spTree>
+    <p:extLst>
+      <p:ext uri="{BB962C8B-B14F-4D97-AF65-F5344CB8AC3E}">
+        <p14:creationId xmlns:p14="http://schemas.microsoft.com/office/powerpoint/2010/main" val="2296249050"/>
+      </p:ext>
+    </p:extLst>
+  </p:cSld>
+  <p:clrMapOvr>
+    <a:masterClrMapping/>
+  </p:clrMapOvr>
+</p:notes>
+</file>
+
+<file path=ppt/notesSlides/notesSlide31.xml><?xml version="1.0" encoding="utf-8"?>
 <p:notes xmlns:a="http://schemas.openxmlformats.org/drawingml/2006/main" xmlns:r="http://schemas.openxmlformats.org/officeDocument/2006/relationships" xmlns:p="http://schemas.openxmlformats.org/presentationml/2006/main">
   <p:cSld>
     <p:spTree>
@@ -12725,7 +12792,7 @@
               <a:buNone/>
             </a:pPr>
             <a:r>
-              <a:rPr lang="pt-BR" sz="2000" b="1" dirty="0">
+              <a:rPr lang="pt-BR" sz="2400" b="1" dirty="0">
                 <a:solidFill>
                   <a:srgbClr val="FF0000"/>
                 </a:solidFill>
@@ -12735,28 +12802,28 @@
               <a:t>Polimorfismo</a:t>
             </a:r>
             <a:r>
-              <a:rPr lang="pt-BR" sz="2000" dirty="0">
+              <a:rPr lang="pt-BR" sz="2400" dirty="0">
                 <a:latin typeface="Times New Roman" panose="02020603050405020304" pitchFamily="18" charset="0"/>
                 <a:cs typeface="Times New Roman" panose="02020603050405020304" pitchFamily="18" charset="0"/>
               </a:rPr>
               <a:t>, em Python, é a capacidade que uma </a:t>
             </a:r>
             <a:r>
-              <a:rPr lang="pt-BR" sz="2000" b="1" dirty="0">
+              <a:rPr lang="pt-BR" sz="2400" b="1" dirty="0">
                 <a:latin typeface="Times New Roman" panose="02020603050405020304" pitchFamily="18" charset="0"/>
                 <a:cs typeface="Times New Roman" panose="02020603050405020304" pitchFamily="18" charset="0"/>
               </a:rPr>
               <a:t>subclasse</a:t>
             </a:r>
             <a:r>
-              <a:rPr lang="pt-BR" sz="2000" dirty="0">
+              <a:rPr lang="pt-BR" sz="2400" dirty="0">
                 <a:latin typeface="Times New Roman" panose="02020603050405020304" pitchFamily="18" charset="0"/>
                 <a:cs typeface="Times New Roman" panose="02020603050405020304" pitchFamily="18" charset="0"/>
               </a:rPr>
               <a:t> tem de ter </a:t>
             </a:r>
             <a:r>
-              <a:rPr lang="pt-BR" sz="2000" b="1" dirty="0">
+              <a:rPr lang="pt-BR" sz="2400" b="1" dirty="0">
                 <a:solidFill>
                   <a:srgbClr val="0070C0"/>
                 </a:solidFill>
@@ -12766,14 +12833,14 @@
               <a:t>métodos com o mesmo nome </a:t>
             </a:r>
             <a:r>
-              <a:rPr lang="pt-BR" sz="2000" dirty="0">
+              <a:rPr lang="pt-BR" sz="2400" dirty="0">
                 <a:latin typeface="Times New Roman" panose="02020603050405020304" pitchFamily="18" charset="0"/>
                 <a:cs typeface="Times New Roman" panose="02020603050405020304" pitchFamily="18" charset="0"/>
               </a:rPr>
               <a:t>de sua </a:t>
             </a:r>
             <a:r>
-              <a:rPr lang="pt-BR" sz="2000" b="1" dirty="0">
+              <a:rPr lang="pt-BR" sz="2400" b="1" dirty="0">
                 <a:solidFill>
                   <a:srgbClr val="FF0000"/>
                 </a:solidFill>
@@ -12783,7 +12850,7 @@
               <a:t>superclasse</a:t>
             </a:r>
             <a:r>
-              <a:rPr lang="pt-BR" sz="2000" dirty="0">
+              <a:rPr lang="pt-BR" sz="2400" dirty="0">
                 <a:latin typeface="Times New Roman" panose="02020603050405020304" pitchFamily="18" charset="0"/>
                 <a:cs typeface="Times New Roman" panose="02020603050405020304" pitchFamily="18" charset="0"/>
               </a:rPr>
@@ -12794,7 +12861,7 @@
             <a:pPr marL="0" indent="0" algn="just">
               <a:buNone/>
             </a:pPr>
-            <a:endParaRPr lang="pt-BR" sz="2000" dirty="0">
+            <a:endParaRPr lang="pt-BR" sz="2400" dirty="0">
               <a:latin typeface="Times New Roman" panose="02020603050405020304" pitchFamily="18" charset="0"/>
               <a:cs typeface="Times New Roman" panose="02020603050405020304" pitchFamily="18" charset="0"/>
             </a:endParaRPr>
@@ -12804,42 +12871,42 @@
               <a:buNone/>
             </a:pPr>
             <a:r>
-              <a:rPr lang="pt-BR" sz="2000" dirty="0">
+              <a:rPr lang="pt-BR" sz="2400" dirty="0">
                 <a:latin typeface="Times New Roman" panose="02020603050405020304" pitchFamily="18" charset="0"/>
                 <a:cs typeface="Times New Roman" panose="02020603050405020304" pitchFamily="18" charset="0"/>
               </a:rPr>
               <a:t>Ou seja, o </a:t>
             </a:r>
             <a:r>
-              <a:rPr lang="pt-BR" sz="2000" b="1" dirty="0">
+              <a:rPr lang="pt-BR" sz="2400" b="1" dirty="0">
                 <a:latin typeface="Times New Roman" panose="02020603050405020304" pitchFamily="18" charset="0"/>
                 <a:cs typeface="Times New Roman" panose="02020603050405020304" pitchFamily="18" charset="0"/>
               </a:rPr>
               <a:t>objeto</a:t>
             </a:r>
             <a:r>
-              <a:rPr lang="pt-BR" sz="2000" dirty="0">
+              <a:rPr lang="pt-BR" sz="2400" dirty="0">
                 <a:latin typeface="Times New Roman" panose="02020603050405020304" pitchFamily="18" charset="0"/>
                 <a:cs typeface="Times New Roman" panose="02020603050405020304" pitchFamily="18" charset="0"/>
               </a:rPr>
               <a:t> tem a </a:t>
             </a:r>
             <a:r>
-              <a:rPr lang="pt-BR" sz="2000" b="1" dirty="0">
+              <a:rPr lang="pt-BR" sz="2400" b="1" dirty="0">
                 <a:latin typeface="Times New Roman" panose="02020603050405020304" pitchFamily="18" charset="0"/>
                 <a:cs typeface="Times New Roman" panose="02020603050405020304" pitchFamily="18" charset="0"/>
               </a:rPr>
               <a:t>capacidade</a:t>
             </a:r>
             <a:r>
-              <a:rPr lang="pt-BR" sz="2000" dirty="0">
+              <a:rPr lang="pt-BR" sz="2400" dirty="0">
                 <a:latin typeface="Times New Roman" panose="02020603050405020304" pitchFamily="18" charset="0"/>
                 <a:cs typeface="Times New Roman" panose="02020603050405020304" pitchFamily="18" charset="0"/>
               </a:rPr>
               <a:t> de </a:t>
             </a:r>
             <a:r>
-              <a:rPr lang="pt-BR" sz="2000" b="1" dirty="0">
+              <a:rPr lang="pt-BR" sz="2400" b="1" dirty="0">
                 <a:solidFill>
                   <a:srgbClr val="0070C0"/>
                 </a:solidFill>
@@ -12849,14 +12916,14 @@
               <a:t>assumir diferentes formas </a:t>
             </a:r>
             <a:r>
-              <a:rPr lang="pt-BR" sz="2000" dirty="0">
+              <a:rPr lang="pt-BR" sz="2400" dirty="0">
                 <a:latin typeface="Times New Roman" panose="02020603050405020304" pitchFamily="18" charset="0"/>
                 <a:cs typeface="Times New Roman" panose="02020603050405020304" pitchFamily="18" charset="0"/>
               </a:rPr>
               <a:t>(</a:t>
             </a:r>
             <a:r>
-              <a:rPr lang="pt-BR" sz="2000" b="1" dirty="0">
+              <a:rPr lang="pt-BR" sz="2400" b="1" dirty="0">
                 <a:solidFill>
                   <a:srgbClr val="FF0000"/>
                 </a:solidFill>
@@ -12866,7 +12933,7 @@
               <a:t>polimorfismo</a:t>
             </a:r>
             <a:r>
-              <a:rPr lang="pt-BR" sz="2000" dirty="0">
+              <a:rPr lang="pt-BR" sz="2400" dirty="0">
                 <a:latin typeface="Times New Roman" panose="02020603050405020304" pitchFamily="18" charset="0"/>
                 <a:cs typeface="Times New Roman" panose="02020603050405020304" pitchFamily="18" charset="0"/>
               </a:rPr>
@@ -12935,7 +13002,7 @@
                   <a:srgbClr val="0070C0"/>
                 </a:solidFill>
               </a:rPr>
-              <a:t>Python – CLASSES E OO POLIMORFISMO EXEMPLO</a:t>
+              <a:t>Python – CLASSES E OO POLIMORFISMO</a:t>
             </a:r>
           </a:p>
         </p:txBody>
@@ -12966,31 +13033,35 @@
               <a:buNone/>
             </a:pPr>
             <a:r>
-              <a:rPr lang="pt-BR" sz="2000" b="1" dirty="0" err="1">
-                <a:latin typeface="Times New Roman" panose="02020603050405020304" pitchFamily="18" charset="0"/>
-                <a:cs typeface="Times New Roman" panose="02020603050405020304" pitchFamily="18" charset="0"/>
-              </a:rPr>
-              <a:t>class</a:t>
-            </a:r>
-            <a:r>
-              <a:rPr lang="pt-BR" sz="2000" dirty="0">
-                <a:latin typeface="Times New Roman" panose="02020603050405020304" pitchFamily="18" charset="0"/>
-                <a:cs typeface="Times New Roman" panose="02020603050405020304" pitchFamily="18" charset="0"/>
-              </a:rPr>
-              <a:t> </a:t>
-            </a:r>
-            <a:r>
-              <a:rPr lang="pt-BR" sz="2000" b="1" dirty="0">
-                <a:solidFill>
-                  <a:srgbClr val="FF0000"/>
-                </a:solidFill>
-                <a:latin typeface="Times New Roman" panose="02020603050405020304" pitchFamily="18" charset="0"/>
-                <a:cs typeface="Times New Roman" panose="02020603050405020304" pitchFamily="18" charset="0"/>
-              </a:rPr>
-              <a:t>Super</a:t>
-            </a:r>
-            <a:r>
-              <a:rPr lang="pt-BR" sz="2000" dirty="0">
+              <a:rPr lang="pt-BR" sz="2200" dirty="0">
+                <a:latin typeface="Times New Roman" panose="02020603050405020304" pitchFamily="18" charset="0"/>
+                <a:cs typeface="Times New Roman" panose="02020603050405020304" pitchFamily="18" charset="0"/>
+              </a:rPr>
+              <a:t>O </a:t>
+            </a:r>
+            <a:r>
+              <a:rPr lang="pt-BR" sz="2200" b="1" dirty="0">
+                <a:latin typeface="Times New Roman" panose="02020603050405020304" pitchFamily="18" charset="0"/>
+                <a:cs typeface="Times New Roman" panose="02020603050405020304" pitchFamily="18" charset="0"/>
+              </a:rPr>
+              <a:t>Polimorfismo</a:t>
+            </a:r>
+            <a:r>
+              <a:rPr lang="pt-BR" sz="2200" dirty="0">
+                <a:latin typeface="Times New Roman" panose="02020603050405020304" pitchFamily="18" charset="0"/>
+                <a:cs typeface="Times New Roman" panose="02020603050405020304" pitchFamily="18" charset="0"/>
+              </a:rPr>
+              <a:t> pode ser classificado de </a:t>
+            </a:r>
+            <a:r>
+              <a:rPr lang="pt-BR" sz="2200" b="1" dirty="0">
+                <a:latin typeface="Times New Roman" panose="02020603050405020304" pitchFamily="18" charset="0"/>
+                <a:cs typeface="Times New Roman" panose="02020603050405020304" pitchFamily="18" charset="0"/>
+              </a:rPr>
+              <a:t>três maneiras</a:t>
+            </a:r>
+            <a:r>
+              <a:rPr lang="pt-BR" sz="2200" dirty="0">
                 <a:latin typeface="Times New Roman" panose="02020603050405020304" pitchFamily="18" charset="0"/>
                 <a:cs typeface="Times New Roman" panose="02020603050405020304" pitchFamily="18" charset="0"/>
               </a:rPr>
@@ -13001,232 +13072,127 @@
             <a:pPr marL="0" indent="0" algn="just">
               <a:buNone/>
             </a:pPr>
-            <a:r>
-              <a:rPr lang="pt-BR" sz="2000" dirty="0">
-                <a:latin typeface="Times New Roman" panose="02020603050405020304" pitchFamily="18" charset="0"/>
-                <a:cs typeface="Times New Roman" panose="02020603050405020304" pitchFamily="18" charset="0"/>
-              </a:rPr>
-              <a:t>    </a:t>
-            </a:r>
-            <a:r>
-              <a:rPr lang="pt-BR" sz="2000" b="1" dirty="0" err="1">
-                <a:latin typeface="Times New Roman" panose="02020603050405020304" pitchFamily="18" charset="0"/>
-                <a:cs typeface="Times New Roman" panose="02020603050405020304" pitchFamily="18" charset="0"/>
-              </a:rPr>
-              <a:t>def</a:t>
-            </a:r>
-            <a:r>
-              <a:rPr lang="pt-BR" sz="2000" dirty="0">
-                <a:latin typeface="Times New Roman" panose="02020603050405020304" pitchFamily="18" charset="0"/>
-                <a:cs typeface="Times New Roman" panose="02020603050405020304" pitchFamily="18" charset="0"/>
-              </a:rPr>
-              <a:t> </a:t>
-            </a:r>
-            <a:r>
-              <a:rPr lang="pt-BR" sz="2000" b="1" dirty="0">
-                <a:solidFill>
-                  <a:srgbClr val="FF0000"/>
-                </a:solidFill>
-                <a:latin typeface="Times New Roman" panose="02020603050405020304" pitchFamily="18" charset="0"/>
-                <a:cs typeface="Times New Roman" panose="02020603050405020304" pitchFamily="18" charset="0"/>
-              </a:rPr>
-              <a:t>soma</a:t>
-            </a:r>
-            <a:r>
-              <a:rPr lang="pt-BR" sz="2000" dirty="0">
-                <a:latin typeface="Times New Roman" panose="02020603050405020304" pitchFamily="18" charset="0"/>
-                <a:cs typeface="Times New Roman" panose="02020603050405020304" pitchFamily="18" charset="0"/>
-              </a:rPr>
-              <a:t>(</a:t>
-            </a:r>
-            <a:r>
-              <a:rPr lang="pt-BR" sz="2000" b="1" dirty="0">
-                <a:latin typeface="Times New Roman" panose="02020603050405020304" pitchFamily="18" charset="0"/>
-                <a:cs typeface="Times New Roman" panose="02020603050405020304" pitchFamily="18" charset="0"/>
-              </a:rPr>
-              <a:t>self</a:t>
-            </a:r>
-            <a:r>
-              <a:rPr lang="pt-BR" sz="2000" dirty="0">
-                <a:latin typeface="Times New Roman" panose="02020603050405020304" pitchFamily="18" charset="0"/>
-                <a:cs typeface="Times New Roman" panose="02020603050405020304" pitchFamily="18" charset="0"/>
-              </a:rPr>
-              <a:t>, x, y):</a:t>
-            </a:r>
-          </a:p>
-          <a:p>
-            <a:pPr marL="0" indent="0" algn="just">
-              <a:buNone/>
-            </a:pPr>
-            <a:r>
-              <a:rPr lang="pt-BR" sz="2000" dirty="0">
-                <a:latin typeface="Times New Roman" panose="02020603050405020304" pitchFamily="18" charset="0"/>
-                <a:cs typeface="Times New Roman" panose="02020603050405020304" pitchFamily="18" charset="0"/>
-              </a:rPr>
-              <a:t>        </a:t>
-            </a:r>
-            <a:r>
-              <a:rPr lang="pt-BR" sz="2000" b="1" dirty="0" err="1">
-                <a:latin typeface="Times New Roman" panose="02020603050405020304" pitchFamily="18" charset="0"/>
-                <a:cs typeface="Times New Roman" panose="02020603050405020304" pitchFamily="18" charset="0"/>
-              </a:rPr>
-              <a:t>return</a:t>
-            </a:r>
-            <a:r>
-              <a:rPr lang="pt-BR" sz="2000" dirty="0">
-                <a:latin typeface="Times New Roman" panose="02020603050405020304" pitchFamily="18" charset="0"/>
-                <a:cs typeface="Times New Roman" panose="02020603050405020304" pitchFamily="18" charset="0"/>
-              </a:rPr>
-              <a:t> x + y</a:t>
-            </a:r>
-          </a:p>
-          <a:p>
-            <a:pPr marL="0" indent="0" algn="just">
-              <a:buNone/>
-            </a:pPr>
-            <a:endParaRPr lang="pt-BR" sz="2000" dirty="0">
+            <a:endParaRPr lang="pt-BR" sz="2200" dirty="0">
               <a:latin typeface="Times New Roman" panose="02020603050405020304" pitchFamily="18" charset="0"/>
               <a:cs typeface="Times New Roman" panose="02020603050405020304" pitchFamily="18" charset="0"/>
             </a:endParaRPr>
           </a:p>
           <a:p>
+            <a:pPr algn="just">
+              <a:buFont typeface="Wingdings" panose="05000000000000000000" pitchFamily="2" charset="2"/>
+              <a:buChar char="§"/>
+            </a:pPr>
+            <a:r>
+              <a:rPr lang="pt-BR" sz="2200" dirty="0">
+                <a:latin typeface="Times New Roman" panose="02020603050405020304" pitchFamily="18" charset="0"/>
+                <a:cs typeface="Times New Roman" panose="02020603050405020304" pitchFamily="18" charset="0"/>
+              </a:rPr>
+              <a:t>Polimorfismo de </a:t>
+            </a:r>
+            <a:r>
+              <a:rPr lang="pt-BR" sz="2200" b="1" dirty="0">
+                <a:solidFill>
+                  <a:srgbClr val="FF0000"/>
+                </a:solidFill>
+                <a:latin typeface="Times New Roman" panose="02020603050405020304" pitchFamily="18" charset="0"/>
+                <a:cs typeface="Times New Roman" panose="02020603050405020304" pitchFamily="18" charset="0"/>
+              </a:rPr>
+              <a:t>sobrecarga</a:t>
+            </a:r>
+            <a:r>
+              <a:rPr lang="pt-BR" sz="2200" dirty="0">
+                <a:latin typeface="Times New Roman" panose="02020603050405020304" pitchFamily="18" charset="0"/>
+                <a:cs typeface="Times New Roman" panose="02020603050405020304" pitchFamily="18" charset="0"/>
+              </a:rPr>
+              <a:t> (</a:t>
+            </a:r>
+            <a:r>
+              <a:rPr lang="pt-BR" sz="2200" b="1" dirty="0">
+                <a:latin typeface="Times New Roman" panose="02020603050405020304" pitchFamily="18" charset="0"/>
+                <a:cs typeface="Times New Roman" panose="02020603050405020304" pitchFamily="18" charset="0"/>
+              </a:rPr>
+              <a:t>estática</a:t>
+            </a:r>
+            <a:r>
+              <a:rPr lang="pt-BR" sz="2200" dirty="0">
+                <a:latin typeface="Times New Roman" panose="02020603050405020304" pitchFamily="18" charset="0"/>
+                <a:cs typeface="Times New Roman" panose="02020603050405020304" pitchFamily="18" charset="0"/>
+              </a:rPr>
+              <a:t>)</a:t>
+            </a:r>
+          </a:p>
+          <a:p>
+            <a:pPr algn="just">
+              <a:buFont typeface="Wingdings" panose="05000000000000000000" pitchFamily="2" charset="2"/>
+              <a:buChar char="§"/>
+            </a:pPr>
+            <a:r>
+              <a:rPr lang="pt-BR" sz="2200" dirty="0">
+                <a:latin typeface="Times New Roman" panose="02020603050405020304" pitchFamily="18" charset="0"/>
+                <a:cs typeface="Times New Roman" panose="02020603050405020304" pitchFamily="18" charset="0"/>
+              </a:rPr>
+              <a:t>Polimorfismo de </a:t>
+            </a:r>
+            <a:r>
+              <a:rPr lang="pt-BR" sz="2200" b="1" dirty="0">
+                <a:solidFill>
+                  <a:srgbClr val="FF0000"/>
+                </a:solidFill>
+                <a:latin typeface="Times New Roman" panose="02020603050405020304" pitchFamily="18" charset="0"/>
+                <a:cs typeface="Times New Roman" panose="02020603050405020304" pitchFamily="18" charset="0"/>
+              </a:rPr>
+              <a:t>sobreposição</a:t>
+            </a:r>
+            <a:r>
+              <a:rPr lang="pt-BR" sz="2200" dirty="0">
+                <a:latin typeface="Times New Roman" panose="02020603050405020304" pitchFamily="18" charset="0"/>
+                <a:cs typeface="Times New Roman" panose="02020603050405020304" pitchFamily="18" charset="0"/>
+              </a:rPr>
+              <a:t> (</a:t>
+            </a:r>
+            <a:r>
+              <a:rPr lang="pt-BR" sz="2200" b="1" dirty="0">
+                <a:latin typeface="Times New Roman" panose="02020603050405020304" pitchFamily="18" charset="0"/>
+                <a:cs typeface="Times New Roman" panose="02020603050405020304" pitchFamily="18" charset="0"/>
+              </a:rPr>
+              <a:t>dinâmica</a:t>
+            </a:r>
+            <a:r>
+              <a:rPr lang="pt-BR" sz="2200" dirty="0">
+                <a:latin typeface="Times New Roman" panose="02020603050405020304" pitchFamily="18" charset="0"/>
+                <a:cs typeface="Times New Roman" panose="02020603050405020304" pitchFamily="18" charset="0"/>
+              </a:rPr>
+              <a:t>)</a:t>
+            </a:r>
+          </a:p>
+          <a:p>
+            <a:pPr algn="just">
+              <a:buFont typeface="Wingdings" panose="05000000000000000000" pitchFamily="2" charset="2"/>
+              <a:buChar char="§"/>
+            </a:pPr>
+            <a:r>
+              <a:rPr lang="pt-BR" sz="2200" dirty="0">
+                <a:latin typeface="Times New Roman" panose="02020603050405020304" pitchFamily="18" charset="0"/>
+                <a:cs typeface="Times New Roman" panose="02020603050405020304" pitchFamily="18" charset="0"/>
+              </a:rPr>
+              <a:t>Polimorfismo de </a:t>
+            </a:r>
+            <a:r>
+              <a:rPr lang="pt-BR" sz="2200" b="1" dirty="0">
+                <a:solidFill>
+                  <a:srgbClr val="FF0000"/>
+                </a:solidFill>
+                <a:latin typeface="Times New Roman" panose="02020603050405020304" pitchFamily="18" charset="0"/>
+                <a:cs typeface="Times New Roman" panose="02020603050405020304" pitchFamily="18" charset="0"/>
+              </a:rPr>
+              <a:t>inclusão</a:t>
+            </a:r>
+          </a:p>
+          <a:p>
             <a:pPr marL="0" indent="0" algn="just">
               <a:buNone/>
             </a:pPr>
-            <a:r>
-              <a:rPr lang="pt-BR" sz="2000" b="1" dirty="0" err="1">
-                <a:latin typeface="Times New Roman" panose="02020603050405020304" pitchFamily="18" charset="0"/>
-                <a:cs typeface="Times New Roman" panose="02020603050405020304" pitchFamily="18" charset="0"/>
-              </a:rPr>
-              <a:t>class</a:t>
-            </a:r>
-            <a:r>
-              <a:rPr lang="pt-BR" sz="2000" dirty="0">
-                <a:latin typeface="Times New Roman" panose="02020603050405020304" pitchFamily="18" charset="0"/>
-                <a:cs typeface="Times New Roman" panose="02020603050405020304" pitchFamily="18" charset="0"/>
-              </a:rPr>
-              <a:t> </a:t>
-            </a:r>
-            <a:r>
-              <a:rPr lang="pt-BR" sz="2000" b="1" dirty="0">
-                <a:latin typeface="Times New Roman" panose="02020603050405020304" pitchFamily="18" charset="0"/>
-                <a:cs typeface="Times New Roman" panose="02020603050405020304" pitchFamily="18" charset="0"/>
-              </a:rPr>
-              <a:t>Sub</a:t>
-            </a:r>
-            <a:r>
-              <a:rPr lang="pt-BR" sz="2000" dirty="0">
-                <a:latin typeface="Times New Roman" panose="02020603050405020304" pitchFamily="18" charset="0"/>
-                <a:cs typeface="Times New Roman" panose="02020603050405020304" pitchFamily="18" charset="0"/>
-              </a:rPr>
-              <a:t>(</a:t>
-            </a:r>
-            <a:r>
-              <a:rPr lang="pt-BR" sz="2000" b="1" dirty="0">
-                <a:solidFill>
-                  <a:srgbClr val="FF0000"/>
-                </a:solidFill>
-                <a:latin typeface="Times New Roman" panose="02020603050405020304" pitchFamily="18" charset="0"/>
-                <a:cs typeface="Times New Roman" panose="02020603050405020304" pitchFamily="18" charset="0"/>
-              </a:rPr>
-              <a:t>Super</a:t>
-            </a:r>
-            <a:r>
-              <a:rPr lang="pt-BR" sz="2000" dirty="0">
-                <a:latin typeface="Times New Roman" panose="02020603050405020304" pitchFamily="18" charset="0"/>
-                <a:cs typeface="Times New Roman" panose="02020603050405020304" pitchFamily="18" charset="0"/>
-              </a:rPr>
-              <a:t>):</a:t>
-            </a:r>
-          </a:p>
-          <a:p>
-            <a:pPr marL="0" indent="0" algn="just">
-              <a:buNone/>
-            </a:pPr>
-            <a:r>
-              <a:rPr lang="pt-BR" sz="2000" dirty="0">
-                <a:latin typeface="Times New Roman" panose="02020603050405020304" pitchFamily="18" charset="0"/>
-                <a:cs typeface="Times New Roman" panose="02020603050405020304" pitchFamily="18" charset="0"/>
-              </a:rPr>
-              <a:t>    </a:t>
-            </a:r>
-            <a:r>
-              <a:rPr lang="pt-BR" sz="2000" b="1" dirty="0" err="1">
-                <a:latin typeface="Times New Roman" panose="02020603050405020304" pitchFamily="18" charset="0"/>
-                <a:cs typeface="Times New Roman" panose="02020603050405020304" pitchFamily="18" charset="0"/>
-              </a:rPr>
-              <a:t>def</a:t>
-            </a:r>
-            <a:r>
-              <a:rPr lang="pt-BR" sz="2000" dirty="0">
-                <a:latin typeface="Times New Roman" panose="02020603050405020304" pitchFamily="18" charset="0"/>
-                <a:cs typeface="Times New Roman" panose="02020603050405020304" pitchFamily="18" charset="0"/>
-              </a:rPr>
-              <a:t> </a:t>
-            </a:r>
-            <a:r>
-              <a:rPr lang="pt-BR" sz="2000" b="1" dirty="0">
-                <a:solidFill>
-                  <a:srgbClr val="FF0000"/>
-                </a:solidFill>
-                <a:latin typeface="Times New Roman" panose="02020603050405020304" pitchFamily="18" charset="0"/>
-                <a:cs typeface="Times New Roman" panose="02020603050405020304" pitchFamily="18" charset="0"/>
-              </a:rPr>
-              <a:t>soma</a:t>
-            </a:r>
-            <a:r>
-              <a:rPr lang="pt-BR" sz="2000" dirty="0">
-                <a:latin typeface="Times New Roman" panose="02020603050405020304" pitchFamily="18" charset="0"/>
-                <a:cs typeface="Times New Roman" panose="02020603050405020304" pitchFamily="18" charset="0"/>
-              </a:rPr>
-              <a:t>(</a:t>
-            </a:r>
-            <a:r>
-              <a:rPr lang="pt-BR" sz="2000" b="1" dirty="0">
-                <a:latin typeface="Times New Roman" panose="02020603050405020304" pitchFamily="18" charset="0"/>
-                <a:cs typeface="Times New Roman" panose="02020603050405020304" pitchFamily="18" charset="0"/>
-              </a:rPr>
-              <a:t>self</a:t>
-            </a:r>
-            <a:r>
-              <a:rPr lang="pt-BR" sz="2000" dirty="0">
-                <a:latin typeface="Times New Roman" panose="02020603050405020304" pitchFamily="18" charset="0"/>
-                <a:cs typeface="Times New Roman" panose="02020603050405020304" pitchFamily="18" charset="0"/>
-              </a:rPr>
-              <a:t>, x, y, z):</a:t>
-            </a:r>
-          </a:p>
-          <a:p>
-            <a:pPr marL="0" indent="0" algn="just">
-              <a:buNone/>
-            </a:pPr>
-            <a:r>
-              <a:rPr lang="pt-BR" sz="2000" dirty="0">
-                <a:latin typeface="Times New Roman" panose="02020603050405020304" pitchFamily="18" charset="0"/>
-                <a:cs typeface="Times New Roman" panose="02020603050405020304" pitchFamily="18" charset="0"/>
-              </a:rPr>
-              <a:t>        </a:t>
-            </a:r>
-            <a:r>
-              <a:rPr lang="pt-BR" sz="2000" b="1" dirty="0" err="1">
-                <a:latin typeface="Times New Roman" panose="02020603050405020304" pitchFamily="18" charset="0"/>
-                <a:cs typeface="Times New Roman" panose="02020603050405020304" pitchFamily="18" charset="0"/>
-              </a:rPr>
-              <a:t>return</a:t>
-            </a:r>
-            <a:r>
-              <a:rPr lang="pt-BR" sz="2000" dirty="0">
-                <a:latin typeface="Times New Roman" panose="02020603050405020304" pitchFamily="18" charset="0"/>
-                <a:cs typeface="Times New Roman" panose="02020603050405020304" pitchFamily="18" charset="0"/>
-              </a:rPr>
-              <a:t> x + y + z</a:t>
-            </a:r>
-          </a:p>
-          <a:p>
-            <a:pPr marL="0" indent="0" algn="just">
-              <a:buNone/>
-            </a:pPr>
-            <a:endParaRPr lang="pt-BR" sz="2000" dirty="0">
+            <a:endParaRPr lang="pt-BR" sz="2200" dirty="0">
               <a:latin typeface="Times New Roman" panose="02020603050405020304" pitchFamily="18" charset="0"/>
               <a:cs typeface="Times New Roman" panose="02020603050405020304" pitchFamily="18" charset="0"/>
             </a:endParaRPr>
@@ -13236,100 +13202,19 @@
               <a:buNone/>
             </a:pPr>
             <a:r>
-              <a:rPr lang="pt-BR" sz="2000" b="1" dirty="0">
-                <a:latin typeface="Times New Roman" panose="02020603050405020304" pitchFamily="18" charset="0"/>
-                <a:cs typeface="Times New Roman" panose="02020603050405020304" pitchFamily="18" charset="0"/>
-              </a:rPr>
-              <a:t>print</a:t>
-            </a:r>
-            <a:r>
-              <a:rPr lang="pt-BR" sz="2000" dirty="0">
-                <a:latin typeface="Times New Roman" panose="02020603050405020304" pitchFamily="18" charset="0"/>
-                <a:cs typeface="Times New Roman" panose="02020603050405020304" pitchFamily="18" charset="0"/>
-              </a:rPr>
-              <a:t>(</a:t>
-            </a:r>
-            <a:r>
-              <a:rPr lang="pt-BR" sz="2000" b="1" dirty="0">
-                <a:solidFill>
-                  <a:srgbClr val="FF0000"/>
-                </a:solidFill>
-                <a:latin typeface="Times New Roman" panose="02020603050405020304" pitchFamily="18" charset="0"/>
-                <a:cs typeface="Times New Roman" panose="02020603050405020304" pitchFamily="18" charset="0"/>
-              </a:rPr>
-              <a:t>Super</a:t>
-            </a:r>
-            <a:r>
-              <a:rPr lang="pt-BR" sz="2000" dirty="0">
-                <a:latin typeface="Times New Roman" panose="02020603050405020304" pitchFamily="18" charset="0"/>
-                <a:cs typeface="Times New Roman" panose="02020603050405020304" pitchFamily="18" charset="0"/>
-              </a:rPr>
-              <a:t>().</a:t>
-            </a:r>
-            <a:r>
-              <a:rPr lang="pt-BR" sz="2000" b="1" dirty="0">
-                <a:solidFill>
-                  <a:srgbClr val="FF0000"/>
-                </a:solidFill>
-                <a:latin typeface="Times New Roman" panose="02020603050405020304" pitchFamily="18" charset="0"/>
-                <a:cs typeface="Times New Roman" panose="02020603050405020304" pitchFamily="18" charset="0"/>
-              </a:rPr>
-              <a:t>soma</a:t>
-            </a:r>
-            <a:r>
-              <a:rPr lang="pt-BR" sz="2000" dirty="0">
-                <a:latin typeface="Times New Roman" panose="02020603050405020304" pitchFamily="18" charset="0"/>
-                <a:cs typeface="Times New Roman" panose="02020603050405020304" pitchFamily="18" charset="0"/>
-              </a:rPr>
-              <a:t>(2, 3)) # </a:t>
-            </a:r>
-            <a:r>
-              <a:rPr lang="pt-BR" sz="2000" b="1" dirty="0">
-                <a:latin typeface="Times New Roman" panose="02020603050405020304" pitchFamily="18" charset="0"/>
-                <a:cs typeface="Times New Roman" panose="02020603050405020304" pitchFamily="18" charset="0"/>
-              </a:rPr>
-              <a:t>print</a:t>
-            </a:r>
-            <a:r>
-              <a:rPr lang="pt-BR" sz="2000" dirty="0">
-                <a:latin typeface="Times New Roman" panose="02020603050405020304" pitchFamily="18" charset="0"/>
-                <a:cs typeface="Times New Roman" panose="02020603050405020304" pitchFamily="18" charset="0"/>
-              </a:rPr>
-              <a:t>(</a:t>
-            </a:r>
-            <a:r>
-              <a:rPr lang="pt-BR" sz="2000" b="1" dirty="0">
-                <a:solidFill>
-                  <a:srgbClr val="FF0000"/>
-                </a:solidFill>
-                <a:latin typeface="Times New Roman" panose="02020603050405020304" pitchFamily="18" charset="0"/>
-                <a:cs typeface="Times New Roman" panose="02020603050405020304" pitchFamily="18" charset="0"/>
-              </a:rPr>
-              <a:t>Sub</a:t>
-            </a:r>
-            <a:r>
-              <a:rPr lang="pt-BR" sz="2000" dirty="0">
-                <a:latin typeface="Times New Roman" panose="02020603050405020304" pitchFamily="18" charset="0"/>
-                <a:cs typeface="Times New Roman" panose="02020603050405020304" pitchFamily="18" charset="0"/>
-              </a:rPr>
-              <a:t>().</a:t>
-            </a:r>
-            <a:r>
-              <a:rPr lang="pt-BR" sz="2000" b="1" dirty="0">
-                <a:solidFill>
-                  <a:srgbClr val="FF0000"/>
-                </a:solidFill>
-                <a:latin typeface="Times New Roman" panose="02020603050405020304" pitchFamily="18" charset="0"/>
-                <a:cs typeface="Times New Roman" panose="02020603050405020304" pitchFamily="18" charset="0"/>
-              </a:rPr>
-              <a:t>soma</a:t>
-            </a:r>
-            <a:r>
-              <a:rPr lang="pt-BR" sz="2000" dirty="0">
-                <a:latin typeface="Times New Roman" panose="02020603050405020304" pitchFamily="18" charset="0"/>
-                <a:cs typeface="Times New Roman" panose="02020603050405020304" pitchFamily="18" charset="0"/>
-              </a:rPr>
-              <a:t>(2, 3, 7)) </a:t>
+              <a:rPr lang="pt-BR" sz="2200" dirty="0">
+                <a:latin typeface="Times New Roman" panose="02020603050405020304" pitchFamily="18" charset="0"/>
+                <a:cs typeface="Times New Roman" panose="02020603050405020304" pitchFamily="18" charset="0"/>
+                <a:hlinkClick r:id="rId3"/>
+              </a:rPr>
+              <a:t>https://www.devmedia.com.br/sobrecarga-e-sobreposicao-de-metodos-em-orientacao-a-objetos/33066</a:t>
+            </a:r>
+            <a:r>
+              <a:rPr lang="pt-BR" sz="2200" dirty="0">
+                <a:latin typeface="Times New Roman" panose="02020603050405020304" pitchFamily="18" charset="0"/>
+                <a:cs typeface="Times New Roman" panose="02020603050405020304" pitchFamily="18" charset="0"/>
+              </a:rPr>
+              <a:t> </a:t>
             </a:r>
           </a:p>
         </p:txBody>
@@ -13337,7 +13222,7 @@
     </p:spTree>
     <p:extLst>
       <p:ext uri="{BB962C8B-B14F-4D97-AF65-F5344CB8AC3E}">
-        <p14:creationId xmlns:p14="http://schemas.microsoft.com/office/powerpoint/2010/main" val="1050614927"/>
+        <p14:creationId xmlns:p14="http://schemas.microsoft.com/office/powerpoint/2010/main" val="2086610683"/>
       </p:ext>
     </p:extLst>
   </p:cSld>
@@ -13425,24 +13310,60 @@
               <a:buNone/>
             </a:pPr>
             <a:r>
+              <a:rPr lang="pt-BR" sz="2000" b="1" dirty="0" err="1">
+                <a:latin typeface="Times New Roman" panose="02020603050405020304" pitchFamily="18" charset="0"/>
+                <a:cs typeface="Times New Roman" panose="02020603050405020304" pitchFamily="18" charset="0"/>
+              </a:rPr>
+              <a:t>class</a:t>
+            </a:r>
+            <a:r>
               <a:rPr lang="pt-BR" sz="2000" dirty="0">
                 <a:latin typeface="Times New Roman" panose="02020603050405020304" pitchFamily="18" charset="0"/>
                 <a:cs typeface="Times New Roman" panose="02020603050405020304" pitchFamily="18" charset="0"/>
               </a:rPr>
-              <a:t>A classe </a:t>
+              <a:t> </a:t>
             </a:r>
             <a:r>
               <a:rPr lang="pt-BR" sz="2000" b="1" dirty="0">
-                <a:latin typeface="Times New Roman" panose="02020603050405020304" pitchFamily="18" charset="0"/>
-                <a:cs typeface="Times New Roman" panose="02020603050405020304" pitchFamily="18" charset="0"/>
-              </a:rPr>
-              <a:t>Sub</a:t>
+                <a:solidFill>
+                  <a:srgbClr val="FF0000"/>
+                </a:solidFill>
+                <a:latin typeface="Times New Roman" panose="02020603050405020304" pitchFamily="18" charset="0"/>
+                <a:cs typeface="Times New Roman" panose="02020603050405020304" pitchFamily="18" charset="0"/>
+              </a:rPr>
+              <a:t>Super</a:t>
             </a:r>
             <a:r>
               <a:rPr lang="pt-BR" sz="2000" dirty="0">
                 <a:latin typeface="Times New Roman" panose="02020603050405020304" pitchFamily="18" charset="0"/>
                 <a:cs typeface="Times New Roman" panose="02020603050405020304" pitchFamily="18" charset="0"/>
               </a:rPr>
+              <a:t>:</a:t>
+            </a:r>
+          </a:p>
+          <a:p>
+            <a:pPr marL="0" indent="0" algn="just">
+              <a:buNone/>
+            </a:pPr>
+            <a:r>
+              <a:rPr lang="pt-BR" sz="2000" dirty="0">
+                <a:latin typeface="Times New Roman" panose="02020603050405020304" pitchFamily="18" charset="0"/>
+                <a:cs typeface="Times New Roman" panose="02020603050405020304" pitchFamily="18" charset="0"/>
+              </a:rPr>
+              <a:t>    </a:t>
+            </a:r>
+            <a:r>
+              <a:rPr lang="pt-BR" sz="2000" b="1" dirty="0" err="1">
+                <a:latin typeface="Times New Roman" panose="02020603050405020304" pitchFamily="18" charset="0"/>
+                <a:cs typeface="Times New Roman" panose="02020603050405020304" pitchFamily="18" charset="0"/>
+              </a:rPr>
+              <a:t>def</a:t>
+            </a:r>
+            <a:r>
+              <a:rPr lang="pt-BR" sz="2000" dirty="0">
+                <a:latin typeface="Times New Roman" panose="02020603050405020304" pitchFamily="18" charset="0"/>
+                <a:cs typeface="Times New Roman" panose="02020603050405020304" pitchFamily="18" charset="0"/>
+              </a:rPr>
               <a:t> </a:t>
             </a:r>
             <a:r>
@@ -13453,45 +13374,54 @@
                 <a:latin typeface="Times New Roman" panose="02020603050405020304" pitchFamily="18" charset="0"/>
                 <a:cs typeface="Times New Roman" panose="02020603050405020304" pitchFamily="18" charset="0"/>
               </a:rPr>
-              <a:t>herda a Superclasse</a:t>
+              <a:t>soma</a:t>
             </a:r>
             <a:r>
               <a:rPr lang="pt-BR" sz="2000" dirty="0">
                 <a:latin typeface="Times New Roman" panose="02020603050405020304" pitchFamily="18" charset="0"/>
                 <a:cs typeface="Times New Roman" panose="02020603050405020304" pitchFamily="18" charset="0"/>
               </a:rPr>
-              <a:t>, ou seja, tudo que nem na </a:t>
+              <a:t>(</a:t>
             </a:r>
             <a:r>
               <a:rPr lang="pt-BR" sz="2000" b="1" dirty="0">
-                <a:solidFill>
-                  <a:srgbClr val="FF0000"/>
-                </a:solidFill>
-                <a:latin typeface="Times New Roman" panose="02020603050405020304" pitchFamily="18" charset="0"/>
-                <a:cs typeface="Times New Roman" panose="02020603050405020304" pitchFamily="18" charset="0"/>
-              </a:rPr>
-              <a:t>superclasse</a:t>
+                <a:latin typeface="Times New Roman" panose="02020603050405020304" pitchFamily="18" charset="0"/>
+                <a:cs typeface="Times New Roman" panose="02020603050405020304" pitchFamily="18" charset="0"/>
+              </a:rPr>
+              <a:t>self</a:t>
             </a:r>
             <a:r>
               <a:rPr lang="pt-BR" sz="2000" dirty="0">
                 <a:latin typeface="Times New Roman" panose="02020603050405020304" pitchFamily="18" charset="0"/>
                 <a:cs typeface="Times New Roman" panose="02020603050405020304" pitchFamily="18" charset="0"/>
               </a:rPr>
-              <a:t> (</a:t>
-            </a:r>
-            <a:r>
-              <a:rPr lang="pt-BR" sz="2000" b="1" dirty="0">
-                <a:latin typeface="Times New Roman" panose="02020603050405020304" pitchFamily="18" charset="0"/>
-                <a:cs typeface="Times New Roman" panose="02020603050405020304" pitchFamily="18" charset="0"/>
-              </a:rPr>
-              <a:t>atributos e métodos</a:t>
-            </a:r>
+              <a:t>, x, y):</a:t>
+            </a:r>
+          </a:p>
+          <a:p>
+            <a:pPr marL="0" indent="0" algn="just">
+              <a:buNone/>
+            </a:pPr>
             <a:r>
               <a:rPr lang="pt-BR" sz="2000" dirty="0">
                 <a:latin typeface="Times New Roman" panose="02020603050405020304" pitchFamily="18" charset="0"/>
                 <a:cs typeface="Times New Roman" panose="02020603050405020304" pitchFamily="18" charset="0"/>
               </a:rPr>
-              <a:t>), vai ter na subclasse.</a:t>
+              <a:t>        </a:t>
+            </a:r>
+            <a:r>
+              <a:rPr lang="pt-BR" sz="2000" b="1" dirty="0" err="1">
+                <a:latin typeface="Times New Roman" panose="02020603050405020304" pitchFamily="18" charset="0"/>
+                <a:cs typeface="Times New Roman" panose="02020603050405020304" pitchFamily="18" charset="0"/>
+              </a:rPr>
+              <a:t>return</a:t>
+            </a:r>
+            <a:r>
+              <a:rPr lang="pt-BR" sz="2000" dirty="0">
+                <a:latin typeface="Times New Roman" panose="02020603050405020304" pitchFamily="18" charset="0"/>
+                <a:cs typeface="Times New Roman" panose="02020603050405020304" pitchFamily="18" charset="0"/>
+              </a:rPr>
+              <a:t> x + y</a:t>
             </a:r>
           </a:p>
           <a:p>
@@ -13508,25 +13438,32 @@
               <a:buNone/>
             </a:pPr>
             <a:r>
+              <a:rPr lang="pt-BR" sz="2000" b="1" dirty="0" err="1">
+                <a:latin typeface="Times New Roman" panose="02020603050405020304" pitchFamily="18" charset="0"/>
+                <a:cs typeface="Times New Roman" panose="02020603050405020304" pitchFamily="18" charset="0"/>
+              </a:rPr>
+              <a:t>class</a:t>
+            </a:r>
+            <a:r>
               <a:rPr lang="pt-BR" sz="2000" dirty="0">
                 <a:latin typeface="Times New Roman" panose="02020603050405020304" pitchFamily="18" charset="0"/>
                 <a:cs typeface="Times New Roman" panose="02020603050405020304" pitchFamily="18" charset="0"/>
               </a:rPr>
-              <a:t>Porém, quando chamamos o método soma(), ele vai invocar o </a:t>
+              <a:t> </a:t>
             </a:r>
             <a:r>
               <a:rPr lang="pt-BR" sz="2000" b="1" dirty="0">
                 <a:latin typeface="Times New Roman" panose="02020603050405020304" pitchFamily="18" charset="0"/>
                 <a:cs typeface="Times New Roman" panose="02020603050405020304" pitchFamily="18" charset="0"/>
               </a:rPr>
-              <a:t>método da subclasse </a:t>
+              <a:t>Sub</a:t>
             </a:r>
             <a:r>
               <a:rPr lang="pt-BR" sz="2000" dirty="0">
                 <a:latin typeface="Times New Roman" panose="02020603050405020304" pitchFamily="18" charset="0"/>
                 <a:cs typeface="Times New Roman" panose="02020603050405020304" pitchFamily="18" charset="0"/>
               </a:rPr>
-              <a:t>e </a:t>
+              <a:t>(</a:t>
             </a:r>
             <a:r>
               <a:rPr lang="pt-BR" sz="2000" b="1" dirty="0">
@@ -13536,45 +13473,97 @@
                 <a:latin typeface="Times New Roman" panose="02020603050405020304" pitchFamily="18" charset="0"/>
                 <a:cs typeface="Times New Roman" panose="02020603050405020304" pitchFamily="18" charset="0"/>
               </a:rPr>
-              <a:t>não da superclasse</a:t>
+              <a:t>Super</a:t>
             </a:r>
             <a:r>
               <a:rPr lang="pt-BR" sz="2000" dirty="0">
                 <a:latin typeface="Times New Roman" panose="02020603050405020304" pitchFamily="18" charset="0"/>
                 <a:cs typeface="Times New Roman" panose="02020603050405020304" pitchFamily="18" charset="0"/>
               </a:rPr>
-              <a:t>! O Python entende: "Opa, ele instanciou um objeto da </a:t>
+              <a:t>):</a:t>
+            </a:r>
+          </a:p>
+          <a:p>
+            <a:pPr marL="0" indent="0" algn="just">
+              <a:buNone/>
+            </a:pPr>
+            <a:r>
+              <a:rPr lang="pt-BR" sz="2000" dirty="0">
+                <a:latin typeface="Times New Roman" panose="02020603050405020304" pitchFamily="18" charset="0"/>
+                <a:cs typeface="Times New Roman" panose="02020603050405020304" pitchFamily="18" charset="0"/>
+              </a:rPr>
+              <a:t>    </a:t>
+            </a:r>
+            <a:r>
+              <a:rPr lang="pt-BR" sz="2000" b="1" dirty="0" err="1">
+                <a:latin typeface="Times New Roman" panose="02020603050405020304" pitchFamily="18" charset="0"/>
+                <a:cs typeface="Times New Roman" panose="02020603050405020304" pitchFamily="18" charset="0"/>
+              </a:rPr>
+              <a:t>def</a:t>
+            </a:r>
+            <a:r>
+              <a:rPr lang="pt-BR" sz="2000" dirty="0">
+                <a:latin typeface="Times New Roman" panose="02020603050405020304" pitchFamily="18" charset="0"/>
+                <a:cs typeface="Times New Roman" panose="02020603050405020304" pitchFamily="18" charset="0"/>
+              </a:rPr>
+              <a:t> </a:t>
             </a:r>
             <a:r>
               <a:rPr lang="pt-BR" sz="2000" b="1" dirty="0">
-                <a:latin typeface="Times New Roman" panose="02020603050405020304" pitchFamily="18" charset="0"/>
-                <a:cs typeface="Times New Roman" panose="02020603050405020304" pitchFamily="18" charset="0"/>
-              </a:rPr>
-              <a:t>subclasse</a:t>
+                <a:solidFill>
+                  <a:srgbClr val="FF0000"/>
+                </a:solidFill>
+                <a:latin typeface="Times New Roman" panose="02020603050405020304" pitchFamily="18" charset="0"/>
+                <a:cs typeface="Times New Roman" panose="02020603050405020304" pitchFamily="18" charset="0"/>
+              </a:rPr>
+              <a:t>soma</a:t>
             </a:r>
             <a:r>
               <a:rPr lang="pt-BR" sz="2000" dirty="0">
                 <a:latin typeface="Times New Roman" panose="02020603050405020304" pitchFamily="18" charset="0"/>
                 <a:cs typeface="Times New Roman" panose="02020603050405020304" pitchFamily="18" charset="0"/>
               </a:rPr>
-              <a:t>. Por isso </a:t>
+              <a:t>(</a:t>
             </a:r>
             <a:r>
               <a:rPr lang="pt-BR" sz="2000" b="1" dirty="0">
-                <a:solidFill>
-                  <a:srgbClr val="FF0000"/>
-                </a:solidFill>
-                <a:latin typeface="Times New Roman" panose="02020603050405020304" pitchFamily="18" charset="0"/>
-                <a:cs typeface="Times New Roman" panose="02020603050405020304" pitchFamily="18" charset="0"/>
-              </a:rPr>
-              <a:t>vou invocar o método da subclasse e não da superclasse</a:t>
+                <a:latin typeface="Times New Roman" panose="02020603050405020304" pitchFamily="18" charset="0"/>
+                <a:cs typeface="Times New Roman" panose="02020603050405020304" pitchFamily="18" charset="0"/>
+              </a:rPr>
+              <a:t>self</a:t>
             </a:r>
             <a:r>
               <a:rPr lang="pt-BR" sz="2000" dirty="0">
                 <a:latin typeface="Times New Roman" panose="02020603050405020304" pitchFamily="18" charset="0"/>
                 <a:cs typeface="Times New Roman" panose="02020603050405020304" pitchFamily="18" charset="0"/>
               </a:rPr>
-              <a:t>“.</a:t>
+              <a:t>, x, y, z):</a:t>
+            </a:r>
+          </a:p>
+          <a:p>
+            <a:pPr marL="0" indent="0" algn="just">
+              <a:buNone/>
+            </a:pPr>
+            <a:r>
+              <a:rPr lang="pt-BR" sz="2000" dirty="0">
+                <a:latin typeface="Times New Roman" panose="02020603050405020304" pitchFamily="18" charset="0"/>
+                <a:cs typeface="Times New Roman" panose="02020603050405020304" pitchFamily="18" charset="0"/>
+              </a:rPr>
+              <a:t>        </a:t>
+            </a:r>
+            <a:r>
+              <a:rPr lang="pt-BR" sz="2000" b="1" dirty="0" err="1">
+                <a:latin typeface="Times New Roman" panose="02020603050405020304" pitchFamily="18" charset="0"/>
+                <a:cs typeface="Times New Roman" panose="02020603050405020304" pitchFamily="18" charset="0"/>
+              </a:rPr>
+              <a:t>return</a:t>
+            </a:r>
+            <a:r>
+              <a:rPr lang="pt-BR" sz="2000" dirty="0">
+                <a:latin typeface="Times New Roman" panose="02020603050405020304" pitchFamily="18" charset="0"/>
+                <a:cs typeface="Times New Roman" panose="02020603050405020304" pitchFamily="18" charset="0"/>
+              </a:rPr>
+              <a:t> x + y + z</a:t>
             </a:r>
           </a:p>
           <a:p>
@@ -13591,25 +13580,35 @@
               <a:buNone/>
             </a:pPr>
             <a:r>
+              <a:rPr lang="pt-BR" sz="2000" b="1" dirty="0">
+                <a:latin typeface="Times New Roman" panose="02020603050405020304" pitchFamily="18" charset="0"/>
+                <a:cs typeface="Times New Roman" panose="02020603050405020304" pitchFamily="18" charset="0"/>
+              </a:rPr>
+              <a:t>print</a:t>
+            </a:r>
+            <a:r>
               <a:rPr lang="pt-BR" sz="2000" dirty="0">
                 <a:latin typeface="Times New Roman" panose="02020603050405020304" pitchFamily="18" charset="0"/>
                 <a:cs typeface="Times New Roman" panose="02020603050405020304" pitchFamily="18" charset="0"/>
               </a:rPr>
-              <a:t>Ou seja, seu </a:t>
+              <a:t>(</a:t>
             </a:r>
             <a:r>
               <a:rPr lang="pt-BR" sz="2000" b="1" dirty="0">
-                <a:latin typeface="Times New Roman" panose="02020603050405020304" pitchFamily="18" charset="0"/>
-                <a:cs typeface="Times New Roman" panose="02020603050405020304" pitchFamily="18" charset="0"/>
-              </a:rPr>
-              <a:t>objeto assumiu a forma da subclasse</a:t>
+                <a:solidFill>
+                  <a:srgbClr val="FF0000"/>
+                </a:solidFill>
+                <a:latin typeface="Times New Roman" panose="02020603050405020304" pitchFamily="18" charset="0"/>
+                <a:cs typeface="Times New Roman" panose="02020603050405020304" pitchFamily="18" charset="0"/>
+              </a:rPr>
+              <a:t>Super</a:t>
             </a:r>
             <a:r>
               <a:rPr lang="pt-BR" sz="2000" dirty="0">
                 <a:latin typeface="Times New Roman" panose="02020603050405020304" pitchFamily="18" charset="0"/>
                 <a:cs typeface="Times New Roman" panose="02020603050405020304" pitchFamily="18" charset="0"/>
               </a:rPr>
-              <a:t>, embora ele também seja uma </a:t>
+              <a:t>().</a:t>
             </a:r>
             <a:r>
               <a:rPr lang="pt-BR" sz="2000" b="1" dirty="0">
@@ -13619,42 +13618,62 @@
                 <a:latin typeface="Times New Roman" panose="02020603050405020304" pitchFamily="18" charset="0"/>
                 <a:cs typeface="Times New Roman" panose="02020603050405020304" pitchFamily="18" charset="0"/>
               </a:rPr>
-              <a:t>superclasse</a:t>
+              <a:t>soma</a:t>
             </a:r>
             <a:r>
               <a:rPr lang="pt-BR" sz="2000" dirty="0">
                 <a:latin typeface="Times New Roman" panose="02020603050405020304" pitchFamily="18" charset="0"/>
                 <a:cs typeface="Times New Roman" panose="02020603050405020304" pitchFamily="18" charset="0"/>
               </a:rPr>
-              <a:t>. Dizemos que o método da subclasse fez uma </a:t>
+              <a:t>(2, 3)) # </a:t>
             </a:r>
             <a:r>
               <a:rPr lang="pt-BR" sz="2000" b="1" dirty="0">
                 <a:latin typeface="Times New Roman" panose="02020603050405020304" pitchFamily="18" charset="0"/>
                 <a:cs typeface="Times New Roman" panose="02020603050405020304" pitchFamily="18" charset="0"/>
               </a:rPr>
-              <a:t>sobreposição</a:t>
+              <a:t>print</a:t>
             </a:r>
             <a:r>
               <a:rPr lang="pt-BR" sz="2000" dirty="0">
                 <a:latin typeface="Times New Roman" panose="02020603050405020304" pitchFamily="18" charset="0"/>
                 <a:cs typeface="Times New Roman" panose="02020603050405020304" pitchFamily="18" charset="0"/>
               </a:rPr>
-              <a:t>, ele sobrepôs, passou por cima, do </a:t>
+              <a:t>(</a:t>
             </a:r>
             <a:r>
               <a:rPr lang="pt-BR" sz="2000" b="1" dirty="0">
-                <a:latin typeface="Times New Roman" panose="02020603050405020304" pitchFamily="18" charset="0"/>
-                <a:cs typeface="Times New Roman" panose="02020603050405020304" pitchFamily="18" charset="0"/>
-              </a:rPr>
-              <a:t>método da superclasse</a:t>
+                <a:solidFill>
+                  <a:srgbClr val="FF0000"/>
+                </a:solidFill>
+                <a:latin typeface="Times New Roman" panose="02020603050405020304" pitchFamily="18" charset="0"/>
+                <a:cs typeface="Times New Roman" panose="02020603050405020304" pitchFamily="18" charset="0"/>
+              </a:rPr>
+              <a:t>Sub</a:t>
             </a:r>
             <a:r>
               <a:rPr lang="pt-BR" sz="2000" dirty="0">
                 <a:latin typeface="Times New Roman" panose="02020603050405020304" pitchFamily="18" charset="0"/>
                 <a:cs typeface="Times New Roman" panose="02020603050405020304" pitchFamily="18" charset="0"/>
               </a:rPr>
-              <a:t>.</a:t>
+              <a:t>().</a:t>
+            </a:r>
+            <a:r>
+              <a:rPr lang="pt-BR" sz="2000" b="1" dirty="0">
+                <a:solidFill>
+                  <a:srgbClr val="FF0000"/>
+                </a:solidFill>
+                <a:latin typeface="Times New Roman" panose="02020603050405020304" pitchFamily="18" charset="0"/>
+                <a:cs typeface="Times New Roman" panose="02020603050405020304" pitchFamily="18" charset="0"/>
+              </a:rPr>
+              <a:t>soma</a:t>
+            </a:r>
+            <a:r>
+              <a:rPr lang="pt-BR" sz="2000" dirty="0">
+                <a:latin typeface="Times New Roman" panose="02020603050405020304" pitchFamily="18" charset="0"/>
+                <a:cs typeface="Times New Roman" panose="02020603050405020304" pitchFamily="18" charset="0"/>
+              </a:rPr>
+              <a:t>(2, 3, 7)) </a:t>
             </a:r>
           </a:p>
         </p:txBody>
@@ -13662,7 +13681,7 @@
     </p:spTree>
     <p:extLst>
       <p:ext uri="{BB962C8B-B14F-4D97-AF65-F5344CB8AC3E}">
-        <p14:creationId xmlns:p14="http://schemas.microsoft.com/office/powerpoint/2010/main" val="1451181704"/>
+        <p14:creationId xmlns:p14="http://schemas.microsoft.com/office/powerpoint/2010/main" val="1050614927"/>
       </p:ext>
     </p:extLst>
   </p:cSld>
@@ -13750,577 +13769,244 @@
               <a:buNone/>
             </a:pPr>
             <a:r>
-              <a:rPr lang="en-US" sz="1600" b="1" dirty="0">
-                <a:highlight>
-                  <a:srgbClr val="FFFF00"/>
-                </a:highlight>
-                <a:latin typeface="Times New Roman" panose="02020603050405020304" pitchFamily="18" charset="0"/>
-                <a:cs typeface="Times New Roman" panose="02020603050405020304" pitchFamily="18" charset="0"/>
-              </a:rPr>
-              <a:t>class</a:t>
-            </a:r>
-            <a:r>
-              <a:rPr lang="en-US" sz="1600" dirty="0">
-                <a:highlight>
-                  <a:srgbClr val="FFFF00"/>
-                </a:highlight>
+              <a:rPr lang="pt-BR" sz="2000" dirty="0">
+                <a:latin typeface="Times New Roman" panose="02020603050405020304" pitchFamily="18" charset="0"/>
+                <a:cs typeface="Times New Roman" panose="02020603050405020304" pitchFamily="18" charset="0"/>
+              </a:rPr>
+              <a:t>A classe </a:t>
+            </a:r>
+            <a:r>
+              <a:rPr lang="pt-BR" sz="2000" b="1" dirty="0">
+                <a:latin typeface="Times New Roman" panose="02020603050405020304" pitchFamily="18" charset="0"/>
+                <a:cs typeface="Times New Roman" panose="02020603050405020304" pitchFamily="18" charset="0"/>
+              </a:rPr>
+              <a:t>Sub</a:t>
+            </a:r>
+            <a:r>
+              <a:rPr lang="pt-BR" sz="2000" dirty="0">
                 <a:latin typeface="Times New Roman" panose="02020603050405020304" pitchFamily="18" charset="0"/>
                 <a:cs typeface="Times New Roman" panose="02020603050405020304" pitchFamily="18" charset="0"/>
               </a:rPr>
               <a:t> </a:t>
             </a:r>
             <a:r>
-              <a:rPr lang="en-US" sz="1600" b="1" dirty="0">
+              <a:rPr lang="pt-BR" sz="2000" b="1" dirty="0">
                 <a:solidFill>
                   <a:srgbClr val="FF0000"/>
                 </a:solidFill>
-                <a:highlight>
-                  <a:srgbClr val="FFFF00"/>
-                </a:highlight>
-                <a:latin typeface="Times New Roman" panose="02020603050405020304" pitchFamily="18" charset="0"/>
-                <a:cs typeface="Times New Roman" panose="02020603050405020304" pitchFamily="18" charset="0"/>
-              </a:rPr>
-              <a:t>Super</a:t>
-            </a:r>
-            <a:r>
-              <a:rPr lang="en-US" sz="1600" dirty="0">
-                <a:highlight>
-                  <a:srgbClr val="FFFF00"/>
-                </a:highlight>
-                <a:latin typeface="Times New Roman" panose="02020603050405020304" pitchFamily="18" charset="0"/>
-                <a:cs typeface="Times New Roman" panose="02020603050405020304" pitchFamily="18" charset="0"/>
-              </a:rPr>
-              <a:t>:</a:t>
+                <a:latin typeface="Times New Roman" panose="02020603050405020304" pitchFamily="18" charset="0"/>
+                <a:cs typeface="Times New Roman" panose="02020603050405020304" pitchFamily="18" charset="0"/>
+              </a:rPr>
+              <a:t>herda a Superclasse</a:t>
+            </a:r>
+            <a:r>
+              <a:rPr lang="pt-BR" sz="2000" dirty="0">
+                <a:latin typeface="Times New Roman" panose="02020603050405020304" pitchFamily="18" charset="0"/>
+                <a:cs typeface="Times New Roman" panose="02020603050405020304" pitchFamily="18" charset="0"/>
+              </a:rPr>
+              <a:t>, ou seja, tudo que nem na </a:t>
+            </a:r>
+            <a:r>
+              <a:rPr lang="pt-BR" sz="2000" b="1" dirty="0">
+                <a:solidFill>
+                  <a:srgbClr val="FF0000"/>
+                </a:solidFill>
+                <a:latin typeface="Times New Roman" panose="02020603050405020304" pitchFamily="18" charset="0"/>
+                <a:cs typeface="Times New Roman" panose="02020603050405020304" pitchFamily="18" charset="0"/>
+              </a:rPr>
+              <a:t>superclasse</a:t>
+            </a:r>
+            <a:r>
+              <a:rPr lang="pt-BR" sz="2000" dirty="0">
+                <a:latin typeface="Times New Roman" panose="02020603050405020304" pitchFamily="18" charset="0"/>
+                <a:cs typeface="Times New Roman" panose="02020603050405020304" pitchFamily="18" charset="0"/>
+              </a:rPr>
+              <a:t> (</a:t>
+            </a:r>
+            <a:r>
+              <a:rPr lang="pt-BR" sz="2000" b="1" dirty="0">
+                <a:latin typeface="Times New Roman" panose="02020603050405020304" pitchFamily="18" charset="0"/>
+                <a:cs typeface="Times New Roman" panose="02020603050405020304" pitchFamily="18" charset="0"/>
+              </a:rPr>
+              <a:t>atributos e métodos</a:t>
+            </a:r>
+            <a:r>
+              <a:rPr lang="pt-BR" sz="2000" dirty="0">
+                <a:latin typeface="Times New Roman" panose="02020603050405020304" pitchFamily="18" charset="0"/>
+                <a:cs typeface="Times New Roman" panose="02020603050405020304" pitchFamily="18" charset="0"/>
+              </a:rPr>
+              <a:t>), vai ter na subclasse.</a:t>
             </a:r>
           </a:p>
           <a:p>
             <a:pPr marL="0" indent="0" algn="just">
               <a:buNone/>
             </a:pPr>
-            <a:r>
-              <a:rPr lang="en-US" sz="1600" b="1" dirty="0">
-                <a:highlight>
-                  <a:srgbClr val="FFFF00"/>
-                </a:highlight>
-                <a:latin typeface="Times New Roman" panose="02020603050405020304" pitchFamily="18" charset="0"/>
-                <a:cs typeface="Times New Roman" panose="02020603050405020304" pitchFamily="18" charset="0"/>
-              </a:rPr>
-              <a:t> def</a:t>
-            </a:r>
-            <a:r>
-              <a:rPr lang="en-US" sz="1600" dirty="0">
-                <a:highlight>
-                  <a:srgbClr val="FFFF00"/>
-                </a:highlight>
-                <a:latin typeface="Times New Roman" panose="02020603050405020304" pitchFamily="18" charset="0"/>
-                <a:cs typeface="Times New Roman" panose="02020603050405020304" pitchFamily="18" charset="0"/>
-              </a:rPr>
-              <a:t> hello(</a:t>
-            </a:r>
-            <a:r>
-              <a:rPr lang="en-US" sz="1600" b="1" dirty="0">
-                <a:highlight>
-                  <a:srgbClr val="FFFF00"/>
-                </a:highlight>
-                <a:latin typeface="Times New Roman" panose="02020603050405020304" pitchFamily="18" charset="0"/>
-                <a:cs typeface="Times New Roman" panose="02020603050405020304" pitchFamily="18" charset="0"/>
-              </a:rPr>
-              <a:t>self</a:t>
-            </a:r>
-            <a:r>
-              <a:rPr lang="en-US" sz="1600" dirty="0">
-                <a:highlight>
-                  <a:srgbClr val="FFFF00"/>
-                </a:highlight>
-                <a:latin typeface="Times New Roman" panose="02020603050405020304" pitchFamily="18" charset="0"/>
-                <a:cs typeface="Times New Roman" panose="02020603050405020304" pitchFamily="18" charset="0"/>
-              </a:rPr>
-              <a:t>):</a:t>
-            </a:r>
-          </a:p>
-          <a:p>
-            <a:pPr marL="0" indent="0" algn="just">
-              <a:buNone/>
-            </a:pPr>
-            <a:r>
-              <a:rPr lang="en-US" sz="1600" dirty="0">
-                <a:highlight>
-                  <a:srgbClr val="FFFF00"/>
-                </a:highlight>
-                <a:latin typeface="Times New Roman" panose="02020603050405020304" pitchFamily="18" charset="0"/>
-                <a:cs typeface="Times New Roman" panose="02020603050405020304" pitchFamily="18" charset="0"/>
-              </a:rPr>
-              <a:t>    </a:t>
-            </a:r>
-            <a:r>
-              <a:rPr lang="en-US" sz="1600" b="1" dirty="0">
-                <a:highlight>
-                  <a:srgbClr val="FFFF00"/>
-                </a:highlight>
-                <a:latin typeface="Times New Roman" panose="02020603050405020304" pitchFamily="18" charset="0"/>
-                <a:cs typeface="Times New Roman" panose="02020603050405020304" pitchFamily="18" charset="0"/>
-              </a:rPr>
-              <a:t>print</a:t>
-            </a:r>
-            <a:r>
-              <a:rPr lang="en-US" sz="1600" dirty="0">
-                <a:highlight>
-                  <a:srgbClr val="FFFF00"/>
-                </a:highlight>
-                <a:latin typeface="Times New Roman" panose="02020603050405020304" pitchFamily="18" charset="0"/>
-                <a:cs typeface="Times New Roman" panose="02020603050405020304" pitchFamily="18" charset="0"/>
-              </a:rPr>
-              <a:t>("</a:t>
-            </a:r>
-            <a:r>
-              <a:rPr lang="en-US" sz="1600" dirty="0" err="1">
-                <a:highlight>
-                  <a:srgbClr val="FFFF00"/>
-                </a:highlight>
-                <a:latin typeface="Times New Roman" panose="02020603050405020304" pitchFamily="18" charset="0"/>
-                <a:cs typeface="Times New Roman" panose="02020603050405020304" pitchFamily="18" charset="0"/>
-              </a:rPr>
-              <a:t>Olá</a:t>
-            </a:r>
-            <a:r>
-              <a:rPr lang="en-US" sz="1600" dirty="0">
-                <a:highlight>
-                  <a:srgbClr val="FFFF00"/>
-                </a:highlight>
-                <a:latin typeface="Times New Roman" panose="02020603050405020304" pitchFamily="18" charset="0"/>
-                <a:cs typeface="Times New Roman" panose="02020603050405020304" pitchFamily="18" charset="0"/>
-              </a:rPr>
-              <a:t>, sou a </a:t>
-            </a:r>
-            <a:r>
-              <a:rPr lang="en-US" sz="1600" dirty="0" err="1">
-                <a:highlight>
-                  <a:srgbClr val="FFFF00"/>
-                </a:highlight>
-                <a:latin typeface="Times New Roman" panose="02020603050405020304" pitchFamily="18" charset="0"/>
-                <a:cs typeface="Times New Roman" panose="02020603050405020304" pitchFamily="18" charset="0"/>
-              </a:rPr>
-              <a:t>superclasse</a:t>
-            </a:r>
-            <a:r>
-              <a:rPr lang="en-US" sz="1600" dirty="0">
-                <a:highlight>
-                  <a:srgbClr val="FFFF00"/>
-                </a:highlight>
-                <a:latin typeface="Times New Roman" panose="02020603050405020304" pitchFamily="18" charset="0"/>
-                <a:cs typeface="Times New Roman" panose="02020603050405020304" pitchFamily="18" charset="0"/>
-              </a:rPr>
-              <a:t>!")</a:t>
-            </a:r>
-          </a:p>
-          <a:p>
-            <a:pPr marL="0" indent="0" algn="just">
-              <a:buNone/>
-            </a:pPr>
-            <a:r>
-              <a:rPr lang="en-US" sz="1600" b="1" dirty="0">
-                <a:highlight>
-                  <a:srgbClr val="00FF00"/>
-                </a:highlight>
-                <a:latin typeface="Times New Roman" panose="02020603050405020304" pitchFamily="18" charset="0"/>
-                <a:cs typeface="Times New Roman" panose="02020603050405020304" pitchFamily="18" charset="0"/>
-              </a:rPr>
-              <a:t>class</a:t>
-            </a:r>
-            <a:r>
-              <a:rPr lang="en-US" sz="1600" dirty="0">
-                <a:highlight>
-                  <a:srgbClr val="00FF00"/>
-                </a:highlight>
-                <a:latin typeface="Times New Roman" panose="02020603050405020304" pitchFamily="18" charset="0"/>
-                <a:cs typeface="Times New Roman" panose="02020603050405020304" pitchFamily="18" charset="0"/>
-              </a:rPr>
-              <a:t> </a:t>
-            </a:r>
-            <a:r>
-              <a:rPr lang="en-US" sz="1600" b="1" dirty="0">
-                <a:highlight>
-                  <a:srgbClr val="00FF00"/>
-                </a:highlight>
-                <a:latin typeface="Times New Roman" panose="02020603050405020304" pitchFamily="18" charset="0"/>
-                <a:cs typeface="Times New Roman" panose="02020603050405020304" pitchFamily="18" charset="0"/>
-              </a:rPr>
-              <a:t>Sub</a:t>
-            </a:r>
-            <a:r>
-              <a:rPr lang="en-US" sz="1600" dirty="0">
-                <a:highlight>
-                  <a:srgbClr val="00FF00"/>
-                </a:highlight>
-                <a:latin typeface="Times New Roman" panose="02020603050405020304" pitchFamily="18" charset="0"/>
-                <a:cs typeface="Times New Roman" panose="02020603050405020304" pitchFamily="18" charset="0"/>
-              </a:rPr>
-              <a:t> (</a:t>
-            </a:r>
-            <a:r>
-              <a:rPr lang="en-US" sz="1600" b="1" dirty="0">
-                <a:solidFill>
-                  <a:srgbClr val="FF0000"/>
-                </a:solidFill>
-                <a:highlight>
-                  <a:srgbClr val="00FF00"/>
-                </a:highlight>
-                <a:latin typeface="Times New Roman" panose="02020603050405020304" pitchFamily="18" charset="0"/>
-                <a:cs typeface="Times New Roman" panose="02020603050405020304" pitchFamily="18" charset="0"/>
-              </a:rPr>
-              <a:t>Super</a:t>
-            </a:r>
-            <a:r>
-              <a:rPr lang="en-US" sz="1600" dirty="0">
-                <a:highlight>
-                  <a:srgbClr val="00FF00"/>
-                </a:highlight>
-                <a:latin typeface="Times New Roman" panose="02020603050405020304" pitchFamily="18" charset="0"/>
-                <a:cs typeface="Times New Roman" panose="02020603050405020304" pitchFamily="18" charset="0"/>
-              </a:rPr>
-              <a:t>):</a:t>
-            </a:r>
-          </a:p>
-          <a:p>
-            <a:pPr marL="0" indent="0" algn="just">
-              <a:buNone/>
-            </a:pPr>
-            <a:r>
-              <a:rPr lang="en-US" sz="1600" b="1" dirty="0">
-                <a:highlight>
-                  <a:srgbClr val="00FF00"/>
-                </a:highlight>
-                <a:latin typeface="Times New Roman" panose="02020603050405020304" pitchFamily="18" charset="0"/>
-                <a:cs typeface="Times New Roman" panose="02020603050405020304" pitchFamily="18" charset="0"/>
-              </a:rPr>
-              <a:t>  def</a:t>
-            </a:r>
-            <a:r>
-              <a:rPr lang="en-US" sz="1600" dirty="0">
-                <a:highlight>
-                  <a:srgbClr val="00FF00"/>
-                </a:highlight>
-                <a:latin typeface="Times New Roman" panose="02020603050405020304" pitchFamily="18" charset="0"/>
-                <a:cs typeface="Times New Roman" panose="02020603050405020304" pitchFamily="18" charset="0"/>
-              </a:rPr>
-              <a:t> hello(self):</a:t>
-            </a:r>
-          </a:p>
-          <a:p>
-            <a:pPr marL="0" indent="0" algn="just">
-              <a:buNone/>
-            </a:pPr>
-            <a:r>
-              <a:rPr lang="en-US" sz="1600" b="1" dirty="0">
-                <a:highlight>
-                  <a:srgbClr val="00FF00"/>
-                </a:highlight>
-                <a:latin typeface="Times New Roman" panose="02020603050405020304" pitchFamily="18" charset="0"/>
-                <a:cs typeface="Times New Roman" panose="02020603050405020304" pitchFamily="18" charset="0"/>
-              </a:rPr>
-              <a:t>     print</a:t>
-            </a:r>
-            <a:r>
-              <a:rPr lang="en-US" sz="1600" dirty="0">
-                <a:highlight>
-                  <a:srgbClr val="00FF00"/>
-                </a:highlight>
-                <a:latin typeface="Times New Roman" panose="02020603050405020304" pitchFamily="18" charset="0"/>
-                <a:cs typeface="Times New Roman" panose="02020603050405020304" pitchFamily="18" charset="0"/>
-              </a:rPr>
-              <a:t>("</a:t>
-            </a:r>
-            <a:r>
-              <a:rPr lang="en-US" sz="1600" dirty="0" err="1">
-                <a:highlight>
-                  <a:srgbClr val="00FF00"/>
-                </a:highlight>
-                <a:latin typeface="Times New Roman" panose="02020603050405020304" pitchFamily="18" charset="0"/>
-                <a:cs typeface="Times New Roman" panose="02020603050405020304" pitchFamily="18" charset="0"/>
-              </a:rPr>
-              <a:t>Olá</a:t>
-            </a:r>
-            <a:r>
-              <a:rPr lang="en-US" sz="1600" dirty="0">
-                <a:highlight>
-                  <a:srgbClr val="00FF00"/>
-                </a:highlight>
-                <a:latin typeface="Times New Roman" panose="02020603050405020304" pitchFamily="18" charset="0"/>
-                <a:cs typeface="Times New Roman" panose="02020603050405020304" pitchFamily="18" charset="0"/>
-              </a:rPr>
-              <a:t>, sou a </a:t>
-            </a:r>
-            <a:r>
-              <a:rPr lang="en-US" sz="1600" dirty="0" err="1">
-                <a:highlight>
-                  <a:srgbClr val="00FF00"/>
-                </a:highlight>
-                <a:latin typeface="Times New Roman" panose="02020603050405020304" pitchFamily="18" charset="0"/>
-                <a:cs typeface="Times New Roman" panose="02020603050405020304" pitchFamily="18" charset="0"/>
-              </a:rPr>
-              <a:t>subclasse</a:t>
-            </a:r>
-            <a:r>
-              <a:rPr lang="en-US" sz="1600" dirty="0">
-                <a:highlight>
-                  <a:srgbClr val="00FF00"/>
-                </a:highlight>
-                <a:latin typeface="Times New Roman" panose="02020603050405020304" pitchFamily="18" charset="0"/>
-                <a:cs typeface="Times New Roman" panose="02020603050405020304" pitchFamily="18" charset="0"/>
-              </a:rPr>
-              <a:t>!")</a:t>
-            </a:r>
-          </a:p>
-          <a:p>
-            <a:pPr marL="0" indent="0" algn="just">
-              <a:buNone/>
-            </a:pPr>
-            <a:r>
-              <a:rPr lang="en-US" sz="1600" b="1" dirty="0">
-                <a:highlight>
-                  <a:srgbClr val="00FFFF"/>
-                </a:highlight>
-                <a:latin typeface="Times New Roman" panose="02020603050405020304" pitchFamily="18" charset="0"/>
-                <a:cs typeface="Times New Roman" panose="02020603050405020304" pitchFamily="18" charset="0"/>
-              </a:rPr>
-              <a:t>class</a:t>
-            </a:r>
-            <a:r>
-              <a:rPr lang="en-US" sz="1600" dirty="0">
-                <a:highlight>
-                  <a:srgbClr val="00FFFF"/>
-                </a:highlight>
-                <a:latin typeface="Times New Roman" panose="02020603050405020304" pitchFamily="18" charset="0"/>
-                <a:cs typeface="Times New Roman" panose="02020603050405020304" pitchFamily="18" charset="0"/>
-              </a:rPr>
-              <a:t> </a:t>
-            </a:r>
-            <a:r>
-              <a:rPr lang="en-US" sz="1600" b="1" dirty="0" err="1">
-                <a:solidFill>
-                  <a:srgbClr val="FF0000"/>
-                </a:solidFill>
-                <a:highlight>
-                  <a:srgbClr val="00FFFF"/>
-                </a:highlight>
-                <a:latin typeface="Times New Roman" panose="02020603050405020304" pitchFamily="18" charset="0"/>
-                <a:cs typeface="Times New Roman" panose="02020603050405020304" pitchFamily="18" charset="0"/>
-              </a:rPr>
-              <a:t>Subsub</a:t>
-            </a:r>
-            <a:r>
-              <a:rPr lang="en-US" sz="1600" dirty="0">
-                <a:highlight>
-                  <a:srgbClr val="00FFFF"/>
-                </a:highlight>
-                <a:latin typeface="Times New Roman" panose="02020603050405020304" pitchFamily="18" charset="0"/>
-                <a:cs typeface="Times New Roman" panose="02020603050405020304" pitchFamily="18" charset="0"/>
-              </a:rPr>
-              <a:t> (</a:t>
-            </a:r>
-            <a:r>
-              <a:rPr lang="en-US" sz="1600" b="1" dirty="0">
-                <a:highlight>
-                  <a:srgbClr val="00FFFF"/>
-                </a:highlight>
-                <a:latin typeface="Times New Roman" panose="02020603050405020304" pitchFamily="18" charset="0"/>
-                <a:cs typeface="Times New Roman" panose="02020603050405020304" pitchFamily="18" charset="0"/>
-              </a:rPr>
-              <a:t>Sub</a:t>
-            </a:r>
-            <a:r>
-              <a:rPr lang="en-US" sz="1600" dirty="0">
-                <a:highlight>
-                  <a:srgbClr val="00FFFF"/>
-                </a:highlight>
-                <a:latin typeface="Times New Roman" panose="02020603050405020304" pitchFamily="18" charset="0"/>
-                <a:cs typeface="Times New Roman" panose="02020603050405020304" pitchFamily="18" charset="0"/>
-              </a:rPr>
-              <a:t>):</a:t>
-            </a:r>
-          </a:p>
-          <a:p>
-            <a:pPr marL="0" indent="0" algn="just">
-              <a:buNone/>
-            </a:pPr>
-            <a:r>
-              <a:rPr lang="en-US" sz="1600" dirty="0">
-                <a:highlight>
-                  <a:srgbClr val="00FFFF"/>
-                </a:highlight>
-                <a:latin typeface="Times New Roman" panose="02020603050405020304" pitchFamily="18" charset="0"/>
-                <a:cs typeface="Times New Roman" panose="02020603050405020304" pitchFamily="18" charset="0"/>
-              </a:rPr>
-              <a:t>   </a:t>
-            </a:r>
-            <a:r>
-              <a:rPr lang="en-US" sz="1600" b="1" dirty="0">
-                <a:highlight>
-                  <a:srgbClr val="00FFFF"/>
-                </a:highlight>
-                <a:latin typeface="Times New Roman" panose="02020603050405020304" pitchFamily="18" charset="0"/>
-                <a:cs typeface="Times New Roman" panose="02020603050405020304" pitchFamily="18" charset="0"/>
-              </a:rPr>
-              <a:t>def</a:t>
-            </a:r>
-            <a:r>
-              <a:rPr lang="en-US" sz="1600" dirty="0">
-                <a:highlight>
-                  <a:srgbClr val="00FFFF"/>
-                </a:highlight>
-                <a:latin typeface="Times New Roman" panose="02020603050405020304" pitchFamily="18" charset="0"/>
-                <a:cs typeface="Times New Roman" panose="02020603050405020304" pitchFamily="18" charset="0"/>
-              </a:rPr>
-              <a:t> hello(self):</a:t>
-            </a:r>
-          </a:p>
-          <a:p>
-            <a:pPr marL="0" indent="0" algn="just">
-              <a:buNone/>
-            </a:pPr>
-            <a:r>
-              <a:rPr lang="en-US" sz="1600" b="1" dirty="0">
-                <a:highlight>
-                  <a:srgbClr val="00FFFF"/>
-                </a:highlight>
-                <a:latin typeface="Times New Roman" panose="02020603050405020304" pitchFamily="18" charset="0"/>
-                <a:cs typeface="Times New Roman" panose="02020603050405020304" pitchFamily="18" charset="0"/>
-              </a:rPr>
-              <a:t>       print</a:t>
-            </a:r>
-            <a:r>
-              <a:rPr lang="en-US" sz="1600" dirty="0">
-                <a:highlight>
-                  <a:srgbClr val="00FFFF"/>
-                </a:highlight>
-                <a:latin typeface="Times New Roman" panose="02020603050405020304" pitchFamily="18" charset="0"/>
-                <a:cs typeface="Times New Roman" panose="02020603050405020304" pitchFamily="18" charset="0"/>
-              </a:rPr>
-              <a:t>("</a:t>
-            </a:r>
-            <a:r>
-              <a:rPr lang="en-US" sz="1600" dirty="0" err="1">
-                <a:highlight>
-                  <a:srgbClr val="00FFFF"/>
-                </a:highlight>
-                <a:latin typeface="Times New Roman" panose="02020603050405020304" pitchFamily="18" charset="0"/>
-                <a:cs typeface="Times New Roman" panose="02020603050405020304" pitchFamily="18" charset="0"/>
-              </a:rPr>
-              <a:t>Olá</a:t>
-            </a:r>
-            <a:r>
-              <a:rPr lang="en-US" sz="1600" dirty="0">
-                <a:highlight>
-                  <a:srgbClr val="00FFFF"/>
-                </a:highlight>
-                <a:latin typeface="Times New Roman" panose="02020603050405020304" pitchFamily="18" charset="0"/>
-                <a:cs typeface="Times New Roman" panose="02020603050405020304" pitchFamily="18" charset="0"/>
-              </a:rPr>
-              <a:t>, sou a </a:t>
-            </a:r>
-            <a:r>
-              <a:rPr lang="en-US" sz="1600" dirty="0" err="1">
-                <a:highlight>
-                  <a:srgbClr val="00FFFF"/>
-                </a:highlight>
-                <a:latin typeface="Times New Roman" panose="02020603050405020304" pitchFamily="18" charset="0"/>
-                <a:cs typeface="Times New Roman" panose="02020603050405020304" pitchFamily="18" charset="0"/>
-              </a:rPr>
-              <a:t>subsubclasse</a:t>
-            </a:r>
-            <a:r>
-              <a:rPr lang="en-US" sz="1600" dirty="0">
-                <a:highlight>
-                  <a:srgbClr val="00FFFF"/>
-                </a:highlight>
-                <a:latin typeface="Times New Roman" panose="02020603050405020304" pitchFamily="18" charset="0"/>
-                <a:cs typeface="Times New Roman" panose="02020603050405020304" pitchFamily="18" charset="0"/>
-              </a:rPr>
-              <a:t>!")</a:t>
-            </a:r>
-          </a:p>
-          <a:p>
-            <a:pPr marL="0" indent="0" algn="just">
-              <a:buNone/>
-            </a:pPr>
-            <a:r>
-              <a:rPr lang="en-US" sz="1600" b="1" dirty="0">
-                <a:latin typeface="Times New Roman" panose="02020603050405020304" pitchFamily="18" charset="0"/>
-                <a:cs typeface="Times New Roman" panose="02020603050405020304" pitchFamily="18" charset="0"/>
-              </a:rPr>
-              <a:t>teste</a:t>
-            </a:r>
-            <a:r>
-              <a:rPr lang="en-US" sz="1600" dirty="0">
-                <a:latin typeface="Times New Roman" panose="02020603050405020304" pitchFamily="18" charset="0"/>
-                <a:cs typeface="Times New Roman" panose="02020603050405020304" pitchFamily="18" charset="0"/>
-              </a:rPr>
-              <a:t> = </a:t>
-            </a:r>
-            <a:r>
-              <a:rPr lang="en-US" sz="1600" b="1" dirty="0" err="1">
-                <a:highlight>
-                  <a:srgbClr val="00FFFF"/>
-                </a:highlight>
-                <a:latin typeface="Times New Roman" panose="02020603050405020304" pitchFamily="18" charset="0"/>
-                <a:cs typeface="Times New Roman" panose="02020603050405020304" pitchFamily="18" charset="0"/>
-              </a:rPr>
-              <a:t>Subsub</a:t>
-            </a:r>
-            <a:r>
-              <a:rPr lang="en-US" sz="1600" dirty="0">
-                <a:latin typeface="Times New Roman" panose="02020603050405020304" pitchFamily="18" charset="0"/>
-                <a:cs typeface="Times New Roman" panose="02020603050405020304" pitchFamily="18" charset="0"/>
-              </a:rPr>
-              <a:t>()</a:t>
-            </a:r>
-          </a:p>
-          <a:p>
-            <a:pPr marL="0" indent="0" algn="just">
-              <a:buNone/>
-            </a:pPr>
-            <a:r>
-              <a:rPr lang="en-US" sz="1600" b="1" dirty="0" err="1">
-                <a:latin typeface="Times New Roman" panose="02020603050405020304" pitchFamily="18" charset="0"/>
-                <a:cs typeface="Times New Roman" panose="02020603050405020304" pitchFamily="18" charset="0"/>
-              </a:rPr>
-              <a:t>teste</a:t>
-            </a:r>
-            <a:r>
-              <a:rPr lang="en-US" sz="1600" dirty="0" err="1">
-                <a:latin typeface="Times New Roman" panose="02020603050405020304" pitchFamily="18" charset="0"/>
-                <a:cs typeface="Times New Roman" panose="02020603050405020304" pitchFamily="18" charset="0"/>
-              </a:rPr>
-              <a:t>.</a:t>
-            </a:r>
-            <a:r>
-              <a:rPr lang="en-US" sz="1600" b="1" dirty="0" err="1">
-                <a:solidFill>
-                  <a:srgbClr val="FF0000"/>
-                </a:solidFill>
-                <a:latin typeface="Times New Roman" panose="02020603050405020304" pitchFamily="18" charset="0"/>
-                <a:cs typeface="Times New Roman" panose="02020603050405020304" pitchFamily="18" charset="0"/>
-              </a:rPr>
-              <a:t>hello</a:t>
-            </a:r>
-            <a:r>
-              <a:rPr lang="en-US" sz="1600" dirty="0">
-                <a:latin typeface="Times New Roman" panose="02020603050405020304" pitchFamily="18" charset="0"/>
-                <a:cs typeface="Times New Roman" panose="02020603050405020304" pitchFamily="18" charset="0"/>
-              </a:rPr>
-              <a:t>()</a:t>
-            </a:r>
-            <a:endParaRPr lang="pt-BR" sz="1600" dirty="0">
+            <a:endParaRPr lang="pt-BR" sz="2000" dirty="0">
               <a:latin typeface="Times New Roman" panose="02020603050405020304" pitchFamily="18" charset="0"/>
               <a:cs typeface="Times New Roman" panose="02020603050405020304" pitchFamily="18" charset="0"/>
             </a:endParaRPr>
           </a:p>
+          <a:p>
+            <a:pPr marL="0" indent="0" algn="just">
+              <a:buNone/>
+            </a:pPr>
+            <a:r>
+              <a:rPr lang="pt-BR" sz="2000" dirty="0">
+                <a:latin typeface="Times New Roman" panose="02020603050405020304" pitchFamily="18" charset="0"/>
+                <a:cs typeface="Times New Roman" panose="02020603050405020304" pitchFamily="18" charset="0"/>
+              </a:rPr>
+              <a:t>Porém, quando chamamos o método soma(), ele vai invocar o </a:t>
+            </a:r>
+            <a:r>
+              <a:rPr lang="pt-BR" sz="2000" b="1" dirty="0">
+                <a:latin typeface="Times New Roman" panose="02020603050405020304" pitchFamily="18" charset="0"/>
+                <a:cs typeface="Times New Roman" panose="02020603050405020304" pitchFamily="18" charset="0"/>
+              </a:rPr>
+              <a:t>método da subclasse </a:t>
+            </a:r>
+            <a:r>
+              <a:rPr lang="pt-BR" sz="2000" dirty="0">
+                <a:latin typeface="Times New Roman" panose="02020603050405020304" pitchFamily="18" charset="0"/>
+                <a:cs typeface="Times New Roman" panose="02020603050405020304" pitchFamily="18" charset="0"/>
+              </a:rPr>
+              <a:t>e </a:t>
+            </a:r>
+            <a:r>
+              <a:rPr lang="pt-BR" sz="2000" b="1" dirty="0">
+                <a:solidFill>
+                  <a:srgbClr val="FF0000"/>
+                </a:solidFill>
+                <a:latin typeface="Times New Roman" panose="02020603050405020304" pitchFamily="18" charset="0"/>
+                <a:cs typeface="Times New Roman" panose="02020603050405020304" pitchFamily="18" charset="0"/>
+              </a:rPr>
+              <a:t>não da superclasse</a:t>
+            </a:r>
+            <a:r>
+              <a:rPr lang="pt-BR" sz="2000" dirty="0">
+                <a:latin typeface="Times New Roman" panose="02020603050405020304" pitchFamily="18" charset="0"/>
+                <a:cs typeface="Times New Roman" panose="02020603050405020304" pitchFamily="18" charset="0"/>
+              </a:rPr>
+              <a:t>! O Python entende: "Opa, ele instanciou um objeto da </a:t>
+            </a:r>
+            <a:r>
+              <a:rPr lang="pt-BR" sz="2000" b="1" dirty="0">
+                <a:latin typeface="Times New Roman" panose="02020603050405020304" pitchFamily="18" charset="0"/>
+                <a:cs typeface="Times New Roman" panose="02020603050405020304" pitchFamily="18" charset="0"/>
+              </a:rPr>
+              <a:t>subclasse</a:t>
+            </a:r>
+            <a:r>
+              <a:rPr lang="pt-BR" sz="2000" dirty="0">
+                <a:latin typeface="Times New Roman" panose="02020603050405020304" pitchFamily="18" charset="0"/>
+                <a:cs typeface="Times New Roman" panose="02020603050405020304" pitchFamily="18" charset="0"/>
+              </a:rPr>
+              <a:t>. Por isso </a:t>
+            </a:r>
+            <a:r>
+              <a:rPr lang="pt-BR" sz="2000" b="1" dirty="0">
+                <a:solidFill>
+                  <a:srgbClr val="FF0000"/>
+                </a:solidFill>
+                <a:latin typeface="Times New Roman" panose="02020603050405020304" pitchFamily="18" charset="0"/>
+                <a:cs typeface="Times New Roman" panose="02020603050405020304" pitchFamily="18" charset="0"/>
+              </a:rPr>
+              <a:t>vou invocar o método da subclasse e não da superclasse</a:t>
+            </a:r>
+            <a:r>
+              <a:rPr lang="pt-BR" sz="2000" dirty="0">
+                <a:latin typeface="Times New Roman" panose="02020603050405020304" pitchFamily="18" charset="0"/>
+                <a:cs typeface="Times New Roman" panose="02020603050405020304" pitchFamily="18" charset="0"/>
+              </a:rPr>
+              <a:t>“.</a:t>
+            </a:r>
+          </a:p>
+          <a:p>
+            <a:pPr marL="0" indent="0" algn="just">
+              <a:buNone/>
+            </a:pPr>
+            <a:endParaRPr lang="pt-BR" sz="2000" dirty="0">
+              <a:latin typeface="Times New Roman" panose="02020603050405020304" pitchFamily="18" charset="0"/>
+              <a:cs typeface="Times New Roman" panose="02020603050405020304" pitchFamily="18" charset="0"/>
+            </a:endParaRPr>
+          </a:p>
+          <a:p>
+            <a:pPr marL="0" indent="0" algn="just">
+              <a:buNone/>
+            </a:pPr>
+            <a:r>
+              <a:rPr lang="pt-BR" sz="2000" dirty="0">
+                <a:latin typeface="Times New Roman" panose="02020603050405020304" pitchFamily="18" charset="0"/>
+                <a:cs typeface="Times New Roman" panose="02020603050405020304" pitchFamily="18" charset="0"/>
+              </a:rPr>
+              <a:t>Ou seja, seu </a:t>
+            </a:r>
+            <a:r>
+              <a:rPr lang="pt-BR" sz="2000" b="1" dirty="0">
+                <a:latin typeface="Times New Roman" panose="02020603050405020304" pitchFamily="18" charset="0"/>
+                <a:cs typeface="Times New Roman" panose="02020603050405020304" pitchFamily="18" charset="0"/>
+              </a:rPr>
+              <a:t>objeto assumiu a forma da subclasse</a:t>
+            </a:r>
+            <a:r>
+              <a:rPr lang="pt-BR" sz="2000" dirty="0">
+                <a:latin typeface="Times New Roman" panose="02020603050405020304" pitchFamily="18" charset="0"/>
+                <a:cs typeface="Times New Roman" panose="02020603050405020304" pitchFamily="18" charset="0"/>
+              </a:rPr>
+              <a:t>, embora ele também seja uma </a:t>
+            </a:r>
+            <a:r>
+              <a:rPr lang="pt-BR" sz="2000" b="1" dirty="0">
+                <a:solidFill>
+                  <a:srgbClr val="FF0000"/>
+                </a:solidFill>
+                <a:latin typeface="Times New Roman" panose="02020603050405020304" pitchFamily="18" charset="0"/>
+                <a:cs typeface="Times New Roman" panose="02020603050405020304" pitchFamily="18" charset="0"/>
+              </a:rPr>
+              <a:t>superclasse</a:t>
+            </a:r>
+            <a:r>
+              <a:rPr lang="pt-BR" sz="2000" dirty="0">
+                <a:latin typeface="Times New Roman" panose="02020603050405020304" pitchFamily="18" charset="0"/>
+                <a:cs typeface="Times New Roman" panose="02020603050405020304" pitchFamily="18" charset="0"/>
+              </a:rPr>
+              <a:t>. Dizemos que o método da subclasse fez uma </a:t>
+            </a:r>
+            <a:r>
+              <a:rPr lang="pt-BR" sz="2000" b="1" dirty="0">
+                <a:latin typeface="Times New Roman" panose="02020603050405020304" pitchFamily="18" charset="0"/>
+                <a:cs typeface="Times New Roman" panose="02020603050405020304" pitchFamily="18" charset="0"/>
+              </a:rPr>
+              <a:t>sobreposição</a:t>
+            </a:r>
+            <a:r>
+              <a:rPr lang="pt-BR" sz="2000" dirty="0">
+                <a:latin typeface="Times New Roman" panose="02020603050405020304" pitchFamily="18" charset="0"/>
+                <a:cs typeface="Times New Roman" panose="02020603050405020304" pitchFamily="18" charset="0"/>
+              </a:rPr>
+              <a:t>, ele sobrepôs, passou por cima, do </a:t>
+            </a:r>
+            <a:r>
+              <a:rPr lang="pt-BR" sz="2000" b="1" dirty="0">
+                <a:latin typeface="Times New Roman" panose="02020603050405020304" pitchFamily="18" charset="0"/>
+                <a:cs typeface="Times New Roman" panose="02020603050405020304" pitchFamily="18" charset="0"/>
+              </a:rPr>
+              <a:t>método da superclasse</a:t>
+            </a:r>
+            <a:r>
+              <a:rPr lang="pt-BR" sz="2000" dirty="0">
+                <a:latin typeface="Times New Roman" panose="02020603050405020304" pitchFamily="18" charset="0"/>
+                <a:cs typeface="Times New Roman" panose="02020603050405020304" pitchFamily="18" charset="0"/>
+              </a:rPr>
+              <a:t>.</a:t>
+            </a:r>
+          </a:p>
         </p:txBody>
       </p:sp>
     </p:spTree>
     <p:extLst>
       <p:ext uri="{BB962C8B-B14F-4D97-AF65-F5344CB8AC3E}">
-        <p14:creationId xmlns:p14="http://schemas.microsoft.com/office/powerpoint/2010/main" val="3350536174"/>
+        <p14:creationId xmlns:p14="http://schemas.microsoft.com/office/powerpoint/2010/main" val="1451181704"/>
       </p:ext>
     </p:extLst>
   </p:cSld>
@@ -14358,42 +14044,27 @@
             <p:ph type="title"/>
           </p:nvPr>
         </p:nvSpPr>
-        <p:spPr/>
+        <p:spPr>
+          <a:xfrm>
+            <a:off x="288099" y="603389"/>
+            <a:ext cx="8719822" cy="549005"/>
+          </a:xfrm>
+        </p:spPr>
         <p:txBody>
           <a:bodyPr>
             <a:normAutofit/>
           </a:bodyPr>
           <a:lstStyle/>
           <a:p>
-            <a:r>
-              <a:rPr lang="en-US" b="1" dirty="0" err="1">
+            <a:pPr algn="ctr"/>
+            <a:r>
+              <a:rPr lang="en-US" b="1" dirty="0">
                 <a:solidFill>
                   <a:srgbClr val="0070C0"/>
                 </a:solidFill>
               </a:rPr>
-              <a:t>Leitura</a:t>
-            </a:r>
-            <a:r>
-              <a:rPr lang="en-US" b="1" dirty="0">
-                <a:solidFill>
-                  <a:srgbClr val="0070C0"/>
-                </a:solidFill>
-              </a:rPr>
-              <a:t> </a:t>
-            </a:r>
-            <a:r>
-              <a:rPr lang="en-US" b="1" dirty="0" err="1">
-                <a:solidFill>
-                  <a:srgbClr val="0070C0"/>
-                </a:solidFill>
-              </a:rPr>
-              <a:t>Específica</a:t>
-            </a:r>
-            <a:endParaRPr lang="en-US" b="1" dirty="0">
-              <a:solidFill>
-                <a:srgbClr val="0070C0"/>
-              </a:solidFill>
-            </a:endParaRPr>
+              <a:t>Python – CLASSES E OO POLIMORFISMO EXEMPLO</a:t>
+            </a:r>
           </a:p>
         </p:txBody>
       </p:sp>
@@ -14409,8 +14080,8 @@
         </p:nvSpPr>
         <p:spPr>
           <a:xfrm>
-            <a:off x="142865" y="1200151"/>
-            <a:ext cx="8865056" cy="3394472"/>
+            <a:off x="142865" y="1152394"/>
+            <a:ext cx="8865056" cy="3948048"/>
           </a:xfrm>
         </p:spPr>
         <p:txBody>
@@ -14422,133 +14093,578 @@
             <a:pPr marL="0" indent="0" algn="just">
               <a:buNone/>
             </a:pPr>
-            <a:endParaRPr lang="pt-BR" sz="2400" dirty="0">
+            <a:r>
+              <a:rPr lang="en-US" sz="1600" b="1" dirty="0">
+                <a:highlight>
+                  <a:srgbClr val="FFFF00"/>
+                </a:highlight>
+                <a:latin typeface="Times New Roman" panose="02020603050405020304" pitchFamily="18" charset="0"/>
+                <a:cs typeface="Times New Roman" panose="02020603050405020304" pitchFamily="18" charset="0"/>
+              </a:rPr>
+              <a:t>class</a:t>
+            </a:r>
+            <a:r>
+              <a:rPr lang="en-US" sz="1600" dirty="0">
+                <a:highlight>
+                  <a:srgbClr val="FFFF00"/>
+                </a:highlight>
+                <a:latin typeface="Times New Roman" panose="02020603050405020304" pitchFamily="18" charset="0"/>
+                <a:cs typeface="Times New Roman" panose="02020603050405020304" pitchFamily="18" charset="0"/>
+              </a:rPr>
+              <a:t> </a:t>
+            </a:r>
+            <a:r>
+              <a:rPr lang="en-US" sz="1600" b="1" dirty="0">
+                <a:solidFill>
+                  <a:srgbClr val="FF0000"/>
+                </a:solidFill>
+                <a:highlight>
+                  <a:srgbClr val="FFFF00"/>
+                </a:highlight>
+                <a:latin typeface="Times New Roman" panose="02020603050405020304" pitchFamily="18" charset="0"/>
+                <a:cs typeface="Times New Roman" panose="02020603050405020304" pitchFamily="18" charset="0"/>
+              </a:rPr>
+              <a:t>Super</a:t>
+            </a:r>
+            <a:r>
+              <a:rPr lang="en-US" sz="1600" dirty="0">
+                <a:highlight>
+                  <a:srgbClr val="FFFF00"/>
+                </a:highlight>
+                <a:latin typeface="Times New Roman" panose="02020603050405020304" pitchFamily="18" charset="0"/>
+                <a:cs typeface="Times New Roman" panose="02020603050405020304" pitchFamily="18" charset="0"/>
+              </a:rPr>
+              <a:t>:</a:t>
+            </a:r>
+          </a:p>
+          <a:p>
+            <a:pPr marL="0" indent="0" algn="just">
+              <a:buNone/>
+            </a:pPr>
+            <a:r>
+              <a:rPr lang="en-US" sz="1600" b="1" dirty="0">
+                <a:highlight>
+                  <a:srgbClr val="FFFF00"/>
+                </a:highlight>
+                <a:latin typeface="Times New Roman" panose="02020603050405020304" pitchFamily="18" charset="0"/>
+                <a:cs typeface="Times New Roman" panose="02020603050405020304" pitchFamily="18" charset="0"/>
+              </a:rPr>
+              <a:t> def</a:t>
+            </a:r>
+            <a:r>
+              <a:rPr lang="en-US" sz="1600" dirty="0">
+                <a:highlight>
+                  <a:srgbClr val="FFFF00"/>
+                </a:highlight>
+                <a:latin typeface="Times New Roman" panose="02020603050405020304" pitchFamily="18" charset="0"/>
+                <a:cs typeface="Times New Roman" panose="02020603050405020304" pitchFamily="18" charset="0"/>
+              </a:rPr>
+              <a:t> hello(</a:t>
+            </a:r>
+            <a:r>
+              <a:rPr lang="en-US" sz="1600" b="1" dirty="0">
+                <a:highlight>
+                  <a:srgbClr val="FFFF00"/>
+                </a:highlight>
+                <a:latin typeface="Times New Roman" panose="02020603050405020304" pitchFamily="18" charset="0"/>
+                <a:cs typeface="Times New Roman" panose="02020603050405020304" pitchFamily="18" charset="0"/>
+              </a:rPr>
+              <a:t>self</a:t>
+            </a:r>
+            <a:r>
+              <a:rPr lang="en-US" sz="1600" dirty="0">
+                <a:highlight>
+                  <a:srgbClr val="FFFF00"/>
+                </a:highlight>
+                <a:latin typeface="Times New Roman" panose="02020603050405020304" pitchFamily="18" charset="0"/>
+                <a:cs typeface="Times New Roman" panose="02020603050405020304" pitchFamily="18" charset="0"/>
+              </a:rPr>
+              <a:t>):</a:t>
+            </a:r>
+          </a:p>
+          <a:p>
+            <a:pPr marL="0" indent="0" algn="just">
+              <a:buNone/>
+            </a:pPr>
+            <a:r>
+              <a:rPr lang="en-US" sz="1600" dirty="0">
+                <a:highlight>
+                  <a:srgbClr val="FFFF00"/>
+                </a:highlight>
+                <a:latin typeface="Times New Roman" panose="02020603050405020304" pitchFamily="18" charset="0"/>
+                <a:cs typeface="Times New Roman" panose="02020603050405020304" pitchFamily="18" charset="0"/>
+              </a:rPr>
+              <a:t>    </a:t>
+            </a:r>
+            <a:r>
+              <a:rPr lang="en-US" sz="1600" b="1" dirty="0">
+                <a:highlight>
+                  <a:srgbClr val="FFFF00"/>
+                </a:highlight>
+                <a:latin typeface="Times New Roman" panose="02020603050405020304" pitchFamily="18" charset="0"/>
+                <a:cs typeface="Times New Roman" panose="02020603050405020304" pitchFamily="18" charset="0"/>
+              </a:rPr>
+              <a:t>print</a:t>
+            </a:r>
+            <a:r>
+              <a:rPr lang="en-US" sz="1600" dirty="0">
+                <a:highlight>
+                  <a:srgbClr val="FFFF00"/>
+                </a:highlight>
+                <a:latin typeface="Times New Roman" panose="02020603050405020304" pitchFamily="18" charset="0"/>
+                <a:cs typeface="Times New Roman" panose="02020603050405020304" pitchFamily="18" charset="0"/>
+              </a:rPr>
+              <a:t>("</a:t>
+            </a:r>
+            <a:r>
+              <a:rPr lang="en-US" sz="1600" dirty="0" err="1">
+                <a:highlight>
+                  <a:srgbClr val="FFFF00"/>
+                </a:highlight>
+                <a:latin typeface="Times New Roman" panose="02020603050405020304" pitchFamily="18" charset="0"/>
+                <a:cs typeface="Times New Roman" panose="02020603050405020304" pitchFamily="18" charset="0"/>
+              </a:rPr>
+              <a:t>Olá</a:t>
+            </a:r>
+            <a:r>
+              <a:rPr lang="en-US" sz="1600" dirty="0">
+                <a:highlight>
+                  <a:srgbClr val="FFFF00"/>
+                </a:highlight>
+                <a:latin typeface="Times New Roman" panose="02020603050405020304" pitchFamily="18" charset="0"/>
+                <a:cs typeface="Times New Roman" panose="02020603050405020304" pitchFamily="18" charset="0"/>
+              </a:rPr>
+              <a:t>, sou a </a:t>
+            </a:r>
+            <a:r>
+              <a:rPr lang="en-US" sz="1600" dirty="0" err="1">
+                <a:highlight>
+                  <a:srgbClr val="FFFF00"/>
+                </a:highlight>
+                <a:latin typeface="Times New Roman" panose="02020603050405020304" pitchFamily="18" charset="0"/>
+                <a:cs typeface="Times New Roman" panose="02020603050405020304" pitchFamily="18" charset="0"/>
+              </a:rPr>
+              <a:t>superclasse</a:t>
+            </a:r>
+            <a:r>
+              <a:rPr lang="en-US" sz="1600" dirty="0">
+                <a:highlight>
+                  <a:srgbClr val="FFFF00"/>
+                </a:highlight>
+                <a:latin typeface="Times New Roman" panose="02020603050405020304" pitchFamily="18" charset="0"/>
+                <a:cs typeface="Times New Roman" panose="02020603050405020304" pitchFamily="18" charset="0"/>
+              </a:rPr>
+              <a:t>!")</a:t>
+            </a:r>
+          </a:p>
+          <a:p>
+            <a:pPr marL="0" indent="0" algn="just">
+              <a:buNone/>
+            </a:pPr>
+            <a:r>
+              <a:rPr lang="en-US" sz="1600" b="1" dirty="0">
+                <a:highlight>
+                  <a:srgbClr val="00FF00"/>
+                </a:highlight>
+                <a:latin typeface="Times New Roman" panose="02020603050405020304" pitchFamily="18" charset="0"/>
+                <a:cs typeface="Times New Roman" panose="02020603050405020304" pitchFamily="18" charset="0"/>
+              </a:rPr>
+              <a:t>class</a:t>
+            </a:r>
+            <a:r>
+              <a:rPr lang="en-US" sz="1600" dirty="0">
+                <a:highlight>
+                  <a:srgbClr val="00FF00"/>
+                </a:highlight>
+                <a:latin typeface="Times New Roman" panose="02020603050405020304" pitchFamily="18" charset="0"/>
+                <a:cs typeface="Times New Roman" panose="02020603050405020304" pitchFamily="18" charset="0"/>
+              </a:rPr>
+              <a:t> </a:t>
+            </a:r>
+            <a:r>
+              <a:rPr lang="en-US" sz="1600" b="1" dirty="0">
+                <a:highlight>
+                  <a:srgbClr val="00FF00"/>
+                </a:highlight>
+                <a:latin typeface="Times New Roman" panose="02020603050405020304" pitchFamily="18" charset="0"/>
+                <a:cs typeface="Times New Roman" panose="02020603050405020304" pitchFamily="18" charset="0"/>
+              </a:rPr>
+              <a:t>Sub</a:t>
+            </a:r>
+            <a:r>
+              <a:rPr lang="en-US" sz="1600" dirty="0">
+                <a:highlight>
+                  <a:srgbClr val="00FF00"/>
+                </a:highlight>
+                <a:latin typeface="Times New Roman" panose="02020603050405020304" pitchFamily="18" charset="0"/>
+                <a:cs typeface="Times New Roman" panose="02020603050405020304" pitchFamily="18" charset="0"/>
+              </a:rPr>
+              <a:t> (</a:t>
+            </a:r>
+            <a:r>
+              <a:rPr lang="en-US" sz="1600" b="1" dirty="0">
+                <a:solidFill>
+                  <a:srgbClr val="FF0000"/>
+                </a:solidFill>
+                <a:highlight>
+                  <a:srgbClr val="00FF00"/>
+                </a:highlight>
+                <a:latin typeface="Times New Roman" panose="02020603050405020304" pitchFamily="18" charset="0"/>
+                <a:cs typeface="Times New Roman" panose="02020603050405020304" pitchFamily="18" charset="0"/>
+              </a:rPr>
+              <a:t>Super</a:t>
+            </a:r>
+            <a:r>
+              <a:rPr lang="en-US" sz="1600" dirty="0">
+                <a:highlight>
+                  <a:srgbClr val="00FF00"/>
+                </a:highlight>
+                <a:latin typeface="Times New Roman" panose="02020603050405020304" pitchFamily="18" charset="0"/>
+                <a:cs typeface="Times New Roman" panose="02020603050405020304" pitchFamily="18" charset="0"/>
+              </a:rPr>
+              <a:t>):</a:t>
+            </a:r>
+          </a:p>
+          <a:p>
+            <a:pPr marL="0" indent="0" algn="just">
+              <a:buNone/>
+            </a:pPr>
+            <a:r>
+              <a:rPr lang="en-US" sz="1600" b="1" dirty="0">
+                <a:highlight>
+                  <a:srgbClr val="00FF00"/>
+                </a:highlight>
+                <a:latin typeface="Times New Roman" panose="02020603050405020304" pitchFamily="18" charset="0"/>
+                <a:cs typeface="Times New Roman" panose="02020603050405020304" pitchFamily="18" charset="0"/>
+              </a:rPr>
+              <a:t>  def</a:t>
+            </a:r>
+            <a:r>
+              <a:rPr lang="en-US" sz="1600" dirty="0">
+                <a:highlight>
+                  <a:srgbClr val="00FF00"/>
+                </a:highlight>
+                <a:latin typeface="Times New Roman" panose="02020603050405020304" pitchFamily="18" charset="0"/>
+                <a:cs typeface="Times New Roman" panose="02020603050405020304" pitchFamily="18" charset="0"/>
+              </a:rPr>
+              <a:t> hello(self):</a:t>
+            </a:r>
+          </a:p>
+          <a:p>
+            <a:pPr marL="0" indent="0" algn="just">
+              <a:buNone/>
+            </a:pPr>
+            <a:r>
+              <a:rPr lang="en-US" sz="1600" b="1" dirty="0">
+                <a:highlight>
+                  <a:srgbClr val="00FF00"/>
+                </a:highlight>
+                <a:latin typeface="Times New Roman" panose="02020603050405020304" pitchFamily="18" charset="0"/>
+                <a:cs typeface="Times New Roman" panose="02020603050405020304" pitchFamily="18" charset="0"/>
+              </a:rPr>
+              <a:t>     print</a:t>
+            </a:r>
+            <a:r>
+              <a:rPr lang="en-US" sz="1600" dirty="0">
+                <a:highlight>
+                  <a:srgbClr val="00FF00"/>
+                </a:highlight>
+                <a:latin typeface="Times New Roman" panose="02020603050405020304" pitchFamily="18" charset="0"/>
+                <a:cs typeface="Times New Roman" panose="02020603050405020304" pitchFamily="18" charset="0"/>
+              </a:rPr>
+              <a:t>("</a:t>
+            </a:r>
+            <a:r>
+              <a:rPr lang="en-US" sz="1600" dirty="0" err="1">
+                <a:highlight>
+                  <a:srgbClr val="00FF00"/>
+                </a:highlight>
+                <a:latin typeface="Times New Roman" panose="02020603050405020304" pitchFamily="18" charset="0"/>
+                <a:cs typeface="Times New Roman" panose="02020603050405020304" pitchFamily="18" charset="0"/>
+              </a:rPr>
+              <a:t>Olá</a:t>
+            </a:r>
+            <a:r>
+              <a:rPr lang="en-US" sz="1600" dirty="0">
+                <a:highlight>
+                  <a:srgbClr val="00FF00"/>
+                </a:highlight>
+                <a:latin typeface="Times New Roman" panose="02020603050405020304" pitchFamily="18" charset="0"/>
+                <a:cs typeface="Times New Roman" panose="02020603050405020304" pitchFamily="18" charset="0"/>
+              </a:rPr>
+              <a:t>, sou a </a:t>
+            </a:r>
+            <a:r>
+              <a:rPr lang="en-US" sz="1600" dirty="0" err="1">
+                <a:highlight>
+                  <a:srgbClr val="00FF00"/>
+                </a:highlight>
+                <a:latin typeface="Times New Roman" panose="02020603050405020304" pitchFamily="18" charset="0"/>
+                <a:cs typeface="Times New Roman" panose="02020603050405020304" pitchFamily="18" charset="0"/>
+              </a:rPr>
+              <a:t>subclasse</a:t>
+            </a:r>
+            <a:r>
+              <a:rPr lang="en-US" sz="1600" dirty="0">
+                <a:highlight>
+                  <a:srgbClr val="00FF00"/>
+                </a:highlight>
+                <a:latin typeface="Times New Roman" panose="02020603050405020304" pitchFamily="18" charset="0"/>
+                <a:cs typeface="Times New Roman" panose="02020603050405020304" pitchFamily="18" charset="0"/>
+              </a:rPr>
+              <a:t>!")</a:t>
+            </a:r>
+          </a:p>
+          <a:p>
+            <a:pPr marL="0" indent="0" algn="just">
+              <a:buNone/>
+            </a:pPr>
+            <a:r>
+              <a:rPr lang="en-US" sz="1600" b="1" dirty="0">
+                <a:highlight>
+                  <a:srgbClr val="00FFFF"/>
+                </a:highlight>
+                <a:latin typeface="Times New Roman" panose="02020603050405020304" pitchFamily="18" charset="0"/>
+                <a:cs typeface="Times New Roman" panose="02020603050405020304" pitchFamily="18" charset="0"/>
+              </a:rPr>
+              <a:t>class</a:t>
+            </a:r>
+            <a:r>
+              <a:rPr lang="en-US" sz="1600" dirty="0">
+                <a:highlight>
+                  <a:srgbClr val="00FFFF"/>
+                </a:highlight>
+                <a:latin typeface="Times New Roman" panose="02020603050405020304" pitchFamily="18" charset="0"/>
+                <a:cs typeface="Times New Roman" panose="02020603050405020304" pitchFamily="18" charset="0"/>
+              </a:rPr>
+              <a:t> </a:t>
+            </a:r>
+            <a:r>
+              <a:rPr lang="en-US" sz="1600" b="1" dirty="0" err="1">
+                <a:solidFill>
+                  <a:srgbClr val="FF0000"/>
+                </a:solidFill>
+                <a:highlight>
+                  <a:srgbClr val="00FFFF"/>
+                </a:highlight>
+                <a:latin typeface="Times New Roman" panose="02020603050405020304" pitchFamily="18" charset="0"/>
+                <a:cs typeface="Times New Roman" panose="02020603050405020304" pitchFamily="18" charset="0"/>
+              </a:rPr>
+              <a:t>Subsub</a:t>
+            </a:r>
+            <a:r>
+              <a:rPr lang="en-US" sz="1600" dirty="0">
+                <a:highlight>
+                  <a:srgbClr val="00FFFF"/>
+                </a:highlight>
+                <a:latin typeface="Times New Roman" panose="02020603050405020304" pitchFamily="18" charset="0"/>
+                <a:cs typeface="Times New Roman" panose="02020603050405020304" pitchFamily="18" charset="0"/>
+              </a:rPr>
+              <a:t> (</a:t>
+            </a:r>
+            <a:r>
+              <a:rPr lang="en-US" sz="1600" b="1" dirty="0">
+                <a:highlight>
+                  <a:srgbClr val="00FFFF"/>
+                </a:highlight>
+                <a:latin typeface="Times New Roman" panose="02020603050405020304" pitchFamily="18" charset="0"/>
+                <a:cs typeface="Times New Roman" panose="02020603050405020304" pitchFamily="18" charset="0"/>
+              </a:rPr>
+              <a:t>Sub</a:t>
+            </a:r>
+            <a:r>
+              <a:rPr lang="en-US" sz="1600" dirty="0">
+                <a:highlight>
+                  <a:srgbClr val="00FFFF"/>
+                </a:highlight>
+                <a:latin typeface="Times New Roman" panose="02020603050405020304" pitchFamily="18" charset="0"/>
+                <a:cs typeface="Times New Roman" panose="02020603050405020304" pitchFamily="18" charset="0"/>
+              </a:rPr>
+              <a:t>):</a:t>
+            </a:r>
+          </a:p>
+          <a:p>
+            <a:pPr marL="0" indent="0" algn="just">
+              <a:buNone/>
+            </a:pPr>
+            <a:r>
+              <a:rPr lang="en-US" sz="1600" dirty="0">
+                <a:highlight>
+                  <a:srgbClr val="00FFFF"/>
+                </a:highlight>
+                <a:latin typeface="Times New Roman" panose="02020603050405020304" pitchFamily="18" charset="0"/>
+                <a:cs typeface="Times New Roman" panose="02020603050405020304" pitchFamily="18" charset="0"/>
+              </a:rPr>
+              <a:t>   </a:t>
+            </a:r>
+            <a:r>
+              <a:rPr lang="en-US" sz="1600" b="1" dirty="0">
+                <a:highlight>
+                  <a:srgbClr val="00FFFF"/>
+                </a:highlight>
+                <a:latin typeface="Times New Roman" panose="02020603050405020304" pitchFamily="18" charset="0"/>
+                <a:cs typeface="Times New Roman" panose="02020603050405020304" pitchFamily="18" charset="0"/>
+              </a:rPr>
+              <a:t>def</a:t>
+            </a:r>
+            <a:r>
+              <a:rPr lang="en-US" sz="1600" dirty="0">
+                <a:highlight>
+                  <a:srgbClr val="00FFFF"/>
+                </a:highlight>
+                <a:latin typeface="Times New Roman" panose="02020603050405020304" pitchFamily="18" charset="0"/>
+                <a:cs typeface="Times New Roman" panose="02020603050405020304" pitchFamily="18" charset="0"/>
+              </a:rPr>
+              <a:t> hello(self):</a:t>
+            </a:r>
+          </a:p>
+          <a:p>
+            <a:pPr marL="0" indent="0" algn="just">
+              <a:buNone/>
+            </a:pPr>
+            <a:r>
+              <a:rPr lang="en-US" sz="1600" b="1" dirty="0">
+                <a:highlight>
+                  <a:srgbClr val="00FFFF"/>
+                </a:highlight>
+                <a:latin typeface="Times New Roman" panose="02020603050405020304" pitchFamily="18" charset="0"/>
+                <a:cs typeface="Times New Roman" panose="02020603050405020304" pitchFamily="18" charset="0"/>
+              </a:rPr>
+              <a:t>       print</a:t>
+            </a:r>
+            <a:r>
+              <a:rPr lang="en-US" sz="1600" dirty="0">
+                <a:highlight>
+                  <a:srgbClr val="00FFFF"/>
+                </a:highlight>
+                <a:latin typeface="Times New Roman" panose="02020603050405020304" pitchFamily="18" charset="0"/>
+                <a:cs typeface="Times New Roman" panose="02020603050405020304" pitchFamily="18" charset="0"/>
+              </a:rPr>
+              <a:t>("</a:t>
+            </a:r>
+            <a:r>
+              <a:rPr lang="en-US" sz="1600" dirty="0" err="1">
+                <a:highlight>
+                  <a:srgbClr val="00FFFF"/>
+                </a:highlight>
+                <a:latin typeface="Times New Roman" panose="02020603050405020304" pitchFamily="18" charset="0"/>
+                <a:cs typeface="Times New Roman" panose="02020603050405020304" pitchFamily="18" charset="0"/>
+              </a:rPr>
+              <a:t>Olá</a:t>
+            </a:r>
+            <a:r>
+              <a:rPr lang="en-US" sz="1600" dirty="0">
+                <a:highlight>
+                  <a:srgbClr val="00FFFF"/>
+                </a:highlight>
+                <a:latin typeface="Times New Roman" panose="02020603050405020304" pitchFamily="18" charset="0"/>
+                <a:cs typeface="Times New Roman" panose="02020603050405020304" pitchFamily="18" charset="0"/>
+              </a:rPr>
+              <a:t>, sou a </a:t>
+            </a:r>
+            <a:r>
+              <a:rPr lang="en-US" sz="1600" dirty="0" err="1">
+                <a:highlight>
+                  <a:srgbClr val="00FFFF"/>
+                </a:highlight>
+                <a:latin typeface="Times New Roman" panose="02020603050405020304" pitchFamily="18" charset="0"/>
+                <a:cs typeface="Times New Roman" panose="02020603050405020304" pitchFamily="18" charset="0"/>
+              </a:rPr>
+              <a:t>subsubclasse</a:t>
+            </a:r>
+            <a:r>
+              <a:rPr lang="en-US" sz="1600" dirty="0">
+                <a:highlight>
+                  <a:srgbClr val="00FFFF"/>
+                </a:highlight>
+                <a:latin typeface="Times New Roman" panose="02020603050405020304" pitchFamily="18" charset="0"/>
+                <a:cs typeface="Times New Roman" panose="02020603050405020304" pitchFamily="18" charset="0"/>
+              </a:rPr>
+              <a:t>!")</a:t>
+            </a:r>
+          </a:p>
+          <a:p>
+            <a:pPr marL="0" indent="0" algn="just">
+              <a:buNone/>
+            </a:pPr>
+            <a:r>
+              <a:rPr lang="en-US" sz="1600" b="1" dirty="0">
+                <a:latin typeface="Times New Roman" panose="02020603050405020304" pitchFamily="18" charset="0"/>
+                <a:cs typeface="Times New Roman" panose="02020603050405020304" pitchFamily="18" charset="0"/>
+              </a:rPr>
+              <a:t>teste</a:t>
+            </a:r>
+            <a:r>
+              <a:rPr lang="en-US" sz="1600" dirty="0">
+                <a:latin typeface="Times New Roman" panose="02020603050405020304" pitchFamily="18" charset="0"/>
+                <a:cs typeface="Times New Roman" panose="02020603050405020304" pitchFamily="18" charset="0"/>
+              </a:rPr>
+              <a:t> = </a:t>
+            </a:r>
+            <a:r>
+              <a:rPr lang="en-US" sz="1600" b="1" dirty="0" err="1">
+                <a:highlight>
+                  <a:srgbClr val="00FFFF"/>
+                </a:highlight>
+                <a:latin typeface="Times New Roman" panose="02020603050405020304" pitchFamily="18" charset="0"/>
+                <a:cs typeface="Times New Roman" panose="02020603050405020304" pitchFamily="18" charset="0"/>
+              </a:rPr>
+              <a:t>Subsub</a:t>
+            </a:r>
+            <a:r>
+              <a:rPr lang="en-US" sz="1600" dirty="0">
+                <a:latin typeface="Times New Roman" panose="02020603050405020304" pitchFamily="18" charset="0"/>
+                <a:cs typeface="Times New Roman" panose="02020603050405020304" pitchFamily="18" charset="0"/>
+              </a:rPr>
+              <a:t>()</a:t>
+            </a:r>
+          </a:p>
+          <a:p>
+            <a:pPr marL="0" indent="0" algn="just">
+              <a:buNone/>
+            </a:pPr>
+            <a:r>
+              <a:rPr lang="en-US" sz="1600" b="1" dirty="0" err="1">
+                <a:latin typeface="Times New Roman" panose="02020603050405020304" pitchFamily="18" charset="0"/>
+                <a:cs typeface="Times New Roman" panose="02020603050405020304" pitchFamily="18" charset="0"/>
+              </a:rPr>
+              <a:t>teste</a:t>
+            </a:r>
+            <a:r>
+              <a:rPr lang="en-US" sz="1600" dirty="0" err="1">
+                <a:latin typeface="Times New Roman" panose="02020603050405020304" pitchFamily="18" charset="0"/>
+                <a:cs typeface="Times New Roman" panose="02020603050405020304" pitchFamily="18" charset="0"/>
+              </a:rPr>
+              <a:t>.</a:t>
+            </a:r>
+            <a:r>
+              <a:rPr lang="en-US" sz="1600" b="1" dirty="0" err="1">
+                <a:solidFill>
+                  <a:srgbClr val="FF0000"/>
+                </a:solidFill>
+                <a:latin typeface="Times New Roman" panose="02020603050405020304" pitchFamily="18" charset="0"/>
+                <a:cs typeface="Times New Roman" panose="02020603050405020304" pitchFamily="18" charset="0"/>
+              </a:rPr>
+              <a:t>hello</a:t>
+            </a:r>
+            <a:r>
+              <a:rPr lang="en-US" sz="1600" dirty="0">
+                <a:latin typeface="Times New Roman" panose="02020603050405020304" pitchFamily="18" charset="0"/>
+                <a:cs typeface="Times New Roman" panose="02020603050405020304" pitchFamily="18" charset="0"/>
+              </a:rPr>
+              <a:t>()</a:t>
+            </a:r>
+            <a:endParaRPr lang="pt-BR" sz="1600" dirty="0">
               <a:latin typeface="Times New Roman" panose="02020603050405020304" pitchFamily="18" charset="0"/>
               <a:cs typeface="Times New Roman" panose="02020603050405020304" pitchFamily="18" charset="0"/>
             </a:endParaRPr>
           </a:p>
-          <a:p>
-            <a:pPr marL="0" indent="0" algn="just">
-              <a:buNone/>
-            </a:pPr>
-            <a:r>
-              <a:rPr lang="pt-BR" sz="2400" dirty="0">
-                <a:latin typeface="Times New Roman" panose="02020603050405020304" pitchFamily="18" charset="0"/>
-                <a:cs typeface="Times New Roman" panose="02020603050405020304" pitchFamily="18" charset="0"/>
-              </a:rPr>
-              <a:t>[1] URL:</a:t>
-            </a:r>
-          </a:p>
-          <a:p>
-            <a:pPr marL="0" indent="0" algn="just">
-              <a:buNone/>
-            </a:pPr>
-            <a:r>
-              <a:rPr lang="pt-BR" sz="2400" dirty="0">
-                <a:latin typeface="Times New Roman" panose="02020603050405020304" pitchFamily="18" charset="0"/>
-                <a:cs typeface="Times New Roman" panose="02020603050405020304" pitchFamily="18" charset="0"/>
-              </a:rPr>
-              <a:t> </a:t>
-            </a:r>
-            <a:r>
-              <a:rPr lang="pt-BR" sz="2400" dirty="0">
-                <a:latin typeface="Times New Roman" panose="02020603050405020304" pitchFamily="18" charset="0"/>
-                <a:cs typeface="Times New Roman" panose="02020603050405020304" pitchFamily="18" charset="0"/>
-                <a:hlinkClick r:id="rId3"/>
-              </a:rPr>
-              <a:t>https://www.w3schools.com/python/python_classes.asp</a:t>
-            </a:r>
-            <a:r>
-              <a:rPr lang="pt-BR" sz="2400" dirty="0">
-                <a:latin typeface="Times New Roman" panose="02020603050405020304" pitchFamily="18" charset="0"/>
-                <a:cs typeface="Times New Roman" panose="02020603050405020304" pitchFamily="18" charset="0"/>
-              </a:rPr>
-              <a:t> </a:t>
-            </a:r>
-          </a:p>
-          <a:p>
-            <a:pPr marL="0" indent="0" algn="just">
-              <a:buNone/>
-            </a:pPr>
-            <a:endParaRPr lang="pt-BR" sz="2400" dirty="0">
-              <a:latin typeface="Times New Roman" panose="02020603050405020304" pitchFamily="18" charset="0"/>
-              <a:cs typeface="Times New Roman" panose="02020603050405020304" pitchFamily="18" charset="0"/>
-            </a:endParaRPr>
-          </a:p>
-          <a:p>
-            <a:pPr marL="0" indent="0" algn="just">
-              <a:buNone/>
-            </a:pPr>
-            <a:r>
-              <a:rPr lang="pt-BR" sz="2400" dirty="0">
-                <a:latin typeface="Times New Roman" panose="02020603050405020304" pitchFamily="18" charset="0"/>
-                <a:cs typeface="Times New Roman" panose="02020603050405020304" pitchFamily="18" charset="0"/>
-              </a:rPr>
-              <a:t>[2] URL : </a:t>
-            </a:r>
-            <a:r>
-              <a:rPr lang="pt-BR" sz="2400" dirty="0">
-                <a:latin typeface="Times New Roman" panose="02020603050405020304" pitchFamily="18" charset="0"/>
-                <a:cs typeface="Times New Roman" panose="02020603050405020304" pitchFamily="18" charset="0"/>
-                <a:hlinkClick r:id="rId4"/>
-              </a:rPr>
-              <a:t>https://docs.python.org/pt-br/3/tutorial/</a:t>
-            </a:r>
-            <a:endParaRPr lang="pt-BR" sz="2400" dirty="0">
-              <a:latin typeface="Times New Roman" panose="02020603050405020304" pitchFamily="18" charset="0"/>
-              <a:cs typeface="Times New Roman" panose="02020603050405020304" pitchFamily="18" charset="0"/>
-            </a:endParaRPr>
-          </a:p>
-          <a:p>
-            <a:pPr marL="0" indent="0" algn="just">
-              <a:buNone/>
-            </a:pPr>
-            <a:endParaRPr lang="pt-BR" sz="2400" dirty="0">
-              <a:latin typeface="Times New Roman" panose="02020603050405020304" pitchFamily="18" charset="0"/>
-              <a:cs typeface="Times New Roman" panose="02020603050405020304" pitchFamily="18" charset="0"/>
-            </a:endParaRPr>
-          </a:p>
-          <a:p>
-            <a:pPr marL="0" indent="0" algn="just">
-              <a:buNone/>
-            </a:pPr>
-            <a:endParaRPr lang="pt-BR" sz="2400" dirty="0">
-              <a:latin typeface="Times New Roman" panose="02020603050405020304" pitchFamily="18" charset="0"/>
-              <a:cs typeface="Times New Roman" panose="02020603050405020304" pitchFamily="18" charset="0"/>
-            </a:endParaRPr>
-          </a:p>
-          <a:p>
-            <a:pPr marL="0" indent="0" algn="just">
-              <a:buNone/>
-            </a:pPr>
-            <a:endParaRPr lang="pt-BR" sz="2400" dirty="0">
-              <a:latin typeface="Times New Roman" panose="02020603050405020304" pitchFamily="18" charset="0"/>
-              <a:cs typeface="Times New Roman" panose="02020603050405020304" pitchFamily="18" charset="0"/>
-            </a:endParaRPr>
-          </a:p>
-          <a:p>
-            <a:pPr marL="0" indent="0" algn="just">
-              <a:buNone/>
-            </a:pPr>
-            <a:endParaRPr lang="pt-BR" sz="2400" dirty="0">
-              <a:latin typeface="Times New Roman" panose="02020603050405020304" pitchFamily="18" charset="0"/>
-              <a:cs typeface="Times New Roman" panose="02020603050405020304" pitchFamily="18" charset="0"/>
-            </a:endParaRPr>
-          </a:p>
-          <a:p>
-            <a:pPr marL="0" indent="0" algn="just">
-              <a:buNone/>
-            </a:pPr>
-            <a:endParaRPr lang="pt-BR" sz="2400" dirty="0">
-              <a:latin typeface="Calibri" panose="020F0502020204030204" pitchFamily="34" charset="0"/>
-            </a:endParaRPr>
-          </a:p>
         </p:txBody>
       </p:sp>
     </p:spTree>
     <p:extLst>
       <p:ext uri="{BB962C8B-B14F-4D97-AF65-F5344CB8AC3E}">
-        <p14:creationId xmlns:p14="http://schemas.microsoft.com/office/powerpoint/2010/main" val="2747596967"/>
+        <p14:creationId xmlns:p14="http://schemas.microsoft.com/office/powerpoint/2010/main" val="3350536174"/>
       </p:ext>
     </p:extLst>
   </p:cSld>
@@ -14807,7 +14923,7 @@
                   <a:srgbClr val="0070C0"/>
                 </a:solidFill>
               </a:rPr>
-              <a:t>Aprenda</a:t>
+              <a:t>Leitura</a:t>
             </a:r>
             <a:r>
               <a:rPr lang="en-US" b="1" dirty="0">
@@ -14815,8 +14931,21 @@
                   <a:srgbClr val="0070C0"/>
                 </a:solidFill>
               </a:rPr>
-              <a:t>+</a:t>
-            </a:r>
+              <a:t> </a:t>
+            </a:r>
+            <a:r>
+              <a:rPr lang="en-US" b="1" dirty="0" err="1">
+                <a:solidFill>
+                  <a:srgbClr val="0070C0"/>
+                </a:solidFill>
+              </a:rPr>
+              <a:t>Específica</a:t>
+            </a:r>
+            <a:endParaRPr lang="en-US" b="1" dirty="0">
+              <a:solidFill>
+                <a:srgbClr val="0070C0"/>
+              </a:solidFill>
+            </a:endParaRPr>
           </a:p>
         </p:txBody>
       </p:sp>
@@ -14832,8 +14961,8 @@
         </p:nvSpPr>
         <p:spPr>
           <a:xfrm>
-            <a:off x="142865" y="1200151"/>
-            <a:ext cx="8865056" cy="3394472"/>
+            <a:off x="142865" y="1200150"/>
+            <a:ext cx="8865056" cy="3867149"/>
           </a:xfrm>
         </p:spPr>
         <p:txBody>
@@ -14845,7 +14974,21 @@
             <a:pPr marL="0" indent="0" algn="just">
               <a:buNone/>
             </a:pPr>
-            <a:endParaRPr lang="pt-BR" sz="2000" dirty="0">
+            <a:r>
+              <a:rPr lang="pt-BR" sz="2400" dirty="0">
+                <a:latin typeface="Times New Roman" panose="02020603050405020304" pitchFamily="18" charset="0"/>
+                <a:cs typeface="Times New Roman" panose="02020603050405020304" pitchFamily="18" charset="0"/>
+              </a:rPr>
+              <a:t>-- </a:t>
+            </a:r>
+            <a:r>
+              <a:rPr lang="pt-BR" sz="2400" b="1" dirty="0">
+                <a:latin typeface="Times New Roman" panose="02020603050405020304" pitchFamily="18" charset="0"/>
+                <a:cs typeface="Times New Roman" panose="02020603050405020304" pitchFamily="18" charset="0"/>
+              </a:rPr>
+              <a:t>Classe/Herança/Polimorfismo</a:t>
+            </a:r>
+            <a:endParaRPr lang="pt-BR" sz="2400" dirty="0">
               <a:latin typeface="Times New Roman" panose="02020603050405020304" pitchFamily="18" charset="0"/>
               <a:cs typeface="Times New Roman" panose="02020603050405020304" pitchFamily="18" charset="0"/>
             </a:endParaRPr>
@@ -14855,7 +14998,7 @@
               <a:buNone/>
             </a:pPr>
             <a:r>
-              <a:rPr lang="pt-BR" sz="2000" dirty="0">
+              <a:rPr lang="pt-BR" sz="2400" dirty="0">
                 <a:latin typeface="Times New Roman" panose="02020603050405020304" pitchFamily="18" charset="0"/>
                 <a:cs typeface="Times New Roman" panose="02020603050405020304" pitchFamily="18" charset="0"/>
               </a:rPr>
@@ -14867,21 +15010,47 @@
               <a:buNone/>
             </a:pPr>
             <a:r>
-              <a:rPr lang="pt-BR" sz="2000" dirty="0">
+              <a:rPr lang="pt-BR" sz="2400" dirty="0">
                 <a:latin typeface="Times New Roman" panose="02020603050405020304" pitchFamily="18" charset="0"/>
                 <a:cs typeface="Times New Roman" panose="02020603050405020304" pitchFamily="18" charset="0"/>
               </a:rPr>
               <a:t> </a:t>
             </a:r>
             <a:r>
-              <a:rPr lang="pt-BR" sz="2000" dirty="0">
+              <a:rPr lang="pt-BR" sz="2400" dirty="0">
                 <a:latin typeface="Times New Roman" panose="02020603050405020304" pitchFamily="18" charset="0"/>
                 <a:cs typeface="Times New Roman" panose="02020603050405020304" pitchFamily="18" charset="0"/>
                 <a:hlinkClick r:id="rId3"/>
               </a:rPr>
-              <a:t>https://www.youtube.com/watch?v=Xo1oCx6hqG4/</a:t>
-            </a:r>
-            <a:endParaRPr lang="pt-BR" sz="2000" dirty="0">
+              <a:t>https://www.w3schools.com/python/python_classes.asp</a:t>
+            </a:r>
+            <a:r>
+              <a:rPr lang="pt-BR" sz="2400" dirty="0">
+                <a:latin typeface="Times New Roman" panose="02020603050405020304" pitchFamily="18" charset="0"/>
+                <a:cs typeface="Times New Roman" panose="02020603050405020304" pitchFamily="18" charset="0"/>
+              </a:rPr>
+              <a:t> </a:t>
+            </a:r>
+          </a:p>
+          <a:p>
+            <a:pPr marL="0" indent="0" algn="just">
+              <a:buNone/>
+            </a:pPr>
+            <a:r>
+              <a:rPr lang="pt-BR" sz="2400" dirty="0">
+                <a:latin typeface="Times New Roman" panose="02020603050405020304" pitchFamily="18" charset="0"/>
+                <a:cs typeface="Times New Roman" panose="02020603050405020304" pitchFamily="18" charset="0"/>
+              </a:rPr>
+              <a:t>-- </a:t>
+            </a:r>
+            <a:r>
+              <a:rPr lang="pt-BR" sz="2400" b="1" dirty="0">
+                <a:latin typeface="Times New Roman" panose="02020603050405020304" pitchFamily="18" charset="0"/>
+                <a:cs typeface="Times New Roman" panose="02020603050405020304" pitchFamily="18" charset="0"/>
+              </a:rPr>
+              <a:t>OO</a:t>
+            </a:r>
+            <a:endParaRPr lang="pt-BR" sz="2400" dirty="0">
               <a:latin typeface="Times New Roman" panose="02020603050405020304" pitchFamily="18" charset="0"/>
               <a:cs typeface="Times New Roman" panose="02020603050405020304" pitchFamily="18" charset="0"/>
             </a:endParaRPr>
@@ -14890,7 +15059,22 @@
             <a:pPr marL="0" indent="0" algn="just">
               <a:buNone/>
             </a:pPr>
-            <a:endParaRPr lang="pt-BR" sz="2000" dirty="0">
+            <a:r>
+              <a:rPr lang="pt-BR" sz="2400" dirty="0">
+                <a:latin typeface="Times New Roman" panose="02020603050405020304" pitchFamily="18" charset="0"/>
+                <a:cs typeface="Times New Roman" panose="02020603050405020304" pitchFamily="18" charset="0"/>
+              </a:rPr>
+              <a:t>[2] URL : </a:t>
+            </a:r>
+            <a:r>
+              <a:rPr lang="pt-BR" sz="2400" dirty="0">
+                <a:latin typeface="Times New Roman" panose="02020603050405020304" pitchFamily="18" charset="0"/>
+                <a:cs typeface="Times New Roman" panose="02020603050405020304" pitchFamily="18" charset="0"/>
+                <a:hlinkClick r:id="rId4"/>
+              </a:rPr>
+              <a:t>https://docs.python.org/pt-br/3/tutorial/</a:t>
+            </a:r>
+            <a:endParaRPr lang="pt-BR" sz="2400" dirty="0">
               <a:latin typeface="Times New Roman" panose="02020603050405020304" pitchFamily="18" charset="0"/>
               <a:cs typeface="Times New Roman" panose="02020603050405020304" pitchFamily="18" charset="0"/>
             </a:endParaRPr>
@@ -14900,11 +15084,18 @@
               <a:buNone/>
             </a:pPr>
             <a:r>
-              <a:rPr lang="pt-BR" sz="2000" dirty="0">
-                <a:latin typeface="Times New Roman" panose="02020603050405020304" pitchFamily="18" charset="0"/>
-                <a:cs typeface="Times New Roman" panose="02020603050405020304" pitchFamily="18" charset="0"/>
-              </a:rPr>
-              <a:t>[2] URL:</a:t>
+              <a:rPr lang="pt-BR" sz="2400" dirty="0">
+                <a:latin typeface="Times New Roman" panose="02020603050405020304" pitchFamily="18" charset="0"/>
+                <a:cs typeface="Times New Roman" panose="02020603050405020304" pitchFamily="18" charset="0"/>
+              </a:rPr>
+              <a:t>- </a:t>
+            </a:r>
+            <a:r>
+              <a:rPr lang="pt-BR" sz="2400" b="1" dirty="0">
+                <a:latin typeface="Times New Roman" panose="02020603050405020304" pitchFamily="18" charset="0"/>
+                <a:cs typeface="Times New Roman" panose="02020603050405020304" pitchFamily="18" charset="0"/>
+              </a:rPr>
+              <a:t>Polimorfismo</a:t>
             </a:r>
           </a:p>
           <a:p>
@@ -14912,54 +15103,28 @@
               <a:buNone/>
             </a:pPr>
             <a:r>
-              <a:rPr lang="pt-BR" sz="2000" dirty="0">
-                <a:latin typeface="Times New Roman" panose="02020603050405020304" pitchFamily="18" charset="0"/>
-                <a:cs typeface="Times New Roman" panose="02020603050405020304" pitchFamily="18" charset="0"/>
-              </a:rPr>
-              <a:t> </a:t>
-            </a:r>
-            <a:r>
-              <a:rPr lang="pt-BR" sz="2000" dirty="0">
-                <a:solidFill>
-                  <a:schemeClr val="tx1"/>
-                </a:solidFill>
-                <a:latin typeface="Times New Roman" panose="02020603050405020304" pitchFamily="18" charset="0"/>
-                <a:cs typeface="Times New Roman" panose="02020603050405020304" pitchFamily="18" charset="0"/>
-                <a:hlinkClick r:id="rId4"/>
-              </a:rPr>
-              <a:t>https://algoritmosempython.com.br/cursos/programacao-python/encapsulamento/</a:t>
-            </a:r>
-            <a:endParaRPr lang="pt-BR" sz="2000" dirty="0">
-              <a:solidFill>
-                <a:schemeClr val="tx1"/>
-              </a:solidFill>
-              <a:latin typeface="Times New Roman" panose="02020603050405020304" pitchFamily="18" charset="0"/>
-              <a:cs typeface="Times New Roman" panose="02020603050405020304" pitchFamily="18" charset="0"/>
-            </a:endParaRPr>
-          </a:p>
-          <a:p>
-            <a:pPr marL="0" indent="0" algn="just">
-              <a:buNone/>
-            </a:pPr>
-            <a:endParaRPr lang="pt-BR" sz="2000" dirty="0">
-              <a:latin typeface="Times New Roman" panose="02020603050405020304" pitchFamily="18" charset="0"/>
-              <a:cs typeface="Times New Roman" panose="02020603050405020304" pitchFamily="18" charset="0"/>
-            </a:endParaRPr>
-          </a:p>
-          <a:p>
-            <a:pPr marL="0" indent="0" algn="just">
-              <a:buNone/>
-            </a:pPr>
-            <a:endParaRPr lang="pt-BR" sz="2000" dirty="0">
-              <a:latin typeface="Times New Roman" panose="02020603050405020304" pitchFamily="18" charset="0"/>
-              <a:cs typeface="Times New Roman" panose="02020603050405020304" pitchFamily="18" charset="0"/>
-            </a:endParaRPr>
-          </a:p>
-          <a:p>
-            <a:pPr marL="0" indent="0" algn="just">
-              <a:buNone/>
-            </a:pPr>
-            <a:endParaRPr lang="pt-BR" sz="2000" dirty="0">
+              <a:rPr lang="pt-BR" sz="2400" dirty="0">
+                <a:latin typeface="Times New Roman" panose="02020603050405020304" pitchFamily="18" charset="0"/>
+                <a:cs typeface="Times New Roman" panose="02020603050405020304" pitchFamily="18" charset="0"/>
+              </a:rPr>
+              <a:t>[3] URL: </a:t>
+            </a:r>
+            <a:r>
+              <a:rPr lang="pt-BR" sz="2400" dirty="0">
+                <a:latin typeface="Times New Roman" panose="02020603050405020304" pitchFamily="18" charset="0"/>
+                <a:cs typeface="Times New Roman" panose="02020603050405020304" pitchFamily="18" charset="0"/>
+                <a:hlinkClick r:id="rId5"/>
+              </a:rPr>
+              <a:t>https://materialpublic.imd.ufrn.br/curso/disciplina/2/8</a:t>
+            </a:r>
+            <a:r>
+              <a:rPr lang="pt-BR" sz="2400" dirty="0">
+                <a:latin typeface="Times New Roman" panose="02020603050405020304" pitchFamily="18" charset="0"/>
+                <a:cs typeface="Times New Roman" panose="02020603050405020304" pitchFamily="18" charset="0"/>
+              </a:rPr>
+              <a:t>  </a:t>
+            </a:r>
+            <a:endParaRPr lang="pt-BR" sz="2400" dirty="0">
               <a:latin typeface="Calibri" panose="020F0502020204030204" pitchFamily="34" charset="0"/>
             </a:endParaRPr>
           </a:p>
@@ -14968,7 +15133,7 @@
     </p:spTree>
     <p:extLst>
       <p:ext uri="{BB962C8B-B14F-4D97-AF65-F5344CB8AC3E}">
-        <p14:creationId xmlns:p14="http://schemas.microsoft.com/office/powerpoint/2010/main" val="3680270425"/>
+        <p14:creationId xmlns:p14="http://schemas.microsoft.com/office/powerpoint/2010/main" val="2747596967"/>
       </p:ext>
     </p:extLst>
   </p:cSld>
@@ -15019,7 +15184,7 @@
                   <a:srgbClr val="0070C0"/>
                 </a:solidFill>
               </a:rPr>
-              <a:t>Dinâmica</a:t>
+              <a:t>Aprenda</a:t>
             </a:r>
             <a:r>
               <a:rPr lang="en-US" b="1" dirty="0">
@@ -15027,21 +15192,8 @@
                   <a:srgbClr val="0070C0"/>
                 </a:solidFill>
               </a:rPr>
-              <a:t>/</a:t>
-            </a:r>
-            <a:r>
-              <a:rPr lang="en-US" b="1" dirty="0" err="1">
-                <a:solidFill>
-                  <a:srgbClr val="0070C0"/>
-                </a:solidFill>
-              </a:rPr>
-              <a:t>Atividades</a:t>
-            </a:r>
-            <a:endParaRPr lang="en-US" b="1" dirty="0">
-              <a:solidFill>
-                <a:srgbClr val="0070C0"/>
-              </a:solidFill>
-            </a:endParaRPr>
+              <a:t>+</a:t>
+            </a:r>
           </a:p>
         </p:txBody>
       </p:sp>
@@ -15057,8 +15209,8 @@
         </p:nvSpPr>
         <p:spPr>
           <a:xfrm>
-            <a:off x="139472" y="1063230"/>
-            <a:ext cx="8865056" cy="3606305"/>
+            <a:off x="142865" y="1200151"/>
+            <a:ext cx="8865056" cy="3394472"/>
           </a:xfrm>
         </p:spPr>
         <p:txBody>
@@ -15067,36 +15219,133 @@
           </a:bodyPr>
           <a:lstStyle/>
           <a:p>
-            <a:pPr algn="just">
-              <a:buFontTx/>
-              <a:buChar char="-"/>
+            <a:pPr marL="0" indent="0" algn="just">
+              <a:buNone/>
             </a:pPr>
-            <a:r>
-              <a:rPr lang="pt-BR" dirty="0">
-                <a:latin typeface="Times New Roman" panose="02020603050405020304" pitchFamily="18" charset="0"/>
-                <a:cs typeface="Times New Roman" panose="02020603050405020304" pitchFamily="18" charset="0"/>
-              </a:rPr>
-              <a:t>Exercícios de Fixação</a:t>
-            </a:r>
+            <a:endParaRPr lang="pt-BR" sz="2000" dirty="0">
+              <a:latin typeface="Times New Roman" panose="02020603050405020304" pitchFamily="18" charset="0"/>
+              <a:cs typeface="Times New Roman" panose="02020603050405020304" pitchFamily="18" charset="0"/>
+            </a:endParaRPr>
           </a:p>
           <a:p>
             <a:pPr marL="0" indent="0" algn="just">
               <a:buNone/>
             </a:pPr>
             <a:r>
-              <a:rPr lang="pt-BR" dirty="0">
-                <a:latin typeface="Times New Roman" panose="02020603050405020304" pitchFamily="18" charset="0"/>
-                <a:cs typeface="Times New Roman" panose="02020603050405020304" pitchFamily="18" charset="0"/>
-              </a:rPr>
-              <a:t>	Desafios em Sala de Aula.</a:t>
-            </a:r>
+              <a:rPr lang="pt-BR" sz="2000" dirty="0">
+                <a:latin typeface="Times New Roman" panose="02020603050405020304" pitchFamily="18" charset="0"/>
+                <a:cs typeface="Times New Roman" panose="02020603050405020304" pitchFamily="18" charset="0"/>
+              </a:rPr>
+              <a:t>[1] URL:</a:t>
+            </a:r>
+          </a:p>
+          <a:p>
+            <a:pPr marL="0" indent="0" algn="just">
+              <a:buNone/>
+            </a:pPr>
+            <a:r>
+              <a:rPr lang="pt-BR" sz="2000" dirty="0">
+                <a:latin typeface="Times New Roman" panose="02020603050405020304" pitchFamily="18" charset="0"/>
+                <a:cs typeface="Times New Roman" panose="02020603050405020304" pitchFamily="18" charset="0"/>
+              </a:rPr>
+              <a:t> </a:t>
+            </a:r>
+            <a:r>
+              <a:rPr lang="pt-BR" sz="2000" dirty="0">
+                <a:latin typeface="Times New Roman" panose="02020603050405020304" pitchFamily="18" charset="0"/>
+                <a:cs typeface="Times New Roman" panose="02020603050405020304" pitchFamily="18" charset="0"/>
+                <a:hlinkClick r:id="rId3"/>
+              </a:rPr>
+              <a:t>https://www.youtube.com/watch?v=Xo1oCx6hqG4/</a:t>
+            </a:r>
+            <a:endParaRPr lang="pt-BR" sz="2000" dirty="0">
+              <a:latin typeface="Times New Roman" panose="02020603050405020304" pitchFamily="18" charset="0"/>
+              <a:cs typeface="Times New Roman" panose="02020603050405020304" pitchFamily="18" charset="0"/>
+            </a:endParaRPr>
+          </a:p>
+          <a:p>
+            <a:pPr marL="0" indent="0" algn="just">
+              <a:buNone/>
+            </a:pPr>
+            <a:endParaRPr lang="pt-BR" sz="2000" dirty="0">
+              <a:latin typeface="Times New Roman" panose="02020603050405020304" pitchFamily="18" charset="0"/>
+              <a:cs typeface="Times New Roman" panose="02020603050405020304" pitchFamily="18" charset="0"/>
+            </a:endParaRPr>
+          </a:p>
+          <a:p>
+            <a:pPr marL="0" indent="0" algn="just">
+              <a:buNone/>
+            </a:pPr>
+            <a:r>
+              <a:rPr lang="pt-BR" sz="2000" dirty="0">
+                <a:latin typeface="Times New Roman" panose="02020603050405020304" pitchFamily="18" charset="0"/>
+                <a:cs typeface="Times New Roman" panose="02020603050405020304" pitchFamily="18" charset="0"/>
+              </a:rPr>
+              <a:t>[2] URL:</a:t>
+            </a:r>
+          </a:p>
+          <a:p>
+            <a:pPr marL="0" indent="0" algn="just">
+              <a:buNone/>
+            </a:pPr>
+            <a:r>
+              <a:rPr lang="pt-BR" sz="2000" dirty="0">
+                <a:latin typeface="Times New Roman" panose="02020603050405020304" pitchFamily="18" charset="0"/>
+                <a:cs typeface="Times New Roman" panose="02020603050405020304" pitchFamily="18" charset="0"/>
+              </a:rPr>
+              <a:t> </a:t>
+            </a:r>
+            <a:r>
+              <a:rPr lang="pt-BR" sz="2000" dirty="0">
+                <a:solidFill>
+                  <a:schemeClr val="tx1"/>
+                </a:solidFill>
+                <a:latin typeface="Times New Roman" panose="02020603050405020304" pitchFamily="18" charset="0"/>
+                <a:cs typeface="Times New Roman" panose="02020603050405020304" pitchFamily="18" charset="0"/>
+                <a:hlinkClick r:id="rId4"/>
+              </a:rPr>
+              <a:t>https://algoritmosempython.com.br/cursos/programacao-python/encapsulamento/</a:t>
+            </a:r>
+            <a:endParaRPr lang="pt-BR" sz="2000" dirty="0">
+              <a:solidFill>
+                <a:schemeClr val="tx1"/>
+              </a:solidFill>
+              <a:latin typeface="Times New Roman" panose="02020603050405020304" pitchFamily="18" charset="0"/>
+              <a:cs typeface="Times New Roman" panose="02020603050405020304" pitchFamily="18" charset="0"/>
+            </a:endParaRPr>
+          </a:p>
+          <a:p>
+            <a:pPr marL="0" indent="0" algn="just">
+              <a:buNone/>
+            </a:pPr>
+            <a:endParaRPr lang="pt-BR" sz="2000" dirty="0">
+              <a:latin typeface="Times New Roman" panose="02020603050405020304" pitchFamily="18" charset="0"/>
+              <a:cs typeface="Times New Roman" panose="02020603050405020304" pitchFamily="18" charset="0"/>
+            </a:endParaRPr>
+          </a:p>
+          <a:p>
+            <a:pPr marL="0" indent="0" algn="just">
+              <a:buNone/>
+            </a:pPr>
+            <a:endParaRPr lang="pt-BR" sz="2000" dirty="0">
+              <a:latin typeface="Times New Roman" panose="02020603050405020304" pitchFamily="18" charset="0"/>
+              <a:cs typeface="Times New Roman" panose="02020603050405020304" pitchFamily="18" charset="0"/>
+            </a:endParaRPr>
+          </a:p>
+          <a:p>
+            <a:pPr marL="0" indent="0" algn="just">
+              <a:buNone/>
+            </a:pPr>
+            <a:endParaRPr lang="pt-BR" sz="2000" dirty="0">
+              <a:latin typeface="Calibri" panose="020F0502020204030204" pitchFamily="34" charset="0"/>
+            </a:endParaRPr>
           </a:p>
         </p:txBody>
       </p:sp>
     </p:spTree>
     <p:extLst>
       <p:ext uri="{BB962C8B-B14F-4D97-AF65-F5344CB8AC3E}">
-        <p14:creationId xmlns:p14="http://schemas.microsoft.com/office/powerpoint/2010/main" val="2470652989"/>
+        <p14:creationId xmlns:p14="http://schemas.microsoft.com/office/powerpoint/2010/main" val="3680270425"/>
       </p:ext>
     </p:extLst>
   </p:cSld>
@@ -15147,6 +15396,134 @@
                   <a:srgbClr val="0070C0"/>
                 </a:solidFill>
               </a:rPr>
+              <a:t>Dinâmica</a:t>
+            </a:r>
+            <a:r>
+              <a:rPr lang="en-US" b="1" dirty="0">
+                <a:solidFill>
+                  <a:srgbClr val="0070C0"/>
+                </a:solidFill>
+              </a:rPr>
+              <a:t>/</a:t>
+            </a:r>
+            <a:r>
+              <a:rPr lang="en-US" b="1" dirty="0" err="1">
+                <a:solidFill>
+                  <a:srgbClr val="0070C0"/>
+                </a:solidFill>
+              </a:rPr>
+              <a:t>Atividades</a:t>
+            </a:r>
+            <a:endParaRPr lang="en-US" b="1" dirty="0">
+              <a:solidFill>
+                <a:srgbClr val="0070C0"/>
+              </a:solidFill>
+            </a:endParaRPr>
+          </a:p>
+        </p:txBody>
+      </p:sp>
+      <p:sp>
+        <p:nvSpPr>
+          <p:cNvPr id="8" name="Text Placeholder 2"/>
+          <p:cNvSpPr>
+            <a:spLocks noGrp="1"/>
+          </p:cNvSpPr>
+          <p:nvPr>
+            <p:ph type="body" sz="half" idx="1"/>
+          </p:nvPr>
+        </p:nvSpPr>
+        <p:spPr>
+          <a:xfrm>
+            <a:off x="139472" y="1063230"/>
+            <a:ext cx="8865056" cy="3606305"/>
+          </a:xfrm>
+        </p:spPr>
+        <p:txBody>
+          <a:bodyPr>
+            <a:noAutofit/>
+          </a:bodyPr>
+          <a:lstStyle/>
+          <a:p>
+            <a:pPr algn="just">
+              <a:buFontTx/>
+              <a:buChar char="-"/>
+            </a:pPr>
+            <a:r>
+              <a:rPr lang="pt-BR" dirty="0">
+                <a:latin typeface="Times New Roman" panose="02020603050405020304" pitchFamily="18" charset="0"/>
+                <a:cs typeface="Times New Roman" panose="02020603050405020304" pitchFamily="18" charset="0"/>
+              </a:rPr>
+              <a:t>Exercícios de Fixação</a:t>
+            </a:r>
+          </a:p>
+          <a:p>
+            <a:pPr marL="0" indent="0" algn="just">
+              <a:buNone/>
+            </a:pPr>
+            <a:r>
+              <a:rPr lang="pt-BR" dirty="0">
+                <a:latin typeface="Times New Roman" panose="02020603050405020304" pitchFamily="18" charset="0"/>
+                <a:cs typeface="Times New Roman" panose="02020603050405020304" pitchFamily="18" charset="0"/>
+              </a:rPr>
+              <a:t>	Desafios em Sala de Aula.</a:t>
+            </a:r>
+          </a:p>
+        </p:txBody>
+      </p:sp>
+    </p:spTree>
+    <p:extLst>
+      <p:ext uri="{BB962C8B-B14F-4D97-AF65-F5344CB8AC3E}">
+        <p14:creationId xmlns:p14="http://schemas.microsoft.com/office/powerpoint/2010/main" val="2470652989"/>
+      </p:ext>
+    </p:extLst>
+  </p:cSld>
+  <p:clrMapOvr>
+    <a:masterClrMapping/>
+  </p:clrMapOvr>
+  <p:transition spd="med"/>
+</p:sld>
+</file>
+
+<file path=ppt/slides/slide33.xml><?xml version="1.0" encoding="utf-8"?>
+<p:sld xmlns:a="http://schemas.openxmlformats.org/drawingml/2006/main" xmlns:r="http://schemas.openxmlformats.org/officeDocument/2006/relationships" xmlns:p="http://schemas.openxmlformats.org/presentationml/2006/main">
+  <p:cSld>
+    <p:spTree>
+      <p:nvGrpSpPr>
+        <p:cNvPr id="1" name=""/>
+        <p:cNvGrpSpPr/>
+        <p:nvPr/>
+      </p:nvGrpSpPr>
+      <p:grpSpPr>
+        <a:xfrm>
+          <a:off x="0" y="0"/>
+          <a:ext cx="0" cy="0"/>
+          <a:chOff x="0" y="0"/>
+          <a:chExt cx="0" cy="0"/>
+        </a:xfrm>
+      </p:grpSpPr>
+      <p:sp>
+        <p:nvSpPr>
+          <p:cNvPr id="6" name="Title 1"/>
+          <p:cNvSpPr>
+            <a:spLocks noGrp="1"/>
+          </p:cNvSpPr>
+          <p:nvPr>
+            <p:ph type="title"/>
+          </p:nvPr>
+        </p:nvSpPr>
+        <p:spPr/>
+        <p:txBody>
+          <a:bodyPr>
+            <a:normAutofit/>
+          </a:bodyPr>
+          <a:lstStyle/>
+          <a:p>
+            <a:r>
+              <a:rPr lang="en-US" b="1" dirty="0" err="1">
+                <a:solidFill>
+                  <a:srgbClr val="0070C0"/>
+                </a:solidFill>
+              </a:rPr>
               <a:t>Referências</a:t>
             </a:r>
             <a:r>
@@ -15275,7 +15652,7 @@
 </p:sld>
 </file>
 
-<file path=ppt/slides/slide33.xml><?xml version="1.0" encoding="utf-8"?>
+<file path=ppt/slides/slide34.xml><?xml version="1.0" encoding="utf-8"?>
 <p:sld xmlns:a="http://schemas.openxmlformats.org/drawingml/2006/main" xmlns:r="http://schemas.openxmlformats.org/officeDocument/2006/relationships" xmlns:p="http://schemas.openxmlformats.org/presentationml/2006/main">
   <p:cSld>
     <p:spTree>

--- a/01 Classes/Aula 11 RAD Python - Classes - Orientação a Objetos.pptx
+++ b/01 Classes/Aula 11 RAD Python - Classes - Orientação a Objetos.pptx
@@ -5,19 +5,19 @@
     <p:sldMasterId id="2147483671" r:id="rId1"/>
   </p:sldMasterIdLst>
   <p:notesMasterIdLst>
-    <p:notesMasterId r:id="rId36"/>
+    <p:notesMasterId r:id="rId39"/>
   </p:notesMasterIdLst>
   <p:sldIdLst>
     <p:sldId id="291" r:id="rId2"/>
     <p:sldId id="366" r:id="rId3"/>
     <p:sldId id="338" r:id="rId4"/>
-    <p:sldId id="351" r:id="rId5"/>
+    <p:sldId id="368" r:id="rId5"/>
     <p:sldId id="352" r:id="rId6"/>
     <p:sldId id="353" r:id="rId7"/>
     <p:sldId id="354" r:id="rId8"/>
     <p:sldId id="356" r:id="rId9"/>
-    <p:sldId id="355" r:id="rId10"/>
-    <p:sldId id="357" r:id="rId11"/>
+    <p:sldId id="369" r:id="rId10"/>
+    <p:sldId id="370" r:id="rId11"/>
     <p:sldId id="358" r:id="rId12"/>
     <p:sldId id="359" r:id="rId13"/>
     <p:sldId id="360" r:id="rId14"/>
@@ -34,14 +34,17 @@
     <p:sldId id="349" r:id="rId25"/>
     <p:sldId id="362" r:id="rId26"/>
     <p:sldId id="367" r:id="rId27"/>
-    <p:sldId id="363" r:id="rId28"/>
-    <p:sldId id="364" r:id="rId29"/>
-    <p:sldId id="365" r:id="rId30"/>
-    <p:sldId id="323" r:id="rId31"/>
-    <p:sldId id="333" r:id="rId32"/>
-    <p:sldId id="334" r:id="rId33"/>
-    <p:sldId id="337" r:id="rId34"/>
-    <p:sldId id="309" r:id="rId35"/>
+    <p:sldId id="371" r:id="rId28"/>
+    <p:sldId id="372" r:id="rId29"/>
+    <p:sldId id="373" r:id="rId30"/>
+    <p:sldId id="363" r:id="rId31"/>
+    <p:sldId id="364" r:id="rId32"/>
+    <p:sldId id="365" r:id="rId33"/>
+    <p:sldId id="323" r:id="rId34"/>
+    <p:sldId id="333" r:id="rId35"/>
+    <p:sldId id="334" r:id="rId36"/>
+    <p:sldId id="337" r:id="rId37"/>
+    <p:sldId id="309" r:id="rId38"/>
   </p:sldIdLst>
   <p:sldSz cx="9144000" cy="5143500" type="screen16x9"/>
   <p:notesSz cx="6858000" cy="9144000"/>
@@ -1578,7 +1581,7 @@
     </p:spTree>
     <p:extLst>
       <p:ext uri="{BB962C8B-B14F-4D97-AF65-F5344CB8AC3E}">
-        <p14:creationId xmlns:p14="http://schemas.microsoft.com/office/powerpoint/2010/main" val="11912598"/>
+        <p14:creationId xmlns:p14="http://schemas.microsoft.com/office/powerpoint/2010/main" val="3933139318"/>
       </p:ext>
     </p:extLst>
   </p:cSld>
@@ -1644,7 +1647,7 @@
     </p:spTree>
     <p:extLst>
       <p:ext uri="{BB962C8B-B14F-4D97-AF65-F5344CB8AC3E}">
-        <p14:creationId xmlns:p14="http://schemas.microsoft.com/office/powerpoint/2010/main" val="818947722"/>
+        <p14:creationId xmlns:p14="http://schemas.microsoft.com/office/powerpoint/2010/main" val="576439145"/>
       </p:ext>
     </p:extLst>
   </p:cSld>
@@ -1710,7 +1713,7 @@
     </p:spTree>
     <p:extLst>
       <p:ext uri="{BB962C8B-B14F-4D97-AF65-F5344CB8AC3E}">
-        <p14:creationId xmlns:p14="http://schemas.microsoft.com/office/powerpoint/2010/main" val="2709569597"/>
+        <p14:creationId xmlns:p14="http://schemas.microsoft.com/office/powerpoint/2010/main" val="125070561"/>
       </p:ext>
     </p:extLst>
   </p:cSld>
@@ -1776,7 +1779,7 @@
     </p:spTree>
     <p:extLst>
       <p:ext uri="{BB962C8B-B14F-4D97-AF65-F5344CB8AC3E}">
-        <p14:creationId xmlns:p14="http://schemas.microsoft.com/office/powerpoint/2010/main" val="585304384"/>
+        <p14:creationId xmlns:p14="http://schemas.microsoft.com/office/powerpoint/2010/main" val="11912598"/>
       </p:ext>
     </p:extLst>
   </p:cSld>
@@ -1908,6 +1911,204 @@
     </p:spTree>
     <p:extLst>
       <p:ext uri="{BB962C8B-B14F-4D97-AF65-F5344CB8AC3E}">
+        <p14:creationId xmlns:p14="http://schemas.microsoft.com/office/powerpoint/2010/main" val="818947722"/>
+      </p:ext>
+    </p:extLst>
+  </p:cSld>
+  <p:clrMapOvr>
+    <a:masterClrMapping/>
+  </p:clrMapOvr>
+</p:notes>
+</file>
+
+<file path=ppt/notesSlides/notesSlide31.xml><?xml version="1.0" encoding="utf-8"?>
+<p:notes xmlns:a="http://schemas.openxmlformats.org/drawingml/2006/main" xmlns:r="http://schemas.openxmlformats.org/officeDocument/2006/relationships" xmlns:p="http://schemas.openxmlformats.org/presentationml/2006/main">
+  <p:cSld>
+    <p:spTree>
+      <p:nvGrpSpPr>
+        <p:cNvPr id="1" name=""/>
+        <p:cNvGrpSpPr/>
+        <p:nvPr/>
+      </p:nvGrpSpPr>
+      <p:grpSpPr>
+        <a:xfrm>
+          <a:off x="0" y="0"/>
+          <a:ext cx="0" cy="0"/>
+          <a:chOff x="0" y="0"/>
+          <a:chExt cx="0" cy="0"/>
+        </a:xfrm>
+      </p:grpSpPr>
+      <p:sp>
+        <p:nvSpPr>
+          <p:cNvPr id="2" name="Espaço Reservado para Imagem de Slide 1"/>
+          <p:cNvSpPr>
+            <a:spLocks noGrp="1" noRot="1" noChangeAspect="1"/>
+          </p:cNvSpPr>
+          <p:nvPr>
+            <p:ph type="sldImg"/>
+          </p:nvPr>
+        </p:nvSpPr>
+        <p:spPr>
+          <a:xfrm>
+            <a:off x="381000" y="685800"/>
+            <a:ext cx="6096000" cy="3429000"/>
+          </a:xfrm>
+        </p:spPr>
+      </p:sp>
+      <p:sp>
+        <p:nvSpPr>
+          <p:cNvPr id="3" name="Espaço Reservado para Anotações 2"/>
+          <p:cNvSpPr>
+            <a:spLocks noGrp="1"/>
+          </p:cNvSpPr>
+          <p:nvPr>
+            <p:ph type="body" idx="1"/>
+          </p:nvPr>
+        </p:nvSpPr>
+        <p:spPr/>
+        <p:txBody>
+          <a:bodyPr/>
+          <a:lstStyle/>
+          <a:p>
+            <a:endParaRPr lang="pt-BR" dirty="0"/>
+          </a:p>
+        </p:txBody>
+      </p:sp>
+    </p:spTree>
+    <p:extLst>
+      <p:ext uri="{BB962C8B-B14F-4D97-AF65-F5344CB8AC3E}">
+        <p14:creationId xmlns:p14="http://schemas.microsoft.com/office/powerpoint/2010/main" val="2709569597"/>
+      </p:ext>
+    </p:extLst>
+  </p:cSld>
+  <p:clrMapOvr>
+    <a:masterClrMapping/>
+  </p:clrMapOvr>
+</p:notes>
+</file>
+
+<file path=ppt/notesSlides/notesSlide32.xml><?xml version="1.0" encoding="utf-8"?>
+<p:notes xmlns:a="http://schemas.openxmlformats.org/drawingml/2006/main" xmlns:r="http://schemas.openxmlformats.org/officeDocument/2006/relationships" xmlns:p="http://schemas.openxmlformats.org/presentationml/2006/main">
+  <p:cSld>
+    <p:spTree>
+      <p:nvGrpSpPr>
+        <p:cNvPr id="1" name=""/>
+        <p:cNvGrpSpPr/>
+        <p:nvPr/>
+      </p:nvGrpSpPr>
+      <p:grpSpPr>
+        <a:xfrm>
+          <a:off x="0" y="0"/>
+          <a:ext cx="0" cy="0"/>
+          <a:chOff x="0" y="0"/>
+          <a:chExt cx="0" cy="0"/>
+        </a:xfrm>
+      </p:grpSpPr>
+      <p:sp>
+        <p:nvSpPr>
+          <p:cNvPr id="2" name="Espaço Reservado para Imagem de Slide 1"/>
+          <p:cNvSpPr>
+            <a:spLocks noGrp="1" noRot="1" noChangeAspect="1"/>
+          </p:cNvSpPr>
+          <p:nvPr>
+            <p:ph type="sldImg"/>
+          </p:nvPr>
+        </p:nvSpPr>
+        <p:spPr>
+          <a:xfrm>
+            <a:off x="381000" y="685800"/>
+            <a:ext cx="6096000" cy="3429000"/>
+          </a:xfrm>
+        </p:spPr>
+      </p:sp>
+      <p:sp>
+        <p:nvSpPr>
+          <p:cNvPr id="3" name="Espaço Reservado para Anotações 2"/>
+          <p:cNvSpPr>
+            <a:spLocks noGrp="1"/>
+          </p:cNvSpPr>
+          <p:nvPr>
+            <p:ph type="body" idx="1"/>
+          </p:nvPr>
+        </p:nvSpPr>
+        <p:spPr/>
+        <p:txBody>
+          <a:bodyPr/>
+          <a:lstStyle/>
+          <a:p>
+            <a:endParaRPr lang="pt-BR" dirty="0"/>
+          </a:p>
+        </p:txBody>
+      </p:sp>
+    </p:spTree>
+    <p:extLst>
+      <p:ext uri="{BB962C8B-B14F-4D97-AF65-F5344CB8AC3E}">
+        <p14:creationId xmlns:p14="http://schemas.microsoft.com/office/powerpoint/2010/main" val="585304384"/>
+      </p:ext>
+    </p:extLst>
+  </p:cSld>
+  <p:clrMapOvr>
+    <a:masterClrMapping/>
+  </p:clrMapOvr>
+</p:notes>
+</file>
+
+<file path=ppt/notesSlides/notesSlide33.xml><?xml version="1.0" encoding="utf-8"?>
+<p:notes xmlns:a="http://schemas.openxmlformats.org/drawingml/2006/main" xmlns:r="http://schemas.openxmlformats.org/officeDocument/2006/relationships" xmlns:p="http://schemas.openxmlformats.org/presentationml/2006/main">
+  <p:cSld>
+    <p:spTree>
+      <p:nvGrpSpPr>
+        <p:cNvPr id="1" name=""/>
+        <p:cNvGrpSpPr/>
+        <p:nvPr/>
+      </p:nvGrpSpPr>
+      <p:grpSpPr>
+        <a:xfrm>
+          <a:off x="0" y="0"/>
+          <a:ext cx="0" cy="0"/>
+          <a:chOff x="0" y="0"/>
+          <a:chExt cx="0" cy="0"/>
+        </a:xfrm>
+      </p:grpSpPr>
+      <p:sp>
+        <p:nvSpPr>
+          <p:cNvPr id="2" name="Espaço Reservado para Imagem de Slide 1"/>
+          <p:cNvSpPr>
+            <a:spLocks noGrp="1" noRot="1" noChangeAspect="1"/>
+          </p:cNvSpPr>
+          <p:nvPr>
+            <p:ph type="sldImg"/>
+          </p:nvPr>
+        </p:nvSpPr>
+        <p:spPr>
+          <a:xfrm>
+            <a:off x="381000" y="685800"/>
+            <a:ext cx="6096000" cy="3429000"/>
+          </a:xfrm>
+        </p:spPr>
+      </p:sp>
+      <p:sp>
+        <p:nvSpPr>
+          <p:cNvPr id="3" name="Espaço Reservado para Anotações 2"/>
+          <p:cNvSpPr>
+            <a:spLocks noGrp="1"/>
+          </p:cNvSpPr>
+          <p:nvPr>
+            <p:ph type="body" idx="1"/>
+          </p:nvPr>
+        </p:nvSpPr>
+        <p:spPr/>
+        <p:txBody>
+          <a:bodyPr/>
+          <a:lstStyle/>
+          <a:p>
+            <a:endParaRPr lang="pt-BR" dirty="0"/>
+          </a:p>
+        </p:txBody>
+      </p:sp>
+    </p:spTree>
+    <p:extLst>
+      <p:ext uri="{BB962C8B-B14F-4D97-AF65-F5344CB8AC3E}">
         <p14:creationId xmlns:p14="http://schemas.microsoft.com/office/powerpoint/2010/main" val="2296249050"/>
       </p:ext>
     </p:extLst>
@@ -1918,7 +2119,7 @@
 </p:notes>
 </file>
 
-<file path=ppt/notesSlides/notesSlide31.xml><?xml version="1.0" encoding="utf-8"?>
+<file path=ppt/notesSlides/notesSlide34.xml><?xml version="1.0" encoding="utf-8"?>
 <p:notes xmlns:a="http://schemas.openxmlformats.org/drawingml/2006/main" xmlns:r="http://schemas.openxmlformats.org/officeDocument/2006/relationships" xmlns:p="http://schemas.openxmlformats.org/presentationml/2006/main">
   <p:cSld>
     <p:spTree>
@@ -2519,7 +2720,7 @@
           <a:p>
             <a:fld id="{48A87A34-81AB-432B-8DAE-1953F412C126}" type="datetimeFigureOut">
               <a:rPr lang="en-US" smtClean="0"/>
-              <a:t>9/12/2023</a:t>
+              <a:t>11/2/2023</a:t>
             </a:fld>
             <a:endParaRPr lang="en-US" dirty="0"/>
           </a:p>
@@ -2730,7 +2931,7 @@
           <a:p>
             <a:fld id="{48A87A34-81AB-432B-8DAE-1953F412C126}" type="datetimeFigureOut">
               <a:rPr lang="en-US" smtClean="0"/>
-              <a:t>9/12/2023</a:t>
+              <a:t>11/2/2023</a:t>
             </a:fld>
             <a:endParaRPr lang="en-US" dirty="0"/>
           </a:p>
@@ -2945,7 +3146,7 @@
           <a:p>
             <a:fld id="{48A87A34-81AB-432B-8DAE-1953F412C126}" type="datetimeFigureOut">
               <a:rPr lang="en-US" smtClean="0"/>
-              <a:t>9/12/2023</a:t>
+              <a:t>11/2/2023</a:t>
             </a:fld>
             <a:endParaRPr lang="en-US" dirty="0"/>
           </a:p>
@@ -3313,7 +3514,7 @@
           <a:p>
             <a:fld id="{48A87A34-81AB-432B-8DAE-1953F412C126}" type="datetimeFigureOut">
               <a:rPr lang="en-US" smtClean="0"/>
-              <a:t>9/12/2023</a:t>
+              <a:t>11/2/2023</a:t>
             </a:fld>
             <a:endParaRPr lang="en-US" dirty="0"/>
           </a:p>
@@ -3592,7 +3793,7 @@
           <a:p>
             <a:fld id="{48A87A34-81AB-432B-8DAE-1953F412C126}" type="datetimeFigureOut">
               <a:rPr lang="en-US" smtClean="0"/>
-              <a:t>9/12/2023</a:t>
+              <a:t>11/2/2023</a:t>
             </a:fld>
             <a:endParaRPr lang="en-US" dirty="0"/>
           </a:p>
@@ -3860,7 +4061,7 @@
           <a:p>
             <a:fld id="{48A87A34-81AB-432B-8DAE-1953F412C126}" type="datetimeFigureOut">
               <a:rPr lang="en-US" smtClean="0"/>
-              <a:t>9/12/2023</a:t>
+              <a:t>11/2/2023</a:t>
             </a:fld>
             <a:endParaRPr lang="en-US" dirty="0"/>
           </a:p>
@@ -4276,7 +4477,7 @@
           <a:p>
             <a:fld id="{48A87A34-81AB-432B-8DAE-1953F412C126}" type="datetimeFigureOut">
               <a:rPr lang="en-US" smtClean="0"/>
-              <a:t>9/12/2023</a:t>
+              <a:t>11/2/2023</a:t>
             </a:fld>
             <a:endParaRPr lang="en-US" dirty="0"/>
           </a:p>
@@ -4425,7 +4626,7 @@
           <a:p>
             <a:fld id="{48A87A34-81AB-432B-8DAE-1953F412C126}" type="datetimeFigureOut">
               <a:rPr lang="en-US" smtClean="0"/>
-              <a:t>9/12/2023</a:t>
+              <a:t>11/2/2023</a:t>
             </a:fld>
             <a:endParaRPr lang="en-US" dirty="0"/>
           </a:p>
@@ -4551,7 +4752,7 @@
           <a:p>
             <a:fld id="{48A87A34-81AB-432B-8DAE-1953F412C126}" type="datetimeFigureOut">
               <a:rPr lang="en-US" smtClean="0"/>
-              <a:t>9/12/2023</a:t>
+              <a:t>11/2/2023</a:t>
             </a:fld>
             <a:endParaRPr lang="en-US" dirty="0"/>
           </a:p>
@@ -4802,7 +5003,7 @@
           <a:p>
             <a:fld id="{48A87A34-81AB-432B-8DAE-1953F412C126}" type="datetimeFigureOut">
               <a:rPr lang="en-US" smtClean="0"/>
-              <a:t>9/12/2023</a:t>
+              <a:t>11/2/2023</a:t>
             </a:fld>
             <a:endParaRPr lang="en-US" dirty="0"/>
           </a:p>
@@ -5248,7 +5449,7 @@
             <a:fld id="{48A87A34-81AB-432B-8DAE-1953F412C126}" type="datetimeFigureOut">
               <a:rPr lang="en-US" smtClean="0"/>
               <a:pPr/>
-              <a:t>9/12/2023</a:t>
+              <a:t>11/2/2023</a:t>
             </a:fld>
             <a:endParaRPr lang="en-US" dirty="0"/>
           </a:p>
@@ -5576,7 +5777,7 @@
             <a:fld id="{48A87A34-81AB-432B-8DAE-1953F412C126}" type="datetimeFigureOut">
               <a:rPr lang="en-US" smtClean="0"/>
               <a:pPr/>
-              <a:t>9/12/2023</a:t>
+              <a:t>11/2/2023</a:t>
             </a:fld>
             <a:endParaRPr lang="en-US" dirty="0"/>
           </a:p>
@@ -6664,7 +6865,26 @@
                   <a:srgbClr val="0070C0"/>
                 </a:solidFill>
               </a:rPr>
-              <a:t> SELF EXEMPLO</a:t>
+              <a:t> </a:t>
+            </a:r>
+            <a:r>
+              <a:rPr lang="en-US" b="1" dirty="0">
+                <a:solidFill>
+                  <a:srgbClr val="0070C0"/>
+                </a:solidFill>
+                <a:highlight>
+                  <a:srgbClr val="FFFF00"/>
+                </a:highlight>
+              </a:rPr>
+              <a:t>SELF</a:t>
+            </a:r>
+            <a:r>
+              <a:rPr lang="en-US" b="1" dirty="0">
+                <a:solidFill>
+                  <a:srgbClr val="0070C0"/>
+                </a:solidFill>
+              </a:rPr>
+              <a:t> EXEMPLO</a:t>
             </a:r>
           </a:p>
         </p:txBody>
@@ -6730,8 +6950,36 @@
                 <a:latin typeface="Times New Roman" panose="02020603050405020304" pitchFamily="18" charset="0"/>
                 <a:cs typeface="Times New Roman" panose="02020603050405020304" pitchFamily="18" charset="0"/>
               </a:rPr>
-              <a:t>não recomendado</a:t>
-            </a:r>
+              <a:t>não recomendado alterar o ponteiro de </a:t>
+            </a:r>
+            <a:r>
+              <a:rPr lang="pt-BR" sz="2000" b="1" dirty="0">
+                <a:solidFill>
+                  <a:srgbClr val="FF0000"/>
+                </a:solidFill>
+                <a:latin typeface="Times New Roman" panose="02020603050405020304" pitchFamily="18" charset="0"/>
+                <a:cs typeface="Times New Roman" panose="02020603050405020304" pitchFamily="18" charset="0"/>
+              </a:rPr>
+              <a:t>self</a:t>
+            </a:r>
+            <a:r>
+              <a:rPr lang="pt-BR" sz="2000" b="1" dirty="0">
+                <a:latin typeface="Times New Roman" panose="02020603050405020304" pitchFamily="18" charset="0"/>
+                <a:cs typeface="Times New Roman" panose="02020603050405020304" pitchFamily="18" charset="0"/>
+              </a:rPr>
+              <a:t> para </a:t>
+            </a:r>
+            <a:r>
+              <a:rPr lang="pt-BR" sz="2000" b="1" dirty="0" err="1">
+                <a:latin typeface="Times New Roman" panose="02020603050405020304" pitchFamily="18" charset="0"/>
+                <a:cs typeface="Times New Roman" panose="02020603050405020304" pitchFamily="18" charset="0"/>
+              </a:rPr>
+              <a:t>myobject</a:t>
+            </a:r>
+            <a:endParaRPr lang="pt-BR" sz="2000" b="1" dirty="0">
+              <a:latin typeface="Times New Roman" panose="02020603050405020304" pitchFamily="18" charset="0"/>
+              <a:cs typeface="Times New Roman" panose="02020603050405020304" pitchFamily="18" charset="0"/>
+            </a:endParaRPr>
           </a:p>
           <a:p>
             <a:pPr marL="619125" lvl="1" indent="0" algn="just">
@@ -6807,7 +7055,24 @@
                 <a:latin typeface="Times New Roman" panose="02020603050405020304" pitchFamily="18" charset="0"/>
                 <a:cs typeface="Times New Roman" panose="02020603050405020304" pitchFamily="18" charset="0"/>
               </a:rPr>
-              <a:t>, nome, idade):</a:t>
+              <a:t>, nome, idade): # manter </a:t>
+            </a:r>
+            <a:r>
+              <a:rPr lang="pt-BR" sz="2000" b="1" dirty="0">
+                <a:solidFill>
+                  <a:srgbClr val="FF0000"/>
+                </a:solidFill>
+                <a:latin typeface="Times New Roman" panose="02020603050405020304" pitchFamily="18" charset="0"/>
+                <a:cs typeface="Times New Roman" panose="02020603050405020304" pitchFamily="18" charset="0"/>
+              </a:rPr>
+              <a:t>self</a:t>
+            </a:r>
+            <a:r>
+              <a:rPr lang="pt-BR" sz="2000" dirty="0">
+                <a:latin typeface="Times New Roman" panose="02020603050405020304" pitchFamily="18" charset="0"/>
+                <a:cs typeface="Times New Roman" panose="02020603050405020304" pitchFamily="18" charset="0"/>
+              </a:rPr>
+              <a:t> </a:t>
             </a:r>
           </a:p>
           <a:p>
@@ -6956,7 +7221,7 @@
                 <a:latin typeface="Times New Roman" panose="02020603050405020304" pitchFamily="18" charset="0"/>
                 <a:cs typeface="Times New Roman" panose="02020603050405020304" pitchFamily="18" charset="0"/>
               </a:rPr>
-              <a:t>(“Meu nome é: " + </a:t>
+              <a:t>("Meu nome é: " + </a:t>
             </a:r>
             <a:r>
               <a:rPr lang="pt-BR" sz="2000" b="1" dirty="0" err="1">
@@ -7067,7 +7332,7 @@
     </p:spTree>
     <p:extLst>
       <p:ext uri="{BB962C8B-B14F-4D97-AF65-F5344CB8AC3E}">
-        <p14:creationId xmlns:p14="http://schemas.microsoft.com/office/powerpoint/2010/main" val="3920421965"/>
+        <p14:creationId xmlns:p14="http://schemas.microsoft.com/office/powerpoint/2010/main" val="126903969"/>
       </p:ext>
     </p:extLst>
   </p:cSld>
@@ -7941,7 +8206,7 @@
                 <a:latin typeface="Times New Roman" panose="02020603050405020304" pitchFamily="18" charset="0"/>
                 <a:cs typeface="Times New Roman" panose="02020603050405020304" pitchFamily="18" charset="0"/>
               </a:rPr>
-              <a:t>  </a:t>
+              <a:t>     </a:t>
             </a:r>
             <a:r>
               <a:rPr lang="pt-BR" sz="2400" b="1" dirty="0" err="1">
@@ -11650,7 +11915,7 @@
                 <a:latin typeface="Times New Roman" panose="02020603050405020304" pitchFamily="18" charset="0"/>
                 <a:cs typeface="Times New Roman" panose="02020603050405020304" pitchFamily="18" charset="0"/>
               </a:rPr>
-              <a:t>: 	_NOMECLASSE__</a:t>
+              <a:t>: 	 NOMECLASSE__</a:t>
             </a:r>
             <a:r>
               <a:rPr lang="pt-BR" sz="2000" dirty="0" err="1">
@@ -11690,7 +11955,7 @@
                 <a:latin typeface="Times New Roman" panose="02020603050405020304" pitchFamily="18" charset="0"/>
                 <a:cs typeface="Times New Roman" panose="02020603050405020304" pitchFamily="18" charset="0"/>
               </a:rPr>
-              <a:t>		 NOMECLASSE ._</a:t>
+              <a:t>		 NOMECLASSE .</a:t>
             </a:r>
             <a:r>
               <a:rPr lang="pt-BR" sz="2000" dirty="0" err="1">
@@ -13279,7 +13544,18 @@
                   <a:srgbClr val="0070C0"/>
                 </a:solidFill>
               </a:rPr>
-              <a:t>Python – CLASSES E OO POLIMORFISMO EXEMPLO</a:t>
+              <a:t>Python – CLASSES E OO POLIMORFISMO </a:t>
+            </a:r>
+            <a:r>
+              <a:rPr lang="en-US" b="1" dirty="0">
+                <a:solidFill>
+                  <a:srgbClr val="0070C0"/>
+                </a:solidFill>
+                <a:highlight>
+                  <a:srgbClr val="FFFF00"/>
+                </a:highlight>
+              </a:rPr>
+              <a:t>OVERLOAD</a:t>
             </a:r>
           </a:p>
         </p:txBody>
@@ -13321,23 +13597,145 @@
                 <a:latin typeface="Times New Roman" panose="02020603050405020304" pitchFamily="18" charset="0"/>
                 <a:cs typeface="Times New Roman" panose="02020603050405020304" pitchFamily="18" charset="0"/>
               </a:rPr>
+              <a:t> Calculadora:</a:t>
+            </a:r>
+          </a:p>
+          <a:p>
+            <a:pPr marL="0" indent="0" algn="just">
+              <a:buNone/>
+            </a:pPr>
+            <a:r>
+              <a:rPr lang="pt-BR" sz="2000" dirty="0">
+                <a:latin typeface="Times New Roman" panose="02020603050405020304" pitchFamily="18" charset="0"/>
+                <a:cs typeface="Times New Roman" panose="02020603050405020304" pitchFamily="18" charset="0"/>
+              </a:rPr>
+              <a:t>    </a:t>
+            </a:r>
+            <a:r>
+              <a:rPr lang="pt-BR" sz="2000" b="1" dirty="0" err="1">
+                <a:latin typeface="Times New Roman" panose="02020603050405020304" pitchFamily="18" charset="0"/>
+                <a:cs typeface="Times New Roman" panose="02020603050405020304" pitchFamily="18" charset="0"/>
+              </a:rPr>
+              <a:t>def</a:t>
+            </a:r>
+            <a:r>
+              <a:rPr lang="pt-BR" sz="2000" dirty="0">
+                <a:latin typeface="Times New Roman" panose="02020603050405020304" pitchFamily="18" charset="0"/>
+                <a:cs typeface="Times New Roman" panose="02020603050405020304" pitchFamily="18" charset="0"/>
+              </a:rPr>
+              <a:t> calcular(</a:t>
+            </a:r>
+            <a:r>
+              <a:rPr lang="pt-BR" sz="2000" b="1" dirty="0">
+                <a:solidFill>
+                  <a:srgbClr val="FF0000"/>
+                </a:solidFill>
+                <a:latin typeface="Times New Roman" panose="02020603050405020304" pitchFamily="18" charset="0"/>
+                <a:cs typeface="Times New Roman" panose="02020603050405020304" pitchFamily="18" charset="0"/>
+              </a:rPr>
+              <a:t>self</a:t>
+            </a:r>
+            <a:r>
+              <a:rPr lang="pt-BR" sz="2000" dirty="0">
+                <a:latin typeface="Times New Roman" panose="02020603050405020304" pitchFamily="18" charset="0"/>
+                <a:cs typeface="Times New Roman" panose="02020603050405020304" pitchFamily="18" charset="0"/>
+              </a:rPr>
+              <a:t>, x, y=</a:t>
+            </a:r>
+            <a:r>
+              <a:rPr lang="pt-BR" sz="2000" dirty="0" err="1">
+                <a:latin typeface="Times New Roman" panose="02020603050405020304" pitchFamily="18" charset="0"/>
+                <a:cs typeface="Times New Roman" panose="02020603050405020304" pitchFamily="18" charset="0"/>
+              </a:rPr>
+              <a:t>None</a:t>
+            </a:r>
+            <a:r>
+              <a:rPr lang="pt-BR" sz="2000" dirty="0">
+                <a:latin typeface="Times New Roman" panose="02020603050405020304" pitchFamily="18" charset="0"/>
+                <a:cs typeface="Times New Roman" panose="02020603050405020304" pitchFamily="18" charset="0"/>
+              </a:rPr>
+              <a:t>, z=</a:t>
+            </a:r>
+            <a:r>
+              <a:rPr lang="pt-BR" sz="2000" dirty="0" err="1">
+                <a:latin typeface="Times New Roman" panose="02020603050405020304" pitchFamily="18" charset="0"/>
+                <a:cs typeface="Times New Roman" panose="02020603050405020304" pitchFamily="18" charset="0"/>
+              </a:rPr>
+              <a:t>None</a:t>
+            </a:r>
+            <a:r>
+              <a:rPr lang="pt-BR" sz="2000" dirty="0">
+                <a:latin typeface="Times New Roman" panose="02020603050405020304" pitchFamily="18" charset="0"/>
+                <a:cs typeface="Times New Roman" panose="02020603050405020304" pitchFamily="18" charset="0"/>
+              </a:rPr>
+              <a:t>):</a:t>
+            </a:r>
+          </a:p>
+          <a:p>
+            <a:pPr marL="0" indent="0" algn="just">
+              <a:buNone/>
+            </a:pPr>
+            <a:r>
+              <a:rPr lang="pt-BR" sz="2000" dirty="0">
+                <a:latin typeface="Times New Roman" panose="02020603050405020304" pitchFamily="18" charset="0"/>
+                <a:cs typeface="Times New Roman" panose="02020603050405020304" pitchFamily="18" charset="0"/>
+              </a:rPr>
+              <a:t>        </a:t>
+            </a:r>
+            <a:r>
+              <a:rPr lang="pt-BR" sz="2000" b="1" dirty="0" err="1">
+                <a:latin typeface="Times New Roman" panose="02020603050405020304" pitchFamily="18" charset="0"/>
+                <a:cs typeface="Times New Roman" panose="02020603050405020304" pitchFamily="18" charset="0"/>
+              </a:rPr>
+              <a:t>if</a:t>
+            </a:r>
+            <a:r>
+              <a:rPr lang="pt-BR" sz="2000" dirty="0">
+                <a:latin typeface="Times New Roman" panose="02020603050405020304" pitchFamily="18" charset="0"/>
+                <a:cs typeface="Times New Roman" panose="02020603050405020304" pitchFamily="18" charset="0"/>
+              </a:rPr>
+              <a:t> z </a:t>
+            </a:r>
+            <a:r>
+              <a:rPr lang="pt-BR" sz="2000" dirty="0" err="1">
+                <a:latin typeface="Times New Roman" panose="02020603050405020304" pitchFamily="18" charset="0"/>
+                <a:cs typeface="Times New Roman" panose="02020603050405020304" pitchFamily="18" charset="0"/>
+              </a:rPr>
+              <a:t>is</a:t>
+            </a:r>
+            <a:r>
+              <a:rPr lang="pt-BR" sz="2000" dirty="0">
+                <a:latin typeface="Times New Roman" panose="02020603050405020304" pitchFamily="18" charset="0"/>
+                <a:cs typeface="Times New Roman" panose="02020603050405020304" pitchFamily="18" charset="0"/>
+              </a:rPr>
               <a:t> </a:t>
             </a:r>
             <a:r>
-              <a:rPr lang="pt-BR" sz="2000" b="1" dirty="0">
-                <a:solidFill>
-                  <a:srgbClr val="FF0000"/>
-                </a:solidFill>
-                <a:latin typeface="Times New Roman" panose="02020603050405020304" pitchFamily="18" charset="0"/>
-                <a:cs typeface="Times New Roman" panose="02020603050405020304" pitchFamily="18" charset="0"/>
-              </a:rPr>
-              <a:t>Super</a:t>
+              <a:rPr lang="pt-BR" sz="2000" dirty="0" err="1">
+                <a:latin typeface="Times New Roman" panose="02020603050405020304" pitchFamily="18" charset="0"/>
+                <a:cs typeface="Times New Roman" panose="02020603050405020304" pitchFamily="18" charset="0"/>
+              </a:rPr>
+              <a:t>not</a:t>
             </a:r>
             <a:r>
               <a:rPr lang="pt-BR" sz="2000" dirty="0">
                 <a:latin typeface="Times New Roman" panose="02020603050405020304" pitchFamily="18" charset="0"/>
                 <a:cs typeface="Times New Roman" panose="02020603050405020304" pitchFamily="18" charset="0"/>
               </a:rPr>
+              <a:t> </a:t>
+            </a:r>
+            <a:r>
+              <a:rPr lang="pt-BR" sz="2000" dirty="0" err="1">
+                <a:latin typeface="Times New Roman" panose="02020603050405020304" pitchFamily="18" charset="0"/>
+                <a:cs typeface="Times New Roman" panose="02020603050405020304" pitchFamily="18" charset="0"/>
+              </a:rPr>
+              <a:t>None</a:t>
+            </a:r>
+            <a:r>
+              <a:rPr lang="pt-BR" sz="2000" dirty="0">
+                <a:latin typeface="Times New Roman" panose="02020603050405020304" pitchFamily="18" charset="0"/>
+                <a:cs typeface="Times New Roman" panose="02020603050405020304" pitchFamily="18" charset="0"/>
+              </a:rPr>
               <a:t>:</a:t>
             </a:r>
           </a:p>
@@ -13350,52 +13748,89 @@
                 <a:latin typeface="Times New Roman" panose="02020603050405020304" pitchFamily="18" charset="0"/>
                 <a:cs typeface="Times New Roman" panose="02020603050405020304" pitchFamily="18" charset="0"/>
               </a:rPr>
-              <a:t>    </a:t>
+              <a:t>            </a:t>
+            </a:r>
+            <a:r>
+              <a:rPr lang="pt-BR" sz="2000" dirty="0" err="1">
+                <a:latin typeface="Times New Roman" panose="02020603050405020304" pitchFamily="18" charset="0"/>
+                <a:cs typeface="Times New Roman" panose="02020603050405020304" pitchFamily="18" charset="0"/>
+              </a:rPr>
+              <a:t>return</a:t>
+            </a:r>
+            <a:r>
+              <a:rPr lang="pt-BR" sz="2000" dirty="0">
+                <a:latin typeface="Times New Roman" panose="02020603050405020304" pitchFamily="18" charset="0"/>
+                <a:cs typeface="Times New Roman" panose="02020603050405020304" pitchFamily="18" charset="0"/>
+              </a:rPr>
+              <a:t> x + y + z</a:t>
+            </a:r>
+          </a:p>
+          <a:p>
+            <a:pPr marL="0" indent="0" algn="just">
+              <a:buNone/>
+            </a:pPr>
+            <a:r>
+              <a:rPr lang="pt-BR" sz="2000" dirty="0">
+                <a:latin typeface="Times New Roman" panose="02020603050405020304" pitchFamily="18" charset="0"/>
+                <a:cs typeface="Times New Roman" panose="02020603050405020304" pitchFamily="18" charset="0"/>
+              </a:rPr>
+              <a:t>        </a:t>
             </a:r>
             <a:r>
               <a:rPr lang="pt-BR" sz="2000" b="1" dirty="0" err="1">
                 <a:latin typeface="Times New Roman" panose="02020603050405020304" pitchFamily="18" charset="0"/>
                 <a:cs typeface="Times New Roman" panose="02020603050405020304" pitchFamily="18" charset="0"/>
               </a:rPr>
-              <a:t>def</a:t>
+              <a:t>elif</a:t>
             </a:r>
             <a:r>
               <a:rPr lang="pt-BR" sz="2000" dirty="0">
                 <a:latin typeface="Times New Roman" panose="02020603050405020304" pitchFamily="18" charset="0"/>
                 <a:cs typeface="Times New Roman" panose="02020603050405020304" pitchFamily="18" charset="0"/>
               </a:rPr>
+              <a:t> y </a:t>
+            </a:r>
+            <a:r>
+              <a:rPr lang="pt-BR" sz="2000" dirty="0" err="1">
+                <a:latin typeface="Times New Roman" panose="02020603050405020304" pitchFamily="18" charset="0"/>
+                <a:cs typeface="Times New Roman" panose="02020603050405020304" pitchFamily="18" charset="0"/>
+              </a:rPr>
+              <a:t>is</a:t>
+            </a:r>
+            <a:r>
+              <a:rPr lang="pt-BR" sz="2000" dirty="0">
+                <a:latin typeface="Times New Roman" panose="02020603050405020304" pitchFamily="18" charset="0"/>
+                <a:cs typeface="Times New Roman" panose="02020603050405020304" pitchFamily="18" charset="0"/>
+              </a:rPr>
               <a:t> </a:t>
             </a:r>
             <a:r>
-              <a:rPr lang="pt-BR" sz="2000" b="1" dirty="0">
-                <a:solidFill>
-                  <a:srgbClr val="FF0000"/>
-                </a:solidFill>
-                <a:latin typeface="Times New Roman" panose="02020603050405020304" pitchFamily="18" charset="0"/>
-                <a:cs typeface="Times New Roman" panose="02020603050405020304" pitchFamily="18" charset="0"/>
-              </a:rPr>
-              <a:t>soma</a:t>
+              <a:rPr lang="pt-BR" sz="2000" dirty="0" err="1">
+                <a:latin typeface="Times New Roman" panose="02020603050405020304" pitchFamily="18" charset="0"/>
+                <a:cs typeface="Times New Roman" panose="02020603050405020304" pitchFamily="18" charset="0"/>
+              </a:rPr>
+              <a:t>not</a:t>
             </a:r>
             <a:r>
               <a:rPr lang="pt-BR" sz="2000" dirty="0">
                 <a:latin typeface="Times New Roman" panose="02020603050405020304" pitchFamily="18" charset="0"/>
                 <a:cs typeface="Times New Roman" panose="02020603050405020304" pitchFamily="18" charset="0"/>
               </a:rPr>
-              <a:t>(</a:t>
-            </a:r>
-            <a:r>
-              <a:rPr lang="pt-BR" sz="2000" b="1" dirty="0">
-                <a:latin typeface="Times New Roman" panose="02020603050405020304" pitchFamily="18" charset="0"/>
-                <a:cs typeface="Times New Roman" panose="02020603050405020304" pitchFamily="18" charset="0"/>
-              </a:rPr>
-              <a:t>self</a:t>
+              <a:t> </a:t>
+            </a:r>
+            <a:r>
+              <a:rPr lang="pt-BR" sz="2000" dirty="0" err="1">
+                <a:latin typeface="Times New Roman" panose="02020603050405020304" pitchFamily="18" charset="0"/>
+                <a:cs typeface="Times New Roman" panose="02020603050405020304" pitchFamily="18" charset="0"/>
+              </a:rPr>
+              <a:t>None</a:t>
             </a:r>
             <a:r>
               <a:rPr lang="pt-BR" sz="2000" dirty="0">
                 <a:latin typeface="Times New Roman" panose="02020603050405020304" pitchFamily="18" charset="0"/>
                 <a:cs typeface="Times New Roman" panose="02020603050405020304" pitchFamily="18" charset="0"/>
               </a:rPr>
-              <a:t>, x, y):</a:t>
+              <a:t>:</a:t>
             </a:r>
           </a:p>
           <a:p>
@@ -13407,6 +13842,32 @@
                 <a:latin typeface="Times New Roman" panose="02020603050405020304" pitchFamily="18" charset="0"/>
                 <a:cs typeface="Times New Roman" panose="02020603050405020304" pitchFamily="18" charset="0"/>
               </a:rPr>
+              <a:t>            </a:t>
+            </a:r>
+            <a:r>
+              <a:rPr lang="pt-BR" sz="2000" dirty="0" err="1">
+                <a:latin typeface="Times New Roman" panose="02020603050405020304" pitchFamily="18" charset="0"/>
+                <a:cs typeface="Times New Roman" panose="02020603050405020304" pitchFamily="18" charset="0"/>
+              </a:rPr>
+              <a:t>return</a:t>
+            </a:r>
+            <a:r>
+              <a:rPr lang="pt-BR" sz="2000" dirty="0">
+                <a:latin typeface="Times New Roman" panose="02020603050405020304" pitchFamily="18" charset="0"/>
+                <a:cs typeface="Times New Roman" panose="02020603050405020304" pitchFamily="18" charset="0"/>
+              </a:rPr>
+              <a:t> x + y</a:t>
+            </a:r>
+          </a:p>
+          <a:p>
+            <a:pPr marL="0" indent="0" algn="just">
+              <a:buNone/>
+            </a:pPr>
+            <a:r>
+              <a:rPr lang="pt-BR" sz="2000" dirty="0">
+                <a:latin typeface="Times New Roman" panose="02020603050405020304" pitchFamily="18" charset="0"/>
+                <a:cs typeface="Times New Roman" panose="02020603050405020304" pitchFamily="18" charset="0"/>
+              </a:rPr>
               <a:t>        </a:t>
             </a:r>
             <a:r>
@@ -13414,6 +13875,32 @@
                 <a:latin typeface="Times New Roman" panose="02020603050405020304" pitchFamily="18" charset="0"/>
                 <a:cs typeface="Times New Roman" panose="02020603050405020304" pitchFamily="18" charset="0"/>
               </a:rPr>
+              <a:t>else</a:t>
+            </a:r>
+            <a:r>
+              <a:rPr lang="pt-BR" sz="2000" dirty="0">
+                <a:latin typeface="Times New Roman" panose="02020603050405020304" pitchFamily="18" charset="0"/>
+                <a:cs typeface="Times New Roman" panose="02020603050405020304" pitchFamily="18" charset="0"/>
+              </a:rPr>
+              <a:t>:</a:t>
+            </a:r>
+          </a:p>
+          <a:p>
+            <a:pPr marL="0" indent="0" algn="just">
+              <a:buNone/>
+            </a:pPr>
+            <a:r>
+              <a:rPr lang="pt-BR" sz="2000" dirty="0">
+                <a:latin typeface="Times New Roman" panose="02020603050405020304" pitchFamily="18" charset="0"/>
+                <a:cs typeface="Times New Roman" panose="02020603050405020304" pitchFamily="18" charset="0"/>
+              </a:rPr>
+              <a:t>            </a:t>
+            </a:r>
+            <a:r>
+              <a:rPr lang="pt-BR" sz="2000" dirty="0" err="1">
+                <a:latin typeface="Times New Roman" panose="02020603050405020304" pitchFamily="18" charset="0"/>
+                <a:cs typeface="Times New Roman" panose="02020603050405020304" pitchFamily="18" charset="0"/>
+              </a:rPr>
               <a:t>return</a:t>
             </a:r>
             <a:r>
@@ -13421,14 +13908,76 @@
                 <a:latin typeface="Times New Roman" panose="02020603050405020304" pitchFamily="18" charset="0"/>
                 <a:cs typeface="Times New Roman" panose="02020603050405020304" pitchFamily="18" charset="0"/>
               </a:rPr>
-              <a:t> x + y</a:t>
-            </a:r>
-          </a:p>
+              <a:t> x</a:t>
+            </a:r>
+          </a:p>
+        </p:txBody>
+      </p:sp>
+      <p:sp>
+        <p:nvSpPr>
+          <p:cNvPr id="3" name="CaixaDeTexto 2">
+            <a:extLst>
+              <a:ext uri="{FF2B5EF4-FFF2-40B4-BE49-F238E27FC236}">
+                <a16:creationId xmlns:a16="http://schemas.microsoft.com/office/drawing/2014/main" id="{8DDA04D9-F5E9-3C4A-08AC-CD25A865866F}"/>
+              </a:ext>
+            </a:extLst>
+          </p:cNvPr>
+          <p:cNvSpPr txBox="1"/>
+          <p:nvPr/>
+        </p:nvSpPr>
+        <p:spPr>
+          <a:xfrm>
+            <a:off x="3724275" y="2174439"/>
+            <a:ext cx="3870325" cy="2585323"/>
+          </a:xfrm>
+          <a:prstGeom prst="rect">
+            <a:avLst/>
+          </a:prstGeom>
+          <a:noFill/>
+        </p:spPr>
+        <p:txBody>
+          <a:bodyPr wrap="square">
+            <a:spAutoFit/>
+          </a:bodyPr>
+          <a:lstStyle/>
           <a:p>
             <a:pPr marL="0" indent="0" algn="just">
               <a:buNone/>
             </a:pPr>
-            <a:endParaRPr lang="pt-BR" sz="2000" dirty="0">
+            <a:r>
+              <a:rPr lang="pt-BR" sz="1800" dirty="0" err="1">
+                <a:latin typeface="Times New Roman" panose="02020603050405020304" pitchFamily="18" charset="0"/>
+                <a:cs typeface="Times New Roman" panose="02020603050405020304" pitchFamily="18" charset="0"/>
+              </a:rPr>
+              <a:t>calc</a:t>
+            </a:r>
+            <a:r>
+              <a:rPr lang="pt-BR" sz="1800" dirty="0">
+                <a:latin typeface="Times New Roman" panose="02020603050405020304" pitchFamily="18" charset="0"/>
+                <a:cs typeface="Times New Roman" panose="02020603050405020304" pitchFamily="18" charset="0"/>
+              </a:rPr>
+              <a:t> = </a:t>
+            </a:r>
+            <a:r>
+              <a:rPr lang="pt-BR" sz="1800" b="1" dirty="0">
+                <a:latin typeface="Times New Roman" panose="02020603050405020304" pitchFamily="18" charset="0"/>
+                <a:cs typeface="Times New Roman" panose="02020603050405020304" pitchFamily="18" charset="0"/>
+              </a:rPr>
+              <a:t>Calculadora</a:t>
+            </a:r>
+            <a:r>
+              <a:rPr lang="pt-BR" sz="1800" dirty="0">
+                <a:latin typeface="Times New Roman" panose="02020603050405020304" pitchFamily="18" charset="0"/>
+                <a:cs typeface="Times New Roman" panose="02020603050405020304" pitchFamily="18" charset="0"/>
+              </a:rPr>
+              <a:t>()</a:t>
+            </a:r>
+          </a:p>
+          <a:p>
+            <a:pPr marL="0" indent="0" algn="just">
+              <a:buNone/>
+            </a:pPr>
+            <a:endParaRPr lang="pt-BR" sz="1800" dirty="0">
               <a:latin typeface="Times New Roman" panose="02020603050405020304" pitchFamily="18" charset="0"/>
               <a:cs typeface="Times New Roman" panose="02020603050405020304" pitchFamily="18" charset="0"/>
             </a:endParaRPr>
@@ -13438,49 +13987,25 @@
               <a:buNone/>
             </a:pPr>
             <a:r>
-              <a:rPr lang="pt-BR" sz="2000" b="1" dirty="0" err="1">
-                <a:latin typeface="Times New Roman" panose="02020603050405020304" pitchFamily="18" charset="0"/>
-                <a:cs typeface="Times New Roman" panose="02020603050405020304" pitchFamily="18" charset="0"/>
-              </a:rPr>
-              <a:t>class</a:t>
-            </a:r>
-            <a:r>
-              <a:rPr lang="pt-BR" sz="2000" dirty="0">
-                <a:latin typeface="Times New Roman" panose="02020603050405020304" pitchFamily="18" charset="0"/>
-                <a:cs typeface="Times New Roman" panose="02020603050405020304" pitchFamily="18" charset="0"/>
-              </a:rPr>
-              <a:t> </a:t>
-            </a:r>
-            <a:r>
-              <a:rPr lang="pt-BR" sz="2000" b="1" dirty="0">
-                <a:latin typeface="Times New Roman" panose="02020603050405020304" pitchFamily="18" charset="0"/>
-                <a:cs typeface="Times New Roman" panose="02020603050405020304" pitchFamily="18" charset="0"/>
-              </a:rPr>
-              <a:t>Sub</a:t>
-            </a:r>
-            <a:r>
-              <a:rPr lang="pt-BR" sz="2000" dirty="0">
-                <a:latin typeface="Times New Roman" panose="02020603050405020304" pitchFamily="18" charset="0"/>
-                <a:cs typeface="Times New Roman" panose="02020603050405020304" pitchFamily="18" charset="0"/>
-              </a:rPr>
-              <a:t>(</a:t>
-            </a:r>
-            <a:r>
-              <a:rPr lang="pt-BR" sz="2000" b="1" dirty="0">
-                <a:solidFill>
-                  <a:srgbClr val="FF0000"/>
-                </a:solidFill>
-                <a:latin typeface="Times New Roman" panose="02020603050405020304" pitchFamily="18" charset="0"/>
-                <a:cs typeface="Times New Roman" panose="02020603050405020304" pitchFamily="18" charset="0"/>
-              </a:rPr>
-              <a:t>Super</a:t>
-            </a:r>
-            <a:r>
-              <a:rPr lang="pt-BR" sz="2000" dirty="0">
-                <a:latin typeface="Times New Roman" panose="02020603050405020304" pitchFamily="18" charset="0"/>
-                <a:cs typeface="Times New Roman" panose="02020603050405020304" pitchFamily="18" charset="0"/>
-              </a:rPr>
-              <a:t>):</a:t>
+              <a:rPr lang="pt-BR" sz="1800" dirty="0">
+                <a:latin typeface="Times New Roman" panose="02020603050405020304" pitchFamily="18" charset="0"/>
+                <a:cs typeface="Times New Roman" panose="02020603050405020304" pitchFamily="18" charset="0"/>
+              </a:rPr>
+              <a:t>resultado1 = </a:t>
+            </a:r>
+            <a:r>
+              <a:rPr lang="pt-BR" sz="1800" dirty="0" err="1">
+                <a:latin typeface="Times New Roman" panose="02020603050405020304" pitchFamily="18" charset="0"/>
+                <a:cs typeface="Times New Roman" panose="02020603050405020304" pitchFamily="18" charset="0"/>
+              </a:rPr>
+              <a:t>calc.calcular</a:t>
+            </a:r>
+            <a:r>
+              <a:rPr lang="pt-BR" sz="1800" dirty="0">
+                <a:latin typeface="Times New Roman" panose="02020603050405020304" pitchFamily="18" charset="0"/>
+                <a:cs typeface="Times New Roman" panose="02020603050405020304" pitchFamily="18" charset="0"/>
+              </a:rPr>
+              <a:t>(1)</a:t>
             </a:r>
           </a:p>
           <a:p>
@@ -13488,56 +14013,25 @@
               <a:buNone/>
             </a:pPr>
             <a:r>
-              <a:rPr lang="pt-BR" sz="2000" dirty="0">
-                <a:latin typeface="Times New Roman" panose="02020603050405020304" pitchFamily="18" charset="0"/>
-                <a:cs typeface="Times New Roman" panose="02020603050405020304" pitchFamily="18" charset="0"/>
-              </a:rPr>
-              <a:t>    </a:t>
-            </a:r>
-            <a:r>
-              <a:rPr lang="pt-BR" sz="2000" b="1" dirty="0" err="1">
-                <a:latin typeface="Times New Roman" panose="02020603050405020304" pitchFamily="18" charset="0"/>
-                <a:cs typeface="Times New Roman" panose="02020603050405020304" pitchFamily="18" charset="0"/>
-              </a:rPr>
-              <a:t>def</a:t>
-            </a:r>
-            <a:r>
-              <a:rPr lang="pt-BR" sz="2000" dirty="0">
-                <a:latin typeface="Times New Roman" panose="02020603050405020304" pitchFamily="18" charset="0"/>
-                <a:cs typeface="Times New Roman" panose="02020603050405020304" pitchFamily="18" charset="0"/>
-              </a:rPr>
-              <a:t> </a:t>
-            </a:r>
-            <a:r>
-              <a:rPr lang="pt-BR" sz="2000" b="1" dirty="0">
-                <a:solidFill>
-                  <a:srgbClr val="FF0000"/>
-                </a:solidFill>
-                <a:latin typeface="Times New Roman" panose="02020603050405020304" pitchFamily="18" charset="0"/>
-                <a:cs typeface="Times New Roman" panose="02020603050405020304" pitchFamily="18" charset="0"/>
-              </a:rPr>
-              <a:t>soma</a:t>
-            </a:r>
-            <a:r>
-              <a:rPr lang="pt-BR" sz="2000" dirty="0">
-                <a:latin typeface="Times New Roman" panose="02020603050405020304" pitchFamily="18" charset="0"/>
-                <a:cs typeface="Times New Roman" panose="02020603050405020304" pitchFamily="18" charset="0"/>
-              </a:rPr>
-              <a:t>(</a:t>
-            </a:r>
-            <a:r>
-              <a:rPr lang="pt-BR" sz="2000" b="1" dirty="0">
-                <a:latin typeface="Times New Roman" panose="02020603050405020304" pitchFamily="18" charset="0"/>
-                <a:cs typeface="Times New Roman" panose="02020603050405020304" pitchFamily="18" charset="0"/>
-              </a:rPr>
-              <a:t>self</a:t>
-            </a:r>
-            <a:r>
-              <a:rPr lang="pt-BR" sz="2000" dirty="0">
-                <a:latin typeface="Times New Roman" panose="02020603050405020304" pitchFamily="18" charset="0"/>
-                <a:cs typeface="Times New Roman" panose="02020603050405020304" pitchFamily="18" charset="0"/>
-              </a:rPr>
-              <a:t>, x, y, z):</a:t>
+              <a:rPr lang="pt-BR" sz="1800" dirty="0">
+                <a:latin typeface="Times New Roman" panose="02020603050405020304" pitchFamily="18" charset="0"/>
+                <a:cs typeface="Times New Roman" panose="02020603050405020304" pitchFamily="18" charset="0"/>
+              </a:rPr>
+              <a:t>resultado2 = </a:t>
+            </a:r>
+            <a:r>
+              <a:rPr lang="pt-BR" sz="1800" dirty="0" err="1">
+                <a:latin typeface="Times New Roman" panose="02020603050405020304" pitchFamily="18" charset="0"/>
+                <a:cs typeface="Times New Roman" panose="02020603050405020304" pitchFamily="18" charset="0"/>
+              </a:rPr>
+              <a:t>calc.calcular</a:t>
+            </a:r>
+            <a:r>
+              <a:rPr lang="pt-BR" sz="1800" dirty="0">
+                <a:latin typeface="Times New Roman" panose="02020603050405020304" pitchFamily="18" charset="0"/>
+                <a:cs typeface="Times New Roman" panose="02020603050405020304" pitchFamily="18" charset="0"/>
+              </a:rPr>
+              <a:t>(2, 3)</a:t>
             </a:r>
           </a:p>
           <a:p>
@@ -13545,32 +14039,32 @@
               <a:buNone/>
             </a:pPr>
             <a:r>
-              <a:rPr lang="pt-BR" sz="2000" dirty="0">
-                <a:latin typeface="Times New Roman" panose="02020603050405020304" pitchFamily="18" charset="0"/>
-                <a:cs typeface="Times New Roman" panose="02020603050405020304" pitchFamily="18" charset="0"/>
-              </a:rPr>
-              <a:t>        </a:t>
-            </a:r>
-            <a:r>
-              <a:rPr lang="pt-BR" sz="2000" b="1" dirty="0" err="1">
-                <a:latin typeface="Times New Roman" panose="02020603050405020304" pitchFamily="18" charset="0"/>
-                <a:cs typeface="Times New Roman" panose="02020603050405020304" pitchFamily="18" charset="0"/>
-              </a:rPr>
-              <a:t>return</a:t>
-            </a:r>
-            <a:r>
-              <a:rPr lang="pt-BR" sz="2000" dirty="0">
-                <a:latin typeface="Times New Roman" panose="02020603050405020304" pitchFamily="18" charset="0"/>
-                <a:cs typeface="Times New Roman" panose="02020603050405020304" pitchFamily="18" charset="0"/>
-              </a:rPr>
-              <a:t> x + y + z</a:t>
+              <a:rPr lang="pt-BR" sz="1800" dirty="0">
+                <a:latin typeface="Times New Roman" panose="02020603050405020304" pitchFamily="18" charset="0"/>
+                <a:cs typeface="Times New Roman" panose="02020603050405020304" pitchFamily="18" charset="0"/>
+              </a:rPr>
+              <a:t>resultado3 = </a:t>
+            </a:r>
+            <a:r>
+              <a:rPr lang="pt-BR" sz="1800" dirty="0" err="1">
+                <a:latin typeface="Times New Roman" panose="02020603050405020304" pitchFamily="18" charset="0"/>
+                <a:cs typeface="Times New Roman" panose="02020603050405020304" pitchFamily="18" charset="0"/>
+              </a:rPr>
+              <a:t>calc.calcular</a:t>
+            </a:r>
+            <a:r>
+              <a:rPr lang="pt-BR" sz="1800" dirty="0">
+                <a:latin typeface="Times New Roman" panose="02020603050405020304" pitchFamily="18" charset="0"/>
+                <a:cs typeface="Times New Roman" panose="02020603050405020304" pitchFamily="18" charset="0"/>
+              </a:rPr>
+              <a:t>(4, 5, 6)</a:t>
             </a:r>
           </a:p>
           <a:p>
             <a:pPr marL="0" indent="0" algn="just">
               <a:buNone/>
             </a:pPr>
-            <a:endParaRPr lang="pt-BR" sz="2000" dirty="0">
+            <a:endParaRPr lang="pt-BR" sz="1800" dirty="0">
               <a:latin typeface="Times New Roman" panose="02020603050405020304" pitchFamily="18" charset="0"/>
               <a:cs typeface="Times New Roman" panose="02020603050405020304" pitchFamily="18" charset="0"/>
             </a:endParaRPr>
@@ -13580,100 +14074,35 @@
               <a:buNone/>
             </a:pPr>
             <a:r>
-              <a:rPr lang="pt-BR" sz="2000" b="1" dirty="0">
-                <a:latin typeface="Times New Roman" panose="02020603050405020304" pitchFamily="18" charset="0"/>
-                <a:cs typeface="Times New Roman" panose="02020603050405020304" pitchFamily="18" charset="0"/>
-              </a:rPr>
-              <a:t>print</a:t>
-            </a:r>
-            <a:r>
-              <a:rPr lang="pt-BR" sz="2000" dirty="0">
-                <a:latin typeface="Times New Roman" panose="02020603050405020304" pitchFamily="18" charset="0"/>
-                <a:cs typeface="Times New Roman" panose="02020603050405020304" pitchFamily="18" charset="0"/>
-              </a:rPr>
-              <a:t>(</a:t>
-            </a:r>
-            <a:r>
-              <a:rPr lang="pt-BR" sz="2000" b="1" dirty="0">
-                <a:solidFill>
-                  <a:srgbClr val="FF0000"/>
-                </a:solidFill>
-                <a:latin typeface="Times New Roman" panose="02020603050405020304" pitchFamily="18" charset="0"/>
-                <a:cs typeface="Times New Roman" panose="02020603050405020304" pitchFamily="18" charset="0"/>
-              </a:rPr>
-              <a:t>Super</a:t>
-            </a:r>
-            <a:r>
-              <a:rPr lang="pt-BR" sz="2000" dirty="0">
-                <a:latin typeface="Times New Roman" panose="02020603050405020304" pitchFamily="18" charset="0"/>
-                <a:cs typeface="Times New Roman" panose="02020603050405020304" pitchFamily="18" charset="0"/>
-              </a:rPr>
-              <a:t>().</a:t>
-            </a:r>
-            <a:r>
-              <a:rPr lang="pt-BR" sz="2000" b="1" dirty="0">
-                <a:solidFill>
-                  <a:srgbClr val="FF0000"/>
-                </a:solidFill>
-                <a:latin typeface="Times New Roman" panose="02020603050405020304" pitchFamily="18" charset="0"/>
-                <a:cs typeface="Times New Roman" panose="02020603050405020304" pitchFamily="18" charset="0"/>
-              </a:rPr>
-              <a:t>soma</a:t>
-            </a:r>
-            <a:r>
-              <a:rPr lang="pt-BR" sz="2000" dirty="0">
-                <a:latin typeface="Times New Roman" panose="02020603050405020304" pitchFamily="18" charset="0"/>
-                <a:cs typeface="Times New Roman" panose="02020603050405020304" pitchFamily="18" charset="0"/>
-              </a:rPr>
-              <a:t>(2, 3)) # </a:t>
-            </a:r>
-            <a:r>
-              <a:rPr lang="pt-BR" sz="2000" b="1" dirty="0">
-                <a:latin typeface="Times New Roman" panose="02020603050405020304" pitchFamily="18" charset="0"/>
-                <a:cs typeface="Times New Roman" panose="02020603050405020304" pitchFamily="18" charset="0"/>
-              </a:rPr>
-              <a:t>print</a:t>
-            </a:r>
-            <a:r>
-              <a:rPr lang="pt-BR" sz="2000" dirty="0">
-                <a:latin typeface="Times New Roman" panose="02020603050405020304" pitchFamily="18" charset="0"/>
-                <a:cs typeface="Times New Roman" panose="02020603050405020304" pitchFamily="18" charset="0"/>
-              </a:rPr>
-              <a:t>(</a:t>
-            </a:r>
-            <a:r>
-              <a:rPr lang="pt-BR" sz="2000" b="1" dirty="0">
-                <a:solidFill>
-                  <a:srgbClr val="FF0000"/>
-                </a:solidFill>
-                <a:latin typeface="Times New Roman" panose="02020603050405020304" pitchFamily="18" charset="0"/>
-                <a:cs typeface="Times New Roman" panose="02020603050405020304" pitchFamily="18" charset="0"/>
-              </a:rPr>
-              <a:t>Sub</a:t>
-            </a:r>
-            <a:r>
-              <a:rPr lang="pt-BR" sz="2000" dirty="0">
-                <a:latin typeface="Times New Roman" panose="02020603050405020304" pitchFamily="18" charset="0"/>
-                <a:cs typeface="Times New Roman" panose="02020603050405020304" pitchFamily="18" charset="0"/>
-              </a:rPr>
-              <a:t>().</a:t>
-            </a:r>
-            <a:r>
-              <a:rPr lang="pt-BR" sz="2000" b="1" dirty="0">
-                <a:solidFill>
-                  <a:srgbClr val="FF0000"/>
-                </a:solidFill>
-                <a:latin typeface="Times New Roman" panose="02020603050405020304" pitchFamily="18" charset="0"/>
-                <a:cs typeface="Times New Roman" panose="02020603050405020304" pitchFamily="18" charset="0"/>
-              </a:rPr>
-              <a:t>soma</a:t>
-            </a:r>
-            <a:r>
-              <a:rPr lang="pt-BR" sz="2000" dirty="0">
-                <a:latin typeface="Times New Roman" panose="02020603050405020304" pitchFamily="18" charset="0"/>
-                <a:cs typeface="Times New Roman" panose="02020603050405020304" pitchFamily="18" charset="0"/>
-              </a:rPr>
-              <a:t>(2, 3, 7)) </a:t>
+              <a:rPr lang="pt-BR" sz="1800" dirty="0">
+                <a:latin typeface="Times New Roman" panose="02020603050405020304" pitchFamily="18" charset="0"/>
+                <a:cs typeface="Times New Roman" panose="02020603050405020304" pitchFamily="18" charset="0"/>
+              </a:rPr>
+              <a:t>print(resultado1)  # Saída: 1</a:t>
+            </a:r>
+          </a:p>
+          <a:p>
+            <a:pPr marL="0" indent="0" algn="just">
+              <a:buNone/>
+            </a:pPr>
+            <a:r>
+              <a:rPr lang="pt-BR" sz="1800" dirty="0">
+                <a:latin typeface="Times New Roman" panose="02020603050405020304" pitchFamily="18" charset="0"/>
+                <a:cs typeface="Times New Roman" panose="02020603050405020304" pitchFamily="18" charset="0"/>
+              </a:rPr>
+              <a:t>print(resultado2)  # Saída: 5</a:t>
+            </a:r>
+          </a:p>
+          <a:p>
+            <a:pPr marL="0" indent="0" algn="just">
+              <a:buNone/>
+            </a:pPr>
+            <a:r>
+              <a:rPr lang="pt-BR" sz="1800" dirty="0">
+                <a:latin typeface="Times New Roman" panose="02020603050405020304" pitchFamily="18" charset="0"/>
+                <a:cs typeface="Times New Roman" panose="02020603050405020304" pitchFamily="18" charset="0"/>
+              </a:rPr>
+              <a:t>print(resultado3)  # Saída: 1</a:t>
             </a:r>
           </a:p>
         </p:txBody>
@@ -13681,7 +14110,7 @@
     </p:spTree>
     <p:extLst>
       <p:ext uri="{BB962C8B-B14F-4D97-AF65-F5344CB8AC3E}">
-        <p14:creationId xmlns:p14="http://schemas.microsoft.com/office/powerpoint/2010/main" val="1050614927"/>
+        <p14:creationId xmlns:p14="http://schemas.microsoft.com/office/powerpoint/2010/main" val="490615438"/>
       </p:ext>
     </p:extLst>
   </p:cSld>
@@ -13738,7 +14167,18 @@
                   <a:srgbClr val="0070C0"/>
                 </a:solidFill>
               </a:rPr>
-              <a:t>Python – CLASSES E OO POLIMORFISMO EXEMPLO</a:t>
+              <a:t>Python – CLASSES E OO POLIMORFISMO </a:t>
+            </a:r>
+            <a:r>
+              <a:rPr lang="en-US" b="1" dirty="0">
+                <a:solidFill>
+                  <a:srgbClr val="0070C0"/>
+                </a:solidFill>
+                <a:highlight>
+                  <a:srgbClr val="FFFF00"/>
+                </a:highlight>
+              </a:rPr>
+              <a:t>OVERRIDE</a:t>
             </a:r>
           </a:p>
         </p:txBody>
@@ -13755,7 +14195,7 @@
         </p:nvSpPr>
         <p:spPr>
           <a:xfrm>
-            <a:off x="142865" y="1152394"/>
+            <a:off x="142865" y="1076194"/>
             <a:ext cx="8865056" cy="3948048"/>
           </a:xfrm>
         </p:spPr>
@@ -13769,79 +14209,81 @@
               <a:buNone/>
             </a:pPr>
             <a:r>
+              <a:rPr lang="pt-BR" sz="2000" b="1" dirty="0" err="1">
+                <a:latin typeface="Times New Roman" panose="02020603050405020304" pitchFamily="18" charset="0"/>
+                <a:cs typeface="Times New Roman" panose="02020603050405020304" pitchFamily="18" charset="0"/>
+              </a:rPr>
+              <a:t>class</a:t>
+            </a:r>
+            <a:r>
               <a:rPr lang="pt-BR" sz="2000" dirty="0">
                 <a:latin typeface="Times New Roman" panose="02020603050405020304" pitchFamily="18" charset="0"/>
                 <a:cs typeface="Times New Roman" panose="02020603050405020304" pitchFamily="18" charset="0"/>
               </a:rPr>
-              <a:t>A classe </a:t>
+              <a:t> </a:t>
             </a:r>
             <a:r>
               <a:rPr lang="pt-BR" sz="2000" b="1" dirty="0">
-                <a:latin typeface="Times New Roman" panose="02020603050405020304" pitchFamily="18" charset="0"/>
-                <a:cs typeface="Times New Roman" panose="02020603050405020304" pitchFamily="18" charset="0"/>
-              </a:rPr>
-              <a:t>Sub</a:t>
+                <a:solidFill>
+                  <a:srgbClr val="FF0000"/>
+                </a:solidFill>
+                <a:latin typeface="Times New Roman" panose="02020603050405020304" pitchFamily="18" charset="0"/>
+                <a:cs typeface="Times New Roman" panose="02020603050405020304" pitchFamily="18" charset="0"/>
+              </a:rPr>
+              <a:t>Animal</a:t>
             </a:r>
             <a:r>
               <a:rPr lang="pt-BR" sz="2000" dirty="0">
                 <a:latin typeface="Times New Roman" panose="02020603050405020304" pitchFamily="18" charset="0"/>
                 <a:cs typeface="Times New Roman" panose="02020603050405020304" pitchFamily="18" charset="0"/>
               </a:rPr>
-              <a:t> </a:t>
-            </a:r>
-            <a:r>
-              <a:rPr lang="pt-BR" sz="2000" b="1" dirty="0">
-                <a:solidFill>
-                  <a:srgbClr val="FF0000"/>
-                </a:solidFill>
-                <a:latin typeface="Times New Roman" panose="02020603050405020304" pitchFamily="18" charset="0"/>
-                <a:cs typeface="Times New Roman" panose="02020603050405020304" pitchFamily="18" charset="0"/>
-              </a:rPr>
-              <a:t>herda a Superclasse</a:t>
-            </a:r>
+              <a:t>:</a:t>
+            </a:r>
+          </a:p>
+          <a:p>
+            <a:pPr marL="0" indent="0" algn="just">
+              <a:buNone/>
+            </a:pPr>
             <a:r>
               <a:rPr lang="pt-BR" sz="2000" dirty="0">
                 <a:latin typeface="Times New Roman" panose="02020603050405020304" pitchFamily="18" charset="0"/>
                 <a:cs typeface="Times New Roman" panose="02020603050405020304" pitchFamily="18" charset="0"/>
               </a:rPr>
-              <a:t>, ou seja, tudo que nem na </a:t>
-            </a:r>
-            <a:r>
-              <a:rPr lang="pt-BR" sz="2000" b="1" dirty="0">
-                <a:solidFill>
-                  <a:srgbClr val="FF0000"/>
-                </a:solidFill>
-                <a:latin typeface="Times New Roman" panose="02020603050405020304" pitchFamily="18" charset="0"/>
-                <a:cs typeface="Times New Roman" panose="02020603050405020304" pitchFamily="18" charset="0"/>
-              </a:rPr>
-              <a:t>superclasse</a:t>
+              <a:t>    </a:t>
+            </a:r>
+            <a:r>
+              <a:rPr lang="pt-BR" sz="2000" dirty="0" err="1">
+                <a:latin typeface="Times New Roman" panose="02020603050405020304" pitchFamily="18" charset="0"/>
+                <a:cs typeface="Times New Roman" panose="02020603050405020304" pitchFamily="18" charset="0"/>
+              </a:rPr>
+              <a:t>def</a:t>
             </a:r>
             <a:r>
               <a:rPr lang="pt-BR" sz="2000" dirty="0">
                 <a:latin typeface="Times New Roman" panose="02020603050405020304" pitchFamily="18" charset="0"/>
                 <a:cs typeface="Times New Roman" panose="02020603050405020304" pitchFamily="18" charset="0"/>
               </a:rPr>
-              <a:t> (</a:t>
-            </a:r>
-            <a:r>
-              <a:rPr lang="pt-BR" sz="2000" b="1" dirty="0">
-                <a:latin typeface="Times New Roman" panose="02020603050405020304" pitchFamily="18" charset="0"/>
-                <a:cs typeface="Times New Roman" panose="02020603050405020304" pitchFamily="18" charset="0"/>
-              </a:rPr>
-              <a:t>atributos e métodos</a:t>
-            </a:r>
+              <a:t> falar(self):</a:t>
+            </a:r>
+          </a:p>
+          <a:p>
+            <a:pPr marL="0" indent="0" algn="just">
+              <a:buNone/>
+            </a:pPr>
             <a:r>
               <a:rPr lang="pt-BR" sz="2000" dirty="0">
                 <a:latin typeface="Times New Roman" panose="02020603050405020304" pitchFamily="18" charset="0"/>
                 <a:cs typeface="Times New Roman" panose="02020603050405020304" pitchFamily="18" charset="0"/>
               </a:rPr>
-              <a:t>), vai ter na subclasse.</a:t>
-            </a:r>
-          </a:p>
-          <a:p>
-            <a:pPr marL="0" indent="0" algn="just">
-              <a:buNone/>
-            </a:pPr>
+              <a:t>        </a:t>
+            </a:r>
+            <a:r>
+              <a:rPr lang="pt-BR" sz="2000" dirty="0" err="1">
+                <a:latin typeface="Times New Roman" panose="02020603050405020304" pitchFamily="18" charset="0"/>
+                <a:cs typeface="Times New Roman" panose="02020603050405020304" pitchFamily="18" charset="0"/>
+              </a:rPr>
+              <a:t>pass</a:t>
+            </a:r>
             <a:endParaRPr lang="pt-BR" sz="2000" dirty="0">
               <a:latin typeface="Times New Roman" panose="02020603050405020304" pitchFamily="18" charset="0"/>
               <a:cs typeface="Times New Roman" panose="02020603050405020304" pitchFamily="18" charset="0"/>
@@ -13851,80 +14293,6 @@
             <a:pPr marL="0" indent="0" algn="just">
               <a:buNone/>
             </a:pPr>
-            <a:r>
-              <a:rPr lang="pt-BR" sz="2000" dirty="0">
-                <a:latin typeface="Times New Roman" panose="02020603050405020304" pitchFamily="18" charset="0"/>
-                <a:cs typeface="Times New Roman" panose="02020603050405020304" pitchFamily="18" charset="0"/>
-              </a:rPr>
-              <a:t>Porém, quando chamamos o método soma(), ele vai invocar o </a:t>
-            </a:r>
-            <a:r>
-              <a:rPr lang="pt-BR" sz="2000" b="1" dirty="0">
-                <a:latin typeface="Times New Roman" panose="02020603050405020304" pitchFamily="18" charset="0"/>
-                <a:cs typeface="Times New Roman" panose="02020603050405020304" pitchFamily="18" charset="0"/>
-              </a:rPr>
-              <a:t>método da subclasse </a:t>
-            </a:r>
-            <a:r>
-              <a:rPr lang="pt-BR" sz="2000" dirty="0">
-                <a:latin typeface="Times New Roman" panose="02020603050405020304" pitchFamily="18" charset="0"/>
-                <a:cs typeface="Times New Roman" panose="02020603050405020304" pitchFamily="18" charset="0"/>
-              </a:rPr>
-              <a:t>e </a:t>
-            </a:r>
-            <a:r>
-              <a:rPr lang="pt-BR" sz="2000" b="1" dirty="0">
-                <a:solidFill>
-                  <a:srgbClr val="FF0000"/>
-                </a:solidFill>
-                <a:latin typeface="Times New Roman" panose="02020603050405020304" pitchFamily="18" charset="0"/>
-                <a:cs typeface="Times New Roman" panose="02020603050405020304" pitchFamily="18" charset="0"/>
-              </a:rPr>
-              <a:t>não da superclasse</a:t>
-            </a:r>
-            <a:r>
-              <a:rPr lang="pt-BR" sz="2000" dirty="0">
-                <a:latin typeface="Times New Roman" panose="02020603050405020304" pitchFamily="18" charset="0"/>
-                <a:cs typeface="Times New Roman" panose="02020603050405020304" pitchFamily="18" charset="0"/>
-              </a:rPr>
-              <a:t>! O Python entende: "Opa, ele instanciou um objeto da </a:t>
-            </a:r>
-            <a:r>
-              <a:rPr lang="pt-BR" sz="2000" b="1" dirty="0">
-                <a:latin typeface="Times New Roman" panose="02020603050405020304" pitchFamily="18" charset="0"/>
-                <a:cs typeface="Times New Roman" panose="02020603050405020304" pitchFamily="18" charset="0"/>
-              </a:rPr>
-              <a:t>subclasse</a:t>
-            </a:r>
-            <a:r>
-              <a:rPr lang="pt-BR" sz="2000" dirty="0">
-                <a:latin typeface="Times New Roman" panose="02020603050405020304" pitchFamily="18" charset="0"/>
-                <a:cs typeface="Times New Roman" panose="02020603050405020304" pitchFamily="18" charset="0"/>
-              </a:rPr>
-              <a:t>. Por isso </a:t>
-            </a:r>
-            <a:r>
-              <a:rPr lang="pt-BR" sz="2000" b="1" dirty="0">
-                <a:solidFill>
-                  <a:srgbClr val="FF0000"/>
-                </a:solidFill>
-                <a:latin typeface="Times New Roman" panose="02020603050405020304" pitchFamily="18" charset="0"/>
-                <a:cs typeface="Times New Roman" panose="02020603050405020304" pitchFamily="18" charset="0"/>
-              </a:rPr>
-              <a:t>vou invocar o método da subclasse e não da superclasse</a:t>
-            </a:r>
-            <a:r>
-              <a:rPr lang="pt-BR" sz="2000" dirty="0">
-                <a:latin typeface="Times New Roman" panose="02020603050405020304" pitchFamily="18" charset="0"/>
-                <a:cs typeface="Times New Roman" panose="02020603050405020304" pitchFamily="18" charset="0"/>
-              </a:rPr>
-              <a:t>“.</a:t>
-            </a:r>
-          </a:p>
-          <a:p>
-            <a:pPr marL="0" indent="0" algn="just">
-              <a:buNone/>
-            </a:pPr>
             <a:endParaRPr lang="pt-BR" sz="2000" dirty="0">
               <a:latin typeface="Times New Roman" panose="02020603050405020304" pitchFamily="18" charset="0"/>
               <a:cs typeface="Times New Roman" panose="02020603050405020304" pitchFamily="18" charset="0"/>
@@ -13935,70 +14303,343 @@
               <a:buNone/>
             </a:pPr>
             <a:r>
+              <a:rPr lang="pt-BR" sz="2000" b="1" dirty="0" err="1">
+                <a:latin typeface="Times New Roman" panose="02020603050405020304" pitchFamily="18" charset="0"/>
+                <a:cs typeface="Times New Roman" panose="02020603050405020304" pitchFamily="18" charset="0"/>
+              </a:rPr>
+              <a:t>class</a:t>
+            </a:r>
+            <a:r>
               <a:rPr lang="pt-BR" sz="2000" dirty="0">
                 <a:latin typeface="Times New Roman" panose="02020603050405020304" pitchFamily="18" charset="0"/>
                 <a:cs typeface="Times New Roman" panose="02020603050405020304" pitchFamily="18" charset="0"/>
               </a:rPr>
-              <a:t>Ou seja, seu </a:t>
+              <a:t> Cachorro(</a:t>
             </a:r>
             <a:r>
               <a:rPr lang="pt-BR" sz="2000" b="1" dirty="0">
-                <a:latin typeface="Times New Roman" panose="02020603050405020304" pitchFamily="18" charset="0"/>
-                <a:cs typeface="Times New Roman" panose="02020603050405020304" pitchFamily="18" charset="0"/>
-              </a:rPr>
-              <a:t>objeto assumiu a forma da subclasse</a:t>
+                <a:solidFill>
+                  <a:srgbClr val="FF0000"/>
+                </a:solidFill>
+                <a:latin typeface="Times New Roman" panose="02020603050405020304" pitchFamily="18" charset="0"/>
+                <a:cs typeface="Times New Roman" panose="02020603050405020304" pitchFamily="18" charset="0"/>
+              </a:rPr>
+              <a:t>Animal</a:t>
             </a:r>
             <a:r>
               <a:rPr lang="pt-BR" sz="2000" dirty="0">
                 <a:latin typeface="Times New Roman" panose="02020603050405020304" pitchFamily="18" charset="0"/>
                 <a:cs typeface="Times New Roman" panose="02020603050405020304" pitchFamily="18" charset="0"/>
               </a:rPr>
-              <a:t>, embora ele também seja uma </a:t>
-            </a:r>
-            <a:r>
-              <a:rPr lang="pt-BR" sz="2000" b="1" dirty="0">
+              <a:t>):</a:t>
+            </a:r>
+          </a:p>
+          <a:p>
+            <a:pPr marL="0" indent="0" algn="just">
+              <a:buNone/>
+            </a:pPr>
+            <a:r>
+              <a:rPr lang="pt-BR" sz="2000" dirty="0">
+                <a:latin typeface="Times New Roman" panose="02020603050405020304" pitchFamily="18" charset="0"/>
+                <a:cs typeface="Times New Roman" panose="02020603050405020304" pitchFamily="18" charset="0"/>
+              </a:rPr>
+              <a:t>    </a:t>
+            </a:r>
+            <a:r>
+              <a:rPr lang="pt-BR" sz="2000" dirty="0" err="1">
+                <a:latin typeface="Times New Roman" panose="02020603050405020304" pitchFamily="18" charset="0"/>
+                <a:cs typeface="Times New Roman" panose="02020603050405020304" pitchFamily="18" charset="0"/>
+              </a:rPr>
+              <a:t>def</a:t>
+            </a:r>
+            <a:r>
+              <a:rPr lang="pt-BR" sz="2000" dirty="0">
+                <a:latin typeface="Times New Roman" panose="02020603050405020304" pitchFamily="18" charset="0"/>
+                <a:cs typeface="Times New Roman" panose="02020603050405020304" pitchFamily="18" charset="0"/>
+              </a:rPr>
+              <a:t> falar(self):</a:t>
+            </a:r>
+          </a:p>
+          <a:p>
+            <a:pPr marL="0" indent="0" algn="just">
+              <a:buNone/>
+            </a:pPr>
+            <a:r>
+              <a:rPr lang="pt-BR" sz="2000" dirty="0">
+                <a:latin typeface="Times New Roman" panose="02020603050405020304" pitchFamily="18" charset="0"/>
+                <a:cs typeface="Times New Roman" panose="02020603050405020304" pitchFamily="18" charset="0"/>
+              </a:rPr>
+              <a:t>        </a:t>
+            </a:r>
+            <a:r>
+              <a:rPr lang="pt-BR" sz="2000" dirty="0" err="1">
+                <a:latin typeface="Times New Roman" panose="02020603050405020304" pitchFamily="18" charset="0"/>
+                <a:cs typeface="Times New Roman" panose="02020603050405020304" pitchFamily="18" charset="0"/>
+              </a:rPr>
+              <a:t>return</a:t>
+            </a:r>
+            <a:r>
+              <a:rPr lang="pt-BR" sz="2000" dirty="0">
+                <a:latin typeface="Times New Roman" panose="02020603050405020304" pitchFamily="18" charset="0"/>
+                <a:cs typeface="Times New Roman" panose="02020603050405020304" pitchFamily="18" charset="0"/>
+              </a:rPr>
+              <a:t> "</a:t>
+            </a:r>
+            <a:r>
+              <a:rPr lang="pt-BR" sz="2000" dirty="0" err="1">
+                <a:latin typeface="Times New Roman" panose="02020603050405020304" pitchFamily="18" charset="0"/>
+                <a:cs typeface="Times New Roman" panose="02020603050405020304" pitchFamily="18" charset="0"/>
+              </a:rPr>
+              <a:t>Woof</a:t>
+            </a:r>
+            <a:r>
+              <a:rPr lang="pt-BR" sz="2000" dirty="0">
+                <a:latin typeface="Times New Roman" panose="02020603050405020304" pitchFamily="18" charset="0"/>
+                <a:cs typeface="Times New Roman" panose="02020603050405020304" pitchFamily="18" charset="0"/>
+              </a:rPr>
+              <a:t>!"</a:t>
+            </a:r>
+          </a:p>
+        </p:txBody>
+      </p:sp>
+      <p:sp>
+        <p:nvSpPr>
+          <p:cNvPr id="3" name="CaixaDeTexto 2">
+            <a:extLst>
+              <a:ext uri="{FF2B5EF4-FFF2-40B4-BE49-F238E27FC236}">
+                <a16:creationId xmlns:a16="http://schemas.microsoft.com/office/drawing/2014/main" id="{3C8037DF-F30F-9580-F1C8-039B9EB3DC01}"/>
+              </a:ext>
+            </a:extLst>
+          </p:cNvPr>
+          <p:cNvSpPr txBox="1"/>
+          <p:nvPr/>
+        </p:nvSpPr>
+        <p:spPr>
+          <a:xfrm>
+            <a:off x="4894413" y="1225887"/>
+            <a:ext cx="3127075" cy="2031325"/>
+          </a:xfrm>
+          <a:prstGeom prst="rect">
+            <a:avLst/>
+          </a:prstGeom>
+          <a:noFill/>
+        </p:spPr>
+        <p:txBody>
+          <a:bodyPr wrap="square">
+            <a:spAutoFit/>
+          </a:bodyPr>
+          <a:lstStyle/>
+          <a:p>
+            <a:pPr marL="0" indent="0" algn="just">
+              <a:buNone/>
+            </a:pPr>
+            <a:r>
+              <a:rPr lang="pt-BR" sz="1800" b="1" dirty="0" err="1">
+                <a:latin typeface="Times New Roman" panose="02020603050405020304" pitchFamily="18" charset="0"/>
+                <a:cs typeface="Times New Roman" panose="02020603050405020304" pitchFamily="18" charset="0"/>
+              </a:rPr>
+              <a:t>class</a:t>
+            </a:r>
+            <a:r>
+              <a:rPr lang="pt-BR" sz="1800" dirty="0">
+                <a:latin typeface="Times New Roman" panose="02020603050405020304" pitchFamily="18" charset="0"/>
+                <a:cs typeface="Times New Roman" panose="02020603050405020304" pitchFamily="18" charset="0"/>
+              </a:rPr>
+              <a:t> Gato(</a:t>
+            </a:r>
+            <a:r>
+              <a:rPr lang="pt-BR" sz="1800" b="1" dirty="0">
                 <a:solidFill>
                   <a:srgbClr val="FF0000"/>
                 </a:solidFill>
                 <a:latin typeface="Times New Roman" panose="02020603050405020304" pitchFamily="18" charset="0"/>
                 <a:cs typeface="Times New Roman" panose="02020603050405020304" pitchFamily="18" charset="0"/>
               </a:rPr>
-              <a:t>superclasse</a:t>
-            </a:r>
-            <a:r>
-              <a:rPr lang="pt-BR" sz="2000" dirty="0">
-                <a:latin typeface="Times New Roman" panose="02020603050405020304" pitchFamily="18" charset="0"/>
-                <a:cs typeface="Times New Roman" panose="02020603050405020304" pitchFamily="18" charset="0"/>
-              </a:rPr>
-              <a:t>. Dizemos que o método da subclasse fez uma </a:t>
-            </a:r>
-            <a:r>
-              <a:rPr lang="pt-BR" sz="2000" b="1" dirty="0">
-                <a:latin typeface="Times New Roman" panose="02020603050405020304" pitchFamily="18" charset="0"/>
-                <a:cs typeface="Times New Roman" panose="02020603050405020304" pitchFamily="18" charset="0"/>
-              </a:rPr>
-              <a:t>sobreposição</a:t>
-            </a:r>
-            <a:r>
-              <a:rPr lang="pt-BR" sz="2000" dirty="0">
-                <a:latin typeface="Times New Roman" panose="02020603050405020304" pitchFamily="18" charset="0"/>
-                <a:cs typeface="Times New Roman" panose="02020603050405020304" pitchFamily="18" charset="0"/>
-              </a:rPr>
-              <a:t>, ele sobrepôs, passou por cima, do </a:t>
-            </a:r>
-            <a:r>
-              <a:rPr lang="pt-BR" sz="2000" b="1" dirty="0">
-                <a:latin typeface="Times New Roman" panose="02020603050405020304" pitchFamily="18" charset="0"/>
-                <a:cs typeface="Times New Roman" panose="02020603050405020304" pitchFamily="18" charset="0"/>
-              </a:rPr>
-              <a:t>método da superclasse</a:t>
-            </a:r>
-            <a:r>
-              <a:rPr lang="pt-BR" sz="2000" dirty="0">
-                <a:latin typeface="Times New Roman" panose="02020603050405020304" pitchFamily="18" charset="0"/>
-                <a:cs typeface="Times New Roman" panose="02020603050405020304" pitchFamily="18" charset="0"/>
-              </a:rPr>
-              <a:t>.</a:t>
+              <a:t>Animal</a:t>
+            </a:r>
+            <a:r>
+              <a:rPr lang="pt-BR" sz="1800" dirty="0">
+                <a:latin typeface="Times New Roman" panose="02020603050405020304" pitchFamily="18" charset="0"/>
+                <a:cs typeface="Times New Roman" panose="02020603050405020304" pitchFamily="18" charset="0"/>
+              </a:rPr>
+              <a:t>):</a:t>
+            </a:r>
+          </a:p>
+          <a:p>
+            <a:pPr marL="0" indent="0" algn="just">
+              <a:buNone/>
+            </a:pPr>
+            <a:r>
+              <a:rPr lang="pt-BR" sz="1800" dirty="0">
+                <a:latin typeface="Times New Roman" panose="02020603050405020304" pitchFamily="18" charset="0"/>
+                <a:cs typeface="Times New Roman" panose="02020603050405020304" pitchFamily="18" charset="0"/>
+              </a:rPr>
+              <a:t>    </a:t>
+            </a:r>
+            <a:r>
+              <a:rPr lang="pt-BR" sz="1800" dirty="0" err="1">
+                <a:latin typeface="Times New Roman" panose="02020603050405020304" pitchFamily="18" charset="0"/>
+                <a:cs typeface="Times New Roman" panose="02020603050405020304" pitchFamily="18" charset="0"/>
+              </a:rPr>
+              <a:t>def</a:t>
+            </a:r>
+            <a:r>
+              <a:rPr lang="pt-BR" sz="1800" dirty="0">
+                <a:latin typeface="Times New Roman" panose="02020603050405020304" pitchFamily="18" charset="0"/>
+                <a:cs typeface="Times New Roman" panose="02020603050405020304" pitchFamily="18" charset="0"/>
+              </a:rPr>
+              <a:t> falar(self):</a:t>
+            </a:r>
+          </a:p>
+          <a:p>
+            <a:pPr marL="0" indent="0" algn="just">
+              <a:buNone/>
+            </a:pPr>
+            <a:r>
+              <a:rPr lang="pt-BR" sz="1800" dirty="0">
+                <a:latin typeface="Times New Roman" panose="02020603050405020304" pitchFamily="18" charset="0"/>
+                <a:cs typeface="Times New Roman" panose="02020603050405020304" pitchFamily="18" charset="0"/>
+              </a:rPr>
+              <a:t>        </a:t>
+            </a:r>
+            <a:r>
+              <a:rPr lang="pt-BR" sz="1800" dirty="0" err="1">
+                <a:latin typeface="Times New Roman" panose="02020603050405020304" pitchFamily="18" charset="0"/>
+                <a:cs typeface="Times New Roman" panose="02020603050405020304" pitchFamily="18" charset="0"/>
+              </a:rPr>
+              <a:t>return</a:t>
+            </a:r>
+            <a:r>
+              <a:rPr lang="pt-BR" sz="1800" dirty="0">
+                <a:latin typeface="Times New Roman" panose="02020603050405020304" pitchFamily="18" charset="0"/>
+                <a:cs typeface="Times New Roman" panose="02020603050405020304" pitchFamily="18" charset="0"/>
+              </a:rPr>
+              <a:t> "</a:t>
+            </a:r>
+            <a:r>
+              <a:rPr lang="pt-BR" sz="1800" dirty="0" err="1">
+                <a:latin typeface="Times New Roman" panose="02020603050405020304" pitchFamily="18" charset="0"/>
+                <a:cs typeface="Times New Roman" panose="02020603050405020304" pitchFamily="18" charset="0"/>
+              </a:rPr>
+              <a:t>Meow</a:t>
+            </a:r>
+            <a:r>
+              <a:rPr lang="pt-BR" sz="1800" dirty="0">
+                <a:latin typeface="Times New Roman" panose="02020603050405020304" pitchFamily="18" charset="0"/>
+                <a:cs typeface="Times New Roman" panose="02020603050405020304" pitchFamily="18" charset="0"/>
+              </a:rPr>
+              <a:t>!"</a:t>
+            </a:r>
+          </a:p>
+          <a:p>
+            <a:pPr marL="0" indent="0" algn="just">
+              <a:buNone/>
+            </a:pPr>
+            <a:endParaRPr lang="pt-BR" sz="1800" dirty="0">
+              <a:latin typeface="Times New Roman" panose="02020603050405020304" pitchFamily="18" charset="0"/>
+              <a:cs typeface="Times New Roman" panose="02020603050405020304" pitchFamily="18" charset="0"/>
+            </a:endParaRPr>
+          </a:p>
+          <a:p>
+            <a:pPr marL="0" indent="0" algn="just">
+              <a:buNone/>
+            </a:pPr>
+            <a:r>
+              <a:rPr lang="pt-BR" sz="1800" b="1" dirty="0" err="1">
+                <a:latin typeface="Times New Roman" panose="02020603050405020304" pitchFamily="18" charset="0"/>
+                <a:cs typeface="Times New Roman" panose="02020603050405020304" pitchFamily="18" charset="0"/>
+              </a:rPr>
+              <a:t>class</a:t>
+            </a:r>
+            <a:r>
+              <a:rPr lang="pt-BR" sz="1800" dirty="0">
+                <a:latin typeface="Times New Roman" panose="02020603050405020304" pitchFamily="18" charset="0"/>
+                <a:cs typeface="Times New Roman" panose="02020603050405020304" pitchFamily="18" charset="0"/>
+              </a:rPr>
+              <a:t> Pato(</a:t>
+            </a:r>
+            <a:r>
+              <a:rPr lang="pt-BR" sz="1800" b="1" dirty="0">
+                <a:solidFill>
+                  <a:srgbClr val="FF0000"/>
+                </a:solidFill>
+                <a:latin typeface="Times New Roman" panose="02020603050405020304" pitchFamily="18" charset="0"/>
+                <a:cs typeface="Times New Roman" panose="02020603050405020304" pitchFamily="18" charset="0"/>
+              </a:rPr>
+              <a:t>Animal</a:t>
+            </a:r>
+            <a:r>
+              <a:rPr lang="pt-BR" sz="1800" dirty="0">
+                <a:latin typeface="Times New Roman" panose="02020603050405020304" pitchFamily="18" charset="0"/>
+                <a:cs typeface="Times New Roman" panose="02020603050405020304" pitchFamily="18" charset="0"/>
+              </a:rPr>
+              <a:t>):</a:t>
+            </a:r>
+          </a:p>
+          <a:p>
+            <a:pPr marL="0" indent="0" algn="just">
+              <a:buNone/>
+            </a:pPr>
+            <a:r>
+              <a:rPr lang="pt-BR" sz="1800" dirty="0">
+                <a:latin typeface="Times New Roman" panose="02020603050405020304" pitchFamily="18" charset="0"/>
+                <a:cs typeface="Times New Roman" panose="02020603050405020304" pitchFamily="18" charset="0"/>
+              </a:rPr>
+              <a:t>    </a:t>
+            </a:r>
+            <a:r>
+              <a:rPr lang="pt-BR" sz="1800" dirty="0" err="1">
+                <a:latin typeface="Times New Roman" panose="02020603050405020304" pitchFamily="18" charset="0"/>
+                <a:cs typeface="Times New Roman" panose="02020603050405020304" pitchFamily="18" charset="0"/>
+              </a:rPr>
+              <a:t>def</a:t>
+            </a:r>
+            <a:r>
+              <a:rPr lang="pt-BR" sz="1800" dirty="0">
+                <a:latin typeface="Times New Roman" panose="02020603050405020304" pitchFamily="18" charset="0"/>
+                <a:cs typeface="Times New Roman" panose="02020603050405020304" pitchFamily="18" charset="0"/>
+              </a:rPr>
+              <a:t> falar(self):</a:t>
+            </a:r>
+          </a:p>
+          <a:p>
+            <a:pPr marL="0" indent="0" algn="just">
+              <a:buNone/>
+            </a:pPr>
+            <a:r>
+              <a:rPr lang="pt-BR" sz="1800" dirty="0">
+                <a:latin typeface="Times New Roman" panose="02020603050405020304" pitchFamily="18" charset="0"/>
+                <a:cs typeface="Times New Roman" panose="02020603050405020304" pitchFamily="18" charset="0"/>
+              </a:rPr>
+              <a:t>        </a:t>
+            </a:r>
+            <a:r>
+              <a:rPr lang="pt-BR" sz="1800" dirty="0" err="1">
+                <a:latin typeface="Times New Roman" panose="02020603050405020304" pitchFamily="18" charset="0"/>
+                <a:cs typeface="Times New Roman" panose="02020603050405020304" pitchFamily="18" charset="0"/>
+              </a:rPr>
+              <a:t>return</a:t>
+            </a:r>
+            <a:r>
+              <a:rPr lang="pt-BR" sz="1800" dirty="0">
+                <a:latin typeface="Times New Roman" panose="02020603050405020304" pitchFamily="18" charset="0"/>
+                <a:cs typeface="Times New Roman" panose="02020603050405020304" pitchFamily="18" charset="0"/>
+              </a:rPr>
+              <a:t> "</a:t>
+            </a:r>
+            <a:r>
+              <a:rPr lang="pt-BR" sz="1800" dirty="0" err="1">
+                <a:latin typeface="Times New Roman" panose="02020603050405020304" pitchFamily="18" charset="0"/>
+                <a:cs typeface="Times New Roman" panose="02020603050405020304" pitchFamily="18" charset="0"/>
+              </a:rPr>
+              <a:t>Quack</a:t>
+            </a:r>
+            <a:r>
+              <a:rPr lang="pt-BR" sz="1800" dirty="0">
+                <a:latin typeface="Times New Roman" panose="02020603050405020304" pitchFamily="18" charset="0"/>
+                <a:cs typeface="Times New Roman" panose="02020603050405020304" pitchFamily="18" charset="0"/>
+              </a:rPr>
+              <a:t>!"</a:t>
             </a:r>
           </a:p>
         </p:txBody>
@@ -14006,7 +14647,7 @@
     </p:spTree>
     <p:extLst>
       <p:ext uri="{BB962C8B-B14F-4D97-AF65-F5344CB8AC3E}">
-        <p14:creationId xmlns:p14="http://schemas.microsoft.com/office/powerpoint/2010/main" val="1451181704"/>
+        <p14:creationId xmlns:p14="http://schemas.microsoft.com/office/powerpoint/2010/main" val="2016916907"/>
       </p:ext>
     </p:extLst>
   </p:cSld>
@@ -14063,7 +14704,18 @@
                   <a:srgbClr val="0070C0"/>
                 </a:solidFill>
               </a:rPr>
-              <a:t>Python – CLASSES E OO POLIMORFISMO EXEMPLO</a:t>
+              <a:t>Python – CLASSES E OO POLIMORFISMO </a:t>
+            </a:r>
+            <a:r>
+              <a:rPr lang="en-US" b="1" dirty="0">
+                <a:solidFill>
+                  <a:srgbClr val="0070C0"/>
+                </a:solidFill>
+                <a:highlight>
+                  <a:srgbClr val="FFFF00"/>
+                </a:highlight>
+              </a:rPr>
+              <a:t>OVERRIDE</a:t>
             </a:r>
           </a:p>
         </p:txBody>
@@ -14080,7 +14732,7 @@
         </p:nvSpPr>
         <p:spPr>
           <a:xfrm>
-            <a:off x="142865" y="1152394"/>
+            <a:off x="142865" y="1076194"/>
             <a:ext cx="8865056" cy="3948048"/>
           </a:xfrm>
         </p:spPr>
@@ -14094,47 +14746,61 @@
               <a:buNone/>
             </a:pPr>
             <a:r>
-              <a:rPr lang="en-US" sz="1600" b="1" dirty="0">
-                <a:highlight>
-                  <a:srgbClr val="FFFF00"/>
-                </a:highlight>
-                <a:latin typeface="Times New Roman" panose="02020603050405020304" pitchFamily="18" charset="0"/>
-                <a:cs typeface="Times New Roman" panose="02020603050405020304" pitchFamily="18" charset="0"/>
-              </a:rPr>
-              <a:t>class</a:t>
-            </a:r>
-            <a:r>
-              <a:rPr lang="en-US" sz="1600" dirty="0">
-                <a:highlight>
-                  <a:srgbClr val="FFFF00"/>
-                </a:highlight>
+              <a:rPr lang="pt-BR" sz="2000" dirty="0">
+                <a:latin typeface="Times New Roman" panose="02020603050405020304" pitchFamily="18" charset="0"/>
+                <a:cs typeface="Times New Roman" panose="02020603050405020304" pitchFamily="18" charset="0"/>
+              </a:rPr>
+              <a:t># Função que usa o polimorfismo</a:t>
+            </a:r>
+          </a:p>
+          <a:p>
+            <a:pPr marL="0" indent="0" algn="just">
+              <a:buNone/>
+            </a:pPr>
+            <a:r>
+              <a:rPr lang="pt-BR" sz="2000" dirty="0" err="1">
+                <a:latin typeface="Times New Roman" panose="02020603050405020304" pitchFamily="18" charset="0"/>
+                <a:cs typeface="Times New Roman" panose="02020603050405020304" pitchFamily="18" charset="0"/>
+              </a:rPr>
+              <a:t>def</a:t>
+            </a:r>
+            <a:r>
+              <a:rPr lang="pt-BR" sz="2000" dirty="0">
                 <a:latin typeface="Times New Roman" panose="02020603050405020304" pitchFamily="18" charset="0"/>
                 <a:cs typeface="Times New Roman" panose="02020603050405020304" pitchFamily="18" charset="0"/>
               </a:rPr>
               <a:t> </a:t>
             </a:r>
             <a:r>
-              <a:rPr lang="en-US" sz="1600" b="1" dirty="0">
+              <a:rPr lang="pt-BR" sz="2000" b="1" dirty="0" err="1">
+                <a:latin typeface="Times New Roman" panose="02020603050405020304" pitchFamily="18" charset="0"/>
+                <a:cs typeface="Times New Roman" panose="02020603050405020304" pitchFamily="18" charset="0"/>
+              </a:rPr>
+              <a:t>fazer_o_animal_falar</a:t>
+            </a:r>
+            <a:r>
+              <a:rPr lang="pt-BR" sz="2000" dirty="0">
+                <a:latin typeface="Times New Roman" panose="02020603050405020304" pitchFamily="18" charset="0"/>
+                <a:cs typeface="Times New Roman" panose="02020603050405020304" pitchFamily="18" charset="0"/>
+              </a:rPr>
+              <a:t>(</a:t>
+            </a:r>
+            <a:r>
+              <a:rPr lang="pt-BR" sz="2000" b="1" dirty="0">
                 <a:solidFill>
                   <a:srgbClr val="FF0000"/>
                 </a:solidFill>
-                <a:highlight>
-                  <a:srgbClr val="FFFF00"/>
-                </a:highlight>
-                <a:latin typeface="Times New Roman" panose="02020603050405020304" pitchFamily="18" charset="0"/>
-                <a:cs typeface="Times New Roman" panose="02020603050405020304" pitchFamily="18" charset="0"/>
-              </a:rPr>
-              <a:t>Super</a:t>
-            </a:r>
-            <a:r>
-              <a:rPr lang="en-US" sz="1600" dirty="0">
-                <a:highlight>
-                  <a:srgbClr val="FFFF00"/>
-                </a:highlight>
-                <a:latin typeface="Times New Roman" panose="02020603050405020304" pitchFamily="18" charset="0"/>
-                <a:cs typeface="Times New Roman" panose="02020603050405020304" pitchFamily="18" charset="0"/>
-              </a:rPr>
-              <a:t>:</a:t>
+                <a:latin typeface="Times New Roman" panose="02020603050405020304" pitchFamily="18" charset="0"/>
+                <a:cs typeface="Times New Roman" panose="02020603050405020304" pitchFamily="18" charset="0"/>
+              </a:rPr>
+              <a:t>animal</a:t>
+            </a:r>
+            <a:r>
+              <a:rPr lang="pt-BR" sz="2000" dirty="0">
+                <a:latin typeface="Times New Roman" panose="02020603050405020304" pitchFamily="18" charset="0"/>
+                <a:cs typeface="Times New Roman" panose="02020603050405020304" pitchFamily="18" charset="0"/>
+              </a:rPr>
+              <a:t>):</a:t>
             </a:r>
           </a:p>
           <a:p>
@@ -14142,529 +14808,294 @@
               <a:buNone/>
             </a:pPr>
             <a:r>
-              <a:rPr lang="en-US" sz="1600" b="1" dirty="0">
-                <a:highlight>
-                  <a:srgbClr val="FFFF00"/>
-                </a:highlight>
-                <a:latin typeface="Times New Roman" panose="02020603050405020304" pitchFamily="18" charset="0"/>
-                <a:cs typeface="Times New Roman" panose="02020603050405020304" pitchFamily="18" charset="0"/>
-              </a:rPr>
-              <a:t> def</a:t>
-            </a:r>
-            <a:r>
-              <a:rPr lang="en-US" sz="1600" dirty="0">
-                <a:highlight>
-                  <a:srgbClr val="FFFF00"/>
-                </a:highlight>
-                <a:latin typeface="Times New Roman" panose="02020603050405020304" pitchFamily="18" charset="0"/>
-                <a:cs typeface="Times New Roman" panose="02020603050405020304" pitchFamily="18" charset="0"/>
-              </a:rPr>
-              <a:t> hello(</a:t>
-            </a:r>
-            <a:r>
-              <a:rPr lang="en-US" sz="1600" b="1" dirty="0">
-                <a:highlight>
-                  <a:srgbClr val="FFFF00"/>
-                </a:highlight>
-                <a:latin typeface="Times New Roman" panose="02020603050405020304" pitchFamily="18" charset="0"/>
-                <a:cs typeface="Times New Roman" panose="02020603050405020304" pitchFamily="18" charset="0"/>
-              </a:rPr>
-              <a:t>self</a:t>
-            </a:r>
-            <a:r>
-              <a:rPr lang="en-US" sz="1600" dirty="0">
-                <a:highlight>
-                  <a:srgbClr val="FFFF00"/>
-                </a:highlight>
-                <a:latin typeface="Times New Roman" panose="02020603050405020304" pitchFamily="18" charset="0"/>
-                <a:cs typeface="Times New Roman" panose="02020603050405020304" pitchFamily="18" charset="0"/>
-              </a:rPr>
-              <a:t>):</a:t>
+              <a:rPr lang="pt-BR" sz="2000" dirty="0">
+                <a:latin typeface="Times New Roman" panose="02020603050405020304" pitchFamily="18" charset="0"/>
+                <a:cs typeface="Times New Roman" panose="02020603050405020304" pitchFamily="18" charset="0"/>
+              </a:rPr>
+              <a:t>    print(</a:t>
+            </a:r>
+            <a:r>
+              <a:rPr lang="pt-BR" sz="2000" dirty="0" err="1">
+                <a:latin typeface="Times New Roman" panose="02020603050405020304" pitchFamily="18" charset="0"/>
+                <a:cs typeface="Times New Roman" panose="02020603050405020304" pitchFamily="18" charset="0"/>
+              </a:rPr>
+              <a:t>animal.falar</a:t>
+            </a:r>
+            <a:r>
+              <a:rPr lang="pt-BR" sz="2000" dirty="0">
+                <a:latin typeface="Times New Roman" panose="02020603050405020304" pitchFamily="18" charset="0"/>
+                <a:cs typeface="Times New Roman" panose="02020603050405020304" pitchFamily="18" charset="0"/>
+              </a:rPr>
+              <a:t>())</a:t>
             </a:r>
           </a:p>
           <a:p>
             <a:pPr marL="0" indent="0" algn="just">
               <a:buNone/>
             </a:pPr>
-            <a:r>
-              <a:rPr lang="en-US" sz="1600" dirty="0">
-                <a:highlight>
-                  <a:srgbClr val="FFFF00"/>
-                </a:highlight>
-                <a:latin typeface="Times New Roman" panose="02020603050405020304" pitchFamily="18" charset="0"/>
-                <a:cs typeface="Times New Roman" panose="02020603050405020304" pitchFamily="18" charset="0"/>
-              </a:rPr>
-              <a:t>    </a:t>
-            </a:r>
-            <a:r>
-              <a:rPr lang="en-US" sz="1600" b="1" dirty="0">
-                <a:highlight>
-                  <a:srgbClr val="FFFF00"/>
-                </a:highlight>
-                <a:latin typeface="Times New Roman" panose="02020603050405020304" pitchFamily="18" charset="0"/>
-                <a:cs typeface="Times New Roman" panose="02020603050405020304" pitchFamily="18" charset="0"/>
-              </a:rPr>
-              <a:t>print</a:t>
-            </a:r>
-            <a:r>
-              <a:rPr lang="en-US" sz="1600" dirty="0">
-                <a:highlight>
-                  <a:srgbClr val="FFFF00"/>
-                </a:highlight>
-                <a:latin typeface="Times New Roman" panose="02020603050405020304" pitchFamily="18" charset="0"/>
-                <a:cs typeface="Times New Roman" panose="02020603050405020304" pitchFamily="18" charset="0"/>
-              </a:rPr>
-              <a:t>("</a:t>
-            </a:r>
-            <a:r>
-              <a:rPr lang="en-US" sz="1600" dirty="0" err="1">
-                <a:highlight>
-                  <a:srgbClr val="FFFF00"/>
-                </a:highlight>
-                <a:latin typeface="Times New Roman" panose="02020603050405020304" pitchFamily="18" charset="0"/>
-                <a:cs typeface="Times New Roman" panose="02020603050405020304" pitchFamily="18" charset="0"/>
-              </a:rPr>
-              <a:t>Olá</a:t>
-            </a:r>
-            <a:r>
-              <a:rPr lang="en-US" sz="1600" dirty="0">
-                <a:highlight>
-                  <a:srgbClr val="FFFF00"/>
-                </a:highlight>
-                <a:latin typeface="Times New Roman" panose="02020603050405020304" pitchFamily="18" charset="0"/>
-                <a:cs typeface="Times New Roman" panose="02020603050405020304" pitchFamily="18" charset="0"/>
-              </a:rPr>
-              <a:t>, sou a </a:t>
-            </a:r>
-            <a:r>
-              <a:rPr lang="en-US" sz="1600" dirty="0" err="1">
-                <a:highlight>
-                  <a:srgbClr val="FFFF00"/>
-                </a:highlight>
-                <a:latin typeface="Times New Roman" panose="02020603050405020304" pitchFamily="18" charset="0"/>
-                <a:cs typeface="Times New Roman" panose="02020603050405020304" pitchFamily="18" charset="0"/>
-              </a:rPr>
-              <a:t>superclasse</a:t>
-            </a:r>
-            <a:r>
-              <a:rPr lang="en-US" sz="1600" dirty="0">
-                <a:highlight>
-                  <a:srgbClr val="FFFF00"/>
-                </a:highlight>
-                <a:latin typeface="Times New Roman" panose="02020603050405020304" pitchFamily="18" charset="0"/>
-                <a:cs typeface="Times New Roman" panose="02020603050405020304" pitchFamily="18" charset="0"/>
-              </a:rPr>
-              <a:t>!")</a:t>
-            </a:r>
-          </a:p>
-          <a:p>
-            <a:pPr marL="0" indent="0" algn="just">
-              <a:buNone/>
-            </a:pPr>
-            <a:r>
-              <a:rPr lang="en-US" sz="1600" b="1" dirty="0">
-                <a:highlight>
-                  <a:srgbClr val="00FF00"/>
-                </a:highlight>
-                <a:latin typeface="Times New Roman" panose="02020603050405020304" pitchFamily="18" charset="0"/>
-                <a:cs typeface="Times New Roman" panose="02020603050405020304" pitchFamily="18" charset="0"/>
-              </a:rPr>
-              <a:t>class</a:t>
-            </a:r>
-            <a:r>
-              <a:rPr lang="en-US" sz="1600" dirty="0">
-                <a:highlight>
-                  <a:srgbClr val="00FF00"/>
-                </a:highlight>
-                <a:latin typeface="Times New Roman" panose="02020603050405020304" pitchFamily="18" charset="0"/>
-                <a:cs typeface="Times New Roman" panose="02020603050405020304" pitchFamily="18" charset="0"/>
-              </a:rPr>
-              <a:t> </a:t>
-            </a:r>
-            <a:r>
-              <a:rPr lang="en-US" sz="1600" b="1" dirty="0">
-                <a:highlight>
-                  <a:srgbClr val="00FF00"/>
-                </a:highlight>
-                <a:latin typeface="Times New Roman" panose="02020603050405020304" pitchFamily="18" charset="0"/>
-                <a:cs typeface="Times New Roman" panose="02020603050405020304" pitchFamily="18" charset="0"/>
-              </a:rPr>
-              <a:t>Sub</a:t>
-            </a:r>
-            <a:r>
-              <a:rPr lang="en-US" sz="1600" dirty="0">
-                <a:highlight>
-                  <a:srgbClr val="00FF00"/>
-                </a:highlight>
-                <a:latin typeface="Times New Roman" panose="02020603050405020304" pitchFamily="18" charset="0"/>
-                <a:cs typeface="Times New Roman" panose="02020603050405020304" pitchFamily="18" charset="0"/>
-              </a:rPr>
-              <a:t> (</a:t>
-            </a:r>
-            <a:r>
-              <a:rPr lang="en-US" sz="1600" b="1" dirty="0">
-                <a:solidFill>
-                  <a:srgbClr val="FF0000"/>
-                </a:solidFill>
-                <a:highlight>
-                  <a:srgbClr val="00FF00"/>
-                </a:highlight>
-                <a:latin typeface="Times New Roman" panose="02020603050405020304" pitchFamily="18" charset="0"/>
-                <a:cs typeface="Times New Roman" panose="02020603050405020304" pitchFamily="18" charset="0"/>
-              </a:rPr>
-              <a:t>Super</a:t>
-            </a:r>
-            <a:r>
-              <a:rPr lang="en-US" sz="1600" dirty="0">
-                <a:highlight>
-                  <a:srgbClr val="00FF00"/>
-                </a:highlight>
-                <a:latin typeface="Times New Roman" panose="02020603050405020304" pitchFamily="18" charset="0"/>
-                <a:cs typeface="Times New Roman" panose="02020603050405020304" pitchFamily="18" charset="0"/>
-              </a:rPr>
-              <a:t>):</a:t>
-            </a:r>
-          </a:p>
-          <a:p>
-            <a:pPr marL="0" indent="0" algn="just">
-              <a:buNone/>
-            </a:pPr>
-            <a:r>
-              <a:rPr lang="en-US" sz="1600" b="1" dirty="0">
-                <a:highlight>
-                  <a:srgbClr val="00FF00"/>
-                </a:highlight>
-                <a:latin typeface="Times New Roman" panose="02020603050405020304" pitchFamily="18" charset="0"/>
-                <a:cs typeface="Times New Roman" panose="02020603050405020304" pitchFamily="18" charset="0"/>
-              </a:rPr>
-              <a:t>  def</a:t>
-            </a:r>
-            <a:r>
-              <a:rPr lang="en-US" sz="1600" dirty="0">
-                <a:highlight>
-                  <a:srgbClr val="00FF00"/>
-                </a:highlight>
-                <a:latin typeface="Times New Roman" panose="02020603050405020304" pitchFamily="18" charset="0"/>
-                <a:cs typeface="Times New Roman" panose="02020603050405020304" pitchFamily="18" charset="0"/>
-              </a:rPr>
-              <a:t> hello(self):</a:t>
-            </a:r>
-          </a:p>
-          <a:p>
-            <a:pPr marL="0" indent="0" algn="just">
-              <a:buNone/>
-            </a:pPr>
-            <a:r>
-              <a:rPr lang="en-US" sz="1600" b="1" dirty="0">
-                <a:highlight>
-                  <a:srgbClr val="00FF00"/>
-                </a:highlight>
-                <a:latin typeface="Times New Roman" panose="02020603050405020304" pitchFamily="18" charset="0"/>
-                <a:cs typeface="Times New Roman" panose="02020603050405020304" pitchFamily="18" charset="0"/>
-              </a:rPr>
-              <a:t>     print</a:t>
-            </a:r>
-            <a:r>
-              <a:rPr lang="en-US" sz="1600" dirty="0">
-                <a:highlight>
-                  <a:srgbClr val="00FF00"/>
-                </a:highlight>
-                <a:latin typeface="Times New Roman" panose="02020603050405020304" pitchFamily="18" charset="0"/>
-                <a:cs typeface="Times New Roman" panose="02020603050405020304" pitchFamily="18" charset="0"/>
-              </a:rPr>
-              <a:t>("</a:t>
-            </a:r>
-            <a:r>
-              <a:rPr lang="en-US" sz="1600" dirty="0" err="1">
-                <a:highlight>
-                  <a:srgbClr val="00FF00"/>
-                </a:highlight>
-                <a:latin typeface="Times New Roman" panose="02020603050405020304" pitchFamily="18" charset="0"/>
-                <a:cs typeface="Times New Roman" panose="02020603050405020304" pitchFamily="18" charset="0"/>
-              </a:rPr>
-              <a:t>Olá</a:t>
-            </a:r>
-            <a:r>
-              <a:rPr lang="en-US" sz="1600" dirty="0">
-                <a:highlight>
-                  <a:srgbClr val="00FF00"/>
-                </a:highlight>
-                <a:latin typeface="Times New Roman" panose="02020603050405020304" pitchFamily="18" charset="0"/>
-                <a:cs typeface="Times New Roman" panose="02020603050405020304" pitchFamily="18" charset="0"/>
-              </a:rPr>
-              <a:t>, sou a </a:t>
-            </a:r>
-            <a:r>
-              <a:rPr lang="en-US" sz="1600" dirty="0" err="1">
-                <a:highlight>
-                  <a:srgbClr val="00FF00"/>
-                </a:highlight>
-                <a:latin typeface="Times New Roman" panose="02020603050405020304" pitchFamily="18" charset="0"/>
-                <a:cs typeface="Times New Roman" panose="02020603050405020304" pitchFamily="18" charset="0"/>
-              </a:rPr>
-              <a:t>subclasse</a:t>
-            </a:r>
-            <a:r>
-              <a:rPr lang="en-US" sz="1600" dirty="0">
-                <a:highlight>
-                  <a:srgbClr val="00FF00"/>
-                </a:highlight>
-                <a:latin typeface="Times New Roman" panose="02020603050405020304" pitchFamily="18" charset="0"/>
-                <a:cs typeface="Times New Roman" panose="02020603050405020304" pitchFamily="18" charset="0"/>
-              </a:rPr>
-              <a:t>!")</a:t>
-            </a:r>
-          </a:p>
-          <a:p>
-            <a:pPr marL="0" indent="0" algn="just">
-              <a:buNone/>
-            </a:pPr>
-            <a:r>
-              <a:rPr lang="en-US" sz="1600" b="1" dirty="0">
-                <a:highlight>
-                  <a:srgbClr val="00FFFF"/>
-                </a:highlight>
-                <a:latin typeface="Times New Roman" panose="02020603050405020304" pitchFamily="18" charset="0"/>
-                <a:cs typeface="Times New Roman" panose="02020603050405020304" pitchFamily="18" charset="0"/>
-              </a:rPr>
-              <a:t>class</a:t>
-            </a:r>
-            <a:r>
-              <a:rPr lang="en-US" sz="1600" dirty="0">
-                <a:highlight>
-                  <a:srgbClr val="00FFFF"/>
-                </a:highlight>
-                <a:latin typeface="Times New Roman" panose="02020603050405020304" pitchFamily="18" charset="0"/>
-                <a:cs typeface="Times New Roman" panose="02020603050405020304" pitchFamily="18" charset="0"/>
-              </a:rPr>
-              <a:t> </a:t>
-            </a:r>
-            <a:r>
-              <a:rPr lang="en-US" sz="1600" b="1" dirty="0" err="1">
-                <a:solidFill>
-                  <a:srgbClr val="FF0000"/>
-                </a:solidFill>
-                <a:highlight>
-                  <a:srgbClr val="00FFFF"/>
-                </a:highlight>
-                <a:latin typeface="Times New Roman" panose="02020603050405020304" pitchFamily="18" charset="0"/>
-                <a:cs typeface="Times New Roman" panose="02020603050405020304" pitchFamily="18" charset="0"/>
-              </a:rPr>
-              <a:t>Subsub</a:t>
-            </a:r>
-            <a:r>
-              <a:rPr lang="en-US" sz="1600" dirty="0">
-                <a:highlight>
-                  <a:srgbClr val="00FFFF"/>
-                </a:highlight>
-                <a:latin typeface="Times New Roman" panose="02020603050405020304" pitchFamily="18" charset="0"/>
-                <a:cs typeface="Times New Roman" panose="02020603050405020304" pitchFamily="18" charset="0"/>
-              </a:rPr>
-              <a:t> (</a:t>
-            </a:r>
-            <a:r>
-              <a:rPr lang="en-US" sz="1600" b="1" dirty="0">
-                <a:highlight>
-                  <a:srgbClr val="00FFFF"/>
-                </a:highlight>
-                <a:latin typeface="Times New Roman" panose="02020603050405020304" pitchFamily="18" charset="0"/>
-                <a:cs typeface="Times New Roman" panose="02020603050405020304" pitchFamily="18" charset="0"/>
-              </a:rPr>
-              <a:t>Sub</a:t>
-            </a:r>
-            <a:r>
-              <a:rPr lang="en-US" sz="1600" dirty="0">
-                <a:highlight>
-                  <a:srgbClr val="00FFFF"/>
-                </a:highlight>
-                <a:latin typeface="Times New Roman" panose="02020603050405020304" pitchFamily="18" charset="0"/>
-                <a:cs typeface="Times New Roman" panose="02020603050405020304" pitchFamily="18" charset="0"/>
-              </a:rPr>
-              <a:t>):</a:t>
-            </a:r>
-          </a:p>
-          <a:p>
-            <a:pPr marL="0" indent="0" algn="just">
-              <a:buNone/>
-            </a:pPr>
-            <a:r>
-              <a:rPr lang="en-US" sz="1600" dirty="0">
-                <a:highlight>
-                  <a:srgbClr val="00FFFF"/>
-                </a:highlight>
-                <a:latin typeface="Times New Roman" panose="02020603050405020304" pitchFamily="18" charset="0"/>
-                <a:cs typeface="Times New Roman" panose="02020603050405020304" pitchFamily="18" charset="0"/>
-              </a:rPr>
-              <a:t>   </a:t>
-            </a:r>
-            <a:r>
-              <a:rPr lang="en-US" sz="1600" b="1" dirty="0">
-                <a:highlight>
-                  <a:srgbClr val="00FFFF"/>
-                </a:highlight>
-                <a:latin typeface="Times New Roman" panose="02020603050405020304" pitchFamily="18" charset="0"/>
-                <a:cs typeface="Times New Roman" panose="02020603050405020304" pitchFamily="18" charset="0"/>
-              </a:rPr>
-              <a:t>def</a:t>
-            </a:r>
-            <a:r>
-              <a:rPr lang="en-US" sz="1600" dirty="0">
-                <a:highlight>
-                  <a:srgbClr val="00FFFF"/>
-                </a:highlight>
-                <a:latin typeface="Times New Roman" panose="02020603050405020304" pitchFamily="18" charset="0"/>
-                <a:cs typeface="Times New Roman" panose="02020603050405020304" pitchFamily="18" charset="0"/>
-              </a:rPr>
-              <a:t> hello(self):</a:t>
-            </a:r>
-          </a:p>
-          <a:p>
-            <a:pPr marL="0" indent="0" algn="just">
-              <a:buNone/>
-            </a:pPr>
-            <a:r>
-              <a:rPr lang="en-US" sz="1600" b="1" dirty="0">
-                <a:highlight>
-                  <a:srgbClr val="00FFFF"/>
-                </a:highlight>
-                <a:latin typeface="Times New Roman" panose="02020603050405020304" pitchFamily="18" charset="0"/>
-                <a:cs typeface="Times New Roman" panose="02020603050405020304" pitchFamily="18" charset="0"/>
-              </a:rPr>
-              <a:t>       print</a:t>
-            </a:r>
-            <a:r>
-              <a:rPr lang="en-US" sz="1600" dirty="0">
-                <a:highlight>
-                  <a:srgbClr val="00FFFF"/>
-                </a:highlight>
-                <a:latin typeface="Times New Roman" panose="02020603050405020304" pitchFamily="18" charset="0"/>
-                <a:cs typeface="Times New Roman" panose="02020603050405020304" pitchFamily="18" charset="0"/>
-              </a:rPr>
-              <a:t>("</a:t>
-            </a:r>
-            <a:r>
-              <a:rPr lang="en-US" sz="1600" dirty="0" err="1">
-                <a:highlight>
-                  <a:srgbClr val="00FFFF"/>
-                </a:highlight>
-                <a:latin typeface="Times New Roman" panose="02020603050405020304" pitchFamily="18" charset="0"/>
-                <a:cs typeface="Times New Roman" panose="02020603050405020304" pitchFamily="18" charset="0"/>
-              </a:rPr>
-              <a:t>Olá</a:t>
-            </a:r>
-            <a:r>
-              <a:rPr lang="en-US" sz="1600" dirty="0">
-                <a:highlight>
-                  <a:srgbClr val="00FFFF"/>
-                </a:highlight>
-                <a:latin typeface="Times New Roman" panose="02020603050405020304" pitchFamily="18" charset="0"/>
-                <a:cs typeface="Times New Roman" panose="02020603050405020304" pitchFamily="18" charset="0"/>
-              </a:rPr>
-              <a:t>, sou a </a:t>
-            </a:r>
-            <a:r>
-              <a:rPr lang="en-US" sz="1600" dirty="0" err="1">
-                <a:highlight>
-                  <a:srgbClr val="00FFFF"/>
-                </a:highlight>
-                <a:latin typeface="Times New Roman" panose="02020603050405020304" pitchFamily="18" charset="0"/>
-                <a:cs typeface="Times New Roman" panose="02020603050405020304" pitchFamily="18" charset="0"/>
-              </a:rPr>
-              <a:t>subsubclasse</a:t>
-            </a:r>
-            <a:r>
-              <a:rPr lang="en-US" sz="1600" dirty="0">
-                <a:highlight>
-                  <a:srgbClr val="00FFFF"/>
-                </a:highlight>
-                <a:latin typeface="Times New Roman" panose="02020603050405020304" pitchFamily="18" charset="0"/>
-                <a:cs typeface="Times New Roman" panose="02020603050405020304" pitchFamily="18" charset="0"/>
-              </a:rPr>
-              <a:t>!")</a:t>
-            </a:r>
-          </a:p>
-          <a:p>
-            <a:pPr marL="0" indent="0" algn="just">
-              <a:buNone/>
-            </a:pPr>
-            <a:r>
-              <a:rPr lang="en-US" sz="1600" b="1" dirty="0">
-                <a:latin typeface="Times New Roman" panose="02020603050405020304" pitchFamily="18" charset="0"/>
-                <a:cs typeface="Times New Roman" panose="02020603050405020304" pitchFamily="18" charset="0"/>
-              </a:rPr>
-              <a:t>teste</a:t>
-            </a:r>
-            <a:r>
-              <a:rPr lang="en-US" sz="1600" dirty="0">
-                <a:latin typeface="Times New Roman" panose="02020603050405020304" pitchFamily="18" charset="0"/>
-                <a:cs typeface="Times New Roman" panose="02020603050405020304" pitchFamily="18" charset="0"/>
-              </a:rPr>
-              <a:t> = </a:t>
-            </a:r>
-            <a:r>
-              <a:rPr lang="en-US" sz="1600" b="1" dirty="0" err="1">
-                <a:highlight>
-                  <a:srgbClr val="00FFFF"/>
-                </a:highlight>
-                <a:latin typeface="Times New Roman" panose="02020603050405020304" pitchFamily="18" charset="0"/>
-                <a:cs typeface="Times New Roman" panose="02020603050405020304" pitchFamily="18" charset="0"/>
-              </a:rPr>
-              <a:t>Subsub</a:t>
-            </a:r>
-            <a:r>
-              <a:rPr lang="en-US" sz="1600" dirty="0">
-                <a:latin typeface="Times New Roman" panose="02020603050405020304" pitchFamily="18" charset="0"/>
-                <a:cs typeface="Times New Roman" panose="02020603050405020304" pitchFamily="18" charset="0"/>
-              </a:rPr>
-              <a:t>()</a:t>
-            </a:r>
-          </a:p>
-          <a:p>
-            <a:pPr marL="0" indent="0" algn="just">
-              <a:buNone/>
-            </a:pPr>
-            <a:r>
-              <a:rPr lang="en-US" sz="1600" b="1" dirty="0" err="1">
-                <a:latin typeface="Times New Roman" panose="02020603050405020304" pitchFamily="18" charset="0"/>
-                <a:cs typeface="Times New Roman" panose="02020603050405020304" pitchFamily="18" charset="0"/>
-              </a:rPr>
-              <a:t>teste</a:t>
-            </a:r>
-            <a:r>
-              <a:rPr lang="en-US" sz="1600" dirty="0" err="1">
-                <a:latin typeface="Times New Roman" panose="02020603050405020304" pitchFamily="18" charset="0"/>
-                <a:cs typeface="Times New Roman" panose="02020603050405020304" pitchFamily="18" charset="0"/>
-              </a:rPr>
-              <a:t>.</a:t>
-            </a:r>
-            <a:r>
-              <a:rPr lang="en-US" sz="1600" b="1" dirty="0" err="1">
-                <a:solidFill>
-                  <a:srgbClr val="FF0000"/>
-                </a:solidFill>
-                <a:latin typeface="Times New Roman" panose="02020603050405020304" pitchFamily="18" charset="0"/>
-                <a:cs typeface="Times New Roman" panose="02020603050405020304" pitchFamily="18" charset="0"/>
-              </a:rPr>
-              <a:t>hello</a:t>
-            </a:r>
-            <a:r>
-              <a:rPr lang="en-US" sz="1600" dirty="0">
-                <a:latin typeface="Times New Roman" panose="02020603050405020304" pitchFamily="18" charset="0"/>
-                <a:cs typeface="Times New Roman" panose="02020603050405020304" pitchFamily="18" charset="0"/>
-              </a:rPr>
-              <a:t>()</a:t>
-            </a:r>
-            <a:endParaRPr lang="pt-BR" sz="1600" dirty="0">
+            <a:endParaRPr lang="pt-BR" sz="2000" dirty="0">
               <a:latin typeface="Times New Roman" panose="02020603050405020304" pitchFamily="18" charset="0"/>
               <a:cs typeface="Times New Roman" panose="02020603050405020304" pitchFamily="18" charset="0"/>
             </a:endParaRPr>
           </a:p>
+          <a:p>
+            <a:pPr marL="0" indent="0" algn="just">
+              <a:buNone/>
+            </a:pPr>
+            <a:r>
+              <a:rPr lang="pt-BR" sz="2000" dirty="0">
+                <a:latin typeface="Times New Roman" panose="02020603050405020304" pitchFamily="18" charset="0"/>
+                <a:cs typeface="Times New Roman" panose="02020603050405020304" pitchFamily="18" charset="0"/>
+              </a:rPr>
+              <a:t># Criando instâncias das subclasses</a:t>
+            </a:r>
+          </a:p>
+          <a:p>
+            <a:pPr marL="0" indent="0" algn="just">
+              <a:buNone/>
+            </a:pPr>
+            <a:r>
+              <a:rPr lang="pt-BR" sz="2000" dirty="0">
+                <a:latin typeface="Times New Roman" panose="02020603050405020304" pitchFamily="18" charset="0"/>
+                <a:cs typeface="Times New Roman" panose="02020603050405020304" pitchFamily="18" charset="0"/>
+              </a:rPr>
+              <a:t>cachorro = </a:t>
+            </a:r>
+            <a:r>
+              <a:rPr lang="pt-BR" sz="2000" b="1" dirty="0">
+                <a:latin typeface="Times New Roman" panose="02020603050405020304" pitchFamily="18" charset="0"/>
+                <a:cs typeface="Times New Roman" panose="02020603050405020304" pitchFamily="18" charset="0"/>
+              </a:rPr>
+              <a:t>Cachorro</a:t>
+            </a:r>
+            <a:r>
+              <a:rPr lang="pt-BR" sz="2000" dirty="0">
+                <a:latin typeface="Times New Roman" panose="02020603050405020304" pitchFamily="18" charset="0"/>
+                <a:cs typeface="Times New Roman" panose="02020603050405020304" pitchFamily="18" charset="0"/>
+              </a:rPr>
+              <a:t>()</a:t>
+            </a:r>
+          </a:p>
+          <a:p>
+            <a:pPr marL="0" indent="0" algn="just">
+              <a:buNone/>
+            </a:pPr>
+            <a:r>
+              <a:rPr lang="pt-BR" sz="2000" dirty="0">
+                <a:latin typeface="Times New Roman" panose="02020603050405020304" pitchFamily="18" charset="0"/>
+                <a:cs typeface="Times New Roman" panose="02020603050405020304" pitchFamily="18" charset="0"/>
+              </a:rPr>
+              <a:t>gato = </a:t>
+            </a:r>
+            <a:r>
+              <a:rPr lang="pt-BR" sz="2000" b="1" dirty="0">
+                <a:latin typeface="Times New Roman" panose="02020603050405020304" pitchFamily="18" charset="0"/>
+                <a:cs typeface="Times New Roman" panose="02020603050405020304" pitchFamily="18" charset="0"/>
+              </a:rPr>
+              <a:t>Gato</a:t>
+            </a:r>
+            <a:r>
+              <a:rPr lang="pt-BR" sz="2000" dirty="0">
+                <a:latin typeface="Times New Roman" panose="02020603050405020304" pitchFamily="18" charset="0"/>
+                <a:cs typeface="Times New Roman" panose="02020603050405020304" pitchFamily="18" charset="0"/>
+              </a:rPr>
+              <a:t>()</a:t>
+            </a:r>
+          </a:p>
+          <a:p>
+            <a:pPr marL="0" indent="0" algn="just">
+              <a:buNone/>
+            </a:pPr>
+            <a:r>
+              <a:rPr lang="pt-BR" sz="2000" dirty="0">
+                <a:latin typeface="Times New Roman" panose="02020603050405020304" pitchFamily="18" charset="0"/>
+                <a:cs typeface="Times New Roman" panose="02020603050405020304" pitchFamily="18" charset="0"/>
+              </a:rPr>
+              <a:t>pato = </a:t>
+            </a:r>
+            <a:r>
+              <a:rPr lang="pt-BR" sz="2000" b="1" dirty="0">
+                <a:latin typeface="Times New Roman" panose="02020603050405020304" pitchFamily="18" charset="0"/>
+                <a:cs typeface="Times New Roman" panose="02020603050405020304" pitchFamily="18" charset="0"/>
+              </a:rPr>
+              <a:t>Pato</a:t>
+            </a:r>
+            <a:r>
+              <a:rPr lang="pt-BR" sz="2000" dirty="0">
+                <a:latin typeface="Times New Roman" panose="02020603050405020304" pitchFamily="18" charset="0"/>
+                <a:cs typeface="Times New Roman" panose="02020603050405020304" pitchFamily="18" charset="0"/>
+              </a:rPr>
+              <a:t>()</a:t>
+            </a:r>
+          </a:p>
+          <a:p>
+            <a:pPr marL="0" indent="0" algn="just">
+              <a:buNone/>
+            </a:pPr>
+            <a:endParaRPr lang="pt-BR" sz="2000" dirty="0">
+              <a:latin typeface="Times New Roman" panose="02020603050405020304" pitchFamily="18" charset="0"/>
+              <a:cs typeface="Times New Roman" panose="02020603050405020304" pitchFamily="18" charset="0"/>
+            </a:endParaRPr>
+          </a:p>
+        </p:txBody>
+      </p:sp>
+      <p:sp>
+        <p:nvSpPr>
+          <p:cNvPr id="3" name="CaixaDeTexto 2">
+            <a:extLst>
+              <a:ext uri="{FF2B5EF4-FFF2-40B4-BE49-F238E27FC236}">
+                <a16:creationId xmlns:a16="http://schemas.microsoft.com/office/drawing/2014/main" id="{3C8037DF-F30F-9580-F1C8-039B9EB3DC01}"/>
+              </a:ext>
+            </a:extLst>
+          </p:cNvPr>
+          <p:cNvSpPr txBox="1"/>
+          <p:nvPr/>
+        </p:nvSpPr>
+        <p:spPr>
+          <a:xfrm>
+            <a:off x="4064000" y="1225887"/>
+            <a:ext cx="4937135" cy="2031325"/>
+          </a:xfrm>
+          <a:prstGeom prst="rect">
+            <a:avLst/>
+          </a:prstGeom>
+          <a:noFill/>
+        </p:spPr>
+        <p:txBody>
+          <a:bodyPr wrap="square">
+            <a:spAutoFit/>
+          </a:bodyPr>
+          <a:lstStyle/>
+          <a:p>
+            <a:pPr marL="0" indent="0" algn="just">
+              <a:buNone/>
+            </a:pPr>
+            <a:r>
+              <a:rPr lang="pt-BR" sz="1800" dirty="0">
+                <a:latin typeface="Times New Roman" panose="02020603050405020304" pitchFamily="18" charset="0"/>
+                <a:cs typeface="Times New Roman" panose="02020603050405020304" pitchFamily="18" charset="0"/>
+              </a:rPr>
+              <a:t># Chamando a função que faz os animais falarem</a:t>
+            </a:r>
+          </a:p>
+          <a:p>
+            <a:pPr marL="0" indent="0" algn="just">
+              <a:buNone/>
+            </a:pPr>
+            <a:endParaRPr lang="pt-BR" sz="1800" dirty="0">
+              <a:latin typeface="Times New Roman" panose="02020603050405020304" pitchFamily="18" charset="0"/>
+              <a:cs typeface="Times New Roman" panose="02020603050405020304" pitchFamily="18" charset="0"/>
+            </a:endParaRPr>
+          </a:p>
+          <a:p>
+            <a:pPr marL="0" indent="0" algn="just">
+              <a:buNone/>
+            </a:pPr>
+            <a:r>
+              <a:rPr lang="pt-BR" sz="1800" b="1" dirty="0" err="1">
+                <a:latin typeface="Times New Roman" panose="02020603050405020304" pitchFamily="18" charset="0"/>
+                <a:cs typeface="Times New Roman" panose="02020603050405020304" pitchFamily="18" charset="0"/>
+              </a:rPr>
+              <a:t>fazer_o_animal_falar</a:t>
+            </a:r>
+            <a:r>
+              <a:rPr lang="pt-BR" sz="1800" dirty="0">
+                <a:latin typeface="Times New Roman" panose="02020603050405020304" pitchFamily="18" charset="0"/>
+                <a:cs typeface="Times New Roman" panose="02020603050405020304" pitchFamily="18" charset="0"/>
+              </a:rPr>
+              <a:t>(cachorro)  # Saída: </a:t>
+            </a:r>
+            <a:r>
+              <a:rPr lang="pt-BR" sz="1800" dirty="0" err="1">
+                <a:latin typeface="Times New Roman" panose="02020603050405020304" pitchFamily="18" charset="0"/>
+                <a:cs typeface="Times New Roman" panose="02020603050405020304" pitchFamily="18" charset="0"/>
+              </a:rPr>
+              <a:t>Woof</a:t>
+            </a:r>
+            <a:r>
+              <a:rPr lang="pt-BR" sz="1800" dirty="0">
+                <a:latin typeface="Times New Roman" panose="02020603050405020304" pitchFamily="18" charset="0"/>
+                <a:cs typeface="Times New Roman" panose="02020603050405020304" pitchFamily="18" charset="0"/>
+              </a:rPr>
+              <a:t>!</a:t>
+            </a:r>
+          </a:p>
+          <a:p>
+            <a:pPr marL="0" indent="0" algn="just">
+              <a:buNone/>
+            </a:pPr>
+            <a:endParaRPr lang="pt-BR" sz="1800" dirty="0">
+              <a:latin typeface="Times New Roman" panose="02020603050405020304" pitchFamily="18" charset="0"/>
+              <a:cs typeface="Times New Roman" panose="02020603050405020304" pitchFamily="18" charset="0"/>
+            </a:endParaRPr>
+          </a:p>
+          <a:p>
+            <a:pPr marL="0" indent="0" algn="just">
+              <a:buNone/>
+            </a:pPr>
+            <a:r>
+              <a:rPr lang="pt-BR" sz="1800" b="1" dirty="0" err="1">
+                <a:latin typeface="Times New Roman" panose="02020603050405020304" pitchFamily="18" charset="0"/>
+                <a:cs typeface="Times New Roman" panose="02020603050405020304" pitchFamily="18" charset="0"/>
+              </a:rPr>
+              <a:t>fazer_o_animal_falar</a:t>
+            </a:r>
+            <a:r>
+              <a:rPr lang="pt-BR" sz="1800" dirty="0">
+                <a:latin typeface="Times New Roman" panose="02020603050405020304" pitchFamily="18" charset="0"/>
+                <a:cs typeface="Times New Roman" panose="02020603050405020304" pitchFamily="18" charset="0"/>
+              </a:rPr>
+              <a:t>(gato)      # Saída: </a:t>
+            </a:r>
+            <a:r>
+              <a:rPr lang="pt-BR" sz="1800" dirty="0" err="1">
+                <a:latin typeface="Times New Roman" panose="02020603050405020304" pitchFamily="18" charset="0"/>
+                <a:cs typeface="Times New Roman" panose="02020603050405020304" pitchFamily="18" charset="0"/>
+              </a:rPr>
+              <a:t>Meow</a:t>
+            </a:r>
+            <a:r>
+              <a:rPr lang="pt-BR" sz="1800" dirty="0">
+                <a:latin typeface="Times New Roman" panose="02020603050405020304" pitchFamily="18" charset="0"/>
+                <a:cs typeface="Times New Roman" panose="02020603050405020304" pitchFamily="18" charset="0"/>
+              </a:rPr>
+              <a:t>!</a:t>
+            </a:r>
+          </a:p>
+          <a:p>
+            <a:pPr marL="0" indent="0" algn="just">
+              <a:buNone/>
+            </a:pPr>
+            <a:endParaRPr lang="pt-BR" sz="1800" dirty="0">
+              <a:latin typeface="Times New Roman" panose="02020603050405020304" pitchFamily="18" charset="0"/>
+              <a:cs typeface="Times New Roman" panose="02020603050405020304" pitchFamily="18" charset="0"/>
+            </a:endParaRPr>
+          </a:p>
+          <a:p>
+            <a:pPr marL="0" indent="0" algn="just">
+              <a:buNone/>
+            </a:pPr>
+            <a:r>
+              <a:rPr lang="pt-BR" sz="1800" b="1" dirty="0" err="1">
+                <a:latin typeface="Times New Roman" panose="02020603050405020304" pitchFamily="18" charset="0"/>
+                <a:cs typeface="Times New Roman" panose="02020603050405020304" pitchFamily="18" charset="0"/>
+              </a:rPr>
+              <a:t>fazer_o_animal_falar</a:t>
+            </a:r>
+            <a:r>
+              <a:rPr lang="pt-BR" sz="1800" dirty="0">
+                <a:latin typeface="Times New Roman" panose="02020603050405020304" pitchFamily="18" charset="0"/>
+                <a:cs typeface="Times New Roman" panose="02020603050405020304" pitchFamily="18" charset="0"/>
+              </a:rPr>
+              <a:t>(pato) </a:t>
+            </a:r>
+          </a:p>
         </p:txBody>
       </p:sp>
     </p:spTree>
     <p:extLst>
       <p:ext uri="{BB962C8B-B14F-4D97-AF65-F5344CB8AC3E}">
-        <p14:creationId xmlns:p14="http://schemas.microsoft.com/office/powerpoint/2010/main" val="3350536174"/>
+        <p14:creationId xmlns:p14="http://schemas.microsoft.com/office/powerpoint/2010/main" val="2481874095"/>
       </p:ext>
     </p:extLst>
   </p:cSld>
@@ -14910,42 +15341,27 @@
             <p:ph type="title"/>
           </p:nvPr>
         </p:nvSpPr>
-        <p:spPr/>
+        <p:spPr>
+          <a:xfrm>
+            <a:off x="288099" y="603389"/>
+            <a:ext cx="8719822" cy="549005"/>
+          </a:xfrm>
+        </p:spPr>
         <p:txBody>
           <a:bodyPr>
             <a:normAutofit/>
           </a:bodyPr>
           <a:lstStyle/>
           <a:p>
-            <a:r>
-              <a:rPr lang="en-US" b="1" dirty="0" err="1">
+            <a:pPr algn="ctr"/>
+            <a:r>
+              <a:rPr lang="en-US" b="1" dirty="0">
                 <a:solidFill>
                   <a:srgbClr val="0070C0"/>
                 </a:solidFill>
               </a:rPr>
-              <a:t>Leitura</a:t>
-            </a:r>
-            <a:r>
-              <a:rPr lang="en-US" b="1" dirty="0">
-                <a:solidFill>
-                  <a:srgbClr val="0070C0"/>
-                </a:solidFill>
-              </a:rPr>
-              <a:t> </a:t>
-            </a:r>
-            <a:r>
-              <a:rPr lang="en-US" b="1" dirty="0" err="1">
-                <a:solidFill>
-                  <a:srgbClr val="0070C0"/>
-                </a:solidFill>
-              </a:rPr>
-              <a:t>Específica</a:t>
-            </a:r>
-            <a:endParaRPr lang="en-US" b="1" dirty="0">
-              <a:solidFill>
-                <a:srgbClr val="0070C0"/>
-              </a:solidFill>
-            </a:endParaRPr>
+              <a:t>Python – CLASSES E OO POLIMORFISMO EXEMPLO</a:t>
+            </a:r>
           </a:p>
         </p:txBody>
       </p:sp>
@@ -14961,8 +15377,8 @@
         </p:nvSpPr>
         <p:spPr>
           <a:xfrm>
-            <a:off x="142865" y="1200150"/>
-            <a:ext cx="8865056" cy="3867149"/>
+            <a:off x="142865" y="1152394"/>
+            <a:ext cx="8865056" cy="3948048"/>
           </a:xfrm>
         </p:spPr>
         <p:txBody>
@@ -14975,20 +15391,50 @@
               <a:buNone/>
             </a:pPr>
             <a:r>
-              <a:rPr lang="pt-BR" sz="2400" dirty="0">
-                <a:latin typeface="Times New Roman" panose="02020603050405020304" pitchFamily="18" charset="0"/>
-                <a:cs typeface="Times New Roman" panose="02020603050405020304" pitchFamily="18" charset="0"/>
-              </a:rPr>
-              <a:t>-- </a:t>
-            </a:r>
-            <a:r>
-              <a:rPr lang="pt-BR" sz="2400" b="1" dirty="0">
-                <a:latin typeface="Times New Roman" panose="02020603050405020304" pitchFamily="18" charset="0"/>
-                <a:cs typeface="Times New Roman" panose="02020603050405020304" pitchFamily="18" charset="0"/>
-              </a:rPr>
-              <a:t>Classe/Herança/Polimorfismo</a:t>
-            </a:r>
-            <a:endParaRPr lang="pt-BR" sz="2400" dirty="0">
+              <a:rPr lang="pt-BR" sz="2000" b="1" dirty="0" err="1">
+                <a:latin typeface="Times New Roman" panose="02020603050405020304" pitchFamily="18" charset="0"/>
+                <a:cs typeface="Times New Roman" panose="02020603050405020304" pitchFamily="18" charset="0"/>
+              </a:rPr>
+              <a:t>class</a:t>
+            </a:r>
+            <a:r>
+              <a:rPr lang="pt-BR" sz="2000" dirty="0">
+                <a:latin typeface="Times New Roman" panose="02020603050405020304" pitchFamily="18" charset="0"/>
+                <a:cs typeface="Times New Roman" panose="02020603050405020304" pitchFamily="18" charset="0"/>
+              </a:rPr>
+              <a:t> </a:t>
+            </a:r>
+            <a:r>
+              <a:rPr lang="pt-BR" sz="2000" b="1" dirty="0">
+                <a:solidFill>
+                  <a:srgbClr val="FF0000"/>
+                </a:solidFill>
+                <a:latin typeface="Times New Roman" panose="02020603050405020304" pitchFamily="18" charset="0"/>
+                <a:cs typeface="Times New Roman" panose="02020603050405020304" pitchFamily="18" charset="0"/>
+              </a:rPr>
+              <a:t>Super</a:t>
+            </a:r>
+            <a:r>
+              <a:rPr lang="pt-BR" sz="2000" dirty="0">
+                <a:latin typeface="Times New Roman" panose="02020603050405020304" pitchFamily="18" charset="0"/>
+                <a:cs typeface="Times New Roman" panose="02020603050405020304" pitchFamily="18" charset="0"/>
+              </a:rPr>
+              <a:t>:</a:t>
+            </a:r>
+            <a:r>
+              <a:rPr lang="en-US" sz="2000" b="1" dirty="0">
+                <a:solidFill>
+                  <a:srgbClr val="FF0000"/>
+                </a:solidFill>
+                <a:highlight>
+                  <a:srgbClr val="FFFF00"/>
+                </a:highlight>
+                <a:latin typeface="Times New Roman" panose="02020603050405020304" pitchFamily="18" charset="0"/>
+                <a:cs typeface="Times New Roman" panose="02020603050405020304" pitchFamily="18" charset="0"/>
+              </a:rPr>
+              <a:t> POLIMORFISMO DINÂMICO - OVERRIDE</a:t>
+            </a:r>
+            <a:endParaRPr lang="pt-BR" sz="2000" dirty="0">
               <a:latin typeface="Times New Roman" panose="02020603050405020304" pitchFamily="18" charset="0"/>
               <a:cs typeface="Times New Roman" panose="02020603050405020304" pitchFamily="18" charset="0"/>
             </a:endParaRPr>
@@ -14998,11 +15444,56 @@
               <a:buNone/>
             </a:pPr>
             <a:r>
-              <a:rPr lang="pt-BR" sz="2400" dirty="0">
-                <a:latin typeface="Times New Roman" panose="02020603050405020304" pitchFamily="18" charset="0"/>
-                <a:cs typeface="Times New Roman" panose="02020603050405020304" pitchFamily="18" charset="0"/>
-              </a:rPr>
-              <a:t>[1] URL:</a:t>
+              <a:rPr lang="pt-BR" sz="2000" dirty="0">
+                <a:latin typeface="Times New Roman" panose="02020603050405020304" pitchFamily="18" charset="0"/>
+                <a:cs typeface="Times New Roman" panose="02020603050405020304" pitchFamily="18" charset="0"/>
+              </a:rPr>
+              <a:t>    </a:t>
+            </a:r>
+            <a:r>
+              <a:rPr lang="pt-BR" sz="2000" b="1" dirty="0" err="1">
+                <a:latin typeface="Times New Roman" panose="02020603050405020304" pitchFamily="18" charset="0"/>
+                <a:cs typeface="Times New Roman" panose="02020603050405020304" pitchFamily="18" charset="0"/>
+              </a:rPr>
+              <a:t>def</a:t>
+            </a:r>
+            <a:r>
+              <a:rPr lang="pt-BR" sz="2000" dirty="0">
+                <a:latin typeface="Times New Roman" panose="02020603050405020304" pitchFamily="18" charset="0"/>
+                <a:cs typeface="Times New Roman" panose="02020603050405020304" pitchFamily="18" charset="0"/>
+              </a:rPr>
+              <a:t> </a:t>
+            </a:r>
+            <a:r>
+              <a:rPr lang="pt-BR" sz="2000" b="1" dirty="0">
+                <a:solidFill>
+                  <a:srgbClr val="FF0000"/>
+                </a:solidFill>
+                <a:latin typeface="Times New Roman" panose="02020603050405020304" pitchFamily="18" charset="0"/>
+                <a:cs typeface="Times New Roman" panose="02020603050405020304" pitchFamily="18" charset="0"/>
+              </a:rPr>
+              <a:t>soma</a:t>
+            </a:r>
+            <a:r>
+              <a:rPr lang="pt-BR" sz="2000" dirty="0">
+                <a:latin typeface="Times New Roman" panose="02020603050405020304" pitchFamily="18" charset="0"/>
+                <a:cs typeface="Times New Roman" panose="02020603050405020304" pitchFamily="18" charset="0"/>
+              </a:rPr>
+              <a:t>(</a:t>
+            </a:r>
+            <a:r>
+              <a:rPr lang="pt-BR" sz="2000" b="1" dirty="0">
+                <a:latin typeface="Times New Roman" panose="02020603050405020304" pitchFamily="18" charset="0"/>
+                <a:cs typeface="Times New Roman" panose="02020603050405020304" pitchFamily="18" charset="0"/>
+              </a:rPr>
+              <a:t>self</a:t>
+            </a:r>
+            <a:r>
+              <a:rPr lang="pt-BR" sz="2000" dirty="0">
+                <a:latin typeface="Times New Roman" panose="02020603050405020304" pitchFamily="18" charset="0"/>
+                <a:cs typeface="Times New Roman" panose="02020603050405020304" pitchFamily="18" charset="0"/>
+              </a:rPr>
+              <a:t>, x, y):</a:t>
             </a:r>
           </a:p>
           <a:p>
@@ -15010,47 +15501,32 @@
               <a:buNone/>
             </a:pPr>
             <a:r>
-              <a:rPr lang="pt-BR" sz="2400" dirty="0">
-                <a:latin typeface="Times New Roman" panose="02020603050405020304" pitchFamily="18" charset="0"/>
-                <a:cs typeface="Times New Roman" panose="02020603050405020304" pitchFamily="18" charset="0"/>
-              </a:rPr>
-              <a:t> </a:t>
-            </a:r>
-            <a:r>
-              <a:rPr lang="pt-BR" sz="2400" dirty="0">
-                <a:latin typeface="Times New Roman" panose="02020603050405020304" pitchFamily="18" charset="0"/>
-                <a:cs typeface="Times New Roman" panose="02020603050405020304" pitchFamily="18" charset="0"/>
-                <a:hlinkClick r:id="rId3"/>
-              </a:rPr>
-              <a:t>https://www.w3schools.com/python/python_classes.asp</a:t>
-            </a:r>
-            <a:r>
-              <a:rPr lang="pt-BR" sz="2400" dirty="0">
-                <a:latin typeface="Times New Roman" panose="02020603050405020304" pitchFamily="18" charset="0"/>
-                <a:cs typeface="Times New Roman" panose="02020603050405020304" pitchFamily="18" charset="0"/>
-              </a:rPr>
-              <a:t> </a:t>
+              <a:rPr lang="pt-BR" sz="2000" dirty="0">
+                <a:latin typeface="Times New Roman" panose="02020603050405020304" pitchFamily="18" charset="0"/>
+                <a:cs typeface="Times New Roman" panose="02020603050405020304" pitchFamily="18" charset="0"/>
+              </a:rPr>
+              <a:t>        </a:t>
+            </a:r>
+            <a:r>
+              <a:rPr lang="pt-BR" sz="2000" b="1" dirty="0" err="1">
+                <a:latin typeface="Times New Roman" panose="02020603050405020304" pitchFamily="18" charset="0"/>
+                <a:cs typeface="Times New Roman" panose="02020603050405020304" pitchFamily="18" charset="0"/>
+              </a:rPr>
+              <a:t>return</a:t>
+            </a:r>
+            <a:r>
+              <a:rPr lang="pt-BR" sz="2000" dirty="0">
+                <a:latin typeface="Times New Roman" panose="02020603050405020304" pitchFamily="18" charset="0"/>
+                <a:cs typeface="Times New Roman" panose="02020603050405020304" pitchFamily="18" charset="0"/>
+              </a:rPr>
+              <a:t> x + y</a:t>
             </a:r>
           </a:p>
           <a:p>
             <a:pPr marL="0" indent="0" algn="just">
               <a:buNone/>
             </a:pPr>
-            <a:r>
-              <a:rPr lang="pt-BR" sz="2400" dirty="0">
-                <a:latin typeface="Times New Roman" panose="02020603050405020304" pitchFamily="18" charset="0"/>
-                <a:cs typeface="Times New Roman" panose="02020603050405020304" pitchFamily="18" charset="0"/>
-              </a:rPr>
-              <a:t>-- </a:t>
-            </a:r>
-            <a:r>
-              <a:rPr lang="pt-BR" sz="2400" b="1" dirty="0">
-                <a:latin typeface="Times New Roman" panose="02020603050405020304" pitchFamily="18" charset="0"/>
-                <a:cs typeface="Times New Roman" panose="02020603050405020304" pitchFamily="18" charset="0"/>
-              </a:rPr>
-              <a:t>OO</a:t>
-            </a:r>
-            <a:endParaRPr lang="pt-BR" sz="2400" dirty="0">
+            <a:endParaRPr lang="pt-BR" sz="2000" dirty="0">
               <a:latin typeface="Times New Roman" panose="02020603050405020304" pitchFamily="18" charset="0"/>
               <a:cs typeface="Times New Roman" panose="02020603050405020304" pitchFamily="18" charset="0"/>
             </a:endParaRPr>
@@ -15060,21 +15536,139 @@
               <a:buNone/>
             </a:pPr>
             <a:r>
-              <a:rPr lang="pt-BR" sz="2400" dirty="0">
-                <a:latin typeface="Times New Roman" panose="02020603050405020304" pitchFamily="18" charset="0"/>
-                <a:cs typeface="Times New Roman" panose="02020603050405020304" pitchFamily="18" charset="0"/>
-              </a:rPr>
-              <a:t>[2] URL : </a:t>
-            </a:r>
-            <a:r>
-              <a:rPr lang="pt-BR" sz="2400" dirty="0">
-                <a:latin typeface="Times New Roman" panose="02020603050405020304" pitchFamily="18" charset="0"/>
-                <a:cs typeface="Times New Roman" panose="02020603050405020304" pitchFamily="18" charset="0"/>
-                <a:hlinkClick r:id="rId4"/>
-              </a:rPr>
-              <a:t>https://docs.python.org/pt-br/3/tutorial/</a:t>
-            </a:r>
-            <a:endParaRPr lang="pt-BR" sz="2400" dirty="0">
+              <a:rPr lang="pt-BR" sz="2000" b="1" dirty="0" err="1">
+                <a:latin typeface="Times New Roman" panose="02020603050405020304" pitchFamily="18" charset="0"/>
+                <a:cs typeface="Times New Roman" panose="02020603050405020304" pitchFamily="18" charset="0"/>
+              </a:rPr>
+              <a:t>class</a:t>
+            </a:r>
+            <a:r>
+              <a:rPr lang="pt-BR" sz="2000" dirty="0">
+                <a:latin typeface="Times New Roman" panose="02020603050405020304" pitchFamily="18" charset="0"/>
+                <a:cs typeface="Times New Roman" panose="02020603050405020304" pitchFamily="18" charset="0"/>
+              </a:rPr>
+              <a:t> </a:t>
+            </a:r>
+            <a:r>
+              <a:rPr lang="pt-BR" sz="2000" b="1" dirty="0">
+                <a:latin typeface="Times New Roman" panose="02020603050405020304" pitchFamily="18" charset="0"/>
+                <a:cs typeface="Times New Roman" panose="02020603050405020304" pitchFamily="18" charset="0"/>
+              </a:rPr>
+              <a:t>Sub</a:t>
+            </a:r>
+            <a:r>
+              <a:rPr lang="pt-BR" sz="2000" dirty="0">
+                <a:latin typeface="Times New Roman" panose="02020603050405020304" pitchFamily="18" charset="0"/>
+                <a:cs typeface="Times New Roman" panose="02020603050405020304" pitchFamily="18" charset="0"/>
+              </a:rPr>
+              <a:t>(</a:t>
+            </a:r>
+            <a:r>
+              <a:rPr lang="pt-BR" sz="2000" b="1" dirty="0">
+                <a:solidFill>
+                  <a:srgbClr val="FF0000"/>
+                </a:solidFill>
+                <a:latin typeface="Times New Roman" panose="02020603050405020304" pitchFamily="18" charset="0"/>
+                <a:cs typeface="Times New Roman" panose="02020603050405020304" pitchFamily="18" charset="0"/>
+              </a:rPr>
+              <a:t>Super</a:t>
+            </a:r>
+            <a:r>
+              <a:rPr lang="pt-BR" sz="2000" dirty="0">
+                <a:latin typeface="Times New Roman" panose="02020603050405020304" pitchFamily="18" charset="0"/>
+                <a:cs typeface="Times New Roman" panose="02020603050405020304" pitchFamily="18" charset="0"/>
+              </a:rPr>
+              <a:t>):</a:t>
+            </a:r>
+          </a:p>
+          <a:p>
+            <a:pPr marL="0" indent="0" algn="just">
+              <a:buNone/>
+            </a:pPr>
+            <a:r>
+              <a:rPr lang="pt-BR" sz="2000" dirty="0">
+                <a:latin typeface="Times New Roman" panose="02020603050405020304" pitchFamily="18" charset="0"/>
+                <a:cs typeface="Times New Roman" panose="02020603050405020304" pitchFamily="18" charset="0"/>
+              </a:rPr>
+              <a:t>    </a:t>
+            </a:r>
+            <a:r>
+              <a:rPr lang="pt-BR" sz="2000" b="1" dirty="0" err="1">
+                <a:latin typeface="Times New Roman" panose="02020603050405020304" pitchFamily="18" charset="0"/>
+                <a:cs typeface="Times New Roman" panose="02020603050405020304" pitchFamily="18" charset="0"/>
+              </a:rPr>
+              <a:t>def</a:t>
+            </a:r>
+            <a:r>
+              <a:rPr lang="pt-BR" sz="2000" dirty="0">
+                <a:latin typeface="Times New Roman" panose="02020603050405020304" pitchFamily="18" charset="0"/>
+                <a:cs typeface="Times New Roman" panose="02020603050405020304" pitchFamily="18" charset="0"/>
+              </a:rPr>
+              <a:t> </a:t>
+            </a:r>
+            <a:r>
+              <a:rPr lang="pt-BR" sz="2000" b="1" dirty="0">
+                <a:solidFill>
+                  <a:srgbClr val="FF0000"/>
+                </a:solidFill>
+                <a:latin typeface="Times New Roman" panose="02020603050405020304" pitchFamily="18" charset="0"/>
+                <a:cs typeface="Times New Roman" panose="02020603050405020304" pitchFamily="18" charset="0"/>
+              </a:rPr>
+              <a:t>soma</a:t>
+            </a:r>
+            <a:r>
+              <a:rPr lang="pt-BR" sz="2000" dirty="0">
+                <a:latin typeface="Times New Roman" panose="02020603050405020304" pitchFamily="18" charset="0"/>
+                <a:cs typeface="Times New Roman" panose="02020603050405020304" pitchFamily="18" charset="0"/>
+              </a:rPr>
+              <a:t>(</a:t>
+            </a:r>
+            <a:r>
+              <a:rPr lang="pt-BR" sz="2000" b="1" dirty="0">
+                <a:latin typeface="Times New Roman" panose="02020603050405020304" pitchFamily="18" charset="0"/>
+                <a:cs typeface="Times New Roman" panose="02020603050405020304" pitchFamily="18" charset="0"/>
+              </a:rPr>
+              <a:t>self</a:t>
+            </a:r>
+            <a:r>
+              <a:rPr lang="pt-BR" sz="2000" dirty="0">
+                <a:latin typeface="Times New Roman" panose="02020603050405020304" pitchFamily="18" charset="0"/>
+                <a:cs typeface="Times New Roman" panose="02020603050405020304" pitchFamily="18" charset="0"/>
+              </a:rPr>
+              <a:t>, x, y, z):</a:t>
+            </a:r>
+          </a:p>
+          <a:p>
+            <a:pPr marL="0" indent="0" algn="just">
+              <a:buNone/>
+            </a:pPr>
+            <a:r>
+              <a:rPr lang="pt-BR" sz="2000" dirty="0">
+                <a:latin typeface="Times New Roman" panose="02020603050405020304" pitchFamily="18" charset="0"/>
+                <a:cs typeface="Times New Roman" panose="02020603050405020304" pitchFamily="18" charset="0"/>
+              </a:rPr>
+              <a:t>        </a:t>
+            </a:r>
+            <a:r>
+              <a:rPr lang="pt-BR" sz="2000" b="1" dirty="0" err="1">
+                <a:latin typeface="Times New Roman" panose="02020603050405020304" pitchFamily="18" charset="0"/>
+                <a:cs typeface="Times New Roman" panose="02020603050405020304" pitchFamily="18" charset="0"/>
+              </a:rPr>
+              <a:t>return</a:t>
+            </a:r>
+            <a:r>
+              <a:rPr lang="pt-BR" sz="2000" dirty="0">
+                <a:latin typeface="Times New Roman" panose="02020603050405020304" pitchFamily="18" charset="0"/>
+                <a:cs typeface="Times New Roman" panose="02020603050405020304" pitchFamily="18" charset="0"/>
+              </a:rPr>
+              <a:t> x + y + z</a:t>
+            </a:r>
+          </a:p>
+          <a:p>
+            <a:pPr marL="0" indent="0" algn="just">
+              <a:buNone/>
+            </a:pPr>
+            <a:endParaRPr lang="pt-BR" sz="2000" dirty="0">
               <a:latin typeface="Times New Roman" panose="02020603050405020304" pitchFamily="18" charset="0"/>
               <a:cs typeface="Times New Roman" panose="02020603050405020304" pitchFamily="18" charset="0"/>
             </a:endParaRPr>
@@ -15084,56 +15678,108 @@
               <a:buNone/>
             </a:pPr>
             <a:r>
-              <a:rPr lang="pt-BR" sz="2400" dirty="0">
-                <a:latin typeface="Times New Roman" panose="02020603050405020304" pitchFamily="18" charset="0"/>
-                <a:cs typeface="Times New Roman" panose="02020603050405020304" pitchFamily="18" charset="0"/>
-              </a:rPr>
-              <a:t>- </a:t>
-            </a:r>
-            <a:r>
-              <a:rPr lang="pt-BR" sz="2400" b="1" dirty="0">
-                <a:latin typeface="Times New Roman" panose="02020603050405020304" pitchFamily="18" charset="0"/>
-                <a:cs typeface="Times New Roman" panose="02020603050405020304" pitchFamily="18" charset="0"/>
-              </a:rPr>
-              <a:t>Polimorfismo</a:t>
-            </a:r>
-          </a:p>
-          <a:p>
-            <a:pPr marL="0" indent="0" algn="just">
-              <a:buNone/>
-            </a:pPr>
-            <a:r>
-              <a:rPr lang="pt-BR" sz="2400" dirty="0">
-                <a:latin typeface="Times New Roman" panose="02020603050405020304" pitchFamily="18" charset="0"/>
-                <a:cs typeface="Times New Roman" panose="02020603050405020304" pitchFamily="18" charset="0"/>
-              </a:rPr>
-              <a:t>[3] URL: </a:t>
-            </a:r>
-            <a:r>
-              <a:rPr lang="pt-BR" sz="2400" dirty="0">
-                <a:latin typeface="Times New Roman" panose="02020603050405020304" pitchFamily="18" charset="0"/>
-                <a:cs typeface="Times New Roman" panose="02020603050405020304" pitchFamily="18" charset="0"/>
-                <a:hlinkClick r:id="rId5"/>
-              </a:rPr>
-              <a:t>https://materialpublic.imd.ufrn.br/curso/disciplina/2/8</a:t>
-            </a:r>
-            <a:r>
-              <a:rPr lang="pt-BR" sz="2400" dirty="0">
-                <a:latin typeface="Times New Roman" panose="02020603050405020304" pitchFamily="18" charset="0"/>
-                <a:cs typeface="Times New Roman" panose="02020603050405020304" pitchFamily="18" charset="0"/>
-              </a:rPr>
-              <a:t>  </a:t>
-            </a:r>
-            <a:endParaRPr lang="pt-BR" sz="2400" dirty="0">
-              <a:latin typeface="Calibri" panose="020F0502020204030204" pitchFamily="34" charset="0"/>
-            </a:endParaRPr>
+              <a:rPr lang="pt-BR" sz="2000" b="1" dirty="0">
+                <a:latin typeface="Times New Roman" panose="02020603050405020304" pitchFamily="18" charset="0"/>
+                <a:cs typeface="Times New Roman" panose="02020603050405020304" pitchFamily="18" charset="0"/>
+              </a:rPr>
+              <a:t>print</a:t>
+            </a:r>
+            <a:r>
+              <a:rPr lang="pt-BR" sz="2000" dirty="0">
+                <a:latin typeface="Times New Roman" panose="02020603050405020304" pitchFamily="18" charset="0"/>
+                <a:cs typeface="Times New Roman" panose="02020603050405020304" pitchFamily="18" charset="0"/>
+              </a:rPr>
+              <a:t>(</a:t>
+            </a:r>
+            <a:r>
+              <a:rPr lang="pt-BR" sz="2000" b="1" dirty="0">
+                <a:solidFill>
+                  <a:srgbClr val="FF0000"/>
+                </a:solidFill>
+                <a:latin typeface="Times New Roman" panose="02020603050405020304" pitchFamily="18" charset="0"/>
+                <a:cs typeface="Times New Roman" panose="02020603050405020304" pitchFamily="18" charset="0"/>
+              </a:rPr>
+              <a:t>Super</a:t>
+            </a:r>
+            <a:r>
+              <a:rPr lang="pt-BR" sz="2000" dirty="0">
+                <a:latin typeface="Times New Roman" panose="02020603050405020304" pitchFamily="18" charset="0"/>
+                <a:cs typeface="Times New Roman" panose="02020603050405020304" pitchFamily="18" charset="0"/>
+              </a:rPr>
+              <a:t>().</a:t>
+            </a:r>
+            <a:r>
+              <a:rPr lang="pt-BR" sz="2000" b="1" dirty="0">
+                <a:solidFill>
+                  <a:srgbClr val="FF0000"/>
+                </a:solidFill>
+                <a:latin typeface="Times New Roman" panose="02020603050405020304" pitchFamily="18" charset="0"/>
+                <a:cs typeface="Times New Roman" panose="02020603050405020304" pitchFamily="18" charset="0"/>
+              </a:rPr>
+              <a:t>soma</a:t>
+            </a:r>
+            <a:r>
+              <a:rPr lang="pt-BR" sz="2000" dirty="0">
+                <a:latin typeface="Times New Roman" panose="02020603050405020304" pitchFamily="18" charset="0"/>
+                <a:cs typeface="Times New Roman" panose="02020603050405020304" pitchFamily="18" charset="0"/>
+              </a:rPr>
+              <a:t>(2, 3)) # </a:t>
+            </a:r>
+            <a:r>
+              <a:rPr lang="pt-BR" sz="2000" b="1" dirty="0">
+                <a:latin typeface="Times New Roman" panose="02020603050405020304" pitchFamily="18" charset="0"/>
+                <a:cs typeface="Times New Roman" panose="02020603050405020304" pitchFamily="18" charset="0"/>
+              </a:rPr>
+              <a:t>print</a:t>
+            </a:r>
+            <a:r>
+              <a:rPr lang="pt-BR" sz="2000" dirty="0">
+                <a:latin typeface="Times New Roman" panose="02020603050405020304" pitchFamily="18" charset="0"/>
+                <a:cs typeface="Times New Roman" panose="02020603050405020304" pitchFamily="18" charset="0"/>
+              </a:rPr>
+              <a:t>(</a:t>
+            </a:r>
+            <a:r>
+              <a:rPr lang="pt-BR" sz="2000" b="1" dirty="0">
+                <a:solidFill>
+                  <a:srgbClr val="FF0000"/>
+                </a:solidFill>
+                <a:latin typeface="Times New Roman" panose="02020603050405020304" pitchFamily="18" charset="0"/>
+                <a:cs typeface="Times New Roman" panose="02020603050405020304" pitchFamily="18" charset="0"/>
+              </a:rPr>
+              <a:t>Sub</a:t>
+            </a:r>
+            <a:r>
+              <a:rPr lang="pt-BR" sz="2000" dirty="0">
+                <a:latin typeface="Times New Roman" panose="02020603050405020304" pitchFamily="18" charset="0"/>
+                <a:cs typeface="Times New Roman" panose="02020603050405020304" pitchFamily="18" charset="0"/>
+              </a:rPr>
+              <a:t>().</a:t>
+            </a:r>
+            <a:r>
+              <a:rPr lang="pt-BR" sz="2000" b="1" dirty="0">
+                <a:solidFill>
+                  <a:srgbClr val="FF0000"/>
+                </a:solidFill>
+                <a:latin typeface="Times New Roman" panose="02020603050405020304" pitchFamily="18" charset="0"/>
+                <a:cs typeface="Times New Roman" panose="02020603050405020304" pitchFamily="18" charset="0"/>
+              </a:rPr>
+              <a:t>soma</a:t>
+            </a:r>
+            <a:r>
+              <a:rPr lang="pt-BR" sz="2000" dirty="0">
+                <a:latin typeface="Times New Roman" panose="02020603050405020304" pitchFamily="18" charset="0"/>
+                <a:cs typeface="Times New Roman" panose="02020603050405020304" pitchFamily="18" charset="0"/>
+              </a:rPr>
+              <a:t>(2, 3, 7)) </a:t>
+            </a:r>
           </a:p>
         </p:txBody>
       </p:sp>
     </p:spTree>
     <p:extLst>
       <p:ext uri="{BB962C8B-B14F-4D97-AF65-F5344CB8AC3E}">
-        <p14:creationId xmlns:p14="http://schemas.microsoft.com/office/powerpoint/2010/main" val="2747596967"/>
+        <p14:creationId xmlns:p14="http://schemas.microsoft.com/office/powerpoint/2010/main" val="1050614927"/>
       </p:ext>
     </p:extLst>
   </p:cSld>
@@ -15171,28 +15817,26 @@
             <p:ph type="title"/>
           </p:nvPr>
         </p:nvSpPr>
-        <p:spPr/>
+        <p:spPr>
+          <a:xfrm>
+            <a:off x="288099" y="603389"/>
+            <a:ext cx="8719822" cy="549005"/>
+          </a:xfrm>
+        </p:spPr>
         <p:txBody>
           <a:bodyPr>
             <a:normAutofit/>
           </a:bodyPr>
           <a:lstStyle/>
           <a:p>
-            <a:r>
-              <a:rPr lang="en-US" b="1" dirty="0" err="1">
+            <a:pPr algn="ctr"/>
+            <a:r>
+              <a:rPr lang="en-US" b="1" dirty="0">
                 <a:solidFill>
                   <a:srgbClr val="0070C0"/>
                 </a:solidFill>
               </a:rPr>
-              <a:t>Aprenda</a:t>
-            </a:r>
-            <a:r>
-              <a:rPr lang="en-US" b="1" dirty="0">
-                <a:solidFill>
-                  <a:srgbClr val="0070C0"/>
-                </a:solidFill>
-              </a:rPr>
-              <a:t>+</a:t>
+              <a:t>Python – CLASSES E OO POLIMORFISMO EXEMPLO</a:t>
             </a:r>
           </a:p>
         </p:txBody>
@@ -15209,8 +15853,8 @@
         </p:nvSpPr>
         <p:spPr>
           <a:xfrm>
-            <a:off x="142865" y="1200151"/>
-            <a:ext cx="8865056" cy="3394472"/>
+            <a:off x="142865" y="1152394"/>
+            <a:ext cx="8865056" cy="3948048"/>
           </a:xfrm>
         </p:spPr>
         <p:txBody>
@@ -15222,6 +15866,80 @@
             <a:pPr marL="0" indent="0" algn="just">
               <a:buNone/>
             </a:pPr>
+            <a:r>
+              <a:rPr lang="pt-BR" sz="2000" dirty="0">
+                <a:latin typeface="Times New Roman" panose="02020603050405020304" pitchFamily="18" charset="0"/>
+                <a:cs typeface="Times New Roman" panose="02020603050405020304" pitchFamily="18" charset="0"/>
+              </a:rPr>
+              <a:t>A classe </a:t>
+            </a:r>
+            <a:r>
+              <a:rPr lang="pt-BR" sz="2000" b="1" dirty="0">
+                <a:latin typeface="Times New Roman" panose="02020603050405020304" pitchFamily="18" charset="0"/>
+                <a:cs typeface="Times New Roman" panose="02020603050405020304" pitchFamily="18" charset="0"/>
+              </a:rPr>
+              <a:t>Sub</a:t>
+            </a:r>
+            <a:r>
+              <a:rPr lang="pt-BR" sz="2000" dirty="0">
+                <a:latin typeface="Times New Roman" panose="02020603050405020304" pitchFamily="18" charset="0"/>
+                <a:cs typeface="Times New Roman" panose="02020603050405020304" pitchFamily="18" charset="0"/>
+              </a:rPr>
+              <a:t> </a:t>
+            </a:r>
+            <a:r>
+              <a:rPr lang="pt-BR" sz="2000" b="1" dirty="0">
+                <a:solidFill>
+                  <a:srgbClr val="FF0000"/>
+                </a:solidFill>
+                <a:latin typeface="Times New Roman" panose="02020603050405020304" pitchFamily="18" charset="0"/>
+                <a:cs typeface="Times New Roman" panose="02020603050405020304" pitchFamily="18" charset="0"/>
+              </a:rPr>
+              <a:t>herda a Superclasse</a:t>
+            </a:r>
+            <a:r>
+              <a:rPr lang="pt-BR" sz="2000" dirty="0">
+                <a:latin typeface="Times New Roman" panose="02020603050405020304" pitchFamily="18" charset="0"/>
+                <a:cs typeface="Times New Roman" panose="02020603050405020304" pitchFamily="18" charset="0"/>
+              </a:rPr>
+              <a:t>, ou seja, tudo que nem na </a:t>
+            </a:r>
+            <a:r>
+              <a:rPr lang="pt-BR" sz="2000" b="1" dirty="0">
+                <a:solidFill>
+                  <a:srgbClr val="FF0000"/>
+                </a:solidFill>
+                <a:latin typeface="Times New Roman" panose="02020603050405020304" pitchFamily="18" charset="0"/>
+                <a:cs typeface="Times New Roman" panose="02020603050405020304" pitchFamily="18" charset="0"/>
+              </a:rPr>
+              <a:t>superclasse</a:t>
+            </a:r>
+            <a:r>
+              <a:rPr lang="pt-BR" sz="2000" dirty="0">
+                <a:latin typeface="Times New Roman" panose="02020603050405020304" pitchFamily="18" charset="0"/>
+                <a:cs typeface="Times New Roman" panose="02020603050405020304" pitchFamily="18" charset="0"/>
+              </a:rPr>
+              <a:t> (</a:t>
+            </a:r>
+            <a:r>
+              <a:rPr lang="pt-BR" sz="2000" b="1" dirty="0">
+                <a:latin typeface="Times New Roman" panose="02020603050405020304" pitchFamily="18" charset="0"/>
+                <a:cs typeface="Times New Roman" panose="02020603050405020304" pitchFamily="18" charset="0"/>
+              </a:rPr>
+              <a:t>atributos e métodos</a:t>
+            </a:r>
+            <a:r>
+              <a:rPr lang="pt-BR" sz="2000" dirty="0">
+                <a:latin typeface="Times New Roman" panose="02020603050405020304" pitchFamily="18" charset="0"/>
+                <a:cs typeface="Times New Roman" panose="02020603050405020304" pitchFamily="18" charset="0"/>
+              </a:rPr>
+              <a:t>), vai ter na subclasse.</a:t>
+            </a:r>
+          </a:p>
+          <a:p>
+            <a:pPr marL="0" indent="0" algn="just">
+              <a:buNone/>
+            </a:pPr>
             <a:endParaRPr lang="pt-BR" sz="2000" dirty="0">
               <a:latin typeface="Times New Roman" panose="02020603050405020304" pitchFamily="18" charset="0"/>
               <a:cs typeface="Times New Roman" panose="02020603050405020304" pitchFamily="18" charset="0"/>
@@ -15236,28 +15954,75 @@
                 <a:latin typeface="Times New Roman" panose="02020603050405020304" pitchFamily="18" charset="0"/>
                 <a:cs typeface="Times New Roman" panose="02020603050405020304" pitchFamily="18" charset="0"/>
               </a:rPr>
-              <a:t>[1] URL:</a:t>
+              <a:t>Porém, quando chamamos o método soma(), ele vai invocar o </a:t>
+            </a:r>
+            <a:r>
+              <a:rPr lang="pt-BR" sz="2000" b="1" dirty="0">
+                <a:latin typeface="Times New Roman" panose="02020603050405020304" pitchFamily="18" charset="0"/>
+                <a:cs typeface="Times New Roman" panose="02020603050405020304" pitchFamily="18" charset="0"/>
+              </a:rPr>
+              <a:t>método da subclasse </a:t>
+            </a:r>
+            <a:r>
+              <a:rPr lang="pt-BR" sz="2000" dirty="0">
+                <a:latin typeface="Times New Roman" panose="02020603050405020304" pitchFamily="18" charset="0"/>
+                <a:cs typeface="Times New Roman" panose="02020603050405020304" pitchFamily="18" charset="0"/>
+              </a:rPr>
+              <a:t>e </a:t>
+            </a:r>
+            <a:r>
+              <a:rPr lang="pt-BR" sz="2000" b="1" dirty="0">
+                <a:solidFill>
+                  <a:srgbClr val="FF0000"/>
+                </a:solidFill>
+                <a:latin typeface="Times New Roman" panose="02020603050405020304" pitchFamily="18" charset="0"/>
+                <a:cs typeface="Times New Roman" panose="02020603050405020304" pitchFamily="18" charset="0"/>
+              </a:rPr>
+              <a:t>não da superclasse</a:t>
+            </a:r>
+            <a:r>
+              <a:rPr lang="pt-BR" sz="2000" dirty="0">
+                <a:latin typeface="Times New Roman" panose="02020603050405020304" pitchFamily="18" charset="0"/>
+                <a:cs typeface="Times New Roman" panose="02020603050405020304" pitchFamily="18" charset="0"/>
+              </a:rPr>
+              <a:t>! O Python entende: "Opa, ele instanciou um objeto da </a:t>
+            </a:r>
+            <a:r>
+              <a:rPr lang="pt-BR" sz="2000" b="1" dirty="0">
+                <a:latin typeface="Times New Roman" panose="02020603050405020304" pitchFamily="18" charset="0"/>
+                <a:cs typeface="Times New Roman" panose="02020603050405020304" pitchFamily="18" charset="0"/>
+              </a:rPr>
+              <a:t>subclasse</a:t>
+            </a:r>
+            <a:r>
+              <a:rPr lang="pt-BR" sz="2000" dirty="0">
+                <a:latin typeface="Times New Roman" panose="02020603050405020304" pitchFamily="18" charset="0"/>
+                <a:cs typeface="Times New Roman" panose="02020603050405020304" pitchFamily="18" charset="0"/>
+              </a:rPr>
+              <a:t>. Por isso </a:t>
+            </a:r>
+            <a:r>
+              <a:rPr lang="pt-BR" sz="2000" b="1" dirty="0">
+                <a:solidFill>
+                  <a:srgbClr val="FF0000"/>
+                </a:solidFill>
+                <a:latin typeface="Times New Roman" panose="02020603050405020304" pitchFamily="18" charset="0"/>
+                <a:cs typeface="Times New Roman" panose="02020603050405020304" pitchFamily="18" charset="0"/>
+              </a:rPr>
+              <a:t>vou invocar o método da subclasse e não da superclasse</a:t>
+            </a:r>
+            <a:r>
+              <a:rPr lang="pt-BR" sz="2000" dirty="0">
+                <a:latin typeface="Times New Roman" panose="02020603050405020304" pitchFamily="18" charset="0"/>
+                <a:cs typeface="Times New Roman" panose="02020603050405020304" pitchFamily="18" charset="0"/>
+              </a:rPr>
+              <a:t>“.</a:t>
             </a:r>
           </a:p>
           <a:p>
             <a:pPr marL="0" indent="0" algn="just">
               <a:buNone/>
             </a:pPr>
-            <a:r>
-              <a:rPr lang="pt-BR" sz="2000" dirty="0">
-                <a:latin typeface="Times New Roman" panose="02020603050405020304" pitchFamily="18" charset="0"/>
-                <a:cs typeface="Times New Roman" panose="02020603050405020304" pitchFamily="18" charset="0"/>
-              </a:rPr>
-              <a:t> </a:t>
-            </a:r>
-            <a:r>
-              <a:rPr lang="pt-BR" sz="2000" dirty="0">
-                <a:latin typeface="Times New Roman" panose="02020603050405020304" pitchFamily="18" charset="0"/>
-                <a:cs typeface="Times New Roman" panose="02020603050405020304" pitchFamily="18" charset="0"/>
-                <a:hlinkClick r:id="rId3"/>
-              </a:rPr>
-              <a:t>https://www.youtube.com/watch?v=Xo1oCx6hqG4/</a:t>
-            </a:r>
             <a:endParaRPr lang="pt-BR" sz="2000" dirty="0">
               <a:latin typeface="Times New Roman" panose="02020603050405020304" pitchFamily="18" charset="0"/>
               <a:cs typeface="Times New Roman" panose="02020603050405020304" pitchFamily="18" charset="0"/>
@@ -15267,85 +16032,79 @@
             <a:pPr marL="0" indent="0" algn="just">
               <a:buNone/>
             </a:pPr>
-            <a:endParaRPr lang="pt-BR" sz="2000" dirty="0">
-              <a:latin typeface="Times New Roman" panose="02020603050405020304" pitchFamily="18" charset="0"/>
-              <a:cs typeface="Times New Roman" panose="02020603050405020304" pitchFamily="18" charset="0"/>
-            </a:endParaRPr>
-          </a:p>
-          <a:p>
-            <a:pPr marL="0" indent="0" algn="just">
-              <a:buNone/>
-            </a:pPr>
             <a:r>
               <a:rPr lang="pt-BR" sz="2000" dirty="0">
                 <a:latin typeface="Times New Roman" panose="02020603050405020304" pitchFamily="18" charset="0"/>
                 <a:cs typeface="Times New Roman" panose="02020603050405020304" pitchFamily="18" charset="0"/>
               </a:rPr>
-              <a:t>[2] URL:</a:t>
-            </a:r>
-          </a:p>
-          <a:p>
-            <a:pPr marL="0" indent="0" algn="just">
-              <a:buNone/>
-            </a:pPr>
+              <a:t>Ou seja, seu </a:t>
+            </a:r>
+            <a:r>
+              <a:rPr lang="pt-BR" sz="2000" b="1" dirty="0">
+                <a:latin typeface="Times New Roman" panose="02020603050405020304" pitchFamily="18" charset="0"/>
+                <a:cs typeface="Times New Roman" panose="02020603050405020304" pitchFamily="18" charset="0"/>
+              </a:rPr>
+              <a:t>objeto assumiu a forma da subclasse</a:t>
+            </a:r>
             <a:r>
               <a:rPr lang="pt-BR" sz="2000" dirty="0">
                 <a:latin typeface="Times New Roman" panose="02020603050405020304" pitchFamily="18" charset="0"/>
                 <a:cs typeface="Times New Roman" panose="02020603050405020304" pitchFamily="18" charset="0"/>
               </a:rPr>
-              <a:t> </a:t>
+              <a:t>, embora ele também seja uma </a:t>
+            </a:r>
+            <a:r>
+              <a:rPr lang="pt-BR" sz="2000" b="1" dirty="0">
+                <a:solidFill>
+                  <a:srgbClr val="FF0000"/>
+                </a:solidFill>
+                <a:latin typeface="Times New Roman" panose="02020603050405020304" pitchFamily="18" charset="0"/>
+                <a:cs typeface="Times New Roman" panose="02020603050405020304" pitchFamily="18" charset="0"/>
+              </a:rPr>
+              <a:t>superclasse</a:t>
             </a:r>
             <a:r>
               <a:rPr lang="pt-BR" sz="2000" dirty="0">
-                <a:solidFill>
-                  <a:schemeClr val="tx1"/>
-                </a:solidFill>
-                <a:latin typeface="Times New Roman" panose="02020603050405020304" pitchFamily="18" charset="0"/>
-                <a:cs typeface="Times New Roman" panose="02020603050405020304" pitchFamily="18" charset="0"/>
-                <a:hlinkClick r:id="rId4"/>
-              </a:rPr>
-              <a:t>https://algoritmosempython.com.br/cursos/programacao-python/encapsulamento/</a:t>
-            </a:r>
-            <a:endParaRPr lang="pt-BR" sz="2000" dirty="0">
-              <a:solidFill>
-                <a:schemeClr val="tx1"/>
-              </a:solidFill>
-              <a:latin typeface="Times New Roman" panose="02020603050405020304" pitchFamily="18" charset="0"/>
-              <a:cs typeface="Times New Roman" panose="02020603050405020304" pitchFamily="18" charset="0"/>
-            </a:endParaRPr>
-          </a:p>
-          <a:p>
-            <a:pPr marL="0" indent="0" algn="just">
-              <a:buNone/>
-            </a:pPr>
-            <a:endParaRPr lang="pt-BR" sz="2000" dirty="0">
-              <a:latin typeface="Times New Roman" panose="02020603050405020304" pitchFamily="18" charset="0"/>
-              <a:cs typeface="Times New Roman" panose="02020603050405020304" pitchFamily="18" charset="0"/>
-            </a:endParaRPr>
-          </a:p>
-          <a:p>
-            <a:pPr marL="0" indent="0" algn="just">
-              <a:buNone/>
-            </a:pPr>
-            <a:endParaRPr lang="pt-BR" sz="2000" dirty="0">
-              <a:latin typeface="Times New Roman" panose="02020603050405020304" pitchFamily="18" charset="0"/>
-              <a:cs typeface="Times New Roman" panose="02020603050405020304" pitchFamily="18" charset="0"/>
-            </a:endParaRPr>
-          </a:p>
-          <a:p>
-            <a:pPr marL="0" indent="0" algn="just">
-              <a:buNone/>
-            </a:pPr>
-            <a:endParaRPr lang="pt-BR" sz="2000" dirty="0">
-              <a:latin typeface="Calibri" panose="020F0502020204030204" pitchFamily="34" charset="0"/>
-            </a:endParaRPr>
+                <a:latin typeface="Times New Roman" panose="02020603050405020304" pitchFamily="18" charset="0"/>
+                <a:cs typeface="Times New Roman" panose="02020603050405020304" pitchFamily="18" charset="0"/>
+              </a:rPr>
+              <a:t>. Dizemos que o método da subclasse fez uma </a:t>
+            </a:r>
+            <a:r>
+              <a:rPr lang="pt-BR" sz="2000" b="1" dirty="0">
+                <a:latin typeface="Times New Roman" panose="02020603050405020304" pitchFamily="18" charset="0"/>
+                <a:cs typeface="Times New Roman" panose="02020603050405020304" pitchFamily="18" charset="0"/>
+              </a:rPr>
+              <a:t>sobreposição</a:t>
+            </a:r>
+            <a:r>
+              <a:rPr lang="pt-BR" sz="2000" dirty="0">
+                <a:latin typeface="Times New Roman" panose="02020603050405020304" pitchFamily="18" charset="0"/>
+                <a:cs typeface="Times New Roman" panose="02020603050405020304" pitchFamily="18" charset="0"/>
+              </a:rPr>
+              <a:t>, ele sobrepôs, passou por cima, do </a:t>
+            </a:r>
+            <a:r>
+              <a:rPr lang="pt-BR" sz="2000" b="1" dirty="0">
+                <a:latin typeface="Times New Roman" panose="02020603050405020304" pitchFamily="18" charset="0"/>
+                <a:cs typeface="Times New Roman" panose="02020603050405020304" pitchFamily="18" charset="0"/>
+              </a:rPr>
+              <a:t>método da superclasse</a:t>
+            </a:r>
+            <a:r>
+              <a:rPr lang="pt-BR" sz="2000" dirty="0">
+                <a:latin typeface="Times New Roman" panose="02020603050405020304" pitchFamily="18" charset="0"/>
+                <a:cs typeface="Times New Roman" panose="02020603050405020304" pitchFamily="18" charset="0"/>
+              </a:rPr>
+              <a:t>.</a:t>
+            </a:r>
           </a:p>
         </p:txBody>
       </p:sp>
     </p:spTree>
     <p:extLst>
       <p:ext uri="{BB962C8B-B14F-4D97-AF65-F5344CB8AC3E}">
-        <p14:creationId xmlns:p14="http://schemas.microsoft.com/office/powerpoint/2010/main" val="3680270425"/>
+        <p14:creationId xmlns:p14="http://schemas.microsoft.com/office/powerpoint/2010/main" val="1451181704"/>
       </p:ext>
     </p:extLst>
   </p:cSld>
@@ -15383,42 +16142,27 @@
             <p:ph type="title"/>
           </p:nvPr>
         </p:nvSpPr>
-        <p:spPr/>
+        <p:spPr>
+          <a:xfrm>
+            <a:off x="288099" y="603389"/>
+            <a:ext cx="8719822" cy="549005"/>
+          </a:xfrm>
+        </p:spPr>
         <p:txBody>
           <a:bodyPr>
             <a:normAutofit/>
           </a:bodyPr>
           <a:lstStyle/>
           <a:p>
-            <a:r>
-              <a:rPr lang="en-US" b="1" dirty="0" err="1">
+            <a:pPr algn="ctr"/>
+            <a:r>
+              <a:rPr lang="en-US" b="1" dirty="0">
                 <a:solidFill>
                   <a:srgbClr val="0070C0"/>
                 </a:solidFill>
               </a:rPr>
-              <a:t>Dinâmica</a:t>
-            </a:r>
-            <a:r>
-              <a:rPr lang="en-US" b="1" dirty="0">
-                <a:solidFill>
-                  <a:srgbClr val="0070C0"/>
-                </a:solidFill>
-              </a:rPr>
-              <a:t>/</a:t>
-            </a:r>
-            <a:r>
-              <a:rPr lang="en-US" b="1" dirty="0" err="1">
-                <a:solidFill>
-                  <a:srgbClr val="0070C0"/>
-                </a:solidFill>
-              </a:rPr>
-              <a:t>Atividades</a:t>
-            </a:r>
-            <a:endParaRPr lang="en-US" b="1" dirty="0">
-              <a:solidFill>
-                <a:srgbClr val="0070C0"/>
-              </a:solidFill>
-            </a:endParaRPr>
+              <a:t>Python – CLASSES E OO POLIMORFISMO EXEMPLO</a:t>
+            </a:r>
           </a:p>
         </p:txBody>
       </p:sp>
@@ -15434,8 +16178,8 @@
         </p:nvSpPr>
         <p:spPr>
           <a:xfrm>
-            <a:off x="139472" y="1063230"/>
-            <a:ext cx="8865056" cy="3606305"/>
+            <a:off x="142865" y="1152394"/>
+            <a:ext cx="8865056" cy="3948048"/>
           </a:xfrm>
         </p:spPr>
         <p:txBody>
@@ -15444,36 +16188,601 @@
           </a:bodyPr>
           <a:lstStyle/>
           <a:p>
-            <a:pPr algn="just">
-              <a:buFontTx/>
-              <a:buChar char="-"/>
-            </a:pPr>
-            <a:r>
-              <a:rPr lang="pt-BR" dirty="0">
-                <a:latin typeface="Times New Roman" panose="02020603050405020304" pitchFamily="18" charset="0"/>
-                <a:cs typeface="Times New Roman" panose="02020603050405020304" pitchFamily="18" charset="0"/>
-              </a:rPr>
-              <a:t>Exercícios de Fixação</a:t>
-            </a:r>
-          </a:p>
-          <a:p>
             <a:pPr marL="0" indent="0" algn="just">
               <a:buNone/>
             </a:pPr>
             <a:r>
-              <a:rPr lang="pt-BR" dirty="0">
-                <a:latin typeface="Times New Roman" panose="02020603050405020304" pitchFamily="18" charset="0"/>
-                <a:cs typeface="Times New Roman" panose="02020603050405020304" pitchFamily="18" charset="0"/>
-              </a:rPr>
-              <a:t>	Desafios em Sala de Aula.</a:t>
-            </a:r>
+              <a:rPr lang="en-US" sz="1600" b="1" dirty="0">
+                <a:highlight>
+                  <a:srgbClr val="FFFF00"/>
+                </a:highlight>
+                <a:latin typeface="Times New Roman" panose="02020603050405020304" pitchFamily="18" charset="0"/>
+                <a:cs typeface="Times New Roman" panose="02020603050405020304" pitchFamily="18" charset="0"/>
+              </a:rPr>
+              <a:t>class</a:t>
+            </a:r>
+            <a:r>
+              <a:rPr lang="en-US" sz="1600" dirty="0">
+                <a:highlight>
+                  <a:srgbClr val="FFFF00"/>
+                </a:highlight>
+                <a:latin typeface="Times New Roman" panose="02020603050405020304" pitchFamily="18" charset="0"/>
+                <a:cs typeface="Times New Roman" panose="02020603050405020304" pitchFamily="18" charset="0"/>
+              </a:rPr>
+              <a:t> </a:t>
+            </a:r>
+            <a:r>
+              <a:rPr lang="en-US" sz="1600" b="1">
+                <a:solidFill>
+                  <a:srgbClr val="FF0000"/>
+                </a:solidFill>
+                <a:highlight>
+                  <a:srgbClr val="FFFF00"/>
+                </a:highlight>
+                <a:latin typeface="Times New Roman" panose="02020603050405020304" pitchFamily="18" charset="0"/>
+                <a:cs typeface="Times New Roman" panose="02020603050405020304" pitchFamily="18" charset="0"/>
+              </a:rPr>
+              <a:t>Super</a:t>
+            </a:r>
+            <a:r>
+              <a:rPr lang="en-US" sz="1600">
+                <a:highlight>
+                  <a:srgbClr val="FFFF00"/>
+                </a:highlight>
+                <a:latin typeface="Times New Roman" panose="02020603050405020304" pitchFamily="18" charset="0"/>
+                <a:cs typeface="Times New Roman" panose="02020603050405020304" pitchFamily="18" charset="0"/>
+              </a:rPr>
+              <a:t>: </a:t>
+            </a:r>
+            <a:r>
+              <a:rPr lang="en-US" sz="1600" b="1">
+                <a:solidFill>
+                  <a:srgbClr val="FF0000"/>
+                </a:solidFill>
+                <a:highlight>
+                  <a:srgbClr val="FFFF00"/>
+                </a:highlight>
+                <a:latin typeface="Times New Roman" panose="02020603050405020304" pitchFamily="18" charset="0"/>
+                <a:cs typeface="Times New Roman" panose="02020603050405020304" pitchFamily="18" charset="0"/>
+              </a:rPr>
+              <a:t>POLIMORFISMO DINÂMICO - OVERRIDE</a:t>
+            </a:r>
+            <a:endParaRPr lang="en-US" sz="1600" dirty="0">
+              <a:highlight>
+                <a:srgbClr val="FFFF00"/>
+              </a:highlight>
+              <a:latin typeface="Times New Roman" panose="02020603050405020304" pitchFamily="18" charset="0"/>
+              <a:cs typeface="Times New Roman" panose="02020603050405020304" pitchFamily="18" charset="0"/>
+            </a:endParaRPr>
+          </a:p>
+          <a:p>
+            <a:pPr marL="0" indent="0" algn="just">
+              <a:buNone/>
+            </a:pPr>
+            <a:r>
+              <a:rPr lang="en-US" sz="1600" b="1" dirty="0">
+                <a:highlight>
+                  <a:srgbClr val="FFFF00"/>
+                </a:highlight>
+                <a:latin typeface="Times New Roman" panose="02020603050405020304" pitchFamily="18" charset="0"/>
+                <a:cs typeface="Times New Roman" panose="02020603050405020304" pitchFamily="18" charset="0"/>
+              </a:rPr>
+              <a:t> def</a:t>
+            </a:r>
+            <a:r>
+              <a:rPr lang="en-US" sz="1600" dirty="0">
+                <a:highlight>
+                  <a:srgbClr val="FFFF00"/>
+                </a:highlight>
+                <a:latin typeface="Times New Roman" panose="02020603050405020304" pitchFamily="18" charset="0"/>
+                <a:cs typeface="Times New Roman" panose="02020603050405020304" pitchFamily="18" charset="0"/>
+              </a:rPr>
+              <a:t> hello(</a:t>
+            </a:r>
+            <a:r>
+              <a:rPr lang="en-US" sz="1600" b="1" dirty="0">
+                <a:highlight>
+                  <a:srgbClr val="FFFF00"/>
+                </a:highlight>
+                <a:latin typeface="Times New Roman" panose="02020603050405020304" pitchFamily="18" charset="0"/>
+                <a:cs typeface="Times New Roman" panose="02020603050405020304" pitchFamily="18" charset="0"/>
+              </a:rPr>
+              <a:t>self</a:t>
+            </a:r>
+            <a:r>
+              <a:rPr lang="en-US" sz="1600" dirty="0">
+                <a:highlight>
+                  <a:srgbClr val="FFFF00"/>
+                </a:highlight>
+                <a:latin typeface="Times New Roman" panose="02020603050405020304" pitchFamily="18" charset="0"/>
+                <a:cs typeface="Times New Roman" panose="02020603050405020304" pitchFamily="18" charset="0"/>
+              </a:rPr>
+              <a:t>):</a:t>
+            </a:r>
+          </a:p>
+          <a:p>
+            <a:pPr marL="0" indent="0" algn="just">
+              <a:buNone/>
+            </a:pPr>
+            <a:r>
+              <a:rPr lang="en-US" sz="1600" dirty="0">
+                <a:highlight>
+                  <a:srgbClr val="FFFF00"/>
+                </a:highlight>
+                <a:latin typeface="Times New Roman" panose="02020603050405020304" pitchFamily="18" charset="0"/>
+                <a:cs typeface="Times New Roman" panose="02020603050405020304" pitchFamily="18" charset="0"/>
+              </a:rPr>
+              <a:t>    </a:t>
+            </a:r>
+            <a:r>
+              <a:rPr lang="en-US" sz="1600" b="1" dirty="0">
+                <a:highlight>
+                  <a:srgbClr val="FFFF00"/>
+                </a:highlight>
+                <a:latin typeface="Times New Roman" panose="02020603050405020304" pitchFamily="18" charset="0"/>
+                <a:cs typeface="Times New Roman" panose="02020603050405020304" pitchFamily="18" charset="0"/>
+              </a:rPr>
+              <a:t>print</a:t>
+            </a:r>
+            <a:r>
+              <a:rPr lang="en-US" sz="1600" dirty="0">
+                <a:highlight>
+                  <a:srgbClr val="FFFF00"/>
+                </a:highlight>
+                <a:latin typeface="Times New Roman" panose="02020603050405020304" pitchFamily="18" charset="0"/>
+                <a:cs typeface="Times New Roman" panose="02020603050405020304" pitchFamily="18" charset="0"/>
+              </a:rPr>
+              <a:t>("</a:t>
+            </a:r>
+            <a:r>
+              <a:rPr lang="en-US" sz="1600" dirty="0" err="1">
+                <a:highlight>
+                  <a:srgbClr val="FFFF00"/>
+                </a:highlight>
+                <a:latin typeface="Times New Roman" panose="02020603050405020304" pitchFamily="18" charset="0"/>
+                <a:cs typeface="Times New Roman" panose="02020603050405020304" pitchFamily="18" charset="0"/>
+              </a:rPr>
+              <a:t>Olá</a:t>
+            </a:r>
+            <a:r>
+              <a:rPr lang="en-US" sz="1600" dirty="0">
+                <a:highlight>
+                  <a:srgbClr val="FFFF00"/>
+                </a:highlight>
+                <a:latin typeface="Times New Roman" panose="02020603050405020304" pitchFamily="18" charset="0"/>
+                <a:cs typeface="Times New Roman" panose="02020603050405020304" pitchFamily="18" charset="0"/>
+              </a:rPr>
+              <a:t>, sou a </a:t>
+            </a:r>
+            <a:r>
+              <a:rPr lang="en-US" sz="1600" dirty="0" err="1">
+                <a:highlight>
+                  <a:srgbClr val="FFFF00"/>
+                </a:highlight>
+                <a:latin typeface="Times New Roman" panose="02020603050405020304" pitchFamily="18" charset="0"/>
+                <a:cs typeface="Times New Roman" panose="02020603050405020304" pitchFamily="18" charset="0"/>
+              </a:rPr>
+              <a:t>superclasse</a:t>
+            </a:r>
+            <a:r>
+              <a:rPr lang="en-US" sz="1600" dirty="0">
+                <a:highlight>
+                  <a:srgbClr val="FFFF00"/>
+                </a:highlight>
+                <a:latin typeface="Times New Roman" panose="02020603050405020304" pitchFamily="18" charset="0"/>
+                <a:cs typeface="Times New Roman" panose="02020603050405020304" pitchFamily="18" charset="0"/>
+              </a:rPr>
+              <a:t>!")</a:t>
+            </a:r>
+          </a:p>
+          <a:p>
+            <a:pPr marL="0" indent="0" algn="just">
+              <a:buNone/>
+            </a:pPr>
+            <a:r>
+              <a:rPr lang="en-US" sz="1600" b="1" dirty="0">
+                <a:highlight>
+                  <a:srgbClr val="00FF00"/>
+                </a:highlight>
+                <a:latin typeface="Times New Roman" panose="02020603050405020304" pitchFamily="18" charset="0"/>
+                <a:cs typeface="Times New Roman" panose="02020603050405020304" pitchFamily="18" charset="0"/>
+              </a:rPr>
+              <a:t>class</a:t>
+            </a:r>
+            <a:r>
+              <a:rPr lang="en-US" sz="1600" dirty="0">
+                <a:highlight>
+                  <a:srgbClr val="00FF00"/>
+                </a:highlight>
+                <a:latin typeface="Times New Roman" panose="02020603050405020304" pitchFamily="18" charset="0"/>
+                <a:cs typeface="Times New Roman" panose="02020603050405020304" pitchFamily="18" charset="0"/>
+              </a:rPr>
+              <a:t> </a:t>
+            </a:r>
+            <a:r>
+              <a:rPr lang="en-US" sz="1600" b="1" dirty="0">
+                <a:highlight>
+                  <a:srgbClr val="00FF00"/>
+                </a:highlight>
+                <a:latin typeface="Times New Roman" panose="02020603050405020304" pitchFamily="18" charset="0"/>
+                <a:cs typeface="Times New Roman" panose="02020603050405020304" pitchFamily="18" charset="0"/>
+              </a:rPr>
+              <a:t>Sub</a:t>
+            </a:r>
+            <a:r>
+              <a:rPr lang="en-US" sz="1600" dirty="0">
+                <a:highlight>
+                  <a:srgbClr val="00FF00"/>
+                </a:highlight>
+                <a:latin typeface="Times New Roman" panose="02020603050405020304" pitchFamily="18" charset="0"/>
+                <a:cs typeface="Times New Roman" panose="02020603050405020304" pitchFamily="18" charset="0"/>
+              </a:rPr>
+              <a:t> (</a:t>
+            </a:r>
+            <a:r>
+              <a:rPr lang="en-US" sz="1600" b="1" dirty="0">
+                <a:solidFill>
+                  <a:srgbClr val="FF0000"/>
+                </a:solidFill>
+                <a:highlight>
+                  <a:srgbClr val="00FF00"/>
+                </a:highlight>
+                <a:latin typeface="Times New Roman" panose="02020603050405020304" pitchFamily="18" charset="0"/>
+                <a:cs typeface="Times New Roman" panose="02020603050405020304" pitchFamily="18" charset="0"/>
+              </a:rPr>
+              <a:t>Super</a:t>
+            </a:r>
+            <a:r>
+              <a:rPr lang="en-US" sz="1600" dirty="0">
+                <a:highlight>
+                  <a:srgbClr val="00FF00"/>
+                </a:highlight>
+                <a:latin typeface="Times New Roman" panose="02020603050405020304" pitchFamily="18" charset="0"/>
+                <a:cs typeface="Times New Roman" panose="02020603050405020304" pitchFamily="18" charset="0"/>
+              </a:rPr>
+              <a:t>):</a:t>
+            </a:r>
+          </a:p>
+          <a:p>
+            <a:pPr marL="0" indent="0" algn="just">
+              <a:buNone/>
+            </a:pPr>
+            <a:r>
+              <a:rPr lang="en-US" sz="1600" b="1" dirty="0">
+                <a:highlight>
+                  <a:srgbClr val="00FF00"/>
+                </a:highlight>
+                <a:latin typeface="Times New Roman" panose="02020603050405020304" pitchFamily="18" charset="0"/>
+                <a:cs typeface="Times New Roman" panose="02020603050405020304" pitchFamily="18" charset="0"/>
+              </a:rPr>
+              <a:t>  def</a:t>
+            </a:r>
+            <a:r>
+              <a:rPr lang="en-US" sz="1600" dirty="0">
+                <a:highlight>
+                  <a:srgbClr val="00FF00"/>
+                </a:highlight>
+                <a:latin typeface="Times New Roman" panose="02020603050405020304" pitchFamily="18" charset="0"/>
+                <a:cs typeface="Times New Roman" panose="02020603050405020304" pitchFamily="18" charset="0"/>
+              </a:rPr>
+              <a:t> hello(self):</a:t>
+            </a:r>
+          </a:p>
+          <a:p>
+            <a:pPr marL="0" indent="0" algn="just">
+              <a:buNone/>
+            </a:pPr>
+            <a:r>
+              <a:rPr lang="en-US" sz="1600" b="1" dirty="0">
+                <a:highlight>
+                  <a:srgbClr val="00FF00"/>
+                </a:highlight>
+                <a:latin typeface="Times New Roman" panose="02020603050405020304" pitchFamily="18" charset="0"/>
+                <a:cs typeface="Times New Roman" panose="02020603050405020304" pitchFamily="18" charset="0"/>
+              </a:rPr>
+              <a:t>     print</a:t>
+            </a:r>
+            <a:r>
+              <a:rPr lang="en-US" sz="1600" dirty="0">
+                <a:highlight>
+                  <a:srgbClr val="00FF00"/>
+                </a:highlight>
+                <a:latin typeface="Times New Roman" panose="02020603050405020304" pitchFamily="18" charset="0"/>
+                <a:cs typeface="Times New Roman" panose="02020603050405020304" pitchFamily="18" charset="0"/>
+              </a:rPr>
+              <a:t>("</a:t>
+            </a:r>
+            <a:r>
+              <a:rPr lang="en-US" sz="1600" dirty="0" err="1">
+                <a:highlight>
+                  <a:srgbClr val="00FF00"/>
+                </a:highlight>
+                <a:latin typeface="Times New Roman" panose="02020603050405020304" pitchFamily="18" charset="0"/>
+                <a:cs typeface="Times New Roman" panose="02020603050405020304" pitchFamily="18" charset="0"/>
+              </a:rPr>
+              <a:t>Olá</a:t>
+            </a:r>
+            <a:r>
+              <a:rPr lang="en-US" sz="1600" dirty="0">
+                <a:highlight>
+                  <a:srgbClr val="00FF00"/>
+                </a:highlight>
+                <a:latin typeface="Times New Roman" panose="02020603050405020304" pitchFamily="18" charset="0"/>
+                <a:cs typeface="Times New Roman" panose="02020603050405020304" pitchFamily="18" charset="0"/>
+              </a:rPr>
+              <a:t>, sou a </a:t>
+            </a:r>
+            <a:r>
+              <a:rPr lang="en-US" sz="1600" dirty="0" err="1">
+                <a:highlight>
+                  <a:srgbClr val="00FF00"/>
+                </a:highlight>
+                <a:latin typeface="Times New Roman" panose="02020603050405020304" pitchFamily="18" charset="0"/>
+                <a:cs typeface="Times New Roman" panose="02020603050405020304" pitchFamily="18" charset="0"/>
+              </a:rPr>
+              <a:t>subclasse</a:t>
+            </a:r>
+            <a:r>
+              <a:rPr lang="en-US" sz="1600" dirty="0">
+                <a:highlight>
+                  <a:srgbClr val="00FF00"/>
+                </a:highlight>
+                <a:latin typeface="Times New Roman" panose="02020603050405020304" pitchFamily="18" charset="0"/>
+                <a:cs typeface="Times New Roman" panose="02020603050405020304" pitchFamily="18" charset="0"/>
+              </a:rPr>
+              <a:t>!")</a:t>
+            </a:r>
+          </a:p>
+          <a:p>
+            <a:pPr marL="0" indent="0" algn="just">
+              <a:buNone/>
+            </a:pPr>
+            <a:r>
+              <a:rPr lang="en-US" sz="1600" b="1" dirty="0">
+                <a:highlight>
+                  <a:srgbClr val="00FFFF"/>
+                </a:highlight>
+                <a:latin typeface="Times New Roman" panose="02020603050405020304" pitchFamily="18" charset="0"/>
+                <a:cs typeface="Times New Roman" panose="02020603050405020304" pitchFamily="18" charset="0"/>
+              </a:rPr>
+              <a:t>class</a:t>
+            </a:r>
+            <a:r>
+              <a:rPr lang="en-US" sz="1600" dirty="0">
+                <a:highlight>
+                  <a:srgbClr val="00FFFF"/>
+                </a:highlight>
+                <a:latin typeface="Times New Roman" panose="02020603050405020304" pitchFamily="18" charset="0"/>
+                <a:cs typeface="Times New Roman" panose="02020603050405020304" pitchFamily="18" charset="0"/>
+              </a:rPr>
+              <a:t> </a:t>
+            </a:r>
+            <a:r>
+              <a:rPr lang="en-US" sz="1600" b="1" dirty="0" err="1">
+                <a:solidFill>
+                  <a:srgbClr val="FF0000"/>
+                </a:solidFill>
+                <a:highlight>
+                  <a:srgbClr val="00FFFF"/>
+                </a:highlight>
+                <a:latin typeface="Times New Roman" panose="02020603050405020304" pitchFamily="18" charset="0"/>
+                <a:cs typeface="Times New Roman" panose="02020603050405020304" pitchFamily="18" charset="0"/>
+              </a:rPr>
+              <a:t>Subsub</a:t>
+            </a:r>
+            <a:r>
+              <a:rPr lang="en-US" sz="1600" dirty="0">
+                <a:highlight>
+                  <a:srgbClr val="00FFFF"/>
+                </a:highlight>
+                <a:latin typeface="Times New Roman" panose="02020603050405020304" pitchFamily="18" charset="0"/>
+                <a:cs typeface="Times New Roman" panose="02020603050405020304" pitchFamily="18" charset="0"/>
+              </a:rPr>
+              <a:t> (</a:t>
+            </a:r>
+            <a:r>
+              <a:rPr lang="en-US" sz="1600" b="1" dirty="0">
+                <a:highlight>
+                  <a:srgbClr val="00FFFF"/>
+                </a:highlight>
+                <a:latin typeface="Times New Roman" panose="02020603050405020304" pitchFamily="18" charset="0"/>
+                <a:cs typeface="Times New Roman" panose="02020603050405020304" pitchFamily="18" charset="0"/>
+              </a:rPr>
+              <a:t>Sub</a:t>
+            </a:r>
+            <a:r>
+              <a:rPr lang="en-US" sz="1600" dirty="0">
+                <a:highlight>
+                  <a:srgbClr val="00FFFF"/>
+                </a:highlight>
+                <a:latin typeface="Times New Roman" panose="02020603050405020304" pitchFamily="18" charset="0"/>
+                <a:cs typeface="Times New Roman" panose="02020603050405020304" pitchFamily="18" charset="0"/>
+              </a:rPr>
+              <a:t>):</a:t>
+            </a:r>
+          </a:p>
+          <a:p>
+            <a:pPr marL="0" indent="0" algn="just">
+              <a:buNone/>
+            </a:pPr>
+            <a:r>
+              <a:rPr lang="en-US" sz="1600" dirty="0">
+                <a:highlight>
+                  <a:srgbClr val="00FFFF"/>
+                </a:highlight>
+                <a:latin typeface="Times New Roman" panose="02020603050405020304" pitchFamily="18" charset="0"/>
+                <a:cs typeface="Times New Roman" panose="02020603050405020304" pitchFamily="18" charset="0"/>
+              </a:rPr>
+              <a:t>   </a:t>
+            </a:r>
+            <a:r>
+              <a:rPr lang="en-US" sz="1600" b="1" dirty="0">
+                <a:highlight>
+                  <a:srgbClr val="00FFFF"/>
+                </a:highlight>
+                <a:latin typeface="Times New Roman" panose="02020603050405020304" pitchFamily="18" charset="0"/>
+                <a:cs typeface="Times New Roman" panose="02020603050405020304" pitchFamily="18" charset="0"/>
+              </a:rPr>
+              <a:t>def</a:t>
+            </a:r>
+            <a:r>
+              <a:rPr lang="en-US" sz="1600" dirty="0">
+                <a:highlight>
+                  <a:srgbClr val="00FFFF"/>
+                </a:highlight>
+                <a:latin typeface="Times New Roman" panose="02020603050405020304" pitchFamily="18" charset="0"/>
+                <a:cs typeface="Times New Roman" panose="02020603050405020304" pitchFamily="18" charset="0"/>
+              </a:rPr>
+              <a:t> hello(self):</a:t>
+            </a:r>
+          </a:p>
+          <a:p>
+            <a:pPr marL="0" indent="0" algn="just">
+              <a:buNone/>
+            </a:pPr>
+            <a:r>
+              <a:rPr lang="en-US" sz="1600" b="1" dirty="0">
+                <a:highlight>
+                  <a:srgbClr val="00FFFF"/>
+                </a:highlight>
+                <a:latin typeface="Times New Roman" panose="02020603050405020304" pitchFamily="18" charset="0"/>
+                <a:cs typeface="Times New Roman" panose="02020603050405020304" pitchFamily="18" charset="0"/>
+              </a:rPr>
+              <a:t>       print</a:t>
+            </a:r>
+            <a:r>
+              <a:rPr lang="en-US" sz="1600" dirty="0">
+                <a:highlight>
+                  <a:srgbClr val="00FFFF"/>
+                </a:highlight>
+                <a:latin typeface="Times New Roman" panose="02020603050405020304" pitchFamily="18" charset="0"/>
+                <a:cs typeface="Times New Roman" panose="02020603050405020304" pitchFamily="18" charset="0"/>
+              </a:rPr>
+              <a:t>("</a:t>
+            </a:r>
+            <a:r>
+              <a:rPr lang="en-US" sz="1600" dirty="0" err="1">
+                <a:highlight>
+                  <a:srgbClr val="00FFFF"/>
+                </a:highlight>
+                <a:latin typeface="Times New Roman" panose="02020603050405020304" pitchFamily="18" charset="0"/>
+                <a:cs typeface="Times New Roman" panose="02020603050405020304" pitchFamily="18" charset="0"/>
+              </a:rPr>
+              <a:t>Olá</a:t>
+            </a:r>
+            <a:r>
+              <a:rPr lang="en-US" sz="1600" dirty="0">
+                <a:highlight>
+                  <a:srgbClr val="00FFFF"/>
+                </a:highlight>
+                <a:latin typeface="Times New Roman" panose="02020603050405020304" pitchFamily="18" charset="0"/>
+                <a:cs typeface="Times New Roman" panose="02020603050405020304" pitchFamily="18" charset="0"/>
+              </a:rPr>
+              <a:t>, sou a </a:t>
+            </a:r>
+            <a:r>
+              <a:rPr lang="en-US" sz="1600" dirty="0" err="1">
+                <a:highlight>
+                  <a:srgbClr val="00FFFF"/>
+                </a:highlight>
+                <a:latin typeface="Times New Roman" panose="02020603050405020304" pitchFamily="18" charset="0"/>
+                <a:cs typeface="Times New Roman" panose="02020603050405020304" pitchFamily="18" charset="0"/>
+              </a:rPr>
+              <a:t>subsubclasse</a:t>
+            </a:r>
+            <a:r>
+              <a:rPr lang="en-US" sz="1600" dirty="0">
+                <a:highlight>
+                  <a:srgbClr val="00FFFF"/>
+                </a:highlight>
+                <a:latin typeface="Times New Roman" panose="02020603050405020304" pitchFamily="18" charset="0"/>
+                <a:cs typeface="Times New Roman" panose="02020603050405020304" pitchFamily="18" charset="0"/>
+              </a:rPr>
+              <a:t>!")</a:t>
+            </a:r>
+          </a:p>
+          <a:p>
+            <a:pPr marL="0" indent="0" algn="just">
+              <a:buNone/>
+            </a:pPr>
+            <a:r>
+              <a:rPr lang="en-US" sz="1600" b="1" dirty="0">
+                <a:latin typeface="Times New Roman" panose="02020603050405020304" pitchFamily="18" charset="0"/>
+                <a:cs typeface="Times New Roman" panose="02020603050405020304" pitchFamily="18" charset="0"/>
+              </a:rPr>
+              <a:t>teste</a:t>
+            </a:r>
+            <a:r>
+              <a:rPr lang="en-US" sz="1600" dirty="0">
+                <a:latin typeface="Times New Roman" panose="02020603050405020304" pitchFamily="18" charset="0"/>
+                <a:cs typeface="Times New Roman" panose="02020603050405020304" pitchFamily="18" charset="0"/>
+              </a:rPr>
+              <a:t> = </a:t>
+            </a:r>
+            <a:r>
+              <a:rPr lang="en-US" sz="1600" b="1" dirty="0" err="1">
+                <a:highlight>
+                  <a:srgbClr val="00FFFF"/>
+                </a:highlight>
+                <a:latin typeface="Times New Roman" panose="02020603050405020304" pitchFamily="18" charset="0"/>
+                <a:cs typeface="Times New Roman" panose="02020603050405020304" pitchFamily="18" charset="0"/>
+              </a:rPr>
+              <a:t>Subsub</a:t>
+            </a:r>
+            <a:r>
+              <a:rPr lang="en-US" sz="1600" dirty="0">
+                <a:latin typeface="Times New Roman" panose="02020603050405020304" pitchFamily="18" charset="0"/>
+                <a:cs typeface="Times New Roman" panose="02020603050405020304" pitchFamily="18" charset="0"/>
+              </a:rPr>
+              <a:t>()</a:t>
+            </a:r>
+          </a:p>
+          <a:p>
+            <a:pPr marL="0" indent="0" algn="just">
+              <a:buNone/>
+            </a:pPr>
+            <a:r>
+              <a:rPr lang="en-US" sz="1600" b="1" dirty="0" err="1">
+                <a:latin typeface="Times New Roman" panose="02020603050405020304" pitchFamily="18" charset="0"/>
+                <a:cs typeface="Times New Roman" panose="02020603050405020304" pitchFamily="18" charset="0"/>
+              </a:rPr>
+              <a:t>teste</a:t>
+            </a:r>
+            <a:r>
+              <a:rPr lang="en-US" sz="1600" dirty="0" err="1">
+                <a:latin typeface="Times New Roman" panose="02020603050405020304" pitchFamily="18" charset="0"/>
+                <a:cs typeface="Times New Roman" panose="02020603050405020304" pitchFamily="18" charset="0"/>
+              </a:rPr>
+              <a:t>.</a:t>
+            </a:r>
+            <a:r>
+              <a:rPr lang="en-US" sz="1600" b="1" dirty="0" err="1">
+                <a:solidFill>
+                  <a:srgbClr val="FF0000"/>
+                </a:solidFill>
+                <a:latin typeface="Times New Roman" panose="02020603050405020304" pitchFamily="18" charset="0"/>
+                <a:cs typeface="Times New Roman" panose="02020603050405020304" pitchFamily="18" charset="0"/>
+              </a:rPr>
+              <a:t>hello</a:t>
+            </a:r>
+            <a:r>
+              <a:rPr lang="en-US" sz="1600" dirty="0">
+                <a:latin typeface="Times New Roman" panose="02020603050405020304" pitchFamily="18" charset="0"/>
+                <a:cs typeface="Times New Roman" panose="02020603050405020304" pitchFamily="18" charset="0"/>
+              </a:rPr>
+              <a:t>()</a:t>
+            </a:r>
+            <a:endParaRPr lang="pt-BR" sz="1600" dirty="0">
+              <a:latin typeface="Times New Roman" panose="02020603050405020304" pitchFamily="18" charset="0"/>
+              <a:cs typeface="Times New Roman" panose="02020603050405020304" pitchFamily="18" charset="0"/>
+            </a:endParaRPr>
           </a:p>
         </p:txBody>
       </p:sp>
     </p:spTree>
     <p:extLst>
       <p:ext uri="{BB962C8B-B14F-4D97-AF65-F5344CB8AC3E}">
-        <p14:creationId xmlns:p14="http://schemas.microsoft.com/office/powerpoint/2010/main" val="2470652989"/>
+        <p14:creationId xmlns:p14="http://schemas.microsoft.com/office/powerpoint/2010/main" val="3350536174"/>
       </p:ext>
     </p:extLst>
   </p:cSld>
@@ -15524,6 +16833,607 @@
                   <a:srgbClr val="0070C0"/>
                 </a:solidFill>
               </a:rPr>
+              <a:t>Leitura</a:t>
+            </a:r>
+            <a:r>
+              <a:rPr lang="en-US" b="1" dirty="0">
+                <a:solidFill>
+                  <a:srgbClr val="0070C0"/>
+                </a:solidFill>
+              </a:rPr>
+              <a:t> </a:t>
+            </a:r>
+            <a:r>
+              <a:rPr lang="en-US" b="1" dirty="0" err="1">
+                <a:solidFill>
+                  <a:srgbClr val="0070C0"/>
+                </a:solidFill>
+              </a:rPr>
+              <a:t>Específica</a:t>
+            </a:r>
+            <a:endParaRPr lang="en-US" b="1" dirty="0">
+              <a:solidFill>
+                <a:srgbClr val="0070C0"/>
+              </a:solidFill>
+            </a:endParaRPr>
+          </a:p>
+        </p:txBody>
+      </p:sp>
+      <p:sp>
+        <p:nvSpPr>
+          <p:cNvPr id="8" name="Text Placeholder 2"/>
+          <p:cNvSpPr>
+            <a:spLocks noGrp="1"/>
+          </p:cNvSpPr>
+          <p:nvPr>
+            <p:ph type="body" sz="half" idx="1"/>
+          </p:nvPr>
+        </p:nvSpPr>
+        <p:spPr>
+          <a:xfrm>
+            <a:off x="142865" y="1200150"/>
+            <a:ext cx="8865056" cy="3867149"/>
+          </a:xfrm>
+        </p:spPr>
+        <p:txBody>
+          <a:bodyPr>
+            <a:noAutofit/>
+          </a:bodyPr>
+          <a:lstStyle/>
+          <a:p>
+            <a:pPr marL="0" indent="0" algn="just">
+              <a:buNone/>
+            </a:pPr>
+            <a:r>
+              <a:rPr lang="pt-BR" sz="2400" dirty="0">
+                <a:latin typeface="Times New Roman" panose="02020603050405020304" pitchFamily="18" charset="0"/>
+                <a:cs typeface="Times New Roman" panose="02020603050405020304" pitchFamily="18" charset="0"/>
+              </a:rPr>
+              <a:t>-- </a:t>
+            </a:r>
+            <a:r>
+              <a:rPr lang="pt-BR" sz="2400" b="1" dirty="0">
+                <a:latin typeface="Times New Roman" panose="02020603050405020304" pitchFamily="18" charset="0"/>
+                <a:cs typeface="Times New Roman" panose="02020603050405020304" pitchFamily="18" charset="0"/>
+              </a:rPr>
+              <a:t>Classe/Herança/Polimorfismo</a:t>
+            </a:r>
+            <a:endParaRPr lang="pt-BR" sz="2400" dirty="0">
+              <a:latin typeface="Times New Roman" panose="02020603050405020304" pitchFamily="18" charset="0"/>
+              <a:cs typeface="Times New Roman" panose="02020603050405020304" pitchFamily="18" charset="0"/>
+            </a:endParaRPr>
+          </a:p>
+          <a:p>
+            <a:pPr marL="0" indent="0" algn="just">
+              <a:buNone/>
+            </a:pPr>
+            <a:r>
+              <a:rPr lang="pt-BR" sz="2400" dirty="0">
+                <a:latin typeface="Times New Roman" panose="02020603050405020304" pitchFamily="18" charset="0"/>
+                <a:cs typeface="Times New Roman" panose="02020603050405020304" pitchFamily="18" charset="0"/>
+              </a:rPr>
+              <a:t>[1] URL:</a:t>
+            </a:r>
+          </a:p>
+          <a:p>
+            <a:pPr marL="0" indent="0" algn="just">
+              <a:buNone/>
+            </a:pPr>
+            <a:r>
+              <a:rPr lang="pt-BR" sz="2400" dirty="0">
+                <a:latin typeface="Times New Roman" panose="02020603050405020304" pitchFamily="18" charset="0"/>
+                <a:cs typeface="Times New Roman" panose="02020603050405020304" pitchFamily="18" charset="0"/>
+              </a:rPr>
+              <a:t> </a:t>
+            </a:r>
+            <a:r>
+              <a:rPr lang="pt-BR" sz="2400" dirty="0">
+                <a:latin typeface="Times New Roman" panose="02020603050405020304" pitchFamily="18" charset="0"/>
+                <a:cs typeface="Times New Roman" panose="02020603050405020304" pitchFamily="18" charset="0"/>
+                <a:hlinkClick r:id="rId3"/>
+              </a:rPr>
+              <a:t>https://www.w3schools.com/python/python_classes.asp</a:t>
+            </a:r>
+            <a:r>
+              <a:rPr lang="pt-BR" sz="2400" dirty="0">
+                <a:latin typeface="Times New Roman" panose="02020603050405020304" pitchFamily="18" charset="0"/>
+                <a:cs typeface="Times New Roman" panose="02020603050405020304" pitchFamily="18" charset="0"/>
+              </a:rPr>
+              <a:t> </a:t>
+            </a:r>
+          </a:p>
+          <a:p>
+            <a:pPr marL="0" indent="0" algn="just">
+              <a:buNone/>
+            </a:pPr>
+            <a:r>
+              <a:rPr lang="pt-BR" sz="2400" dirty="0">
+                <a:latin typeface="Times New Roman" panose="02020603050405020304" pitchFamily="18" charset="0"/>
+                <a:cs typeface="Times New Roman" panose="02020603050405020304" pitchFamily="18" charset="0"/>
+              </a:rPr>
+              <a:t>-- </a:t>
+            </a:r>
+            <a:r>
+              <a:rPr lang="pt-BR" sz="2400" b="1" dirty="0">
+                <a:latin typeface="Times New Roman" panose="02020603050405020304" pitchFamily="18" charset="0"/>
+                <a:cs typeface="Times New Roman" panose="02020603050405020304" pitchFamily="18" charset="0"/>
+              </a:rPr>
+              <a:t>OO</a:t>
+            </a:r>
+            <a:endParaRPr lang="pt-BR" sz="2400" dirty="0">
+              <a:latin typeface="Times New Roman" panose="02020603050405020304" pitchFamily="18" charset="0"/>
+              <a:cs typeface="Times New Roman" panose="02020603050405020304" pitchFamily="18" charset="0"/>
+            </a:endParaRPr>
+          </a:p>
+          <a:p>
+            <a:pPr marL="0" indent="0" algn="just">
+              <a:buNone/>
+            </a:pPr>
+            <a:r>
+              <a:rPr lang="pt-BR" sz="2400" dirty="0">
+                <a:latin typeface="Times New Roman" panose="02020603050405020304" pitchFamily="18" charset="0"/>
+                <a:cs typeface="Times New Roman" panose="02020603050405020304" pitchFamily="18" charset="0"/>
+              </a:rPr>
+              <a:t>[2] URL : </a:t>
+            </a:r>
+            <a:r>
+              <a:rPr lang="pt-BR" sz="2400" dirty="0">
+                <a:latin typeface="Times New Roman" panose="02020603050405020304" pitchFamily="18" charset="0"/>
+                <a:cs typeface="Times New Roman" panose="02020603050405020304" pitchFamily="18" charset="0"/>
+                <a:hlinkClick r:id="rId4"/>
+              </a:rPr>
+              <a:t>https://docs.python.org/pt-br/3/tutorial/</a:t>
+            </a:r>
+            <a:endParaRPr lang="pt-BR" sz="2400" dirty="0">
+              <a:latin typeface="Times New Roman" panose="02020603050405020304" pitchFamily="18" charset="0"/>
+              <a:cs typeface="Times New Roman" panose="02020603050405020304" pitchFamily="18" charset="0"/>
+            </a:endParaRPr>
+          </a:p>
+          <a:p>
+            <a:pPr marL="0" indent="0" algn="just">
+              <a:buNone/>
+            </a:pPr>
+            <a:r>
+              <a:rPr lang="pt-BR" sz="2400" dirty="0">
+                <a:latin typeface="Times New Roman" panose="02020603050405020304" pitchFamily="18" charset="0"/>
+                <a:cs typeface="Times New Roman" panose="02020603050405020304" pitchFamily="18" charset="0"/>
+              </a:rPr>
+              <a:t>- </a:t>
+            </a:r>
+            <a:r>
+              <a:rPr lang="pt-BR" sz="2400" b="1" dirty="0">
+                <a:latin typeface="Times New Roman" panose="02020603050405020304" pitchFamily="18" charset="0"/>
+                <a:cs typeface="Times New Roman" panose="02020603050405020304" pitchFamily="18" charset="0"/>
+              </a:rPr>
+              <a:t>Polimorfismo</a:t>
+            </a:r>
+          </a:p>
+          <a:p>
+            <a:pPr marL="0" indent="0" algn="just">
+              <a:buNone/>
+            </a:pPr>
+            <a:r>
+              <a:rPr lang="pt-BR" sz="2400" dirty="0">
+                <a:latin typeface="Times New Roman" panose="02020603050405020304" pitchFamily="18" charset="0"/>
+                <a:cs typeface="Times New Roman" panose="02020603050405020304" pitchFamily="18" charset="0"/>
+              </a:rPr>
+              <a:t>[3] URL: </a:t>
+            </a:r>
+            <a:r>
+              <a:rPr lang="pt-BR" sz="2400" dirty="0">
+                <a:latin typeface="Times New Roman" panose="02020603050405020304" pitchFamily="18" charset="0"/>
+                <a:cs typeface="Times New Roman" panose="02020603050405020304" pitchFamily="18" charset="0"/>
+                <a:hlinkClick r:id="rId5"/>
+              </a:rPr>
+              <a:t>https://materialpublic.imd.ufrn.br/curso/disciplina/2/8</a:t>
+            </a:r>
+            <a:r>
+              <a:rPr lang="pt-BR" sz="2400" dirty="0">
+                <a:latin typeface="Times New Roman" panose="02020603050405020304" pitchFamily="18" charset="0"/>
+                <a:cs typeface="Times New Roman" panose="02020603050405020304" pitchFamily="18" charset="0"/>
+              </a:rPr>
+              <a:t>  </a:t>
+            </a:r>
+            <a:endParaRPr lang="pt-BR" sz="2400" dirty="0">
+              <a:latin typeface="Calibri" panose="020F0502020204030204" pitchFamily="34" charset="0"/>
+            </a:endParaRPr>
+          </a:p>
+        </p:txBody>
+      </p:sp>
+    </p:spTree>
+    <p:extLst>
+      <p:ext uri="{BB962C8B-B14F-4D97-AF65-F5344CB8AC3E}">
+        <p14:creationId xmlns:p14="http://schemas.microsoft.com/office/powerpoint/2010/main" val="2747596967"/>
+      </p:ext>
+    </p:extLst>
+  </p:cSld>
+  <p:clrMapOvr>
+    <a:masterClrMapping/>
+  </p:clrMapOvr>
+  <p:transition spd="med"/>
+</p:sld>
+</file>
+
+<file path=ppt/slides/slide34.xml><?xml version="1.0" encoding="utf-8"?>
+<p:sld xmlns:a="http://schemas.openxmlformats.org/drawingml/2006/main" xmlns:r="http://schemas.openxmlformats.org/officeDocument/2006/relationships" xmlns:p="http://schemas.openxmlformats.org/presentationml/2006/main">
+  <p:cSld>
+    <p:spTree>
+      <p:nvGrpSpPr>
+        <p:cNvPr id="1" name=""/>
+        <p:cNvGrpSpPr/>
+        <p:nvPr/>
+      </p:nvGrpSpPr>
+      <p:grpSpPr>
+        <a:xfrm>
+          <a:off x="0" y="0"/>
+          <a:ext cx="0" cy="0"/>
+          <a:chOff x="0" y="0"/>
+          <a:chExt cx="0" cy="0"/>
+        </a:xfrm>
+      </p:grpSpPr>
+      <p:sp>
+        <p:nvSpPr>
+          <p:cNvPr id="6" name="Title 1"/>
+          <p:cNvSpPr>
+            <a:spLocks noGrp="1"/>
+          </p:cNvSpPr>
+          <p:nvPr>
+            <p:ph type="title"/>
+          </p:nvPr>
+        </p:nvSpPr>
+        <p:spPr/>
+        <p:txBody>
+          <a:bodyPr>
+            <a:normAutofit/>
+          </a:bodyPr>
+          <a:lstStyle/>
+          <a:p>
+            <a:r>
+              <a:rPr lang="en-US" b="1" dirty="0" err="1">
+                <a:solidFill>
+                  <a:srgbClr val="0070C0"/>
+                </a:solidFill>
+              </a:rPr>
+              <a:t>Aprenda</a:t>
+            </a:r>
+            <a:r>
+              <a:rPr lang="en-US" b="1" dirty="0">
+                <a:solidFill>
+                  <a:srgbClr val="0070C0"/>
+                </a:solidFill>
+              </a:rPr>
+              <a:t>+</a:t>
+            </a:r>
+          </a:p>
+        </p:txBody>
+      </p:sp>
+      <p:sp>
+        <p:nvSpPr>
+          <p:cNvPr id="8" name="Text Placeholder 2"/>
+          <p:cNvSpPr>
+            <a:spLocks noGrp="1"/>
+          </p:cNvSpPr>
+          <p:nvPr>
+            <p:ph type="body" sz="half" idx="1"/>
+          </p:nvPr>
+        </p:nvSpPr>
+        <p:spPr>
+          <a:xfrm>
+            <a:off x="142865" y="1200151"/>
+            <a:ext cx="8865056" cy="3394472"/>
+          </a:xfrm>
+        </p:spPr>
+        <p:txBody>
+          <a:bodyPr>
+            <a:noAutofit/>
+          </a:bodyPr>
+          <a:lstStyle/>
+          <a:p>
+            <a:pPr marL="0" indent="0" algn="just">
+              <a:buNone/>
+            </a:pPr>
+            <a:endParaRPr lang="pt-BR" sz="2000" dirty="0">
+              <a:latin typeface="Times New Roman" panose="02020603050405020304" pitchFamily="18" charset="0"/>
+              <a:cs typeface="Times New Roman" panose="02020603050405020304" pitchFamily="18" charset="0"/>
+            </a:endParaRPr>
+          </a:p>
+          <a:p>
+            <a:pPr marL="0" indent="0" algn="just">
+              <a:buNone/>
+            </a:pPr>
+            <a:r>
+              <a:rPr lang="pt-BR" sz="2000" dirty="0">
+                <a:latin typeface="Times New Roman" panose="02020603050405020304" pitchFamily="18" charset="0"/>
+                <a:cs typeface="Times New Roman" panose="02020603050405020304" pitchFamily="18" charset="0"/>
+              </a:rPr>
+              <a:t>[1] URL:</a:t>
+            </a:r>
+          </a:p>
+          <a:p>
+            <a:pPr marL="0" indent="0" algn="just">
+              <a:buNone/>
+            </a:pPr>
+            <a:r>
+              <a:rPr lang="pt-BR" sz="2000" dirty="0">
+                <a:latin typeface="Times New Roman" panose="02020603050405020304" pitchFamily="18" charset="0"/>
+                <a:cs typeface="Times New Roman" panose="02020603050405020304" pitchFamily="18" charset="0"/>
+              </a:rPr>
+              <a:t> </a:t>
+            </a:r>
+            <a:r>
+              <a:rPr lang="pt-BR" sz="2000" dirty="0">
+                <a:latin typeface="Times New Roman" panose="02020603050405020304" pitchFamily="18" charset="0"/>
+                <a:cs typeface="Times New Roman" panose="02020603050405020304" pitchFamily="18" charset="0"/>
+                <a:hlinkClick r:id="rId3"/>
+              </a:rPr>
+              <a:t>https://www.youtube.com/watch?v=Xo1oCx6hqG4/</a:t>
+            </a:r>
+            <a:endParaRPr lang="pt-BR" sz="2000" dirty="0">
+              <a:latin typeface="Times New Roman" panose="02020603050405020304" pitchFamily="18" charset="0"/>
+              <a:cs typeface="Times New Roman" panose="02020603050405020304" pitchFamily="18" charset="0"/>
+            </a:endParaRPr>
+          </a:p>
+          <a:p>
+            <a:pPr marL="0" indent="0" algn="just">
+              <a:buNone/>
+            </a:pPr>
+            <a:endParaRPr lang="pt-BR" sz="2000" dirty="0">
+              <a:latin typeface="Times New Roman" panose="02020603050405020304" pitchFamily="18" charset="0"/>
+              <a:cs typeface="Times New Roman" panose="02020603050405020304" pitchFamily="18" charset="0"/>
+            </a:endParaRPr>
+          </a:p>
+          <a:p>
+            <a:pPr marL="0" indent="0" algn="just">
+              <a:buNone/>
+            </a:pPr>
+            <a:r>
+              <a:rPr lang="pt-BR" sz="2000" dirty="0">
+                <a:latin typeface="Times New Roman" panose="02020603050405020304" pitchFamily="18" charset="0"/>
+                <a:cs typeface="Times New Roman" panose="02020603050405020304" pitchFamily="18" charset="0"/>
+              </a:rPr>
+              <a:t>[2] URL:</a:t>
+            </a:r>
+          </a:p>
+          <a:p>
+            <a:pPr marL="0" indent="0" algn="just">
+              <a:buNone/>
+            </a:pPr>
+            <a:r>
+              <a:rPr lang="pt-BR" sz="2000" dirty="0">
+                <a:latin typeface="Times New Roman" panose="02020603050405020304" pitchFamily="18" charset="0"/>
+                <a:cs typeface="Times New Roman" panose="02020603050405020304" pitchFamily="18" charset="0"/>
+              </a:rPr>
+              <a:t> </a:t>
+            </a:r>
+            <a:r>
+              <a:rPr lang="pt-BR" sz="2000" dirty="0">
+                <a:solidFill>
+                  <a:schemeClr val="tx1"/>
+                </a:solidFill>
+                <a:latin typeface="Times New Roman" panose="02020603050405020304" pitchFamily="18" charset="0"/>
+                <a:cs typeface="Times New Roman" panose="02020603050405020304" pitchFamily="18" charset="0"/>
+                <a:hlinkClick r:id="rId4"/>
+              </a:rPr>
+              <a:t>https://algoritmosempython.com.br/cursos/programacao-python/encapsulamento/</a:t>
+            </a:r>
+            <a:endParaRPr lang="pt-BR" sz="2000" dirty="0">
+              <a:solidFill>
+                <a:schemeClr val="tx1"/>
+              </a:solidFill>
+              <a:latin typeface="Times New Roman" panose="02020603050405020304" pitchFamily="18" charset="0"/>
+              <a:cs typeface="Times New Roman" panose="02020603050405020304" pitchFamily="18" charset="0"/>
+            </a:endParaRPr>
+          </a:p>
+          <a:p>
+            <a:pPr marL="0" indent="0" algn="just">
+              <a:buNone/>
+            </a:pPr>
+            <a:endParaRPr lang="pt-BR" sz="2000" dirty="0">
+              <a:latin typeface="Times New Roman" panose="02020603050405020304" pitchFamily="18" charset="0"/>
+              <a:cs typeface="Times New Roman" panose="02020603050405020304" pitchFamily="18" charset="0"/>
+            </a:endParaRPr>
+          </a:p>
+          <a:p>
+            <a:pPr marL="0" indent="0" algn="just">
+              <a:buNone/>
+            </a:pPr>
+            <a:endParaRPr lang="pt-BR" sz="2000" dirty="0">
+              <a:latin typeface="Times New Roman" panose="02020603050405020304" pitchFamily="18" charset="0"/>
+              <a:cs typeface="Times New Roman" panose="02020603050405020304" pitchFamily="18" charset="0"/>
+            </a:endParaRPr>
+          </a:p>
+          <a:p>
+            <a:pPr marL="0" indent="0" algn="just">
+              <a:buNone/>
+            </a:pPr>
+            <a:endParaRPr lang="pt-BR" sz="2000" dirty="0">
+              <a:latin typeface="Calibri" panose="020F0502020204030204" pitchFamily="34" charset="0"/>
+            </a:endParaRPr>
+          </a:p>
+        </p:txBody>
+      </p:sp>
+    </p:spTree>
+    <p:extLst>
+      <p:ext uri="{BB962C8B-B14F-4D97-AF65-F5344CB8AC3E}">
+        <p14:creationId xmlns:p14="http://schemas.microsoft.com/office/powerpoint/2010/main" val="3680270425"/>
+      </p:ext>
+    </p:extLst>
+  </p:cSld>
+  <p:clrMapOvr>
+    <a:masterClrMapping/>
+  </p:clrMapOvr>
+  <p:transition spd="med"/>
+</p:sld>
+</file>
+
+<file path=ppt/slides/slide35.xml><?xml version="1.0" encoding="utf-8"?>
+<p:sld xmlns:a="http://schemas.openxmlformats.org/drawingml/2006/main" xmlns:r="http://schemas.openxmlformats.org/officeDocument/2006/relationships" xmlns:p="http://schemas.openxmlformats.org/presentationml/2006/main">
+  <p:cSld>
+    <p:spTree>
+      <p:nvGrpSpPr>
+        <p:cNvPr id="1" name=""/>
+        <p:cNvGrpSpPr/>
+        <p:nvPr/>
+      </p:nvGrpSpPr>
+      <p:grpSpPr>
+        <a:xfrm>
+          <a:off x="0" y="0"/>
+          <a:ext cx="0" cy="0"/>
+          <a:chOff x="0" y="0"/>
+          <a:chExt cx="0" cy="0"/>
+        </a:xfrm>
+      </p:grpSpPr>
+      <p:sp>
+        <p:nvSpPr>
+          <p:cNvPr id="6" name="Title 1"/>
+          <p:cNvSpPr>
+            <a:spLocks noGrp="1"/>
+          </p:cNvSpPr>
+          <p:nvPr>
+            <p:ph type="title"/>
+          </p:nvPr>
+        </p:nvSpPr>
+        <p:spPr/>
+        <p:txBody>
+          <a:bodyPr>
+            <a:normAutofit/>
+          </a:bodyPr>
+          <a:lstStyle/>
+          <a:p>
+            <a:r>
+              <a:rPr lang="en-US" b="1" dirty="0" err="1">
+                <a:solidFill>
+                  <a:srgbClr val="0070C0"/>
+                </a:solidFill>
+              </a:rPr>
+              <a:t>Dinâmica</a:t>
+            </a:r>
+            <a:r>
+              <a:rPr lang="en-US" b="1" dirty="0">
+                <a:solidFill>
+                  <a:srgbClr val="0070C0"/>
+                </a:solidFill>
+              </a:rPr>
+              <a:t>/</a:t>
+            </a:r>
+            <a:r>
+              <a:rPr lang="en-US" b="1" dirty="0" err="1">
+                <a:solidFill>
+                  <a:srgbClr val="0070C0"/>
+                </a:solidFill>
+              </a:rPr>
+              <a:t>Atividades</a:t>
+            </a:r>
+            <a:endParaRPr lang="en-US" b="1" dirty="0">
+              <a:solidFill>
+                <a:srgbClr val="0070C0"/>
+              </a:solidFill>
+            </a:endParaRPr>
+          </a:p>
+        </p:txBody>
+      </p:sp>
+      <p:sp>
+        <p:nvSpPr>
+          <p:cNvPr id="8" name="Text Placeholder 2"/>
+          <p:cNvSpPr>
+            <a:spLocks noGrp="1"/>
+          </p:cNvSpPr>
+          <p:nvPr>
+            <p:ph type="body" sz="half" idx="1"/>
+          </p:nvPr>
+        </p:nvSpPr>
+        <p:spPr>
+          <a:xfrm>
+            <a:off x="139472" y="1063230"/>
+            <a:ext cx="8865056" cy="3606305"/>
+          </a:xfrm>
+        </p:spPr>
+        <p:txBody>
+          <a:bodyPr>
+            <a:noAutofit/>
+          </a:bodyPr>
+          <a:lstStyle/>
+          <a:p>
+            <a:pPr algn="just">
+              <a:buFontTx/>
+              <a:buChar char="-"/>
+            </a:pPr>
+            <a:r>
+              <a:rPr lang="pt-BR" dirty="0">
+                <a:latin typeface="Times New Roman" panose="02020603050405020304" pitchFamily="18" charset="0"/>
+                <a:cs typeface="Times New Roman" panose="02020603050405020304" pitchFamily="18" charset="0"/>
+              </a:rPr>
+              <a:t>Exercícios de Fixação</a:t>
+            </a:r>
+          </a:p>
+          <a:p>
+            <a:pPr marL="0" indent="0" algn="just">
+              <a:buNone/>
+            </a:pPr>
+            <a:r>
+              <a:rPr lang="pt-BR" dirty="0">
+                <a:latin typeface="Times New Roman" panose="02020603050405020304" pitchFamily="18" charset="0"/>
+                <a:cs typeface="Times New Roman" panose="02020603050405020304" pitchFamily="18" charset="0"/>
+              </a:rPr>
+              <a:t>	Desafios em Sala de Aula.</a:t>
+            </a:r>
+          </a:p>
+        </p:txBody>
+      </p:sp>
+    </p:spTree>
+    <p:extLst>
+      <p:ext uri="{BB962C8B-B14F-4D97-AF65-F5344CB8AC3E}">
+        <p14:creationId xmlns:p14="http://schemas.microsoft.com/office/powerpoint/2010/main" val="2470652989"/>
+      </p:ext>
+    </p:extLst>
+  </p:cSld>
+  <p:clrMapOvr>
+    <a:masterClrMapping/>
+  </p:clrMapOvr>
+  <p:transition spd="med"/>
+</p:sld>
+</file>
+
+<file path=ppt/slides/slide36.xml><?xml version="1.0" encoding="utf-8"?>
+<p:sld xmlns:a="http://schemas.openxmlformats.org/drawingml/2006/main" xmlns:r="http://schemas.openxmlformats.org/officeDocument/2006/relationships" xmlns:p="http://schemas.openxmlformats.org/presentationml/2006/main">
+  <p:cSld>
+    <p:spTree>
+      <p:nvGrpSpPr>
+        <p:cNvPr id="1" name=""/>
+        <p:cNvGrpSpPr/>
+        <p:nvPr/>
+      </p:nvGrpSpPr>
+      <p:grpSpPr>
+        <a:xfrm>
+          <a:off x="0" y="0"/>
+          <a:ext cx="0" cy="0"/>
+          <a:chOff x="0" y="0"/>
+          <a:chExt cx="0" cy="0"/>
+        </a:xfrm>
+      </p:grpSpPr>
+      <p:sp>
+        <p:nvSpPr>
+          <p:cNvPr id="6" name="Title 1"/>
+          <p:cNvSpPr>
+            <a:spLocks noGrp="1"/>
+          </p:cNvSpPr>
+          <p:nvPr>
+            <p:ph type="title"/>
+          </p:nvPr>
+        </p:nvSpPr>
+        <p:spPr/>
+        <p:txBody>
+          <a:bodyPr>
+            <a:normAutofit/>
+          </a:bodyPr>
+          <a:lstStyle/>
+          <a:p>
+            <a:r>
+              <a:rPr lang="en-US" b="1" dirty="0" err="1">
+                <a:solidFill>
+                  <a:srgbClr val="0070C0"/>
+                </a:solidFill>
+              </a:rPr>
               <a:t>Referências</a:t>
             </a:r>
             <a:r>
@@ -15652,7 +17562,7 @@
 </p:sld>
 </file>
 
-<file path=ppt/slides/slide34.xml><?xml version="1.0" encoding="utf-8"?>
+<file path=ppt/slides/slide37.xml><?xml version="1.0" encoding="utf-8"?>
 <p:sld xmlns:a="http://schemas.openxmlformats.org/drawingml/2006/main" xmlns:r="http://schemas.openxmlformats.org/officeDocument/2006/relationships" xmlns:p="http://schemas.openxmlformats.org/presentationml/2006/main">
   <p:cSld>
     <p:spTree>
@@ -16156,7 +18066,7 @@
                   <a:srgbClr val="0070C0"/>
                 </a:solidFill>
               </a:rPr>
-              <a:t>Criação</a:t>
+              <a:t>Definição</a:t>
             </a:r>
             <a:endParaRPr lang="en-US" b="1" dirty="0">
               <a:solidFill>
@@ -16258,6 +18168,15 @@
             <a:pPr marL="1555750" lvl="3" indent="0" algn="just">
               <a:buNone/>
             </a:pPr>
+            <a:endParaRPr lang="pt-BR" sz="2400" b="1" dirty="0">
+              <a:latin typeface="Times New Roman" panose="02020603050405020304" pitchFamily="18" charset="0"/>
+              <a:cs typeface="Times New Roman" panose="02020603050405020304" pitchFamily="18" charset="0"/>
+            </a:endParaRPr>
+          </a:p>
+          <a:p>
+            <a:pPr marL="1555750" lvl="3" indent="0" algn="just">
+              <a:buNone/>
+            </a:pPr>
             <a:r>
               <a:rPr lang="pt-BR" sz="2400" b="1" dirty="0" err="1">
                 <a:latin typeface="Times New Roman" panose="02020603050405020304" pitchFamily="18" charset="0"/>
@@ -16299,50 +18218,7 @@
                 <a:latin typeface="Times New Roman" panose="02020603050405020304" pitchFamily="18" charset="0"/>
                 <a:cs typeface="Times New Roman" panose="02020603050405020304" pitchFamily="18" charset="0"/>
               </a:rPr>
-              <a:t>  x = 5</a:t>
-            </a:r>
-          </a:p>
-          <a:p>
-            <a:pPr marL="1555750" lvl="3" indent="0" algn="just">
-              <a:buNone/>
-            </a:pPr>
-            <a:r>
-              <a:rPr lang="pt-BR" sz="2400" b="1" dirty="0">
-                <a:latin typeface="Times New Roman" panose="02020603050405020304" pitchFamily="18" charset="0"/>
-                <a:cs typeface="Times New Roman" panose="02020603050405020304" pitchFamily="18" charset="0"/>
-              </a:rPr>
-              <a:t>print</a:t>
-            </a:r>
-            <a:r>
-              <a:rPr lang="pt-BR" sz="2400" dirty="0">
-                <a:latin typeface="Times New Roman" panose="02020603050405020304" pitchFamily="18" charset="0"/>
-                <a:cs typeface="Times New Roman" panose="02020603050405020304" pitchFamily="18" charset="0"/>
-              </a:rPr>
-              <a:t>(</a:t>
-            </a:r>
-            <a:r>
-              <a:rPr lang="pt-BR" sz="2400" b="1" dirty="0" err="1">
-                <a:solidFill>
-                  <a:srgbClr val="FF0000"/>
-                </a:solidFill>
-                <a:latin typeface="Times New Roman" panose="02020603050405020304" pitchFamily="18" charset="0"/>
-                <a:cs typeface="Times New Roman" panose="02020603050405020304" pitchFamily="18" charset="0"/>
-              </a:rPr>
-              <a:t>Numero</a:t>
-            </a:r>
-            <a:r>
-              <a:rPr lang="pt-BR" sz="2400" dirty="0" err="1">
-                <a:latin typeface="Times New Roman" panose="02020603050405020304" pitchFamily="18" charset="0"/>
-                <a:cs typeface="Times New Roman" panose="02020603050405020304" pitchFamily="18" charset="0"/>
-              </a:rPr>
-              <a:t>.x</a:t>
-            </a:r>
-            <a:r>
-              <a:rPr lang="pt-BR" sz="2400" dirty="0">
-                <a:latin typeface="Times New Roman" panose="02020603050405020304" pitchFamily="18" charset="0"/>
-                <a:cs typeface="Times New Roman" panose="02020603050405020304" pitchFamily="18" charset="0"/>
-              </a:rPr>
-              <a:t>)</a:t>
+              <a:t>  	x = 5</a:t>
             </a:r>
           </a:p>
         </p:txBody>
@@ -16350,7 +18226,7 @@
     </p:spTree>
     <p:extLst>
       <p:ext uri="{BB962C8B-B14F-4D97-AF65-F5344CB8AC3E}">
-        <p14:creationId xmlns:p14="http://schemas.microsoft.com/office/powerpoint/2010/main" val="1547900614"/>
+        <p14:creationId xmlns:p14="http://schemas.microsoft.com/office/powerpoint/2010/main" val="2622312755"/>
       </p:ext>
     </p:extLst>
   </p:cSld>
@@ -17694,6 +19570,9 @@
                 <a:solidFill>
                   <a:srgbClr val="0070C0"/>
                 </a:solidFill>
+                <a:highlight>
+                  <a:srgbClr val="FFFF00"/>
+                </a:highlight>
               </a:rPr>
               <a:t>metódos</a:t>
             </a:r>
@@ -17701,6 +19580,9 @@
               <a:solidFill>
                 <a:srgbClr val="0070C0"/>
               </a:solidFill>
+              <a:highlight>
+                <a:srgbClr val="FFFF00"/>
+              </a:highlight>
             </a:endParaRPr>
           </a:p>
         </p:txBody>
@@ -17763,48 +19645,293 @@
             <a:pPr marL="0" indent="0" algn="just">
               <a:buNone/>
             </a:pPr>
-            <a:endParaRPr lang="pt-BR" sz="2400" b="1" dirty="0">
-              <a:solidFill>
-                <a:srgbClr val="FF0000"/>
-              </a:solidFill>
-              <a:latin typeface="Times New Roman" panose="02020603050405020304" pitchFamily="18" charset="0"/>
-              <a:cs typeface="Times New Roman" panose="02020603050405020304" pitchFamily="18" charset="0"/>
-            </a:endParaRPr>
+            <a:r>
+              <a:rPr lang="pt-BR" sz="2400" b="1" dirty="0">
+                <a:solidFill>
+                  <a:srgbClr val="FF0000"/>
+                </a:solidFill>
+                <a:latin typeface="Times New Roman" panose="02020603050405020304" pitchFamily="18" charset="0"/>
+                <a:cs typeface="Times New Roman" panose="02020603050405020304" pitchFamily="18" charset="0"/>
+              </a:rPr>
+              <a:t>Métodos</a:t>
+            </a:r>
+            <a:r>
+              <a:rPr lang="pt-BR" sz="2400" dirty="0">
+                <a:latin typeface="Times New Roman" panose="02020603050405020304" pitchFamily="18" charset="0"/>
+                <a:cs typeface="Times New Roman" panose="02020603050405020304" pitchFamily="18" charset="0"/>
+              </a:rPr>
+              <a:t> em objetos </a:t>
+            </a:r>
+            <a:r>
+              <a:rPr lang="pt-BR" sz="2400" b="1" dirty="0">
+                <a:latin typeface="Times New Roman" panose="02020603050405020304" pitchFamily="18" charset="0"/>
+                <a:cs typeface="Times New Roman" panose="02020603050405020304" pitchFamily="18" charset="0"/>
+              </a:rPr>
+              <a:t>são funções</a:t>
+            </a:r>
+            <a:r>
+              <a:rPr lang="pt-BR" sz="2400" dirty="0">
+                <a:latin typeface="Times New Roman" panose="02020603050405020304" pitchFamily="18" charset="0"/>
+                <a:cs typeface="Times New Roman" panose="02020603050405020304" pitchFamily="18" charset="0"/>
+              </a:rPr>
+              <a:t> que pertencem ao </a:t>
+            </a:r>
+            <a:r>
+              <a:rPr lang="pt-BR" sz="2400" b="1" dirty="0">
+                <a:solidFill>
+                  <a:srgbClr val="FF0000"/>
+                </a:solidFill>
+                <a:latin typeface="Times New Roman" panose="02020603050405020304" pitchFamily="18" charset="0"/>
+                <a:cs typeface="Times New Roman" panose="02020603050405020304" pitchFamily="18" charset="0"/>
+              </a:rPr>
+              <a:t>objeto</a:t>
+            </a:r>
+            <a:r>
+              <a:rPr lang="pt-BR" sz="2400" dirty="0">
+                <a:latin typeface="Times New Roman" panose="02020603050405020304" pitchFamily="18" charset="0"/>
+                <a:cs typeface="Times New Roman" panose="02020603050405020304" pitchFamily="18" charset="0"/>
+              </a:rPr>
+              <a:t>.</a:t>
+            </a:r>
           </a:p>
           <a:p>
             <a:pPr marL="0" indent="0" algn="just">
               <a:buNone/>
             </a:pPr>
             <a:r>
+              <a:rPr lang="pt-BR" sz="2400" dirty="0">
+                <a:latin typeface="Times New Roman" panose="02020603050405020304" pitchFamily="18" charset="0"/>
+                <a:cs typeface="Times New Roman" panose="02020603050405020304" pitchFamily="18" charset="0"/>
+              </a:rPr>
+              <a:t>  Ex.: ... </a:t>
+            </a:r>
+            <a:r>
+              <a:rPr lang="pt-BR" sz="2400" b="1" dirty="0" err="1">
+                <a:latin typeface="Times New Roman" panose="02020603050405020304" pitchFamily="18" charset="0"/>
+                <a:cs typeface="Times New Roman" panose="02020603050405020304" pitchFamily="18" charset="0"/>
+              </a:rPr>
+              <a:t>Class</a:t>
+            </a:r>
+            <a:r>
+              <a:rPr lang="pt-BR" sz="2400" dirty="0">
+                <a:latin typeface="Times New Roman" panose="02020603050405020304" pitchFamily="18" charset="0"/>
+                <a:cs typeface="Times New Roman" panose="02020603050405020304" pitchFamily="18" charset="0"/>
+              </a:rPr>
+              <a:t> Pessoa:</a:t>
+            </a:r>
+          </a:p>
+          <a:p>
+            <a:pPr marL="2012950" lvl="4" indent="0" algn="just">
+              <a:buNone/>
+            </a:pPr>
+            <a:r>
+              <a:rPr lang="en-US" sz="2400" dirty="0">
+                <a:latin typeface="Times New Roman" panose="02020603050405020304" pitchFamily="18" charset="0"/>
+                <a:cs typeface="Times New Roman" panose="02020603050405020304" pitchFamily="18" charset="0"/>
+              </a:rPr>
+              <a:t> </a:t>
+            </a:r>
+            <a:r>
+              <a:rPr lang="en-US" sz="2400" b="1" dirty="0">
+                <a:latin typeface="Times New Roman" panose="02020603050405020304" pitchFamily="18" charset="0"/>
+                <a:cs typeface="Times New Roman" panose="02020603050405020304" pitchFamily="18" charset="0"/>
+              </a:rPr>
+              <a:t>def</a:t>
+            </a:r>
+            <a:r>
+              <a:rPr lang="en-US" sz="2400" dirty="0">
+                <a:latin typeface="Times New Roman" panose="02020603050405020304" pitchFamily="18" charset="0"/>
+                <a:cs typeface="Times New Roman" panose="02020603050405020304" pitchFamily="18" charset="0"/>
+              </a:rPr>
+              <a:t> </a:t>
+            </a:r>
+            <a:r>
+              <a:rPr lang="en-US" sz="2400" b="1" dirty="0" err="1">
+                <a:solidFill>
+                  <a:srgbClr val="FF0000"/>
+                </a:solidFill>
+                <a:latin typeface="Times New Roman" panose="02020603050405020304" pitchFamily="18" charset="0"/>
+                <a:cs typeface="Times New Roman" panose="02020603050405020304" pitchFamily="18" charset="0"/>
+              </a:rPr>
+              <a:t>imprime_nome</a:t>
+            </a:r>
+            <a:r>
+              <a:rPr lang="en-US" sz="2400" dirty="0">
+                <a:latin typeface="Times New Roman" panose="02020603050405020304" pitchFamily="18" charset="0"/>
+                <a:cs typeface="Times New Roman" panose="02020603050405020304" pitchFamily="18" charset="0"/>
+              </a:rPr>
+              <a:t>(</a:t>
+            </a:r>
+            <a:r>
+              <a:rPr lang="en-US" sz="2400" b="1" dirty="0">
+                <a:latin typeface="Times New Roman" panose="02020603050405020304" pitchFamily="18" charset="0"/>
+                <a:cs typeface="Times New Roman" panose="02020603050405020304" pitchFamily="18" charset="0"/>
+              </a:rPr>
+              <a:t>self</a:t>
+            </a:r>
+            <a:r>
+              <a:rPr lang="en-US" sz="2400" dirty="0">
+                <a:latin typeface="Times New Roman" panose="02020603050405020304" pitchFamily="18" charset="0"/>
+                <a:cs typeface="Times New Roman" panose="02020603050405020304" pitchFamily="18" charset="0"/>
+              </a:rPr>
+              <a:t>):</a:t>
+            </a:r>
+          </a:p>
+          <a:p>
+            <a:pPr marL="2012950" lvl="4" indent="0" algn="just">
+              <a:buNone/>
+            </a:pPr>
+            <a:r>
+              <a:rPr lang="en-US" sz="2400" dirty="0">
+                <a:latin typeface="Times New Roman" panose="02020603050405020304" pitchFamily="18" charset="0"/>
+                <a:cs typeface="Times New Roman" panose="02020603050405020304" pitchFamily="18" charset="0"/>
+              </a:rPr>
+              <a:t>    </a:t>
+            </a:r>
+            <a:r>
+              <a:rPr lang="en-US" sz="2400" b="1" dirty="0">
+                <a:latin typeface="Times New Roman" panose="02020603050405020304" pitchFamily="18" charset="0"/>
+                <a:cs typeface="Times New Roman" panose="02020603050405020304" pitchFamily="18" charset="0"/>
+              </a:rPr>
+              <a:t>print</a:t>
+            </a:r>
+            <a:r>
+              <a:rPr lang="en-US" sz="2400" dirty="0">
+                <a:latin typeface="Times New Roman" panose="02020603050405020304" pitchFamily="18" charset="0"/>
+                <a:cs typeface="Times New Roman" panose="02020603050405020304" pitchFamily="18" charset="0"/>
+              </a:rPr>
+              <a:t>(</a:t>
+            </a:r>
+            <a:r>
+              <a:rPr lang="pt-BR" sz="2400" dirty="0">
+                <a:latin typeface="Times New Roman" panose="02020603050405020304" pitchFamily="18" charset="0"/>
+                <a:cs typeface="Times New Roman" panose="02020603050405020304" pitchFamily="18" charset="0"/>
+              </a:rPr>
+              <a:t>"</a:t>
+            </a:r>
+            <a:r>
+              <a:rPr lang="en-US" sz="2400" dirty="0">
+                <a:latin typeface="Times New Roman" panose="02020603050405020304" pitchFamily="18" charset="0"/>
+                <a:cs typeface="Times New Roman" panose="02020603050405020304" pitchFamily="18" charset="0"/>
+              </a:rPr>
+              <a:t>Meu </a:t>
+            </a:r>
+            <a:r>
+              <a:rPr lang="en-US" sz="2400" dirty="0" err="1">
+                <a:latin typeface="Times New Roman" panose="02020603050405020304" pitchFamily="18" charset="0"/>
+                <a:cs typeface="Times New Roman" panose="02020603050405020304" pitchFamily="18" charset="0"/>
+              </a:rPr>
+              <a:t>nome</a:t>
+            </a:r>
+            <a:r>
+              <a:rPr lang="en-US" sz="2400" dirty="0">
+                <a:latin typeface="Times New Roman" panose="02020603050405020304" pitchFamily="18" charset="0"/>
+                <a:cs typeface="Times New Roman" panose="02020603050405020304" pitchFamily="18" charset="0"/>
+              </a:rPr>
+              <a:t> é: " + </a:t>
+            </a:r>
+            <a:r>
+              <a:rPr lang="en-US" sz="2400" b="1" dirty="0" err="1">
+                <a:latin typeface="Times New Roman" panose="02020603050405020304" pitchFamily="18" charset="0"/>
+                <a:cs typeface="Times New Roman" panose="02020603050405020304" pitchFamily="18" charset="0"/>
+              </a:rPr>
+              <a:t>self</a:t>
+            </a:r>
+            <a:r>
+              <a:rPr lang="en-US" sz="2400" dirty="0" err="1">
+                <a:latin typeface="Times New Roman" panose="02020603050405020304" pitchFamily="18" charset="0"/>
+                <a:cs typeface="Times New Roman" panose="02020603050405020304" pitchFamily="18" charset="0"/>
+              </a:rPr>
+              <a:t>.nome</a:t>
+            </a:r>
+            <a:r>
+              <a:rPr lang="en-US" sz="2400" dirty="0">
+                <a:latin typeface="Times New Roman" panose="02020603050405020304" pitchFamily="18" charset="0"/>
+                <a:cs typeface="Times New Roman" panose="02020603050405020304" pitchFamily="18" charset="0"/>
+              </a:rPr>
+              <a:t>)</a:t>
+            </a:r>
+          </a:p>
+          <a:p>
+            <a:pPr marL="0" indent="0" algn="just">
+              <a:buNone/>
+            </a:pPr>
+            <a:r>
               <a:rPr lang="pt-BR" sz="2400" b="1" dirty="0">
+                <a:latin typeface="Times New Roman" panose="02020603050405020304" pitchFamily="18" charset="0"/>
+                <a:cs typeface="Times New Roman" panose="02020603050405020304" pitchFamily="18" charset="0"/>
+              </a:rPr>
+              <a:t>	     p1</a:t>
+            </a:r>
+            <a:r>
+              <a:rPr lang="pt-BR" sz="2400" dirty="0">
+                <a:latin typeface="Times New Roman" panose="02020603050405020304" pitchFamily="18" charset="0"/>
+                <a:cs typeface="Times New Roman" panose="02020603050405020304" pitchFamily="18" charset="0"/>
+              </a:rPr>
+              <a:t> = </a:t>
+            </a:r>
+            <a:r>
+              <a:rPr lang="pt-BR" sz="2400" b="1" dirty="0">
                 <a:solidFill>
                   <a:srgbClr val="FF0000"/>
                 </a:solidFill>
                 <a:latin typeface="Times New Roman" panose="02020603050405020304" pitchFamily="18" charset="0"/>
                 <a:cs typeface="Times New Roman" panose="02020603050405020304" pitchFamily="18" charset="0"/>
               </a:rPr>
-              <a:t>Métodos</a:t>
+              <a:t>Pessoa</a:t>
             </a:r>
             <a:r>
               <a:rPr lang="pt-BR" sz="2400" dirty="0">
                 <a:latin typeface="Times New Roman" panose="02020603050405020304" pitchFamily="18" charset="0"/>
                 <a:cs typeface="Times New Roman" panose="02020603050405020304" pitchFamily="18" charset="0"/>
               </a:rPr>
-              <a:t> em objetos </a:t>
-            </a:r>
+              <a:t>("Julia", 17)</a:t>
+            </a:r>
+          </a:p>
+          <a:p>
+            <a:pPr marL="0" indent="0" algn="just">
+              <a:buNone/>
+            </a:pPr>
             <a:r>
               <a:rPr lang="pt-BR" sz="2400" b="1" dirty="0">
                 <a:latin typeface="Times New Roman" panose="02020603050405020304" pitchFamily="18" charset="0"/>
                 <a:cs typeface="Times New Roman" panose="02020603050405020304" pitchFamily="18" charset="0"/>
               </a:rPr>
-              <a:t>são funções</a:t>
+              <a:t>	     p1</a:t>
             </a:r>
             <a:r>
               <a:rPr lang="pt-BR" sz="2400" dirty="0">
                 <a:latin typeface="Times New Roman" panose="02020603050405020304" pitchFamily="18" charset="0"/>
                 <a:cs typeface="Times New Roman" panose="02020603050405020304" pitchFamily="18" charset="0"/>
               </a:rPr>
-              <a:t> que pertencem ao </a:t>
+              <a:t>.</a:t>
+            </a:r>
+            <a:r>
+              <a:rPr lang="en-US" sz="2400" b="1" dirty="0">
+                <a:solidFill>
+                  <a:srgbClr val="FF0000"/>
+                </a:solidFill>
+                <a:latin typeface="Times New Roman" panose="02020603050405020304" pitchFamily="18" charset="0"/>
+                <a:cs typeface="Times New Roman" panose="02020603050405020304" pitchFamily="18" charset="0"/>
+              </a:rPr>
+              <a:t> </a:t>
+            </a:r>
+            <a:r>
+              <a:rPr lang="en-US" sz="2400" b="1" dirty="0" err="1">
+                <a:solidFill>
+                  <a:srgbClr val="FF0000"/>
+                </a:solidFill>
+                <a:latin typeface="Times New Roman" panose="02020603050405020304" pitchFamily="18" charset="0"/>
+                <a:cs typeface="Times New Roman" panose="02020603050405020304" pitchFamily="18" charset="0"/>
+              </a:rPr>
+              <a:t>imprime_nome</a:t>
+            </a:r>
+            <a:r>
+              <a:rPr lang="pt-BR" sz="2400" dirty="0">
+                <a:latin typeface="Times New Roman" panose="02020603050405020304" pitchFamily="18" charset="0"/>
+                <a:cs typeface="Times New Roman" panose="02020603050405020304" pitchFamily="18" charset="0"/>
+              </a:rPr>
+              <a:t>() # aqui </a:t>
             </a:r>
             <a:r>
               <a:rPr lang="pt-BR" sz="2400" b="1" dirty="0">
@@ -17814,183 +19941,14 @@
                 <a:latin typeface="Times New Roman" panose="02020603050405020304" pitchFamily="18" charset="0"/>
                 <a:cs typeface="Times New Roman" panose="02020603050405020304" pitchFamily="18" charset="0"/>
               </a:rPr>
-              <a:t>objeto</a:t>
+              <a:t>método</a:t>
             </a:r>
             <a:r>
               <a:rPr lang="pt-BR" sz="2400" dirty="0">
                 <a:latin typeface="Times New Roman" panose="02020603050405020304" pitchFamily="18" charset="0"/>
                 <a:cs typeface="Times New Roman" panose="02020603050405020304" pitchFamily="18" charset="0"/>
               </a:rPr>
-              <a:t>.</a:t>
-            </a:r>
-          </a:p>
-          <a:p>
-            <a:pPr marL="0" indent="0" algn="just">
-              <a:buNone/>
-            </a:pPr>
-            <a:r>
-              <a:rPr lang="pt-BR" sz="2400" dirty="0">
-                <a:latin typeface="Times New Roman" panose="02020603050405020304" pitchFamily="18" charset="0"/>
-                <a:cs typeface="Times New Roman" panose="02020603050405020304" pitchFamily="18" charset="0"/>
-              </a:rPr>
-              <a:t>  Ex.: ...</a:t>
-            </a:r>
-          </a:p>
-          <a:p>
-            <a:pPr marL="0" indent="0" algn="just">
-              <a:buNone/>
-            </a:pPr>
-            <a:r>
-              <a:rPr lang="en-US" sz="2400" dirty="0">
-                <a:latin typeface="Times New Roman" panose="02020603050405020304" pitchFamily="18" charset="0"/>
-                <a:cs typeface="Times New Roman" panose="02020603050405020304" pitchFamily="18" charset="0"/>
-              </a:rPr>
-              <a:t> </a:t>
-            </a:r>
-            <a:r>
-              <a:rPr lang="en-US" sz="2400" b="1" dirty="0">
-                <a:latin typeface="Times New Roman" panose="02020603050405020304" pitchFamily="18" charset="0"/>
-                <a:cs typeface="Times New Roman" panose="02020603050405020304" pitchFamily="18" charset="0"/>
-              </a:rPr>
-              <a:t>def</a:t>
-            </a:r>
-            <a:r>
-              <a:rPr lang="en-US" sz="2400" dirty="0">
-                <a:latin typeface="Times New Roman" panose="02020603050405020304" pitchFamily="18" charset="0"/>
-                <a:cs typeface="Times New Roman" panose="02020603050405020304" pitchFamily="18" charset="0"/>
-              </a:rPr>
-              <a:t> </a:t>
-            </a:r>
-            <a:r>
-              <a:rPr lang="en-US" sz="2400" b="1" dirty="0" err="1">
-                <a:solidFill>
-                  <a:srgbClr val="FF0000"/>
-                </a:solidFill>
-                <a:latin typeface="Times New Roman" panose="02020603050405020304" pitchFamily="18" charset="0"/>
-                <a:cs typeface="Times New Roman" panose="02020603050405020304" pitchFamily="18" charset="0"/>
-              </a:rPr>
-              <a:t>imprime_nome</a:t>
-            </a:r>
-            <a:r>
-              <a:rPr lang="en-US" sz="2400" dirty="0">
-                <a:latin typeface="Times New Roman" panose="02020603050405020304" pitchFamily="18" charset="0"/>
-                <a:cs typeface="Times New Roman" panose="02020603050405020304" pitchFamily="18" charset="0"/>
-              </a:rPr>
-              <a:t>(</a:t>
-            </a:r>
-            <a:r>
-              <a:rPr lang="en-US" sz="2400" b="1" dirty="0">
-                <a:latin typeface="Times New Roman" panose="02020603050405020304" pitchFamily="18" charset="0"/>
-                <a:cs typeface="Times New Roman" panose="02020603050405020304" pitchFamily="18" charset="0"/>
-              </a:rPr>
-              <a:t>self</a:t>
-            </a:r>
-            <a:r>
-              <a:rPr lang="en-US" sz="2400" dirty="0">
-                <a:latin typeface="Times New Roman" panose="02020603050405020304" pitchFamily="18" charset="0"/>
-                <a:cs typeface="Times New Roman" panose="02020603050405020304" pitchFamily="18" charset="0"/>
-              </a:rPr>
-              <a:t>):</a:t>
-            </a:r>
-          </a:p>
-          <a:p>
-            <a:pPr marL="0" indent="0" algn="just">
-              <a:buNone/>
-            </a:pPr>
-            <a:r>
-              <a:rPr lang="en-US" sz="2400" dirty="0">
-                <a:latin typeface="Times New Roman" panose="02020603050405020304" pitchFamily="18" charset="0"/>
-                <a:cs typeface="Times New Roman" panose="02020603050405020304" pitchFamily="18" charset="0"/>
-              </a:rPr>
-              <a:t>    </a:t>
-            </a:r>
-            <a:r>
-              <a:rPr lang="en-US" sz="2400" b="1" dirty="0">
-                <a:latin typeface="Times New Roman" panose="02020603050405020304" pitchFamily="18" charset="0"/>
-                <a:cs typeface="Times New Roman" panose="02020603050405020304" pitchFamily="18" charset="0"/>
-              </a:rPr>
-              <a:t>print</a:t>
-            </a:r>
-            <a:r>
-              <a:rPr lang="en-US" sz="2400" dirty="0">
-                <a:latin typeface="Times New Roman" panose="02020603050405020304" pitchFamily="18" charset="0"/>
-                <a:cs typeface="Times New Roman" panose="02020603050405020304" pitchFamily="18" charset="0"/>
-              </a:rPr>
-              <a:t>(“Meu </a:t>
-            </a:r>
-            <a:r>
-              <a:rPr lang="en-US" sz="2400" dirty="0" err="1">
-                <a:latin typeface="Times New Roman" panose="02020603050405020304" pitchFamily="18" charset="0"/>
-                <a:cs typeface="Times New Roman" panose="02020603050405020304" pitchFamily="18" charset="0"/>
-              </a:rPr>
-              <a:t>nome</a:t>
-            </a:r>
-            <a:r>
-              <a:rPr lang="en-US" sz="2400" dirty="0">
-                <a:latin typeface="Times New Roman" panose="02020603050405020304" pitchFamily="18" charset="0"/>
-                <a:cs typeface="Times New Roman" panose="02020603050405020304" pitchFamily="18" charset="0"/>
-              </a:rPr>
-              <a:t> é: " + </a:t>
-            </a:r>
-            <a:r>
-              <a:rPr lang="en-US" sz="2400" b="1" dirty="0" err="1">
-                <a:latin typeface="Times New Roman" panose="02020603050405020304" pitchFamily="18" charset="0"/>
-                <a:cs typeface="Times New Roman" panose="02020603050405020304" pitchFamily="18" charset="0"/>
-              </a:rPr>
-              <a:t>self</a:t>
-            </a:r>
-            <a:r>
-              <a:rPr lang="en-US" sz="2400" dirty="0" err="1">
-                <a:latin typeface="Times New Roman" panose="02020603050405020304" pitchFamily="18" charset="0"/>
-                <a:cs typeface="Times New Roman" panose="02020603050405020304" pitchFamily="18" charset="0"/>
-              </a:rPr>
-              <a:t>.nome</a:t>
-            </a:r>
-            <a:r>
-              <a:rPr lang="en-US" sz="2400" dirty="0">
-                <a:latin typeface="Times New Roman" panose="02020603050405020304" pitchFamily="18" charset="0"/>
-                <a:cs typeface="Times New Roman" panose="02020603050405020304" pitchFamily="18" charset="0"/>
-              </a:rPr>
-              <a:t>)</a:t>
-            </a:r>
-          </a:p>
-          <a:p>
-            <a:pPr marL="0" indent="0" algn="just">
-              <a:buNone/>
-            </a:pPr>
-            <a:r>
-              <a:rPr lang="pt-BR" sz="2400" dirty="0">
-                <a:latin typeface="Times New Roman" panose="02020603050405020304" pitchFamily="18" charset="0"/>
-                <a:cs typeface="Times New Roman" panose="02020603050405020304" pitchFamily="18" charset="0"/>
-              </a:rPr>
-              <a:t>p1.</a:t>
-            </a:r>
-            <a:r>
-              <a:rPr lang="en-US" sz="2400" b="1" dirty="0">
-                <a:solidFill>
-                  <a:srgbClr val="FF0000"/>
-                </a:solidFill>
-                <a:latin typeface="Times New Roman" panose="02020603050405020304" pitchFamily="18" charset="0"/>
-                <a:cs typeface="Times New Roman" panose="02020603050405020304" pitchFamily="18" charset="0"/>
-              </a:rPr>
-              <a:t> </a:t>
-            </a:r>
-            <a:r>
-              <a:rPr lang="en-US" sz="2400" b="1" dirty="0" err="1">
-                <a:solidFill>
-                  <a:srgbClr val="FF0000"/>
-                </a:solidFill>
-                <a:latin typeface="Times New Roman" panose="02020603050405020304" pitchFamily="18" charset="0"/>
-                <a:cs typeface="Times New Roman" panose="02020603050405020304" pitchFamily="18" charset="0"/>
-              </a:rPr>
-              <a:t>imprime_nome</a:t>
-            </a:r>
-            <a:r>
-              <a:rPr lang="pt-BR" sz="2400" dirty="0">
-                <a:latin typeface="Times New Roman" panose="02020603050405020304" pitchFamily="18" charset="0"/>
-                <a:cs typeface="Times New Roman" panose="02020603050405020304" pitchFamily="18" charset="0"/>
-              </a:rPr>
-              <a:t>()</a:t>
+              <a:t> = função</a:t>
             </a:r>
           </a:p>
         </p:txBody>
@@ -17998,7 +19956,7 @@
     </p:spTree>
     <p:extLst>
       <p:ext uri="{BB962C8B-B14F-4D97-AF65-F5344CB8AC3E}">
-        <p14:creationId xmlns:p14="http://schemas.microsoft.com/office/powerpoint/2010/main" val="4052486642"/>
+        <p14:creationId xmlns:p14="http://schemas.microsoft.com/office/powerpoint/2010/main" val="3233734104"/>
       </p:ext>
     </p:extLst>
   </p:cSld>
